--- a/instructors/06-Wrapping_up.pptx
+++ b/instructors/06-Wrapping_up.pptx
@@ -5,24 +5,26 @@
     <p:sldMasterId id="2147483648" r:id="rId1"/>
   </p:sldMasterIdLst>
   <p:notesMasterIdLst>
-    <p:notesMasterId r:id="rId17"/>
+    <p:notesMasterId r:id="rId19"/>
   </p:notesMasterIdLst>
   <p:sldIdLst>
     <p:sldId id="343" r:id="rId2"/>
-    <p:sldId id="344" r:id="rId3"/>
-    <p:sldId id="259" r:id="rId4"/>
-    <p:sldId id="345" r:id="rId5"/>
-    <p:sldId id="346" r:id="rId6"/>
-    <p:sldId id="257" r:id="rId7"/>
-    <p:sldId id="273" r:id="rId8"/>
-    <p:sldId id="347" r:id="rId9"/>
-    <p:sldId id="258" r:id="rId10"/>
-    <p:sldId id="269" r:id="rId11"/>
-    <p:sldId id="348" r:id="rId12"/>
-    <p:sldId id="350" r:id="rId13"/>
-    <p:sldId id="349" r:id="rId14"/>
-    <p:sldId id="268" r:id="rId15"/>
-    <p:sldId id="319" r:id="rId16"/>
+    <p:sldId id="259" r:id="rId3"/>
+    <p:sldId id="351" r:id="rId4"/>
+    <p:sldId id="352" r:id="rId5"/>
+    <p:sldId id="344" r:id="rId6"/>
+    <p:sldId id="345" r:id="rId7"/>
+    <p:sldId id="346" r:id="rId8"/>
+    <p:sldId id="257" r:id="rId9"/>
+    <p:sldId id="273" r:id="rId10"/>
+    <p:sldId id="347" r:id="rId11"/>
+    <p:sldId id="258" r:id="rId12"/>
+    <p:sldId id="269" r:id="rId13"/>
+    <p:sldId id="348" r:id="rId14"/>
+    <p:sldId id="350" r:id="rId15"/>
+    <p:sldId id="349" r:id="rId16"/>
+    <p:sldId id="268" r:id="rId17"/>
+    <p:sldId id="319" r:id="rId18"/>
   </p:sldIdLst>
   <p:sldSz cx="12192000" cy="6858000"/>
   <p:notesSz cx="6858000" cy="9144000"/>
@@ -633,7 +635,7 @@
           <a:p>
             <a:fld id="{B361C124-7373-F149-A166-BB8240B9FE77}" type="slidenum">
               <a:rPr lang="en-GB" smtClean="0"/>
-              <a:t>9</a:t>
+              <a:t>11</a:t>
             </a:fld>
             <a:endParaRPr lang="en-GB"/>
           </a:p>
@@ -717,7 +719,7 @@
           <a:p>
             <a:fld id="{B361C124-7373-F149-A166-BB8240B9FE77}" type="slidenum">
               <a:rPr lang="en-GB" smtClean="0"/>
-              <a:t>15</a:t>
+              <a:t>17</a:t>
             </a:fld>
             <a:endParaRPr lang="en-GB"/>
           </a:p>
@@ -3980,7 +3982,7 @@
         <p:spPr>
           <a:xfrm>
             <a:off x="3238676" y="2663036"/>
-            <a:ext cx="7074373" cy="1015663"/>
+            <a:ext cx="6817828" cy="1015663"/>
           </a:xfrm>
           <a:prstGeom prst="rect">
             <a:avLst/>
@@ -3998,7 +4000,7 @@
                   <a:srgbClr val="0070C0"/>
                 </a:solidFill>
               </a:rPr>
-              <a:t>It is all about planning</a:t>
+              <a:t>Putting it all together</a:t>
             </a:r>
             <a:endParaRPr lang="en-GB" sz="6000" dirty="0">
               <a:solidFill>
@@ -4047,6 +4049,1166 @@
       </p:grpSpPr>
       <p:sp>
         <p:nvSpPr>
+          <p:cNvPr id="2" name="Title 1"/>
+          <p:cNvSpPr>
+            <a:spLocks noGrp="1"/>
+          </p:cNvSpPr>
+          <p:nvPr>
+            <p:ph type="title"/>
+          </p:nvPr>
+        </p:nvSpPr>
+        <p:spPr/>
+        <p:txBody>
+          <a:bodyPr/>
+          <a:lstStyle/>
+          <a:p>
+            <a:r>
+              <a:rPr lang="en-GB" dirty="0" smtClean="0">
+                <a:solidFill>
+                  <a:srgbClr val="0070C0"/>
+                </a:solidFill>
+              </a:rPr>
+              <a:t>Two flavours of DMP: for Grants and Internal</a:t>
+            </a:r>
+            <a:endParaRPr lang="en-GB" dirty="0">
+              <a:solidFill>
+                <a:srgbClr val="0070C0"/>
+              </a:solidFill>
+            </a:endParaRPr>
+          </a:p>
+        </p:txBody>
+      </p:sp>
+      <p:sp>
+        <p:nvSpPr>
+          <p:cNvPr id="4" name="Content Placeholder 3"/>
+          <p:cNvSpPr>
+            <a:spLocks noGrp="1"/>
+          </p:cNvSpPr>
+          <p:nvPr>
+            <p:ph idx="1"/>
+          </p:nvPr>
+        </p:nvSpPr>
+        <p:spPr>
+          <a:xfrm>
+            <a:off x="838200" y="1825625"/>
+            <a:ext cx="4876800" cy="4351338"/>
+          </a:xfrm>
+        </p:spPr>
+        <p:txBody>
+          <a:bodyPr/>
+          <a:lstStyle/>
+          <a:p>
+            <a:pPr marL="0" indent="0">
+              <a:buNone/>
+            </a:pPr>
+            <a:r>
+              <a:rPr lang="en-GB" dirty="0" smtClean="0">
+                <a:solidFill>
+                  <a:srgbClr val="0070C0"/>
+                </a:solidFill>
+              </a:rPr>
+              <a:t>Grant application DMP</a:t>
+            </a:r>
+            <a:endParaRPr lang="en-GB" dirty="0">
+              <a:solidFill>
+                <a:srgbClr val="0070C0"/>
+              </a:solidFill>
+            </a:endParaRPr>
+          </a:p>
+          <a:p>
+            <a:r>
+              <a:rPr lang="en-GB" dirty="0" smtClean="0">
+                <a:solidFill>
+                  <a:srgbClr val="0070C0"/>
+                </a:solidFill>
+              </a:rPr>
+              <a:t>focus on Reuse =&gt; FAIR</a:t>
+            </a:r>
+            <a:endParaRPr lang="en-GB" dirty="0">
+              <a:solidFill>
+                <a:srgbClr val="0070C0"/>
+              </a:solidFill>
+            </a:endParaRPr>
+          </a:p>
+          <a:p>
+            <a:r>
+              <a:rPr lang="en-GB" dirty="0" smtClean="0">
+                <a:solidFill>
+                  <a:srgbClr val="0070C0"/>
+                </a:solidFill>
+              </a:rPr>
+              <a:t>safety of the data </a:t>
+            </a:r>
+            <a:endParaRPr lang="en-GB" dirty="0">
+              <a:solidFill>
+                <a:srgbClr val="0070C0"/>
+              </a:solidFill>
+            </a:endParaRPr>
+          </a:p>
+          <a:p>
+            <a:r>
+              <a:rPr lang="en-GB" dirty="0" smtClean="0">
+                <a:solidFill>
+                  <a:srgbClr val="0070C0"/>
+                </a:solidFill>
+              </a:rPr>
+              <a:t>limitation to sharing</a:t>
+            </a:r>
+            <a:endParaRPr lang="en-GB" dirty="0">
+              <a:solidFill>
+                <a:srgbClr val="0070C0"/>
+              </a:solidFill>
+            </a:endParaRPr>
+          </a:p>
+          <a:p>
+            <a:r>
+              <a:rPr lang="en-GB" dirty="0" smtClean="0">
+                <a:solidFill>
+                  <a:srgbClr val="0070C0"/>
+                </a:solidFill>
+              </a:rPr>
+              <a:t>allocation of resources</a:t>
+            </a:r>
+            <a:endParaRPr lang="en-GB" dirty="0">
+              <a:solidFill>
+                <a:srgbClr val="0070C0"/>
+              </a:solidFill>
+            </a:endParaRPr>
+          </a:p>
+          <a:p>
+            <a:pPr marL="0" indent="0">
+              <a:buNone/>
+            </a:pPr>
+            <a:endParaRPr lang="en-GB" dirty="0">
+              <a:solidFill>
+                <a:srgbClr val="0070C0"/>
+              </a:solidFill>
+            </a:endParaRPr>
+          </a:p>
+          <a:p>
+            <a:endParaRPr lang="en-GB" dirty="0"/>
+          </a:p>
+        </p:txBody>
+      </p:sp>
+      <p:sp>
+        <p:nvSpPr>
+          <p:cNvPr id="5" name="Content Placeholder 3"/>
+          <p:cNvSpPr txBox="1">
+            <a:spLocks/>
+          </p:cNvSpPr>
+          <p:nvPr/>
+        </p:nvSpPr>
+        <p:spPr>
+          <a:xfrm>
+            <a:off x="6004560" y="1825625"/>
+            <a:ext cx="5364480" cy="4351338"/>
+          </a:xfrm>
+          <a:prstGeom prst="rect">
+            <a:avLst/>
+          </a:prstGeom>
+        </p:spPr>
+        <p:txBody>
+          <a:bodyPr vert="horz" lIns="91440" tIns="45720" rIns="91440" bIns="45720" rtlCol="0">
+            <a:normAutofit/>
+          </a:bodyPr>
+          <a:lstStyle>
+            <a:lvl1pPr marL="228600" indent="-228600" algn="l" defTabSz="914400" rtl="0" eaLnBrk="1" latinLnBrk="0" hangingPunct="1">
+              <a:lnSpc>
+                <a:spcPct val="90000"/>
+              </a:lnSpc>
+              <a:spcBef>
+                <a:spcPts val="1000"/>
+              </a:spcBef>
+              <a:buFont typeface="Arial" panose="020B0604020202020204" pitchFamily="34" charset="0"/>
+              <a:buChar char="•"/>
+              <a:defRPr sz="2800" kern="1200">
+                <a:solidFill>
+                  <a:srgbClr val="0070C0"/>
+                </a:solidFill>
+                <a:latin typeface="+mn-lt"/>
+                <a:ea typeface="+mn-ea"/>
+                <a:cs typeface="+mn-cs"/>
+              </a:defRPr>
+            </a:lvl1pPr>
+            <a:lvl2pPr marL="685800" indent="-228600" algn="l" defTabSz="914400" rtl="0" eaLnBrk="1" latinLnBrk="0" hangingPunct="1">
+              <a:lnSpc>
+                <a:spcPct val="90000"/>
+              </a:lnSpc>
+              <a:spcBef>
+                <a:spcPts val="500"/>
+              </a:spcBef>
+              <a:buFont typeface="Arial" panose="020B0604020202020204" pitchFamily="34" charset="0"/>
+              <a:buChar char="•"/>
+              <a:defRPr sz="2400" kern="1200">
+                <a:solidFill>
+                  <a:srgbClr val="0070C0"/>
+                </a:solidFill>
+                <a:latin typeface="+mn-lt"/>
+                <a:ea typeface="+mn-ea"/>
+                <a:cs typeface="+mn-cs"/>
+              </a:defRPr>
+            </a:lvl2pPr>
+            <a:lvl3pPr marL="1143000" indent="-228600" algn="l" defTabSz="914400" rtl="0" eaLnBrk="1" latinLnBrk="0" hangingPunct="1">
+              <a:lnSpc>
+                <a:spcPct val="90000"/>
+              </a:lnSpc>
+              <a:spcBef>
+                <a:spcPts val="500"/>
+              </a:spcBef>
+              <a:buFont typeface="Arial" panose="020B0604020202020204" pitchFamily="34" charset="0"/>
+              <a:buChar char="•"/>
+              <a:defRPr sz="2000" kern="1200">
+                <a:solidFill>
+                  <a:srgbClr val="0070C0"/>
+                </a:solidFill>
+                <a:latin typeface="+mn-lt"/>
+                <a:ea typeface="+mn-ea"/>
+                <a:cs typeface="+mn-cs"/>
+              </a:defRPr>
+            </a:lvl3pPr>
+            <a:lvl4pPr marL="1600200" indent="-228600" algn="l" defTabSz="914400" rtl="0" eaLnBrk="1" latinLnBrk="0" hangingPunct="1">
+              <a:lnSpc>
+                <a:spcPct val="90000"/>
+              </a:lnSpc>
+              <a:spcBef>
+                <a:spcPts val="500"/>
+              </a:spcBef>
+              <a:buFont typeface="Arial" panose="020B0604020202020204" pitchFamily="34" charset="0"/>
+              <a:buChar char="•"/>
+              <a:defRPr sz="1800" kern="1200">
+                <a:solidFill>
+                  <a:srgbClr val="0070C0"/>
+                </a:solidFill>
+                <a:latin typeface="+mn-lt"/>
+                <a:ea typeface="+mn-ea"/>
+                <a:cs typeface="+mn-cs"/>
+              </a:defRPr>
+            </a:lvl4pPr>
+            <a:lvl5pPr marL="2057400" indent="-228600" algn="l" defTabSz="914400" rtl="0" eaLnBrk="1" latinLnBrk="0" hangingPunct="1">
+              <a:lnSpc>
+                <a:spcPct val="90000"/>
+              </a:lnSpc>
+              <a:spcBef>
+                <a:spcPts val="500"/>
+              </a:spcBef>
+              <a:buFont typeface="Arial" panose="020B0604020202020204" pitchFamily="34" charset="0"/>
+              <a:buChar char="•"/>
+              <a:defRPr sz="1800" kern="1200">
+                <a:solidFill>
+                  <a:srgbClr val="0070C0"/>
+                </a:solidFill>
+                <a:latin typeface="+mn-lt"/>
+                <a:ea typeface="+mn-ea"/>
+                <a:cs typeface="+mn-cs"/>
+              </a:defRPr>
+            </a:lvl5pPr>
+            <a:lvl6pPr marL="2514600" indent="-228600" algn="l" defTabSz="914400" rtl="0" eaLnBrk="1" latinLnBrk="0" hangingPunct="1">
+              <a:lnSpc>
+                <a:spcPct val="90000"/>
+              </a:lnSpc>
+              <a:spcBef>
+                <a:spcPts val="500"/>
+              </a:spcBef>
+              <a:buFont typeface="Arial" panose="020B0604020202020204" pitchFamily="34" charset="0"/>
+              <a:buChar char="•"/>
+              <a:defRPr sz="1800" kern="1200">
+                <a:solidFill>
+                  <a:schemeClr val="tx1"/>
+                </a:solidFill>
+                <a:latin typeface="+mn-lt"/>
+                <a:ea typeface="+mn-ea"/>
+                <a:cs typeface="+mn-cs"/>
+              </a:defRPr>
+            </a:lvl6pPr>
+            <a:lvl7pPr marL="2971800" indent="-228600" algn="l" defTabSz="914400" rtl="0" eaLnBrk="1" latinLnBrk="0" hangingPunct="1">
+              <a:lnSpc>
+                <a:spcPct val="90000"/>
+              </a:lnSpc>
+              <a:spcBef>
+                <a:spcPts val="500"/>
+              </a:spcBef>
+              <a:buFont typeface="Arial" panose="020B0604020202020204" pitchFamily="34" charset="0"/>
+              <a:buChar char="•"/>
+              <a:defRPr sz="1800" kern="1200">
+                <a:solidFill>
+                  <a:schemeClr val="tx1"/>
+                </a:solidFill>
+                <a:latin typeface="+mn-lt"/>
+                <a:ea typeface="+mn-ea"/>
+                <a:cs typeface="+mn-cs"/>
+              </a:defRPr>
+            </a:lvl7pPr>
+            <a:lvl8pPr marL="3429000" indent="-228600" algn="l" defTabSz="914400" rtl="0" eaLnBrk="1" latinLnBrk="0" hangingPunct="1">
+              <a:lnSpc>
+                <a:spcPct val="90000"/>
+              </a:lnSpc>
+              <a:spcBef>
+                <a:spcPts val="500"/>
+              </a:spcBef>
+              <a:buFont typeface="Arial" panose="020B0604020202020204" pitchFamily="34" charset="0"/>
+              <a:buChar char="•"/>
+              <a:defRPr sz="1800" kern="1200">
+                <a:solidFill>
+                  <a:schemeClr val="tx1"/>
+                </a:solidFill>
+                <a:latin typeface="+mn-lt"/>
+                <a:ea typeface="+mn-ea"/>
+                <a:cs typeface="+mn-cs"/>
+              </a:defRPr>
+            </a:lvl8pPr>
+            <a:lvl9pPr marL="3886200" indent="-228600" algn="l" defTabSz="914400" rtl="0" eaLnBrk="1" latinLnBrk="0" hangingPunct="1">
+              <a:lnSpc>
+                <a:spcPct val="90000"/>
+              </a:lnSpc>
+              <a:spcBef>
+                <a:spcPts val="500"/>
+              </a:spcBef>
+              <a:buFont typeface="Arial" panose="020B0604020202020204" pitchFamily="34" charset="0"/>
+              <a:buChar char="•"/>
+              <a:defRPr sz="1800" kern="1200">
+                <a:solidFill>
+                  <a:schemeClr val="tx1"/>
+                </a:solidFill>
+                <a:latin typeface="+mn-lt"/>
+                <a:ea typeface="+mn-ea"/>
+                <a:cs typeface="+mn-cs"/>
+              </a:defRPr>
+            </a:lvl9pPr>
+          </a:lstStyle>
+          <a:p>
+            <a:pPr marL="0" indent="0">
+              <a:buNone/>
+            </a:pPr>
+            <a:r>
+              <a:rPr lang="en-GB" dirty="0" smtClean="0"/>
+              <a:t>Project DMP</a:t>
+            </a:r>
+            <a:endParaRPr lang="en-GB" dirty="0"/>
+          </a:p>
+          <a:p>
+            <a:r>
+              <a:rPr lang="en-GB" dirty="0" smtClean="0"/>
+              <a:t>focus on your productivity and achieving FAIR</a:t>
+            </a:r>
+            <a:endParaRPr lang="en-GB" dirty="0"/>
+          </a:p>
+          <a:p>
+            <a:r>
+              <a:rPr lang="en-GB" dirty="0" smtClean="0"/>
+              <a:t>safety of the data  </a:t>
+            </a:r>
+            <a:endParaRPr lang="en-GB" dirty="0"/>
+          </a:p>
+          <a:p>
+            <a:r>
+              <a:rPr lang="en-GB" dirty="0" smtClean="0"/>
+              <a:t>technicalities: file naming conventions, folder structures, templates for experiments, how you link to ELN ….</a:t>
+            </a:r>
+            <a:endParaRPr lang="en-GB" dirty="0"/>
+          </a:p>
+          <a:p>
+            <a:endParaRPr lang="en-GB" dirty="0"/>
+          </a:p>
+        </p:txBody>
+      </p:sp>
+    </p:spTree>
+    <p:extLst>
+      <p:ext uri="{BB962C8B-B14F-4D97-AF65-F5344CB8AC3E}">
+        <p14:creationId xmlns:p14="http://schemas.microsoft.com/office/powerpoint/2010/main" val="189466839"/>
+      </p:ext>
+    </p:extLst>
+  </p:cSld>
+  <p:clrMapOvr>
+    <a:masterClrMapping/>
+  </p:clrMapOvr>
+</p:sld>
+</file>
+
+<file path=ppt/slides/slide11.xml><?xml version="1.0" encoding="utf-8"?>
+<p:sld xmlns:a="http://schemas.openxmlformats.org/drawingml/2006/main" xmlns:r="http://schemas.openxmlformats.org/officeDocument/2006/relationships" xmlns:p="http://schemas.openxmlformats.org/presentationml/2006/main">
+  <p:cSld>
+    <p:spTree>
+      <p:nvGrpSpPr>
+        <p:cNvPr id="1" name=""/>
+        <p:cNvGrpSpPr/>
+        <p:nvPr/>
+      </p:nvGrpSpPr>
+      <p:grpSpPr>
+        <a:xfrm>
+          <a:off x="0" y="0"/>
+          <a:ext cx="0" cy="0"/>
+          <a:chOff x="0" y="0"/>
+          <a:chExt cx="0" cy="0"/>
+        </a:xfrm>
+      </p:grpSpPr>
+      <p:sp>
+        <p:nvSpPr>
+          <p:cNvPr id="6" name="TextBox 5">
+            <a:extLst>
+              <a:ext uri="{FF2B5EF4-FFF2-40B4-BE49-F238E27FC236}">
+                <a16:creationId xmlns:a16="http://schemas.microsoft.com/office/drawing/2014/main" id="{B082BCFF-DF99-4045-952C-843651C9A9DC}"/>
+              </a:ext>
+            </a:extLst>
+          </p:cNvPr>
+          <p:cNvSpPr txBox="1"/>
+          <p:nvPr/>
+        </p:nvSpPr>
+        <p:spPr>
+          <a:xfrm>
+            <a:off x="191199" y="317007"/>
+            <a:ext cx="11385608" cy="584775"/>
+          </a:xfrm>
+          <a:prstGeom prst="rect">
+            <a:avLst/>
+          </a:prstGeom>
+          <a:noFill/>
+        </p:spPr>
+        <p:txBody>
+          <a:bodyPr wrap="square">
+            <a:spAutoFit/>
+          </a:bodyPr>
+          <a:lstStyle/>
+          <a:p>
+            <a:r>
+              <a:rPr lang="en-GB" sz="3200" b="0" i="0" dirty="0">
+                <a:solidFill>
+                  <a:srgbClr val="0070C0"/>
+                </a:solidFill>
+                <a:effectLst/>
+                <a:latin typeface="Ubuntu"/>
+              </a:rPr>
+              <a:t>What should we consider in a good DMP?</a:t>
+            </a:r>
+          </a:p>
+        </p:txBody>
+      </p:sp>
+      <p:sp>
+        <p:nvSpPr>
+          <p:cNvPr id="8" name="TextBox 7">
+            <a:extLst>
+              <a:ext uri="{FF2B5EF4-FFF2-40B4-BE49-F238E27FC236}">
+                <a16:creationId xmlns:a16="http://schemas.microsoft.com/office/drawing/2014/main" id="{5656A525-53B6-4851-8EFF-E6BFFC9D56BA}"/>
+              </a:ext>
+            </a:extLst>
+          </p:cNvPr>
+          <p:cNvSpPr txBox="1"/>
+          <p:nvPr/>
+        </p:nvSpPr>
+        <p:spPr>
+          <a:xfrm>
+            <a:off x="4977458" y="1182546"/>
+            <a:ext cx="2754352" cy="584775"/>
+          </a:xfrm>
+          <a:prstGeom prst="rect">
+            <a:avLst/>
+          </a:prstGeom>
+          <a:solidFill>
+            <a:schemeClr val="bg2"/>
+          </a:solidFill>
+        </p:spPr>
+        <p:style>
+          <a:lnRef idx="2">
+            <a:schemeClr val="accent1"/>
+          </a:lnRef>
+          <a:fillRef idx="1">
+            <a:schemeClr val="lt1"/>
+          </a:fillRef>
+          <a:effectRef idx="0">
+            <a:schemeClr val="accent1"/>
+          </a:effectRef>
+          <a:fontRef idx="minor">
+            <a:schemeClr val="dk1"/>
+          </a:fontRef>
+        </p:style>
+        <p:txBody>
+          <a:bodyPr wrap="square">
+            <a:spAutoFit/>
+          </a:bodyPr>
+          <a:lstStyle/>
+          <a:p>
+            <a:pPr algn="ctr"/>
+            <a:r>
+              <a:rPr lang="en-GB" sz="3200" b="0" i="0" dirty="0">
+                <a:solidFill>
+                  <a:srgbClr val="333333"/>
+                </a:solidFill>
+                <a:effectLst/>
+                <a:latin typeface="Ubuntu"/>
+              </a:rPr>
+              <a:t>Good DMPs</a:t>
+            </a:r>
+            <a:endParaRPr lang="en-GB" sz="3200" dirty="0"/>
+          </a:p>
+        </p:txBody>
+      </p:sp>
+      <p:sp>
+        <p:nvSpPr>
+          <p:cNvPr id="12" name="TextBox 11">
+            <a:extLst>
+              <a:ext uri="{FF2B5EF4-FFF2-40B4-BE49-F238E27FC236}">
+                <a16:creationId xmlns:a16="http://schemas.microsoft.com/office/drawing/2014/main" id="{32F0452B-E9D9-441C-8E99-96A0537CECD4}"/>
+              </a:ext>
+            </a:extLst>
+          </p:cNvPr>
+          <p:cNvSpPr txBox="1"/>
+          <p:nvPr/>
+        </p:nvSpPr>
+        <p:spPr>
+          <a:xfrm>
+            <a:off x="3839145" y="2949635"/>
+            <a:ext cx="5030979" cy="3373359"/>
+          </a:xfrm>
+          <a:prstGeom prst="rect">
+            <a:avLst/>
+          </a:prstGeom>
+          <a:noFill/>
+        </p:spPr>
+        <p:txBody>
+          <a:bodyPr wrap="square">
+            <a:spAutoFit/>
+          </a:bodyPr>
+          <a:lstStyle/>
+          <a:p>
+            <a:pPr>
+              <a:lnSpc>
+                <a:spcPct val="150000"/>
+              </a:lnSpc>
+            </a:pPr>
+            <a:r>
+              <a:rPr lang="en-GB" dirty="0">
+                <a:solidFill>
+                  <a:srgbClr val="0070C0"/>
+                </a:solidFill>
+              </a:rPr>
+              <a:t>Think about:</a:t>
+            </a:r>
+          </a:p>
+          <a:p>
+            <a:pPr marL="285750" indent="-285750">
+              <a:lnSpc>
+                <a:spcPct val="150000"/>
+              </a:lnSpc>
+              <a:buFont typeface="Arial" panose="020B0604020202020204" pitchFamily="34" charset="0"/>
+              <a:buChar char="•"/>
+            </a:pPr>
+            <a:r>
+              <a:rPr lang="en-GB" dirty="0">
+                <a:solidFill>
+                  <a:srgbClr val="0070C0"/>
+                </a:solidFill>
+              </a:rPr>
+              <a:t>how you will store the data</a:t>
+            </a:r>
+          </a:p>
+          <a:p>
+            <a:pPr marL="285750" indent="-285750">
+              <a:lnSpc>
+                <a:spcPct val="150000"/>
+              </a:lnSpc>
+              <a:buFont typeface="Arial" panose="020B0604020202020204" pitchFamily="34" charset="0"/>
+              <a:buChar char="•"/>
+            </a:pPr>
+            <a:r>
+              <a:rPr lang="en-GB" dirty="0">
+                <a:solidFill>
+                  <a:srgbClr val="0070C0"/>
+                </a:solidFill>
+              </a:rPr>
+              <a:t>how you will organize and describe your data</a:t>
+            </a:r>
+          </a:p>
+          <a:p>
+            <a:pPr marL="285750" indent="-285750">
+              <a:lnSpc>
+                <a:spcPct val="150000"/>
+              </a:lnSpc>
+              <a:buFont typeface="Arial" panose="020B0604020202020204" pitchFamily="34" charset="0"/>
+              <a:buChar char="•"/>
+            </a:pPr>
+            <a:r>
+              <a:rPr lang="en-GB" dirty="0">
+                <a:solidFill>
+                  <a:srgbClr val="0070C0"/>
+                </a:solidFill>
+              </a:rPr>
+              <a:t>how you will grant access to your data</a:t>
+            </a:r>
+          </a:p>
+          <a:p>
+            <a:pPr marL="285750" indent="-285750">
+              <a:lnSpc>
+                <a:spcPct val="150000"/>
+              </a:lnSpc>
+              <a:buFont typeface="Arial" panose="020B0604020202020204" pitchFamily="34" charset="0"/>
+              <a:buChar char="•"/>
+            </a:pPr>
+            <a:r>
+              <a:rPr lang="en-GB" dirty="0">
+                <a:solidFill>
+                  <a:srgbClr val="0070C0"/>
+                </a:solidFill>
+              </a:rPr>
+              <a:t>how you will share your data</a:t>
+            </a:r>
+          </a:p>
+          <a:p>
+            <a:pPr marL="285750" indent="-285750">
+              <a:lnSpc>
+                <a:spcPct val="150000"/>
+              </a:lnSpc>
+              <a:buFont typeface="Arial" panose="020B0604020202020204" pitchFamily="34" charset="0"/>
+              <a:buChar char="•"/>
+            </a:pPr>
+            <a:r>
+              <a:rPr lang="en-GB" dirty="0">
+                <a:solidFill>
+                  <a:srgbClr val="0070C0"/>
+                </a:solidFill>
+              </a:rPr>
+              <a:t>how you will preserve your data</a:t>
+            </a:r>
+          </a:p>
+          <a:p>
+            <a:pPr marL="285750" indent="-285750">
+              <a:lnSpc>
+                <a:spcPct val="150000"/>
+              </a:lnSpc>
+              <a:buFont typeface="Arial" panose="020B0604020202020204" pitchFamily="34" charset="0"/>
+              <a:buChar char="•"/>
+            </a:pPr>
+            <a:r>
+              <a:rPr lang="en-GB" dirty="0">
+                <a:solidFill>
+                  <a:srgbClr val="0070C0"/>
+                </a:solidFill>
+              </a:rPr>
+              <a:t>how others can use your data</a:t>
+            </a:r>
+          </a:p>
+          <a:p>
+            <a:pPr marL="285750" indent="-285750">
+              <a:lnSpc>
+                <a:spcPct val="150000"/>
+              </a:lnSpc>
+              <a:buFont typeface="Arial" panose="020B0604020202020204" pitchFamily="34" charset="0"/>
+              <a:buChar char="•"/>
+            </a:pPr>
+            <a:r>
+              <a:rPr lang="en-GB" dirty="0">
+                <a:solidFill>
+                  <a:srgbClr val="0070C0"/>
+                </a:solidFill>
+              </a:rPr>
+              <a:t>how much it will all cost</a:t>
+            </a:r>
+          </a:p>
+        </p:txBody>
+      </p:sp>
+      <p:sp>
+        <p:nvSpPr>
+          <p:cNvPr id="13" name="Arrow: Down 12">
+            <a:extLst>
+              <a:ext uri="{FF2B5EF4-FFF2-40B4-BE49-F238E27FC236}">
+                <a16:creationId xmlns:a16="http://schemas.microsoft.com/office/drawing/2014/main" id="{27DE9F74-5A87-4524-8E4E-D202CEAB615E}"/>
+              </a:ext>
+            </a:extLst>
+          </p:cNvPr>
+          <p:cNvSpPr/>
+          <p:nvPr/>
+        </p:nvSpPr>
+        <p:spPr>
+          <a:xfrm>
+            <a:off x="6119743" y="2084096"/>
+            <a:ext cx="469783" cy="620786"/>
+          </a:xfrm>
+          <a:prstGeom prst="downArrow">
+            <a:avLst/>
+          </a:prstGeom>
+        </p:spPr>
+        <p:style>
+          <a:lnRef idx="2">
+            <a:schemeClr val="accent1">
+              <a:shade val="50000"/>
+            </a:schemeClr>
+          </a:lnRef>
+          <a:fillRef idx="1">
+            <a:schemeClr val="accent1"/>
+          </a:fillRef>
+          <a:effectRef idx="0">
+            <a:schemeClr val="accent1"/>
+          </a:effectRef>
+          <a:fontRef idx="minor">
+            <a:schemeClr val="lt1"/>
+          </a:fontRef>
+        </p:style>
+        <p:txBody>
+          <a:bodyPr rtlCol="0" anchor="ctr"/>
+          <a:lstStyle/>
+          <a:p>
+            <a:pPr algn="ctr"/>
+            <a:endParaRPr lang="en-GB"/>
+          </a:p>
+        </p:txBody>
+      </p:sp>
+      <p:pic>
+        <p:nvPicPr>
+          <p:cNvPr id="9" name="Picture 2" descr="Ed_DaSH">
+            <a:extLst>
+              <a:ext uri="{FF2B5EF4-FFF2-40B4-BE49-F238E27FC236}">
+                <a16:creationId xmlns:a16="http://schemas.microsoft.com/office/drawing/2014/main" id="{05583894-189D-4055-ADFE-3A12DF2FC559}"/>
+              </a:ext>
+            </a:extLst>
+          </p:cNvPr>
+          <p:cNvPicPr>
+            <a:picLocks noChangeAspect="1" noChangeArrowheads="1"/>
+          </p:cNvPicPr>
+          <p:nvPr/>
+        </p:nvPicPr>
+        <p:blipFill>
+          <a:blip r:embed="rId3" cstate="hqprint">
+            <a:extLst>
+              <a:ext uri="{28A0092B-C50C-407E-A947-70E740481C1C}">
+                <a14:useLocalDpi xmlns:a14="http://schemas.microsoft.com/office/drawing/2010/main" val="0"/>
+              </a:ext>
+            </a:extLst>
+          </a:blip>
+          <a:srcRect/>
+          <a:stretch>
+            <a:fillRect/>
+          </a:stretch>
+        </p:blipFill>
+        <p:spPr bwMode="auto">
+          <a:xfrm>
+            <a:off x="10828265" y="5484776"/>
+            <a:ext cx="1289214" cy="1325418"/>
+          </a:xfrm>
+          <a:prstGeom prst="rect">
+            <a:avLst/>
+          </a:prstGeom>
+          <a:noFill/>
+          <a:extLst>
+            <a:ext uri="{909E8E84-426E-40DD-AFC4-6F175D3DCCD1}">
+              <a14:hiddenFill xmlns:a14="http://schemas.microsoft.com/office/drawing/2010/main">
+                <a:solidFill>
+                  <a:srgbClr val="FFFFFF"/>
+                </a:solidFill>
+              </a14:hiddenFill>
+            </a:ext>
+          </a:extLst>
+        </p:spPr>
+      </p:pic>
+    </p:spTree>
+    <p:extLst>
+      <p:ext uri="{BB962C8B-B14F-4D97-AF65-F5344CB8AC3E}">
+        <p14:creationId xmlns:p14="http://schemas.microsoft.com/office/powerpoint/2010/main" val="3747721469"/>
+      </p:ext>
+    </p:extLst>
+  </p:cSld>
+  <p:clrMapOvr>
+    <a:masterClrMapping/>
+  </p:clrMapOvr>
+  <p:timing>
+    <p:tnLst>
+      <p:par>
+        <p:cTn id="1" dur="indefinite" restart="never" nodeType="tmRoot">
+          <p:childTnLst>
+            <p:seq concurrent="1" nextAc="seek">
+              <p:cTn id="2" dur="indefinite" nodeType="mainSeq">
+                <p:childTnLst>
+                  <p:par>
+                    <p:cTn id="3" fill="hold">
+                      <p:stCondLst>
+                        <p:cond delay="indefinite"/>
+                      </p:stCondLst>
+                      <p:childTnLst>
+                        <p:par>
+                          <p:cTn id="4" fill="hold">
+                            <p:stCondLst>
+                              <p:cond delay="0"/>
+                            </p:stCondLst>
+                            <p:childTnLst>
+                              <p:par>
+                                <p:cTn id="5" presetID="10" presetClass="entr" presetSubtype="0" fill="hold" grpId="0" nodeType="clickEffect">
+                                  <p:stCondLst>
+                                    <p:cond delay="0"/>
+                                  </p:stCondLst>
+                                  <p:childTnLst>
+                                    <p:set>
+                                      <p:cBhvr>
+                                        <p:cTn id="6" dur="1" fill="hold">
+                                          <p:stCondLst>
+                                            <p:cond delay="0"/>
+                                          </p:stCondLst>
+                                        </p:cTn>
+                                        <p:tgtEl>
+                                          <p:spTgt spid="8"/>
+                                        </p:tgtEl>
+                                        <p:attrNameLst>
+                                          <p:attrName>style.visibility</p:attrName>
+                                        </p:attrNameLst>
+                                      </p:cBhvr>
+                                      <p:to>
+                                        <p:strVal val="visible"/>
+                                      </p:to>
+                                    </p:set>
+                                    <p:animEffect transition="in" filter="fade">
+                                      <p:cBhvr>
+                                        <p:cTn id="7" dur="500"/>
+                                        <p:tgtEl>
+                                          <p:spTgt spid="8"/>
+                                        </p:tgtEl>
+                                      </p:cBhvr>
+                                    </p:animEffect>
+                                  </p:childTnLst>
+                                </p:cTn>
+                              </p:par>
+                            </p:childTnLst>
+                          </p:cTn>
+                        </p:par>
+                      </p:childTnLst>
+                    </p:cTn>
+                  </p:par>
+                  <p:par>
+                    <p:cTn id="8" fill="hold">
+                      <p:stCondLst>
+                        <p:cond delay="indefinite"/>
+                      </p:stCondLst>
+                      <p:childTnLst>
+                        <p:par>
+                          <p:cTn id="9" fill="hold">
+                            <p:stCondLst>
+                              <p:cond delay="0"/>
+                            </p:stCondLst>
+                            <p:childTnLst>
+                              <p:par>
+                                <p:cTn id="10" presetID="1" presetClass="entr" presetSubtype="0" fill="hold" grpId="0" nodeType="clickEffect">
+                                  <p:stCondLst>
+                                    <p:cond delay="0"/>
+                                  </p:stCondLst>
+                                  <p:childTnLst>
+                                    <p:set>
+                                      <p:cBhvr>
+                                        <p:cTn id="11" dur="1" fill="hold">
+                                          <p:stCondLst>
+                                            <p:cond delay="0"/>
+                                          </p:stCondLst>
+                                        </p:cTn>
+                                        <p:tgtEl>
+                                          <p:spTgt spid="13"/>
+                                        </p:tgtEl>
+                                        <p:attrNameLst>
+                                          <p:attrName>style.visibility</p:attrName>
+                                        </p:attrNameLst>
+                                      </p:cBhvr>
+                                      <p:to>
+                                        <p:strVal val="visible"/>
+                                      </p:to>
+                                    </p:set>
+                                  </p:childTnLst>
+                                </p:cTn>
+                              </p:par>
+                              <p:par>
+                                <p:cTn id="12" presetID="1" presetClass="entr" presetSubtype="0" fill="hold" nodeType="withEffect">
+                                  <p:stCondLst>
+                                    <p:cond delay="0"/>
+                                  </p:stCondLst>
+                                  <p:childTnLst>
+                                    <p:set>
+                                      <p:cBhvr>
+                                        <p:cTn id="13" dur="1" fill="hold">
+                                          <p:stCondLst>
+                                            <p:cond delay="0"/>
+                                          </p:stCondLst>
+                                        </p:cTn>
+                                        <p:tgtEl>
+                                          <p:spTgt spid="12">
+                                            <p:txEl>
+                                              <p:pRg st="0" end="0"/>
+                                            </p:txEl>
+                                          </p:spTgt>
+                                        </p:tgtEl>
+                                        <p:attrNameLst>
+                                          <p:attrName>style.visibility</p:attrName>
+                                        </p:attrNameLst>
+                                      </p:cBhvr>
+                                      <p:to>
+                                        <p:strVal val="visible"/>
+                                      </p:to>
+                                    </p:set>
+                                  </p:childTnLst>
+                                </p:cTn>
+                              </p:par>
+                              <p:par>
+                                <p:cTn id="14" presetID="1" presetClass="entr" presetSubtype="0" fill="hold" nodeType="withEffect">
+                                  <p:stCondLst>
+                                    <p:cond delay="0"/>
+                                  </p:stCondLst>
+                                  <p:childTnLst>
+                                    <p:set>
+                                      <p:cBhvr>
+                                        <p:cTn id="15" dur="1" fill="hold">
+                                          <p:stCondLst>
+                                            <p:cond delay="0"/>
+                                          </p:stCondLst>
+                                        </p:cTn>
+                                        <p:tgtEl>
+                                          <p:spTgt spid="12">
+                                            <p:txEl>
+                                              <p:pRg st="1" end="1"/>
+                                            </p:txEl>
+                                          </p:spTgt>
+                                        </p:tgtEl>
+                                        <p:attrNameLst>
+                                          <p:attrName>style.visibility</p:attrName>
+                                        </p:attrNameLst>
+                                      </p:cBhvr>
+                                      <p:to>
+                                        <p:strVal val="visible"/>
+                                      </p:to>
+                                    </p:set>
+                                  </p:childTnLst>
+                                </p:cTn>
+                              </p:par>
+                              <p:par>
+                                <p:cTn id="16" presetID="1" presetClass="entr" presetSubtype="0" fill="hold" nodeType="withEffect">
+                                  <p:stCondLst>
+                                    <p:cond delay="0"/>
+                                  </p:stCondLst>
+                                  <p:childTnLst>
+                                    <p:set>
+                                      <p:cBhvr>
+                                        <p:cTn id="17" dur="1" fill="hold">
+                                          <p:stCondLst>
+                                            <p:cond delay="0"/>
+                                          </p:stCondLst>
+                                        </p:cTn>
+                                        <p:tgtEl>
+                                          <p:spTgt spid="12">
+                                            <p:txEl>
+                                              <p:pRg st="2" end="2"/>
+                                            </p:txEl>
+                                          </p:spTgt>
+                                        </p:tgtEl>
+                                        <p:attrNameLst>
+                                          <p:attrName>style.visibility</p:attrName>
+                                        </p:attrNameLst>
+                                      </p:cBhvr>
+                                      <p:to>
+                                        <p:strVal val="visible"/>
+                                      </p:to>
+                                    </p:set>
+                                  </p:childTnLst>
+                                </p:cTn>
+                              </p:par>
+                              <p:par>
+                                <p:cTn id="18" presetID="1" presetClass="entr" presetSubtype="0" fill="hold" nodeType="withEffect">
+                                  <p:stCondLst>
+                                    <p:cond delay="0"/>
+                                  </p:stCondLst>
+                                  <p:childTnLst>
+                                    <p:set>
+                                      <p:cBhvr>
+                                        <p:cTn id="19" dur="1" fill="hold">
+                                          <p:stCondLst>
+                                            <p:cond delay="0"/>
+                                          </p:stCondLst>
+                                        </p:cTn>
+                                        <p:tgtEl>
+                                          <p:spTgt spid="12">
+                                            <p:txEl>
+                                              <p:pRg st="3" end="3"/>
+                                            </p:txEl>
+                                          </p:spTgt>
+                                        </p:tgtEl>
+                                        <p:attrNameLst>
+                                          <p:attrName>style.visibility</p:attrName>
+                                        </p:attrNameLst>
+                                      </p:cBhvr>
+                                      <p:to>
+                                        <p:strVal val="visible"/>
+                                      </p:to>
+                                    </p:set>
+                                  </p:childTnLst>
+                                </p:cTn>
+                              </p:par>
+                              <p:par>
+                                <p:cTn id="20" presetID="1" presetClass="entr" presetSubtype="0" fill="hold" nodeType="withEffect">
+                                  <p:stCondLst>
+                                    <p:cond delay="0"/>
+                                  </p:stCondLst>
+                                  <p:childTnLst>
+                                    <p:set>
+                                      <p:cBhvr>
+                                        <p:cTn id="21" dur="1" fill="hold">
+                                          <p:stCondLst>
+                                            <p:cond delay="0"/>
+                                          </p:stCondLst>
+                                        </p:cTn>
+                                        <p:tgtEl>
+                                          <p:spTgt spid="12">
+                                            <p:txEl>
+                                              <p:pRg st="4" end="4"/>
+                                            </p:txEl>
+                                          </p:spTgt>
+                                        </p:tgtEl>
+                                        <p:attrNameLst>
+                                          <p:attrName>style.visibility</p:attrName>
+                                        </p:attrNameLst>
+                                      </p:cBhvr>
+                                      <p:to>
+                                        <p:strVal val="visible"/>
+                                      </p:to>
+                                    </p:set>
+                                  </p:childTnLst>
+                                </p:cTn>
+                              </p:par>
+                              <p:par>
+                                <p:cTn id="22" presetID="1" presetClass="entr" presetSubtype="0" fill="hold" nodeType="withEffect">
+                                  <p:stCondLst>
+                                    <p:cond delay="0"/>
+                                  </p:stCondLst>
+                                  <p:childTnLst>
+                                    <p:set>
+                                      <p:cBhvr>
+                                        <p:cTn id="23" dur="1" fill="hold">
+                                          <p:stCondLst>
+                                            <p:cond delay="0"/>
+                                          </p:stCondLst>
+                                        </p:cTn>
+                                        <p:tgtEl>
+                                          <p:spTgt spid="12">
+                                            <p:txEl>
+                                              <p:pRg st="5" end="5"/>
+                                            </p:txEl>
+                                          </p:spTgt>
+                                        </p:tgtEl>
+                                        <p:attrNameLst>
+                                          <p:attrName>style.visibility</p:attrName>
+                                        </p:attrNameLst>
+                                      </p:cBhvr>
+                                      <p:to>
+                                        <p:strVal val="visible"/>
+                                      </p:to>
+                                    </p:set>
+                                  </p:childTnLst>
+                                </p:cTn>
+                              </p:par>
+                              <p:par>
+                                <p:cTn id="24" presetID="1" presetClass="entr" presetSubtype="0" fill="hold" nodeType="withEffect">
+                                  <p:stCondLst>
+                                    <p:cond delay="0"/>
+                                  </p:stCondLst>
+                                  <p:childTnLst>
+                                    <p:set>
+                                      <p:cBhvr>
+                                        <p:cTn id="25" dur="1" fill="hold">
+                                          <p:stCondLst>
+                                            <p:cond delay="0"/>
+                                          </p:stCondLst>
+                                        </p:cTn>
+                                        <p:tgtEl>
+                                          <p:spTgt spid="12">
+                                            <p:txEl>
+                                              <p:pRg st="6" end="6"/>
+                                            </p:txEl>
+                                          </p:spTgt>
+                                        </p:tgtEl>
+                                        <p:attrNameLst>
+                                          <p:attrName>style.visibility</p:attrName>
+                                        </p:attrNameLst>
+                                      </p:cBhvr>
+                                      <p:to>
+                                        <p:strVal val="visible"/>
+                                      </p:to>
+                                    </p:set>
+                                  </p:childTnLst>
+                                </p:cTn>
+                              </p:par>
+                              <p:par>
+                                <p:cTn id="26" presetID="1" presetClass="entr" presetSubtype="0" fill="hold" nodeType="withEffect">
+                                  <p:stCondLst>
+                                    <p:cond delay="0"/>
+                                  </p:stCondLst>
+                                  <p:childTnLst>
+                                    <p:set>
+                                      <p:cBhvr>
+                                        <p:cTn id="27" dur="1" fill="hold">
+                                          <p:stCondLst>
+                                            <p:cond delay="0"/>
+                                          </p:stCondLst>
+                                        </p:cTn>
+                                        <p:tgtEl>
+                                          <p:spTgt spid="12">
+                                            <p:txEl>
+                                              <p:pRg st="7" end="7"/>
+                                            </p:txEl>
+                                          </p:spTgt>
+                                        </p:tgtEl>
+                                        <p:attrNameLst>
+                                          <p:attrName>style.visibility</p:attrName>
+                                        </p:attrNameLst>
+                                      </p:cBhvr>
+                                      <p:to>
+                                        <p:strVal val="visible"/>
+                                      </p:to>
+                                    </p:set>
+                                  </p:childTnLst>
+                                </p:cTn>
+                              </p:par>
+                            </p:childTnLst>
+                          </p:cTn>
+                        </p:par>
+                      </p:childTnLst>
+                    </p:cTn>
+                  </p:par>
+                </p:childTnLst>
+              </p:cTn>
+              <p:prevCondLst>
+                <p:cond evt="onPrev" delay="0">
+                  <p:tgtEl>
+                    <p:sldTgt/>
+                  </p:tgtEl>
+                </p:cond>
+              </p:prevCondLst>
+              <p:nextCondLst>
+                <p:cond evt="onNext" delay="0">
+                  <p:tgtEl>
+                    <p:sldTgt/>
+                  </p:tgtEl>
+                </p:cond>
+              </p:nextCondLst>
+            </p:seq>
+          </p:childTnLst>
+        </p:cTn>
+      </p:par>
+    </p:tnLst>
+    <p:bldLst>
+      <p:bldP spid="8" grpId="0" animBg="1"/>
+      <p:bldP spid="13" grpId="0" animBg="1"/>
+    </p:bldLst>
+  </p:timing>
+</p:sld>
+</file>
+
+<file path=ppt/slides/slide12.xml><?xml version="1.0" encoding="utf-8"?>
+<p:sld xmlns:a="http://schemas.openxmlformats.org/drawingml/2006/main" xmlns:r="http://schemas.openxmlformats.org/officeDocument/2006/relationships" xmlns:p="http://schemas.openxmlformats.org/presentationml/2006/main">
+  <p:cSld>
+    <p:spTree>
+      <p:nvGrpSpPr>
+        <p:cNvPr id="1" name=""/>
+        <p:cNvGrpSpPr/>
+        <p:nvPr/>
+      </p:nvGrpSpPr>
+      <p:grpSpPr>
+        <a:xfrm>
+          <a:off x="0" y="0"/>
+          <a:ext cx="0" cy="0"/>
+          <a:chOff x="0" y="0"/>
+          <a:chExt cx="0" cy="0"/>
+        </a:xfrm>
+      </p:grpSpPr>
+      <p:sp>
+        <p:nvSpPr>
           <p:cNvPr id="5" name="TextBox 4">
             <a:extLst>
               <a:ext uri="{FF2B5EF4-FFF2-40B4-BE49-F238E27FC236}">
@@ -4255,7 +5417,7 @@
 </p:sld>
 </file>
 
-<file path=ppt/slides/slide11.xml><?xml version="1.0" encoding="utf-8"?>
+<file path=ppt/slides/slide13.xml><?xml version="1.0" encoding="utf-8"?>
 <p:sld xmlns:a="http://schemas.openxmlformats.org/drawingml/2006/main" xmlns:r="http://schemas.openxmlformats.org/officeDocument/2006/relationships" xmlns:p="http://schemas.openxmlformats.org/presentationml/2006/main">
   <p:cSld>
     <p:spTree>
@@ -4543,567 +5705,6 @@
     <p:extLst>
       <p:ext uri="{BB962C8B-B14F-4D97-AF65-F5344CB8AC3E}">
         <p14:creationId xmlns:p14="http://schemas.microsoft.com/office/powerpoint/2010/main" val="216740993"/>
-      </p:ext>
-    </p:extLst>
-  </p:cSld>
-  <p:clrMapOvr>
-    <a:masterClrMapping/>
-  </p:clrMapOvr>
-</p:sld>
-</file>
-
-<file path=ppt/slides/slide12.xml><?xml version="1.0" encoding="utf-8"?>
-<p:sld xmlns:a="http://schemas.openxmlformats.org/drawingml/2006/main" xmlns:r="http://schemas.openxmlformats.org/officeDocument/2006/relationships" xmlns:p="http://schemas.openxmlformats.org/presentationml/2006/main">
-  <p:cSld>
-    <p:spTree>
-      <p:nvGrpSpPr>
-        <p:cNvPr id="1" name=""/>
-        <p:cNvGrpSpPr/>
-        <p:nvPr/>
-      </p:nvGrpSpPr>
-      <p:grpSpPr>
-        <a:xfrm>
-          <a:off x="0" y="0"/>
-          <a:ext cx="0" cy="0"/>
-          <a:chOff x="0" y="0"/>
-          <a:chExt cx="0" cy="0"/>
-        </a:xfrm>
-      </p:grpSpPr>
-      <p:sp>
-        <p:nvSpPr>
-          <p:cNvPr id="5" name="TextBox 4">
-            <a:extLst>
-              <a:ext uri="{FF2B5EF4-FFF2-40B4-BE49-F238E27FC236}">
-                <a16:creationId xmlns:a16="http://schemas.microsoft.com/office/drawing/2014/main" id="{3A7A1F5C-9C70-4DE3-BA39-7835B2935EB3}"/>
-              </a:ext>
-            </a:extLst>
-          </p:cNvPr>
-          <p:cNvSpPr txBox="1"/>
-          <p:nvPr/>
-        </p:nvSpPr>
-        <p:spPr>
-          <a:xfrm>
-            <a:off x="515880" y="488425"/>
-            <a:ext cx="9464530" cy="1200329"/>
-          </a:xfrm>
-          <a:prstGeom prst="rect">
-            <a:avLst/>
-          </a:prstGeom>
-          <a:noFill/>
-        </p:spPr>
-        <p:txBody>
-          <a:bodyPr wrap="square">
-            <a:spAutoFit/>
-          </a:bodyPr>
-          <a:lstStyle/>
-          <a:p>
-            <a:r>
-              <a:rPr lang="pl-PL" sz="3600">
-                <a:solidFill>
-                  <a:srgbClr val="0070C0"/>
-                </a:solidFill>
-              </a:rPr>
-              <a:t>DMP </a:t>
-            </a:r>
-            <a:r>
-              <a:rPr lang="pl-PL" sz="3600" err="1">
-                <a:solidFill>
-                  <a:srgbClr val="0070C0"/>
-                </a:solidFill>
-              </a:rPr>
-              <a:t>example</a:t>
-            </a:r>
-            <a:endParaRPr lang="en-GB" sz="3600">
-              <a:solidFill>
-                <a:srgbClr val="0070C0"/>
-              </a:solidFill>
-            </a:endParaRPr>
-          </a:p>
-          <a:p>
-            <a:pPr algn="ctr"/>
-            <a:endParaRPr lang="en-GB" sz="3600">
-              <a:solidFill>
-                <a:srgbClr val="0070C0"/>
-              </a:solidFill>
-            </a:endParaRPr>
-          </a:p>
-        </p:txBody>
-      </p:sp>
-      <p:pic>
-        <p:nvPicPr>
-          <p:cNvPr id="4" name="Picture 2" descr="Ed_DaSH">
-            <a:extLst>
-              <a:ext uri="{FF2B5EF4-FFF2-40B4-BE49-F238E27FC236}">
-                <a16:creationId xmlns:a16="http://schemas.microsoft.com/office/drawing/2014/main" id="{A783256F-E39E-4712-96B0-240BD611CFEB}"/>
-              </a:ext>
-            </a:extLst>
-          </p:cNvPr>
-          <p:cNvPicPr>
-            <a:picLocks noChangeAspect="1" noChangeArrowheads="1"/>
-          </p:cNvPicPr>
-          <p:nvPr/>
-        </p:nvPicPr>
-        <p:blipFill>
-          <a:blip r:embed="rId2" cstate="hqprint">
-            <a:extLst>
-              <a:ext uri="{28A0092B-C50C-407E-A947-70E740481C1C}">
-                <a14:useLocalDpi xmlns:a14="http://schemas.microsoft.com/office/drawing/2010/main" val="0"/>
-              </a:ext>
-            </a:extLst>
-          </a:blip>
-          <a:srcRect/>
-          <a:stretch>
-            <a:fillRect/>
-          </a:stretch>
-        </p:blipFill>
-        <p:spPr bwMode="auto">
-          <a:xfrm>
-            <a:off x="10820670" y="5458691"/>
-            <a:ext cx="1289214" cy="1325418"/>
-          </a:xfrm>
-          <a:prstGeom prst="rect">
-            <a:avLst/>
-          </a:prstGeom>
-          <a:noFill/>
-          <a:extLst>
-            <a:ext uri="{909E8E84-426E-40DD-AFC4-6F175D3DCCD1}">
-              <a14:hiddenFill xmlns:a14="http://schemas.microsoft.com/office/drawing/2010/main">
-                <a:solidFill>
-                  <a:srgbClr val="FFFFFF"/>
-                </a:solidFill>
-              </a14:hiddenFill>
-            </a:ext>
-          </a:extLst>
-        </p:spPr>
-      </p:pic>
-      <p:sp>
-        <p:nvSpPr>
-          <p:cNvPr id="8" name="TextBox 4">
-            <a:extLst>
-              <a:ext uri="{FF2B5EF4-FFF2-40B4-BE49-F238E27FC236}">
-                <a16:creationId xmlns:a16="http://schemas.microsoft.com/office/drawing/2014/main" id="{2306CDBA-40E8-47EF-BA31-D30AAE7E4873}"/>
-              </a:ext>
-            </a:extLst>
-          </p:cNvPr>
-          <p:cNvSpPr txBox="1"/>
-          <p:nvPr/>
-        </p:nvSpPr>
-        <p:spPr>
-          <a:xfrm>
-            <a:off x="2911181" y="2150463"/>
-            <a:ext cx="5661319" cy="523220"/>
-          </a:xfrm>
-          <a:prstGeom prst="rect">
-            <a:avLst/>
-          </a:prstGeom>
-          <a:noFill/>
-        </p:spPr>
-        <p:txBody>
-          <a:bodyPr wrap="square">
-            <a:spAutoFit/>
-          </a:bodyPr>
-          <a:lstStyle/>
-          <a:p>
-            <a:r>
-              <a:rPr lang="en-GB" sz="2800" dirty="0" smtClean="0">
-                <a:solidFill>
-                  <a:srgbClr val="0070C0"/>
-                </a:solidFill>
-              </a:rPr>
-              <a:t>Reusable paragraphs</a:t>
-            </a:r>
-            <a:endParaRPr lang="en-GB" sz="2800" dirty="0">
-              <a:solidFill>
-                <a:srgbClr val="0070C0"/>
-              </a:solidFill>
-            </a:endParaRPr>
-          </a:p>
-        </p:txBody>
-      </p:sp>
-    </p:spTree>
-    <p:extLst>
-      <p:ext uri="{BB962C8B-B14F-4D97-AF65-F5344CB8AC3E}">
-        <p14:creationId xmlns:p14="http://schemas.microsoft.com/office/powerpoint/2010/main" val="1062755286"/>
-      </p:ext>
-    </p:extLst>
-  </p:cSld>
-  <p:clrMapOvr>
-    <a:masterClrMapping/>
-  </p:clrMapOvr>
-</p:sld>
-</file>
-
-<file path=ppt/slides/slide13.xml><?xml version="1.0" encoding="utf-8"?>
-<p:sld xmlns:a="http://schemas.openxmlformats.org/drawingml/2006/main" xmlns:r="http://schemas.openxmlformats.org/officeDocument/2006/relationships" xmlns:p="http://schemas.openxmlformats.org/presentationml/2006/main">
-  <p:cSld>
-    <p:spTree>
-      <p:nvGrpSpPr>
-        <p:cNvPr id="1" name=""/>
-        <p:cNvGrpSpPr/>
-        <p:nvPr/>
-      </p:nvGrpSpPr>
-      <p:grpSpPr>
-        <a:xfrm>
-          <a:off x="0" y="0"/>
-          <a:ext cx="0" cy="0"/>
-          <a:chOff x="0" y="0"/>
-          <a:chExt cx="0" cy="0"/>
-        </a:xfrm>
-      </p:grpSpPr>
-      <p:sp>
-        <p:nvSpPr>
-          <p:cNvPr id="5" name="TextBox 4">
-            <a:extLst>
-              <a:ext uri="{FF2B5EF4-FFF2-40B4-BE49-F238E27FC236}">
-                <a16:creationId xmlns:a16="http://schemas.microsoft.com/office/drawing/2014/main" id="{3A7A1F5C-9C70-4DE3-BA39-7835B2935EB3}"/>
-              </a:ext>
-            </a:extLst>
-          </p:cNvPr>
-          <p:cNvSpPr txBox="1"/>
-          <p:nvPr/>
-        </p:nvSpPr>
-        <p:spPr>
-          <a:xfrm>
-            <a:off x="1363735" y="1129464"/>
-            <a:ext cx="9464530" cy="1815882"/>
-          </a:xfrm>
-          <a:prstGeom prst="rect">
-            <a:avLst/>
-          </a:prstGeom>
-          <a:noFill/>
-        </p:spPr>
-        <p:txBody>
-          <a:bodyPr wrap="square">
-            <a:spAutoFit/>
-          </a:bodyPr>
-          <a:lstStyle/>
-          <a:p>
-            <a:r>
-              <a:rPr lang="en-GB" sz="2800" dirty="0" smtClean="0">
-                <a:solidFill>
-                  <a:srgbClr val="0070C0"/>
-                </a:solidFill>
-              </a:rPr>
-              <a:t>Exercise: Be a reviewer</a:t>
-            </a:r>
-            <a:endParaRPr lang="en-GB" sz="2800" dirty="0">
-              <a:solidFill>
-                <a:srgbClr val="0070C0"/>
-              </a:solidFill>
-            </a:endParaRPr>
-          </a:p>
-          <a:p>
-            <a:endParaRPr lang="en-GB" sz="2800" dirty="0">
-              <a:solidFill>
-                <a:srgbClr val="0070C0"/>
-              </a:solidFill>
-            </a:endParaRPr>
-          </a:p>
-          <a:p>
-            <a:r>
-              <a:rPr lang="en-GB" sz="2800" dirty="0" smtClean="0">
-                <a:solidFill>
-                  <a:srgbClr val="0070C0"/>
-                </a:solidFill>
-              </a:rPr>
-              <a:t>Working </a:t>
-            </a:r>
-            <a:r>
-              <a:rPr lang="en-GB" sz="2800" dirty="0">
-                <a:solidFill>
-                  <a:srgbClr val="0070C0"/>
-                </a:solidFill>
-              </a:rPr>
-              <a:t>in </a:t>
-            </a:r>
-            <a:r>
-              <a:rPr lang="en-GB" sz="2800" dirty="0" smtClean="0">
-                <a:solidFill>
-                  <a:srgbClr val="0070C0"/>
-                </a:solidFill>
-              </a:rPr>
-              <a:t>groups evaluate DMP.</a:t>
-            </a:r>
-            <a:endParaRPr lang="en-GB" sz="2800" dirty="0">
-              <a:solidFill>
-                <a:srgbClr val="0070C0"/>
-              </a:solidFill>
-            </a:endParaRPr>
-          </a:p>
-          <a:p>
-            <a:pPr algn="ctr"/>
-            <a:endParaRPr lang="en-GB" sz="2800" dirty="0">
-              <a:solidFill>
-                <a:srgbClr val="0070C0"/>
-              </a:solidFill>
-            </a:endParaRPr>
-          </a:p>
-        </p:txBody>
-      </p:sp>
-      <p:pic>
-        <p:nvPicPr>
-          <p:cNvPr id="4" name="Picture 2" descr="Ed_DaSH">
-            <a:extLst>
-              <a:ext uri="{FF2B5EF4-FFF2-40B4-BE49-F238E27FC236}">
-                <a16:creationId xmlns:a16="http://schemas.microsoft.com/office/drawing/2014/main" id="{A783256F-E39E-4712-96B0-240BD611CFEB}"/>
-              </a:ext>
-            </a:extLst>
-          </p:cNvPr>
-          <p:cNvPicPr>
-            <a:picLocks noChangeAspect="1" noChangeArrowheads="1"/>
-          </p:cNvPicPr>
-          <p:nvPr/>
-        </p:nvPicPr>
-        <p:blipFill>
-          <a:blip r:embed="rId2" cstate="hqprint">
-            <a:extLst>
-              <a:ext uri="{28A0092B-C50C-407E-A947-70E740481C1C}">
-                <a14:useLocalDpi xmlns:a14="http://schemas.microsoft.com/office/drawing/2010/main" val="0"/>
-              </a:ext>
-            </a:extLst>
-          </a:blip>
-          <a:srcRect/>
-          <a:stretch>
-            <a:fillRect/>
-          </a:stretch>
-        </p:blipFill>
-        <p:spPr bwMode="auto">
-          <a:xfrm>
-            <a:off x="10820670" y="5458691"/>
-            <a:ext cx="1289214" cy="1325418"/>
-          </a:xfrm>
-          <a:prstGeom prst="rect">
-            <a:avLst/>
-          </a:prstGeom>
-          <a:noFill/>
-          <a:extLst>
-            <a:ext uri="{909E8E84-426E-40DD-AFC4-6F175D3DCCD1}">
-              <a14:hiddenFill xmlns:a14="http://schemas.microsoft.com/office/drawing/2010/main">
-                <a:solidFill>
-                  <a:srgbClr val="FFFFFF"/>
-                </a:solidFill>
-              </a14:hiddenFill>
-            </a:ext>
-          </a:extLst>
-        </p:spPr>
-      </p:pic>
-      <p:sp>
-        <p:nvSpPr>
-          <p:cNvPr id="3" name="TextBox 2">
-            <a:extLst>
-              <a:ext uri="{FF2B5EF4-FFF2-40B4-BE49-F238E27FC236}">
-                <a16:creationId xmlns:a16="http://schemas.microsoft.com/office/drawing/2014/main" id="{16ED40B9-10AD-BC4D-4269-2E7EDAA77C0B}"/>
-              </a:ext>
-            </a:extLst>
-          </p:cNvPr>
-          <p:cNvSpPr txBox="1"/>
-          <p:nvPr/>
-        </p:nvSpPr>
-        <p:spPr>
-          <a:xfrm>
-            <a:off x="1092764" y="6231018"/>
-            <a:ext cx="7207173" cy="369332"/>
-          </a:xfrm>
-          <a:prstGeom prst="rect">
-            <a:avLst/>
-          </a:prstGeom>
-          <a:noFill/>
-        </p:spPr>
-        <p:txBody>
-          <a:bodyPr wrap="square" lIns="91440" tIns="45720" rIns="91440" bIns="45720" anchor="t">
-            <a:spAutoFit/>
-          </a:bodyPr>
-          <a:lstStyle/>
-          <a:p>
-            <a:r>
-              <a:rPr lang="en-GB" dirty="0"/>
-              <a:t>  </a:t>
-            </a:r>
-            <a:endParaRPr lang="en-GB" dirty="0">
-              <a:highlight>
-                <a:srgbClr val="FFFF00"/>
-              </a:highlight>
-            </a:endParaRPr>
-          </a:p>
-        </p:txBody>
-      </p:sp>
-      <p:sp>
-        <p:nvSpPr>
-          <p:cNvPr id="7" name="TextBox 4">
-            <a:extLst>
-              <a:ext uri="{FF2B5EF4-FFF2-40B4-BE49-F238E27FC236}">
-                <a16:creationId xmlns:a16="http://schemas.microsoft.com/office/drawing/2014/main" id="{2306CDBA-40E8-47EF-BA31-D30AAE7E4873}"/>
-              </a:ext>
-            </a:extLst>
-          </p:cNvPr>
-          <p:cNvSpPr txBox="1"/>
-          <p:nvPr/>
-        </p:nvSpPr>
-        <p:spPr>
-          <a:xfrm>
-            <a:off x="850824" y="2945346"/>
-            <a:ext cx="10614453" cy="3970318"/>
-          </a:xfrm>
-          <a:prstGeom prst="rect">
-            <a:avLst/>
-          </a:prstGeom>
-          <a:noFill/>
-        </p:spPr>
-        <p:txBody>
-          <a:bodyPr wrap="square">
-            <a:spAutoFit/>
-          </a:bodyPr>
-          <a:lstStyle/>
-          <a:p>
-            <a:pPr marL="514350" indent="-514350">
-              <a:buAutoNum type="arabicPeriod"/>
-            </a:pPr>
-            <a:r>
-              <a:rPr lang="en-GB" sz="2800" dirty="0" smtClean="0">
-                <a:solidFill>
-                  <a:srgbClr val="0070C0"/>
-                </a:solidFill>
-              </a:rPr>
-              <a:t>does </a:t>
-            </a:r>
-            <a:r>
-              <a:rPr lang="en-GB" sz="2800" dirty="0">
-                <a:solidFill>
-                  <a:srgbClr val="0070C0"/>
-                </a:solidFill>
-              </a:rPr>
-              <a:t>it look as if the author(s) thought what they would do with their data or is it some ‘whatever’ copy pasted text</a:t>
-            </a:r>
-          </a:p>
-          <a:p>
-            <a:pPr marL="514350" indent="-514350">
-              <a:buAutoNum type="arabicPeriod"/>
-            </a:pPr>
-            <a:r>
-              <a:rPr lang="en-GB" sz="2800" dirty="0" smtClean="0">
-                <a:solidFill>
-                  <a:srgbClr val="0070C0"/>
-                </a:solidFill>
-              </a:rPr>
-              <a:t>does </a:t>
-            </a:r>
-            <a:r>
-              <a:rPr lang="en-GB" sz="2800" dirty="0">
-                <a:solidFill>
-                  <a:srgbClr val="0070C0"/>
-                </a:solidFill>
-              </a:rPr>
-              <a:t>it look as if the data will be stored in a secured way</a:t>
-            </a:r>
-          </a:p>
-          <a:p>
-            <a:pPr marL="514350" indent="-514350">
-              <a:buAutoNum type="arabicPeriod"/>
-            </a:pPr>
-            <a:r>
-              <a:rPr lang="en-GB" sz="2800" dirty="0" smtClean="0">
-                <a:solidFill>
-                  <a:srgbClr val="0070C0"/>
-                </a:solidFill>
-              </a:rPr>
-              <a:t>does </a:t>
-            </a:r>
-            <a:r>
-              <a:rPr lang="en-GB" sz="2800" dirty="0">
-                <a:solidFill>
-                  <a:srgbClr val="0070C0"/>
-                </a:solidFill>
-              </a:rPr>
-              <a:t>it look as if the data will be shared in a FAIR way</a:t>
-            </a:r>
-          </a:p>
-          <a:p>
-            <a:pPr marL="514350" indent="-514350">
-              <a:buAutoNum type="arabicPeriod"/>
-            </a:pPr>
-            <a:r>
-              <a:rPr lang="en-GB" sz="2800" dirty="0" smtClean="0">
-                <a:solidFill>
-                  <a:srgbClr val="0070C0"/>
-                </a:solidFill>
-              </a:rPr>
-              <a:t>are </a:t>
-            </a:r>
-            <a:r>
-              <a:rPr lang="en-GB" sz="2800" dirty="0">
-                <a:solidFill>
-                  <a:srgbClr val="0070C0"/>
-                </a:solidFill>
-              </a:rPr>
-              <a:t>there any standards that should be followed</a:t>
-            </a:r>
-          </a:p>
-          <a:p>
-            <a:pPr marL="514350" indent="-514350">
-              <a:buAutoNum type="arabicPeriod"/>
-            </a:pPr>
-            <a:r>
-              <a:rPr lang="en-GB" sz="2800" dirty="0" smtClean="0">
-                <a:solidFill>
-                  <a:srgbClr val="0070C0"/>
-                </a:solidFill>
-              </a:rPr>
-              <a:t>does </a:t>
-            </a:r>
-            <a:r>
-              <a:rPr lang="en-GB" sz="2800" dirty="0">
-                <a:solidFill>
-                  <a:srgbClr val="0070C0"/>
-                </a:solidFill>
-              </a:rPr>
-              <a:t>it look as if the data will be made accessible / findable to others for </a:t>
-            </a:r>
-            <a:r>
-              <a:rPr lang="en-GB" sz="2800" dirty="0" smtClean="0">
-                <a:solidFill>
-                  <a:srgbClr val="0070C0"/>
-                </a:solidFill>
-              </a:rPr>
-              <a:t>re-use</a:t>
-            </a:r>
-          </a:p>
-          <a:p>
-            <a:pPr marL="514350" indent="-514350">
-              <a:buAutoNum type="arabicPeriod"/>
-            </a:pPr>
-            <a:r>
-              <a:rPr lang="en-GB" sz="2800" dirty="0" smtClean="0">
-                <a:solidFill>
-                  <a:srgbClr val="0070C0"/>
-                </a:solidFill>
-              </a:rPr>
-              <a:t>are </a:t>
-            </a:r>
-            <a:r>
-              <a:rPr lang="en-GB" sz="2800" dirty="0">
-                <a:solidFill>
-                  <a:srgbClr val="0070C0"/>
-                </a:solidFill>
-              </a:rPr>
-              <a:t>the usage restrictions justifiable</a:t>
-            </a:r>
-          </a:p>
-          <a:p>
-            <a:pPr marL="514350" indent="-514350">
-              <a:buAutoNum type="arabicPeriod"/>
-            </a:pPr>
-            <a:endParaRPr lang="en-GB" sz="2800" dirty="0">
-              <a:solidFill>
-                <a:srgbClr val="0070C0"/>
-              </a:solidFill>
-            </a:endParaRPr>
-          </a:p>
-        </p:txBody>
-      </p:sp>
-    </p:spTree>
-    <p:extLst>
-      <p:ext uri="{BB962C8B-B14F-4D97-AF65-F5344CB8AC3E}">
-        <p14:creationId xmlns:p14="http://schemas.microsoft.com/office/powerpoint/2010/main" val="2270907764"/>
       </p:ext>
     </p:extLst>
   </p:cSld>
@@ -5130,12 +5731,72 @@
           <a:chExt cx="0" cy="0"/>
         </a:xfrm>
       </p:grpSpPr>
+      <p:sp>
+        <p:nvSpPr>
+          <p:cNvPr id="5" name="TextBox 4">
+            <a:extLst>
+              <a:ext uri="{FF2B5EF4-FFF2-40B4-BE49-F238E27FC236}">
+                <a16:creationId xmlns:a16="http://schemas.microsoft.com/office/drawing/2014/main" id="{3A7A1F5C-9C70-4DE3-BA39-7835B2935EB3}"/>
+              </a:ext>
+            </a:extLst>
+          </p:cNvPr>
+          <p:cNvSpPr txBox="1"/>
+          <p:nvPr/>
+        </p:nvSpPr>
+        <p:spPr>
+          <a:xfrm>
+            <a:off x="515880" y="488425"/>
+            <a:ext cx="9464530" cy="1200329"/>
+          </a:xfrm>
+          <a:prstGeom prst="rect">
+            <a:avLst/>
+          </a:prstGeom>
+          <a:noFill/>
+        </p:spPr>
+        <p:txBody>
+          <a:bodyPr wrap="square">
+            <a:spAutoFit/>
+          </a:bodyPr>
+          <a:lstStyle/>
+          <a:p>
+            <a:r>
+              <a:rPr lang="pl-PL" sz="3600">
+                <a:solidFill>
+                  <a:srgbClr val="0070C0"/>
+                </a:solidFill>
+              </a:rPr>
+              <a:t>DMP </a:t>
+            </a:r>
+            <a:r>
+              <a:rPr lang="pl-PL" sz="3600" err="1">
+                <a:solidFill>
+                  <a:srgbClr val="0070C0"/>
+                </a:solidFill>
+              </a:rPr>
+              <a:t>example</a:t>
+            </a:r>
+            <a:endParaRPr lang="en-GB" sz="3600">
+              <a:solidFill>
+                <a:srgbClr val="0070C0"/>
+              </a:solidFill>
+            </a:endParaRPr>
+          </a:p>
+          <a:p>
+            <a:pPr algn="ctr"/>
+            <a:endParaRPr lang="en-GB" sz="3600">
+              <a:solidFill>
+                <a:srgbClr val="0070C0"/>
+              </a:solidFill>
+            </a:endParaRPr>
+          </a:p>
+        </p:txBody>
+      </p:sp>
       <p:pic>
         <p:nvPicPr>
-          <p:cNvPr id="5" name="Picture 2" descr="Ed_DaSH">
+          <p:cNvPr id="4" name="Picture 2" descr="Ed_DaSH">
             <a:extLst>
               <a:ext uri="{FF2B5EF4-FFF2-40B4-BE49-F238E27FC236}">
-                <a16:creationId xmlns:a16="http://schemas.microsoft.com/office/drawing/2014/main" id="{381D5798-7259-49FA-92FA-9DBA7ABAEEF8}"/>
+                <a16:creationId xmlns:a16="http://schemas.microsoft.com/office/drawing/2014/main" id="{A783256F-E39E-4712-96B0-240BD611CFEB}"/>
               </a:ext>
             </a:extLst>
           </p:cNvPr>
@@ -5179,10 +5840,10 @@
       </p:pic>
       <p:sp>
         <p:nvSpPr>
-          <p:cNvPr id="8" name="TextBox 7">
+          <p:cNvPr id="8" name="TextBox 4">
             <a:extLst>
               <a:ext uri="{FF2B5EF4-FFF2-40B4-BE49-F238E27FC236}">
-                <a16:creationId xmlns:a16="http://schemas.microsoft.com/office/drawing/2014/main" id="{D8565959-91AC-416B-8E5F-D550B9E166C9}"/>
+                <a16:creationId xmlns:a16="http://schemas.microsoft.com/office/drawing/2014/main" id="{2306CDBA-40E8-47EF-BA31-D30AAE7E4873}"/>
               </a:ext>
             </a:extLst>
           </p:cNvPr>
@@ -5191,8 +5852,8 @@
         </p:nvSpPr>
         <p:spPr>
           <a:xfrm>
-            <a:off x="1377482" y="1527445"/>
-            <a:ext cx="9331158" cy="1477328"/>
+            <a:off x="2911181" y="2150463"/>
+            <a:ext cx="5661319" cy="523220"/>
           </a:xfrm>
           <a:prstGeom prst="rect">
             <a:avLst/>
@@ -5205,174 +5866,15 @@
           </a:bodyPr>
           <a:lstStyle/>
           <a:p>
-            <a:pPr marL="285750" indent="-285750">
-              <a:lnSpc>
-                <a:spcPct val="150000"/>
-              </a:lnSpc>
-              <a:buFont typeface="Arial" panose="020B0604020202020204" pitchFamily="34" charset="0"/>
-              <a:buChar char="•"/>
-            </a:pPr>
-            <a:r>
-              <a:rPr lang="en-GB" sz="2000" dirty="0">
-                <a:solidFill>
-                  <a:srgbClr val="333333"/>
+            <a:r>
+              <a:rPr lang="en-GB" sz="2800" dirty="0" smtClean="0">
+                <a:solidFill>
+                  <a:srgbClr val="0070C0"/>
                 </a:solidFill>
               </a:rPr>
-              <a:t>Show that you are thinking about what will happen with </a:t>
-            </a:r>
-            <a:r>
-              <a:rPr lang="pl-PL" sz="2000" dirty="0" smtClean="0">
-                <a:solidFill>
-                  <a:srgbClr val="333333"/>
-                </a:solidFill>
-              </a:rPr>
-              <a:t>the generated</a:t>
-            </a:r>
-            <a:r>
-              <a:rPr lang="en-GB" sz="2000" dirty="0" smtClean="0">
-                <a:solidFill>
-                  <a:srgbClr val="333333"/>
-                </a:solidFill>
-              </a:rPr>
-              <a:t> </a:t>
-            </a:r>
-            <a:r>
-              <a:rPr lang="en-GB" sz="2000" dirty="0">
-                <a:solidFill>
-                  <a:srgbClr val="333333"/>
-                </a:solidFill>
-              </a:rPr>
-              <a:t>data during and after the project. </a:t>
-            </a:r>
-          </a:p>
-          <a:p>
-            <a:pPr marL="285750" indent="-285750">
-              <a:lnSpc>
-                <a:spcPct val="150000"/>
-              </a:lnSpc>
-              <a:buFont typeface="Arial" panose="020B0604020202020204" pitchFamily="34" charset="0"/>
-              <a:buChar char="•"/>
-            </a:pPr>
-            <a:r>
-              <a:rPr lang="en-GB" sz="2000" dirty="0">
-                <a:solidFill>
-                  <a:srgbClr val="333333"/>
-                </a:solidFill>
-              </a:rPr>
-              <a:t>How </a:t>
-            </a:r>
-            <a:r>
-              <a:rPr lang="pl-PL" sz="2000" dirty="0" smtClean="0">
-                <a:solidFill>
-                  <a:srgbClr val="333333"/>
-                </a:solidFill>
-              </a:rPr>
-              <a:t>the project</a:t>
-            </a:r>
-            <a:r>
-              <a:rPr lang="en-GB" sz="2000" dirty="0" smtClean="0">
-                <a:solidFill>
-                  <a:srgbClr val="333333"/>
-                </a:solidFill>
-              </a:rPr>
-              <a:t> </a:t>
-            </a:r>
-            <a:r>
-              <a:rPr lang="en-GB" sz="2000" dirty="0">
-                <a:solidFill>
-                  <a:srgbClr val="333333"/>
-                </a:solidFill>
-              </a:rPr>
-              <a:t>data is going to be FAIR.</a:t>
-            </a:r>
-          </a:p>
-        </p:txBody>
-      </p:sp>
-      <p:sp>
-        <p:nvSpPr>
-          <p:cNvPr id="15" name="TextBox 14">
-            <a:extLst>
-              <a:ext uri="{FF2B5EF4-FFF2-40B4-BE49-F238E27FC236}">
-                <a16:creationId xmlns:a16="http://schemas.microsoft.com/office/drawing/2014/main" id="{630C94FB-AFA8-444E-941A-F6F46F510873}"/>
-              </a:ext>
-            </a:extLst>
-          </p:cNvPr>
-          <p:cNvSpPr txBox="1"/>
-          <p:nvPr/>
-        </p:nvSpPr>
-        <p:spPr>
-          <a:xfrm>
-            <a:off x="1931673" y="4048496"/>
-            <a:ext cx="8328654" cy="830997"/>
-          </a:xfrm>
-          <a:prstGeom prst="rect">
-            <a:avLst/>
-          </a:prstGeom>
-          <a:solidFill>
-            <a:schemeClr val="accent1">
-              <a:lumMod val="20000"/>
-              <a:lumOff val="80000"/>
-            </a:schemeClr>
-          </a:solidFill>
-        </p:spPr>
-        <p:txBody>
-          <a:bodyPr wrap="square">
-            <a:spAutoFit/>
-          </a:bodyPr>
-          <a:lstStyle/>
-          <a:p>
-            <a:pPr algn="ctr"/>
-            <a:r>
-              <a:rPr lang="en-GB" sz="2400" dirty="0">
-                <a:solidFill>
-                  <a:srgbClr val="0070C0"/>
-                </a:solidFill>
-              </a:rPr>
-              <a:t>Data management &amp; admin should be done throughout the project, not at the end!</a:t>
-            </a:r>
-          </a:p>
-        </p:txBody>
-      </p:sp>
-      <p:sp>
-        <p:nvSpPr>
-          <p:cNvPr id="7" name="TextBox 6">
-            <a:extLst>
-              <a:ext uri="{FF2B5EF4-FFF2-40B4-BE49-F238E27FC236}">
-                <a16:creationId xmlns:a16="http://schemas.microsoft.com/office/drawing/2014/main" id="{841DA0EB-4AF5-4219-9A86-19B94239EDA5}"/>
-              </a:ext>
-            </a:extLst>
-          </p:cNvPr>
-          <p:cNvSpPr txBox="1"/>
-          <p:nvPr/>
-        </p:nvSpPr>
-        <p:spPr>
-          <a:xfrm>
-            <a:off x="515880" y="488425"/>
-            <a:ext cx="9464530" cy="1200329"/>
-          </a:xfrm>
-          <a:prstGeom prst="rect">
-            <a:avLst/>
-          </a:prstGeom>
-          <a:noFill/>
-        </p:spPr>
-        <p:txBody>
-          <a:bodyPr wrap="square">
-            <a:spAutoFit/>
-          </a:bodyPr>
-          <a:lstStyle/>
-          <a:p>
-            <a:r>
-              <a:rPr lang="en-GB" sz="3600" dirty="0">
-                <a:solidFill>
-                  <a:srgbClr val="0070C0"/>
-                </a:solidFill>
-              </a:rPr>
-              <a:t>Data Management Plans</a:t>
-            </a:r>
-          </a:p>
-          <a:p>
-            <a:pPr algn="ctr"/>
-            <a:endParaRPr lang="en-GB" sz="3600" dirty="0">
+              <a:t>Reusable paragraphs</a:t>
+            </a:r>
+            <a:endParaRPr lang="en-GB" sz="2800" dirty="0">
               <a:solidFill>
                 <a:srgbClr val="0070C0"/>
               </a:solidFill>
@@ -5383,7 +5885,7 @@
     </p:spTree>
     <p:extLst>
       <p:ext uri="{BB962C8B-B14F-4D97-AF65-F5344CB8AC3E}">
-        <p14:creationId xmlns:p14="http://schemas.microsoft.com/office/powerpoint/2010/main" val="3946935514"/>
+        <p14:creationId xmlns:p14="http://schemas.microsoft.com/office/powerpoint/2010/main" val="1062755286"/>
       </p:ext>
     </p:extLst>
   </p:cSld>
@@ -5412,6 +5914,666 @@
       </p:grpSpPr>
       <p:sp>
         <p:nvSpPr>
+          <p:cNvPr id="5" name="TextBox 4">
+            <a:extLst>
+              <a:ext uri="{FF2B5EF4-FFF2-40B4-BE49-F238E27FC236}">
+                <a16:creationId xmlns:a16="http://schemas.microsoft.com/office/drawing/2014/main" id="{3A7A1F5C-9C70-4DE3-BA39-7835B2935EB3}"/>
+              </a:ext>
+            </a:extLst>
+          </p:cNvPr>
+          <p:cNvSpPr txBox="1"/>
+          <p:nvPr/>
+        </p:nvSpPr>
+        <p:spPr>
+          <a:xfrm>
+            <a:off x="1363735" y="1129464"/>
+            <a:ext cx="9464530" cy="1815882"/>
+          </a:xfrm>
+          <a:prstGeom prst="rect">
+            <a:avLst/>
+          </a:prstGeom>
+          <a:noFill/>
+        </p:spPr>
+        <p:txBody>
+          <a:bodyPr wrap="square">
+            <a:spAutoFit/>
+          </a:bodyPr>
+          <a:lstStyle/>
+          <a:p>
+            <a:r>
+              <a:rPr lang="en-GB" sz="2800" dirty="0" smtClean="0">
+                <a:solidFill>
+                  <a:srgbClr val="0070C0"/>
+                </a:solidFill>
+              </a:rPr>
+              <a:t>Exercise: Be a reviewer</a:t>
+            </a:r>
+            <a:endParaRPr lang="en-GB" sz="2800" dirty="0">
+              <a:solidFill>
+                <a:srgbClr val="0070C0"/>
+              </a:solidFill>
+            </a:endParaRPr>
+          </a:p>
+          <a:p>
+            <a:endParaRPr lang="en-GB" sz="2800" dirty="0">
+              <a:solidFill>
+                <a:srgbClr val="0070C0"/>
+              </a:solidFill>
+            </a:endParaRPr>
+          </a:p>
+          <a:p>
+            <a:r>
+              <a:rPr lang="en-GB" sz="2800" dirty="0" smtClean="0">
+                <a:solidFill>
+                  <a:srgbClr val="0070C0"/>
+                </a:solidFill>
+              </a:rPr>
+              <a:t>Working </a:t>
+            </a:r>
+            <a:r>
+              <a:rPr lang="en-GB" sz="2800" dirty="0">
+                <a:solidFill>
+                  <a:srgbClr val="0070C0"/>
+                </a:solidFill>
+              </a:rPr>
+              <a:t>in </a:t>
+            </a:r>
+            <a:r>
+              <a:rPr lang="en-GB" sz="2800" dirty="0" smtClean="0">
+                <a:solidFill>
+                  <a:srgbClr val="0070C0"/>
+                </a:solidFill>
+              </a:rPr>
+              <a:t>groups evaluate DMP.</a:t>
+            </a:r>
+            <a:endParaRPr lang="en-GB" sz="2800" dirty="0">
+              <a:solidFill>
+                <a:srgbClr val="0070C0"/>
+              </a:solidFill>
+            </a:endParaRPr>
+          </a:p>
+          <a:p>
+            <a:pPr algn="ctr"/>
+            <a:endParaRPr lang="en-GB" sz="2800" dirty="0">
+              <a:solidFill>
+                <a:srgbClr val="0070C0"/>
+              </a:solidFill>
+            </a:endParaRPr>
+          </a:p>
+        </p:txBody>
+      </p:sp>
+      <p:pic>
+        <p:nvPicPr>
+          <p:cNvPr id="4" name="Picture 2" descr="Ed_DaSH">
+            <a:extLst>
+              <a:ext uri="{FF2B5EF4-FFF2-40B4-BE49-F238E27FC236}">
+                <a16:creationId xmlns:a16="http://schemas.microsoft.com/office/drawing/2014/main" id="{A783256F-E39E-4712-96B0-240BD611CFEB}"/>
+              </a:ext>
+            </a:extLst>
+          </p:cNvPr>
+          <p:cNvPicPr>
+            <a:picLocks noChangeAspect="1" noChangeArrowheads="1"/>
+          </p:cNvPicPr>
+          <p:nvPr/>
+        </p:nvPicPr>
+        <p:blipFill>
+          <a:blip r:embed="rId2" cstate="hqprint">
+            <a:extLst>
+              <a:ext uri="{28A0092B-C50C-407E-A947-70E740481C1C}">
+                <a14:useLocalDpi xmlns:a14="http://schemas.microsoft.com/office/drawing/2010/main" val="0"/>
+              </a:ext>
+            </a:extLst>
+          </a:blip>
+          <a:srcRect/>
+          <a:stretch>
+            <a:fillRect/>
+          </a:stretch>
+        </p:blipFill>
+        <p:spPr bwMode="auto">
+          <a:xfrm>
+            <a:off x="10820670" y="5458691"/>
+            <a:ext cx="1289214" cy="1325418"/>
+          </a:xfrm>
+          <a:prstGeom prst="rect">
+            <a:avLst/>
+          </a:prstGeom>
+          <a:noFill/>
+          <a:extLst>
+            <a:ext uri="{909E8E84-426E-40DD-AFC4-6F175D3DCCD1}">
+              <a14:hiddenFill xmlns:a14="http://schemas.microsoft.com/office/drawing/2010/main">
+                <a:solidFill>
+                  <a:srgbClr val="FFFFFF"/>
+                </a:solidFill>
+              </a14:hiddenFill>
+            </a:ext>
+          </a:extLst>
+        </p:spPr>
+      </p:pic>
+      <p:sp>
+        <p:nvSpPr>
+          <p:cNvPr id="3" name="TextBox 2">
+            <a:extLst>
+              <a:ext uri="{FF2B5EF4-FFF2-40B4-BE49-F238E27FC236}">
+                <a16:creationId xmlns:a16="http://schemas.microsoft.com/office/drawing/2014/main" id="{16ED40B9-10AD-BC4D-4269-2E7EDAA77C0B}"/>
+              </a:ext>
+            </a:extLst>
+          </p:cNvPr>
+          <p:cNvSpPr txBox="1"/>
+          <p:nvPr/>
+        </p:nvSpPr>
+        <p:spPr>
+          <a:xfrm>
+            <a:off x="1092764" y="6231018"/>
+            <a:ext cx="7207173" cy="369332"/>
+          </a:xfrm>
+          <a:prstGeom prst="rect">
+            <a:avLst/>
+          </a:prstGeom>
+          <a:noFill/>
+        </p:spPr>
+        <p:txBody>
+          <a:bodyPr wrap="square" lIns="91440" tIns="45720" rIns="91440" bIns="45720" anchor="t">
+            <a:spAutoFit/>
+          </a:bodyPr>
+          <a:lstStyle/>
+          <a:p>
+            <a:r>
+              <a:rPr lang="en-GB" dirty="0"/>
+              <a:t>  </a:t>
+            </a:r>
+            <a:endParaRPr lang="en-GB" dirty="0">
+              <a:highlight>
+                <a:srgbClr val="FFFF00"/>
+              </a:highlight>
+            </a:endParaRPr>
+          </a:p>
+        </p:txBody>
+      </p:sp>
+      <p:sp>
+        <p:nvSpPr>
+          <p:cNvPr id="7" name="TextBox 4">
+            <a:extLst>
+              <a:ext uri="{FF2B5EF4-FFF2-40B4-BE49-F238E27FC236}">
+                <a16:creationId xmlns:a16="http://schemas.microsoft.com/office/drawing/2014/main" id="{2306CDBA-40E8-47EF-BA31-D30AAE7E4873}"/>
+              </a:ext>
+            </a:extLst>
+          </p:cNvPr>
+          <p:cNvSpPr txBox="1"/>
+          <p:nvPr/>
+        </p:nvSpPr>
+        <p:spPr>
+          <a:xfrm>
+            <a:off x="850824" y="2945346"/>
+            <a:ext cx="10614453" cy="3970318"/>
+          </a:xfrm>
+          <a:prstGeom prst="rect">
+            <a:avLst/>
+          </a:prstGeom>
+          <a:noFill/>
+        </p:spPr>
+        <p:txBody>
+          <a:bodyPr wrap="square">
+            <a:spAutoFit/>
+          </a:bodyPr>
+          <a:lstStyle/>
+          <a:p>
+            <a:pPr marL="514350" indent="-514350">
+              <a:buAutoNum type="arabicPeriod"/>
+            </a:pPr>
+            <a:r>
+              <a:rPr lang="en-GB" sz="2800" dirty="0" smtClean="0">
+                <a:solidFill>
+                  <a:srgbClr val="0070C0"/>
+                </a:solidFill>
+              </a:rPr>
+              <a:t>does </a:t>
+            </a:r>
+            <a:r>
+              <a:rPr lang="en-GB" sz="2800" dirty="0">
+                <a:solidFill>
+                  <a:srgbClr val="0070C0"/>
+                </a:solidFill>
+              </a:rPr>
+              <a:t>it look as if the author(s) thought what they would do with their data or is it some ‘whatever’ copy pasted text</a:t>
+            </a:r>
+          </a:p>
+          <a:p>
+            <a:pPr marL="514350" indent="-514350">
+              <a:buAutoNum type="arabicPeriod"/>
+            </a:pPr>
+            <a:r>
+              <a:rPr lang="en-GB" sz="2800" dirty="0" smtClean="0">
+                <a:solidFill>
+                  <a:srgbClr val="0070C0"/>
+                </a:solidFill>
+              </a:rPr>
+              <a:t>does </a:t>
+            </a:r>
+            <a:r>
+              <a:rPr lang="en-GB" sz="2800" dirty="0">
+                <a:solidFill>
+                  <a:srgbClr val="0070C0"/>
+                </a:solidFill>
+              </a:rPr>
+              <a:t>it look as if the data will be stored in a secured way</a:t>
+            </a:r>
+          </a:p>
+          <a:p>
+            <a:pPr marL="514350" indent="-514350">
+              <a:buAutoNum type="arabicPeriod"/>
+            </a:pPr>
+            <a:r>
+              <a:rPr lang="en-GB" sz="2800" dirty="0" smtClean="0">
+                <a:solidFill>
+                  <a:srgbClr val="0070C0"/>
+                </a:solidFill>
+              </a:rPr>
+              <a:t>does </a:t>
+            </a:r>
+            <a:r>
+              <a:rPr lang="en-GB" sz="2800" dirty="0">
+                <a:solidFill>
+                  <a:srgbClr val="0070C0"/>
+                </a:solidFill>
+              </a:rPr>
+              <a:t>it look as if the data will be shared in a FAIR way</a:t>
+            </a:r>
+          </a:p>
+          <a:p>
+            <a:pPr marL="514350" indent="-514350">
+              <a:buAutoNum type="arabicPeriod"/>
+            </a:pPr>
+            <a:r>
+              <a:rPr lang="en-GB" sz="2800" dirty="0" smtClean="0">
+                <a:solidFill>
+                  <a:srgbClr val="0070C0"/>
+                </a:solidFill>
+              </a:rPr>
+              <a:t>are </a:t>
+            </a:r>
+            <a:r>
+              <a:rPr lang="en-GB" sz="2800" dirty="0">
+                <a:solidFill>
+                  <a:srgbClr val="0070C0"/>
+                </a:solidFill>
+              </a:rPr>
+              <a:t>there any standards that should be followed</a:t>
+            </a:r>
+          </a:p>
+          <a:p>
+            <a:pPr marL="514350" indent="-514350">
+              <a:buAutoNum type="arabicPeriod"/>
+            </a:pPr>
+            <a:r>
+              <a:rPr lang="en-GB" sz="2800" dirty="0" smtClean="0">
+                <a:solidFill>
+                  <a:srgbClr val="0070C0"/>
+                </a:solidFill>
+              </a:rPr>
+              <a:t>does </a:t>
+            </a:r>
+            <a:r>
+              <a:rPr lang="en-GB" sz="2800" dirty="0">
+                <a:solidFill>
+                  <a:srgbClr val="0070C0"/>
+                </a:solidFill>
+              </a:rPr>
+              <a:t>it look as if the data will be made accessible / findable to others for </a:t>
+            </a:r>
+            <a:r>
+              <a:rPr lang="en-GB" sz="2800" dirty="0" smtClean="0">
+                <a:solidFill>
+                  <a:srgbClr val="0070C0"/>
+                </a:solidFill>
+              </a:rPr>
+              <a:t>re-use</a:t>
+            </a:r>
+          </a:p>
+          <a:p>
+            <a:pPr marL="514350" indent="-514350">
+              <a:buAutoNum type="arabicPeriod"/>
+            </a:pPr>
+            <a:r>
+              <a:rPr lang="en-GB" sz="2800" dirty="0" smtClean="0">
+                <a:solidFill>
+                  <a:srgbClr val="0070C0"/>
+                </a:solidFill>
+              </a:rPr>
+              <a:t>are </a:t>
+            </a:r>
+            <a:r>
+              <a:rPr lang="en-GB" sz="2800" dirty="0">
+                <a:solidFill>
+                  <a:srgbClr val="0070C0"/>
+                </a:solidFill>
+              </a:rPr>
+              <a:t>the usage restrictions justifiable</a:t>
+            </a:r>
+          </a:p>
+          <a:p>
+            <a:pPr marL="514350" indent="-514350">
+              <a:buAutoNum type="arabicPeriod"/>
+            </a:pPr>
+            <a:endParaRPr lang="en-GB" sz="2800" dirty="0">
+              <a:solidFill>
+                <a:srgbClr val="0070C0"/>
+              </a:solidFill>
+            </a:endParaRPr>
+          </a:p>
+        </p:txBody>
+      </p:sp>
+    </p:spTree>
+    <p:extLst>
+      <p:ext uri="{BB962C8B-B14F-4D97-AF65-F5344CB8AC3E}">
+        <p14:creationId xmlns:p14="http://schemas.microsoft.com/office/powerpoint/2010/main" val="2270907764"/>
+      </p:ext>
+    </p:extLst>
+  </p:cSld>
+  <p:clrMapOvr>
+    <a:masterClrMapping/>
+  </p:clrMapOvr>
+</p:sld>
+</file>
+
+<file path=ppt/slides/slide16.xml><?xml version="1.0" encoding="utf-8"?>
+<p:sld xmlns:a="http://schemas.openxmlformats.org/drawingml/2006/main" xmlns:r="http://schemas.openxmlformats.org/officeDocument/2006/relationships" xmlns:p="http://schemas.openxmlformats.org/presentationml/2006/main">
+  <p:cSld>
+    <p:spTree>
+      <p:nvGrpSpPr>
+        <p:cNvPr id="1" name=""/>
+        <p:cNvGrpSpPr/>
+        <p:nvPr/>
+      </p:nvGrpSpPr>
+      <p:grpSpPr>
+        <a:xfrm>
+          <a:off x="0" y="0"/>
+          <a:ext cx="0" cy="0"/>
+          <a:chOff x="0" y="0"/>
+          <a:chExt cx="0" cy="0"/>
+        </a:xfrm>
+      </p:grpSpPr>
+      <p:pic>
+        <p:nvPicPr>
+          <p:cNvPr id="5" name="Picture 2" descr="Ed_DaSH">
+            <a:extLst>
+              <a:ext uri="{FF2B5EF4-FFF2-40B4-BE49-F238E27FC236}">
+                <a16:creationId xmlns:a16="http://schemas.microsoft.com/office/drawing/2014/main" id="{381D5798-7259-49FA-92FA-9DBA7ABAEEF8}"/>
+              </a:ext>
+            </a:extLst>
+          </p:cNvPr>
+          <p:cNvPicPr>
+            <a:picLocks noChangeAspect="1" noChangeArrowheads="1"/>
+          </p:cNvPicPr>
+          <p:nvPr/>
+        </p:nvPicPr>
+        <p:blipFill>
+          <a:blip r:embed="rId2" cstate="hqprint">
+            <a:extLst>
+              <a:ext uri="{28A0092B-C50C-407E-A947-70E740481C1C}">
+                <a14:useLocalDpi xmlns:a14="http://schemas.microsoft.com/office/drawing/2010/main" val="0"/>
+              </a:ext>
+            </a:extLst>
+          </a:blip>
+          <a:srcRect/>
+          <a:stretch>
+            <a:fillRect/>
+          </a:stretch>
+        </p:blipFill>
+        <p:spPr bwMode="auto">
+          <a:xfrm>
+            <a:off x="10820670" y="5458691"/>
+            <a:ext cx="1289214" cy="1325418"/>
+          </a:xfrm>
+          <a:prstGeom prst="rect">
+            <a:avLst/>
+          </a:prstGeom>
+          <a:noFill/>
+          <a:extLst>
+            <a:ext uri="{909E8E84-426E-40DD-AFC4-6F175D3DCCD1}">
+              <a14:hiddenFill xmlns:a14="http://schemas.microsoft.com/office/drawing/2010/main">
+                <a:solidFill>
+                  <a:srgbClr val="FFFFFF"/>
+                </a:solidFill>
+              </a14:hiddenFill>
+            </a:ext>
+          </a:extLst>
+        </p:spPr>
+      </p:pic>
+      <p:sp>
+        <p:nvSpPr>
+          <p:cNvPr id="8" name="TextBox 7">
+            <a:extLst>
+              <a:ext uri="{FF2B5EF4-FFF2-40B4-BE49-F238E27FC236}">
+                <a16:creationId xmlns:a16="http://schemas.microsoft.com/office/drawing/2014/main" id="{D8565959-91AC-416B-8E5F-D550B9E166C9}"/>
+              </a:ext>
+            </a:extLst>
+          </p:cNvPr>
+          <p:cNvSpPr txBox="1"/>
+          <p:nvPr/>
+        </p:nvSpPr>
+        <p:spPr>
+          <a:xfrm>
+            <a:off x="1377482" y="1527445"/>
+            <a:ext cx="9331158" cy="1477328"/>
+          </a:xfrm>
+          <a:prstGeom prst="rect">
+            <a:avLst/>
+          </a:prstGeom>
+          <a:noFill/>
+        </p:spPr>
+        <p:txBody>
+          <a:bodyPr wrap="square">
+            <a:spAutoFit/>
+          </a:bodyPr>
+          <a:lstStyle/>
+          <a:p>
+            <a:pPr marL="285750" indent="-285750">
+              <a:lnSpc>
+                <a:spcPct val="150000"/>
+              </a:lnSpc>
+              <a:buFont typeface="Arial" panose="020B0604020202020204" pitchFamily="34" charset="0"/>
+              <a:buChar char="•"/>
+            </a:pPr>
+            <a:r>
+              <a:rPr lang="en-GB" sz="2000" dirty="0">
+                <a:solidFill>
+                  <a:srgbClr val="333333"/>
+                </a:solidFill>
+              </a:rPr>
+              <a:t>Show that you are thinking about what will happen with </a:t>
+            </a:r>
+            <a:r>
+              <a:rPr lang="pl-PL" sz="2000" dirty="0" smtClean="0">
+                <a:solidFill>
+                  <a:srgbClr val="333333"/>
+                </a:solidFill>
+              </a:rPr>
+              <a:t>the generated</a:t>
+            </a:r>
+            <a:r>
+              <a:rPr lang="en-GB" sz="2000" dirty="0" smtClean="0">
+                <a:solidFill>
+                  <a:srgbClr val="333333"/>
+                </a:solidFill>
+              </a:rPr>
+              <a:t> </a:t>
+            </a:r>
+            <a:r>
+              <a:rPr lang="en-GB" sz="2000" dirty="0">
+                <a:solidFill>
+                  <a:srgbClr val="333333"/>
+                </a:solidFill>
+              </a:rPr>
+              <a:t>data during and after the project. </a:t>
+            </a:r>
+          </a:p>
+          <a:p>
+            <a:pPr marL="285750" indent="-285750">
+              <a:lnSpc>
+                <a:spcPct val="150000"/>
+              </a:lnSpc>
+              <a:buFont typeface="Arial" panose="020B0604020202020204" pitchFamily="34" charset="0"/>
+              <a:buChar char="•"/>
+            </a:pPr>
+            <a:r>
+              <a:rPr lang="en-GB" sz="2000" dirty="0">
+                <a:solidFill>
+                  <a:srgbClr val="333333"/>
+                </a:solidFill>
+              </a:rPr>
+              <a:t>How </a:t>
+            </a:r>
+            <a:r>
+              <a:rPr lang="pl-PL" sz="2000" dirty="0" smtClean="0">
+                <a:solidFill>
+                  <a:srgbClr val="333333"/>
+                </a:solidFill>
+              </a:rPr>
+              <a:t>the project</a:t>
+            </a:r>
+            <a:r>
+              <a:rPr lang="en-GB" sz="2000" dirty="0" smtClean="0">
+                <a:solidFill>
+                  <a:srgbClr val="333333"/>
+                </a:solidFill>
+              </a:rPr>
+              <a:t> </a:t>
+            </a:r>
+            <a:r>
+              <a:rPr lang="en-GB" sz="2000" dirty="0">
+                <a:solidFill>
+                  <a:srgbClr val="333333"/>
+                </a:solidFill>
+              </a:rPr>
+              <a:t>data is going to be FAIR.</a:t>
+            </a:r>
+          </a:p>
+        </p:txBody>
+      </p:sp>
+      <p:sp>
+        <p:nvSpPr>
+          <p:cNvPr id="15" name="TextBox 14">
+            <a:extLst>
+              <a:ext uri="{FF2B5EF4-FFF2-40B4-BE49-F238E27FC236}">
+                <a16:creationId xmlns:a16="http://schemas.microsoft.com/office/drawing/2014/main" id="{630C94FB-AFA8-444E-941A-F6F46F510873}"/>
+              </a:ext>
+            </a:extLst>
+          </p:cNvPr>
+          <p:cNvSpPr txBox="1"/>
+          <p:nvPr/>
+        </p:nvSpPr>
+        <p:spPr>
+          <a:xfrm>
+            <a:off x="1931673" y="4048496"/>
+            <a:ext cx="8328654" cy="830997"/>
+          </a:xfrm>
+          <a:prstGeom prst="rect">
+            <a:avLst/>
+          </a:prstGeom>
+          <a:solidFill>
+            <a:schemeClr val="accent1">
+              <a:lumMod val="20000"/>
+              <a:lumOff val="80000"/>
+            </a:schemeClr>
+          </a:solidFill>
+        </p:spPr>
+        <p:txBody>
+          <a:bodyPr wrap="square">
+            <a:spAutoFit/>
+          </a:bodyPr>
+          <a:lstStyle/>
+          <a:p>
+            <a:pPr algn="ctr"/>
+            <a:r>
+              <a:rPr lang="en-GB" sz="2400" dirty="0">
+                <a:solidFill>
+                  <a:srgbClr val="0070C0"/>
+                </a:solidFill>
+              </a:rPr>
+              <a:t>Data management &amp; admin should be done throughout the project, not at the end!</a:t>
+            </a:r>
+          </a:p>
+        </p:txBody>
+      </p:sp>
+      <p:sp>
+        <p:nvSpPr>
+          <p:cNvPr id="7" name="TextBox 6">
+            <a:extLst>
+              <a:ext uri="{FF2B5EF4-FFF2-40B4-BE49-F238E27FC236}">
+                <a16:creationId xmlns:a16="http://schemas.microsoft.com/office/drawing/2014/main" id="{841DA0EB-4AF5-4219-9A86-19B94239EDA5}"/>
+              </a:ext>
+            </a:extLst>
+          </p:cNvPr>
+          <p:cNvSpPr txBox="1"/>
+          <p:nvPr/>
+        </p:nvSpPr>
+        <p:spPr>
+          <a:xfrm>
+            <a:off x="515880" y="488425"/>
+            <a:ext cx="9464530" cy="1200329"/>
+          </a:xfrm>
+          <a:prstGeom prst="rect">
+            <a:avLst/>
+          </a:prstGeom>
+          <a:noFill/>
+        </p:spPr>
+        <p:txBody>
+          <a:bodyPr wrap="square">
+            <a:spAutoFit/>
+          </a:bodyPr>
+          <a:lstStyle/>
+          <a:p>
+            <a:r>
+              <a:rPr lang="en-GB" sz="3600" dirty="0">
+                <a:solidFill>
+                  <a:srgbClr val="0070C0"/>
+                </a:solidFill>
+              </a:rPr>
+              <a:t>Data Management Plans</a:t>
+            </a:r>
+          </a:p>
+          <a:p>
+            <a:pPr algn="ctr"/>
+            <a:endParaRPr lang="en-GB" sz="3600" dirty="0">
+              <a:solidFill>
+                <a:srgbClr val="0070C0"/>
+              </a:solidFill>
+            </a:endParaRPr>
+          </a:p>
+        </p:txBody>
+      </p:sp>
+    </p:spTree>
+    <p:extLst>
+      <p:ext uri="{BB962C8B-B14F-4D97-AF65-F5344CB8AC3E}">
+        <p14:creationId xmlns:p14="http://schemas.microsoft.com/office/powerpoint/2010/main" val="3946935514"/>
+      </p:ext>
+    </p:extLst>
+  </p:cSld>
+  <p:clrMapOvr>
+    <a:masterClrMapping/>
+  </p:clrMapOvr>
+</p:sld>
+</file>
+
+<file path=ppt/slides/slide17.xml><?xml version="1.0" encoding="utf-8"?>
+<p:sld xmlns:a="http://schemas.openxmlformats.org/drawingml/2006/main" xmlns:r="http://schemas.openxmlformats.org/officeDocument/2006/relationships" xmlns:p="http://schemas.openxmlformats.org/presentationml/2006/main">
+  <p:cSld>
+    <p:spTree>
+      <p:nvGrpSpPr>
+        <p:cNvPr id="1" name=""/>
+        <p:cNvGrpSpPr/>
+        <p:nvPr/>
+      </p:nvGrpSpPr>
+      <p:grpSpPr>
+        <a:xfrm>
+          <a:off x="0" y="0"/>
+          <a:ext cx="0" cy="0"/>
+          <a:chOff x="0" y="0"/>
+          <a:chExt cx="0" cy="0"/>
+        </a:xfrm>
+      </p:grpSpPr>
+      <p:sp>
+        <p:nvSpPr>
           <p:cNvPr id="2" name="Title 1">
             <a:extLst>
               <a:ext uri="{FF2B5EF4-FFF2-40B4-BE49-F238E27FC236}">
@@ -5483,7 +6645,7 @@
                 <a14:useLocalDpi xmlns:a14="http://schemas.microsoft.com/office/drawing/2010/main" val="0"/>
               </a:ext>
               <a:ext uri="{96DAC541-7B7A-43D3-8B79-37D633B846F1}">
-                <asvg:svgBlip xmlns="" xmlns:asvg="http://schemas.microsoft.com/office/drawing/2016/SVG/main" r:embed="rId4"/>
+                <asvg:svgBlip xmlns:asvg="http://schemas.microsoft.com/office/drawing/2016/SVG/main" xmlns="" r:embed="rId4"/>
               </a:ext>
             </a:extLst>
           </a:blip>
@@ -5533,6 +6695,569 @@
       </p:grpSpPr>
       <p:sp>
         <p:nvSpPr>
+          <p:cNvPr id="5" name="TextBox 4">
+            <a:extLst>
+              <a:ext uri="{FF2B5EF4-FFF2-40B4-BE49-F238E27FC236}">
+                <a16:creationId xmlns:a16="http://schemas.microsoft.com/office/drawing/2014/main" id="{3A7A1F5C-9C70-4DE3-BA39-7835B2935EB3}"/>
+              </a:ext>
+            </a:extLst>
+          </p:cNvPr>
+          <p:cNvSpPr txBox="1"/>
+          <p:nvPr/>
+        </p:nvSpPr>
+        <p:spPr>
+          <a:xfrm>
+            <a:off x="1363735" y="1853859"/>
+            <a:ext cx="9464530" cy="1384995"/>
+          </a:xfrm>
+          <a:prstGeom prst="rect">
+            <a:avLst/>
+          </a:prstGeom>
+          <a:noFill/>
+        </p:spPr>
+        <p:txBody>
+          <a:bodyPr wrap="square">
+            <a:spAutoFit/>
+          </a:bodyPr>
+          <a:lstStyle/>
+          <a:p>
+            <a:r>
+              <a:rPr lang="en-GB" sz="2800" dirty="0" smtClean="0">
+                <a:solidFill>
+                  <a:srgbClr val="0070C0"/>
+                </a:solidFill>
+              </a:rPr>
+              <a:t>Exercise: </a:t>
+            </a:r>
+            <a:endParaRPr lang="en-GB" sz="2800" dirty="0">
+              <a:solidFill>
+                <a:srgbClr val="0070C0"/>
+              </a:solidFill>
+            </a:endParaRPr>
+          </a:p>
+          <a:p>
+            <a:pPr algn="ctr"/>
+            <a:endParaRPr lang="en-GB" sz="2800" dirty="0">
+              <a:solidFill>
+                <a:srgbClr val="0070C0"/>
+              </a:solidFill>
+            </a:endParaRPr>
+          </a:p>
+          <a:p>
+            <a:pPr algn="ctr"/>
+            <a:r>
+              <a:rPr lang="en-GB" sz="2800" dirty="0" smtClean="0">
+                <a:solidFill>
+                  <a:srgbClr val="0070C0"/>
+                </a:solidFill>
+              </a:rPr>
+              <a:t>What to introduce first</a:t>
+            </a:r>
+            <a:endParaRPr lang="en-GB" sz="2800" dirty="0">
+              <a:solidFill>
+                <a:srgbClr val="0070C0"/>
+              </a:solidFill>
+            </a:endParaRPr>
+          </a:p>
+        </p:txBody>
+      </p:sp>
+      <p:pic>
+        <p:nvPicPr>
+          <p:cNvPr id="6" name="Picture 2" descr="Ed_DaSH">
+            <a:extLst>
+              <a:ext uri="{FF2B5EF4-FFF2-40B4-BE49-F238E27FC236}">
+                <a16:creationId xmlns:a16="http://schemas.microsoft.com/office/drawing/2014/main" id="{6F3CF586-06D2-46C3-A4A3-130E31C4A16F}"/>
+              </a:ext>
+            </a:extLst>
+          </p:cNvPr>
+          <p:cNvPicPr>
+            <a:picLocks noChangeAspect="1" noChangeArrowheads="1"/>
+          </p:cNvPicPr>
+          <p:nvPr/>
+        </p:nvPicPr>
+        <p:blipFill>
+          <a:blip r:embed="rId2" cstate="hqprint">
+            <a:extLst>
+              <a:ext uri="{28A0092B-C50C-407E-A947-70E740481C1C}">
+                <a14:useLocalDpi xmlns:a14="http://schemas.microsoft.com/office/drawing/2010/main" val="0"/>
+              </a:ext>
+            </a:extLst>
+          </a:blip>
+          <a:srcRect/>
+          <a:stretch>
+            <a:fillRect/>
+          </a:stretch>
+        </p:blipFill>
+        <p:spPr bwMode="auto">
+          <a:xfrm>
+            <a:off x="10828265" y="5484776"/>
+            <a:ext cx="1289214" cy="1325418"/>
+          </a:xfrm>
+          <a:prstGeom prst="rect">
+            <a:avLst/>
+          </a:prstGeom>
+          <a:noFill/>
+          <a:extLst>
+            <a:ext uri="{909E8E84-426E-40DD-AFC4-6F175D3DCCD1}">
+              <a14:hiddenFill xmlns:a14="http://schemas.microsoft.com/office/drawing/2010/main">
+                <a:solidFill>
+                  <a:srgbClr val="FFFFFF"/>
+                </a:solidFill>
+              </a14:hiddenFill>
+            </a:ext>
+          </a:extLst>
+        </p:spPr>
+      </p:pic>
+    </p:spTree>
+    <p:extLst>
+      <p:ext uri="{BB962C8B-B14F-4D97-AF65-F5344CB8AC3E}">
+        <p14:creationId xmlns:p14="http://schemas.microsoft.com/office/powerpoint/2010/main" val="4286087962"/>
+      </p:ext>
+    </p:extLst>
+  </p:cSld>
+  <p:clrMapOvr>
+    <a:masterClrMapping/>
+  </p:clrMapOvr>
+</p:sld>
+</file>
+
+<file path=ppt/slides/slide3.xml><?xml version="1.0" encoding="utf-8"?>
+<p:sld xmlns:a="http://schemas.openxmlformats.org/drawingml/2006/main" xmlns:r="http://schemas.openxmlformats.org/officeDocument/2006/relationships" xmlns:p="http://schemas.openxmlformats.org/presentationml/2006/main">
+  <p:cSld>
+    <p:spTree>
+      <p:nvGrpSpPr>
+        <p:cNvPr id="1" name=""/>
+        <p:cNvGrpSpPr/>
+        <p:nvPr/>
+      </p:nvGrpSpPr>
+      <p:grpSpPr>
+        <a:xfrm>
+          <a:off x="0" y="0"/>
+          <a:ext cx="0" cy="0"/>
+          <a:chOff x="0" y="0"/>
+          <a:chExt cx="0" cy="0"/>
+        </a:xfrm>
+      </p:grpSpPr>
+      <p:pic>
+        <p:nvPicPr>
+          <p:cNvPr id="4" name="Picture 2" descr="Ed_DaSH">
+            <a:extLst>
+              <a:ext uri="{FF2B5EF4-FFF2-40B4-BE49-F238E27FC236}">
+                <a16:creationId xmlns:a16="http://schemas.microsoft.com/office/drawing/2014/main" id="{CB8DDD8E-B41B-4E5C-9734-A84924C2F77C}"/>
+              </a:ext>
+            </a:extLst>
+          </p:cNvPr>
+          <p:cNvPicPr>
+            <a:picLocks noChangeAspect="1" noChangeArrowheads="1"/>
+          </p:cNvPicPr>
+          <p:nvPr/>
+        </p:nvPicPr>
+        <p:blipFill>
+          <a:blip r:embed="rId2" cstate="hqprint">
+            <a:extLst>
+              <a:ext uri="{28A0092B-C50C-407E-A947-70E740481C1C}">
+                <a14:useLocalDpi xmlns:a14="http://schemas.microsoft.com/office/drawing/2010/main" val="0"/>
+              </a:ext>
+            </a:extLst>
+          </a:blip>
+          <a:srcRect/>
+          <a:stretch>
+            <a:fillRect/>
+          </a:stretch>
+        </p:blipFill>
+        <p:spPr bwMode="auto">
+          <a:xfrm>
+            <a:off x="10828265" y="5484776"/>
+            <a:ext cx="1289214" cy="1325418"/>
+          </a:xfrm>
+          <a:prstGeom prst="rect">
+            <a:avLst/>
+          </a:prstGeom>
+          <a:noFill/>
+          <a:extLst>
+            <a:ext uri="{909E8E84-426E-40DD-AFC4-6F175D3DCCD1}">
+              <a14:hiddenFill xmlns:a14="http://schemas.microsoft.com/office/drawing/2010/main">
+                <a:solidFill>
+                  <a:srgbClr val="FFFFFF"/>
+                </a:solidFill>
+              </a14:hiddenFill>
+            </a:ext>
+          </a:extLst>
+        </p:spPr>
+      </p:pic>
+      <p:sp>
+        <p:nvSpPr>
+          <p:cNvPr id="8" name="TextBox 7">
+            <a:extLst>
+              <a:ext uri="{FF2B5EF4-FFF2-40B4-BE49-F238E27FC236}">
+                <a16:creationId xmlns:a16="http://schemas.microsoft.com/office/drawing/2014/main" id="{1D8EE843-1CA2-40D4-9C52-FDA820EB7CFB}"/>
+              </a:ext>
+            </a:extLst>
+          </p:cNvPr>
+          <p:cNvSpPr txBox="1"/>
+          <p:nvPr/>
+        </p:nvSpPr>
+        <p:spPr>
+          <a:xfrm>
+            <a:off x="982493" y="305852"/>
+            <a:ext cx="10594313" cy="584775"/>
+          </a:xfrm>
+          <a:prstGeom prst="rect">
+            <a:avLst/>
+          </a:prstGeom>
+          <a:noFill/>
+        </p:spPr>
+        <p:txBody>
+          <a:bodyPr wrap="square">
+            <a:spAutoFit/>
+          </a:bodyPr>
+          <a:lstStyle/>
+          <a:p>
+            <a:r>
+              <a:rPr lang="en-GB" sz="3200" b="0" i="0" dirty="0" smtClean="0">
+                <a:solidFill>
+                  <a:srgbClr val="0070C0"/>
+                </a:solidFill>
+                <a:effectLst/>
+                <a:latin typeface="Ubuntu"/>
+              </a:rPr>
+              <a:t>Collaborative environment for your group</a:t>
+            </a:r>
+            <a:endParaRPr lang="en-GB" sz="3200" b="0" i="0" dirty="0">
+              <a:solidFill>
+                <a:srgbClr val="0070C0"/>
+              </a:solidFill>
+              <a:effectLst/>
+              <a:latin typeface="Ubuntu"/>
+            </a:endParaRPr>
+          </a:p>
+        </p:txBody>
+      </p:sp>
+      <p:sp>
+        <p:nvSpPr>
+          <p:cNvPr id="9" name="Content Placeholder 3"/>
+          <p:cNvSpPr>
+            <a:spLocks noGrp="1"/>
+          </p:cNvSpPr>
+          <p:nvPr>
+            <p:ph idx="1"/>
+          </p:nvPr>
+        </p:nvSpPr>
+        <p:spPr>
+          <a:xfrm>
+            <a:off x="838200" y="1825625"/>
+            <a:ext cx="9045102" cy="4351338"/>
+          </a:xfrm>
+        </p:spPr>
+        <p:txBody>
+          <a:bodyPr/>
+          <a:lstStyle/>
+          <a:p>
+            <a:r>
+              <a:rPr lang="en-GB" dirty="0" smtClean="0">
+                <a:solidFill>
+                  <a:srgbClr val="0070C0"/>
+                </a:solidFill>
+              </a:rPr>
+              <a:t>Shared network storage for group data</a:t>
+            </a:r>
+            <a:endParaRPr lang="en-GB" dirty="0">
+              <a:solidFill>
+                <a:srgbClr val="0070C0"/>
+              </a:solidFill>
+            </a:endParaRPr>
+          </a:p>
+          <a:p>
+            <a:r>
+              <a:rPr lang="en-GB" dirty="0" smtClean="0">
+                <a:solidFill>
+                  <a:srgbClr val="0070C0"/>
+                </a:solidFill>
+              </a:rPr>
+              <a:t>Shared, online accessible protocols, lab notebooks </a:t>
+            </a:r>
+            <a:endParaRPr lang="en-GB" dirty="0">
+              <a:solidFill>
+                <a:srgbClr val="0070C0"/>
+              </a:solidFill>
+            </a:endParaRPr>
+          </a:p>
+          <a:p>
+            <a:r>
+              <a:rPr lang="en-GB" dirty="0" smtClean="0">
+                <a:solidFill>
+                  <a:srgbClr val="0070C0"/>
+                </a:solidFill>
+              </a:rPr>
+              <a:t>Standardise projects (folder structure, naming)</a:t>
+            </a:r>
+            <a:endParaRPr lang="en-GB" dirty="0">
+              <a:solidFill>
+                <a:srgbClr val="0070C0"/>
+              </a:solidFill>
+            </a:endParaRPr>
+          </a:p>
+          <a:p>
+            <a:r>
+              <a:rPr lang="en-GB" dirty="0">
+                <a:solidFill>
+                  <a:srgbClr val="0070C0"/>
+                </a:solidFill>
+              </a:rPr>
+              <a:t>Standardise </a:t>
+            </a:r>
+            <a:r>
+              <a:rPr lang="en-GB" dirty="0" smtClean="0">
+                <a:solidFill>
+                  <a:srgbClr val="0070C0"/>
+                </a:solidFill>
+              </a:rPr>
+              <a:t>experiments descriptions  (templates)</a:t>
+            </a:r>
+            <a:endParaRPr lang="en-GB" dirty="0">
+              <a:solidFill>
+                <a:srgbClr val="0070C0"/>
+              </a:solidFill>
+            </a:endParaRPr>
+          </a:p>
+          <a:p>
+            <a:r>
+              <a:rPr lang="en-GB" dirty="0" smtClean="0">
+                <a:solidFill>
+                  <a:srgbClr val="0070C0"/>
+                </a:solidFill>
+              </a:rPr>
+              <a:t>Git for sharing code/scripts</a:t>
+            </a:r>
+            <a:endParaRPr lang="en-GB" dirty="0">
+              <a:solidFill>
+                <a:srgbClr val="0070C0"/>
+              </a:solidFill>
+            </a:endParaRPr>
+          </a:p>
+          <a:p>
+            <a:endParaRPr lang="en-GB" dirty="0"/>
+          </a:p>
+        </p:txBody>
+      </p:sp>
+    </p:spTree>
+    <p:extLst>
+      <p:ext uri="{BB962C8B-B14F-4D97-AF65-F5344CB8AC3E}">
+        <p14:creationId xmlns:p14="http://schemas.microsoft.com/office/powerpoint/2010/main" val="2988126056"/>
+      </p:ext>
+    </p:extLst>
+  </p:cSld>
+  <p:clrMapOvr>
+    <a:masterClrMapping/>
+  </p:clrMapOvr>
+</p:sld>
+</file>
+
+<file path=ppt/slides/slide4.xml><?xml version="1.0" encoding="utf-8"?>
+<p:sld xmlns:a="http://schemas.openxmlformats.org/drawingml/2006/main" xmlns:r="http://schemas.openxmlformats.org/officeDocument/2006/relationships" xmlns:p="http://schemas.openxmlformats.org/presentationml/2006/main">
+  <p:cSld>
+    <p:spTree>
+      <p:nvGrpSpPr>
+        <p:cNvPr id="1" name=""/>
+        <p:cNvGrpSpPr/>
+        <p:nvPr/>
+      </p:nvGrpSpPr>
+      <p:grpSpPr>
+        <a:xfrm>
+          <a:off x="0" y="0"/>
+          <a:ext cx="0" cy="0"/>
+          <a:chOff x="0" y="0"/>
+          <a:chExt cx="0" cy="0"/>
+        </a:xfrm>
+      </p:grpSpPr>
+      <p:sp>
+        <p:nvSpPr>
+          <p:cNvPr id="5" name="TextBox 4">
+            <a:extLst>
+              <a:ext uri="{FF2B5EF4-FFF2-40B4-BE49-F238E27FC236}">
+                <a16:creationId xmlns:a16="http://schemas.microsoft.com/office/drawing/2014/main" id="{3A7A1F5C-9C70-4DE3-BA39-7835B2935EB3}"/>
+              </a:ext>
+            </a:extLst>
+          </p:cNvPr>
+          <p:cNvSpPr txBox="1"/>
+          <p:nvPr/>
+        </p:nvSpPr>
+        <p:spPr>
+          <a:xfrm>
+            <a:off x="1363735" y="1853859"/>
+            <a:ext cx="9464530" cy="1384995"/>
+          </a:xfrm>
+          <a:prstGeom prst="rect">
+            <a:avLst/>
+          </a:prstGeom>
+          <a:noFill/>
+        </p:spPr>
+        <p:txBody>
+          <a:bodyPr wrap="square">
+            <a:spAutoFit/>
+          </a:bodyPr>
+          <a:lstStyle/>
+          <a:p>
+            <a:r>
+              <a:rPr lang="en-GB" sz="2800" dirty="0" smtClean="0">
+                <a:solidFill>
+                  <a:srgbClr val="0070C0"/>
+                </a:solidFill>
+              </a:rPr>
+              <a:t>Exercise: </a:t>
+            </a:r>
+            <a:endParaRPr lang="en-GB" sz="2800" dirty="0">
+              <a:solidFill>
+                <a:srgbClr val="0070C0"/>
+              </a:solidFill>
+            </a:endParaRPr>
+          </a:p>
+          <a:p>
+            <a:pPr algn="ctr"/>
+            <a:endParaRPr lang="en-GB" sz="2800" dirty="0">
+              <a:solidFill>
+                <a:srgbClr val="0070C0"/>
+              </a:solidFill>
+            </a:endParaRPr>
+          </a:p>
+          <a:p>
+            <a:pPr algn="ctr"/>
+            <a:r>
+              <a:rPr lang="en-GB" sz="2800" dirty="0" smtClean="0">
+                <a:solidFill>
+                  <a:srgbClr val="0070C0"/>
+                </a:solidFill>
+              </a:rPr>
+              <a:t>How to enforce good practices</a:t>
+            </a:r>
+            <a:endParaRPr lang="en-GB" sz="2800" dirty="0">
+              <a:solidFill>
+                <a:srgbClr val="0070C0"/>
+              </a:solidFill>
+            </a:endParaRPr>
+          </a:p>
+        </p:txBody>
+      </p:sp>
+      <p:pic>
+        <p:nvPicPr>
+          <p:cNvPr id="6" name="Picture 2" descr="Ed_DaSH">
+            <a:extLst>
+              <a:ext uri="{FF2B5EF4-FFF2-40B4-BE49-F238E27FC236}">
+                <a16:creationId xmlns:a16="http://schemas.microsoft.com/office/drawing/2014/main" id="{6F3CF586-06D2-46C3-A4A3-130E31C4A16F}"/>
+              </a:ext>
+            </a:extLst>
+          </p:cNvPr>
+          <p:cNvPicPr>
+            <a:picLocks noChangeAspect="1" noChangeArrowheads="1"/>
+          </p:cNvPicPr>
+          <p:nvPr/>
+        </p:nvPicPr>
+        <p:blipFill>
+          <a:blip r:embed="rId2" cstate="hqprint">
+            <a:extLst>
+              <a:ext uri="{28A0092B-C50C-407E-A947-70E740481C1C}">
+                <a14:useLocalDpi xmlns:a14="http://schemas.microsoft.com/office/drawing/2010/main" val="0"/>
+              </a:ext>
+            </a:extLst>
+          </a:blip>
+          <a:srcRect/>
+          <a:stretch>
+            <a:fillRect/>
+          </a:stretch>
+        </p:blipFill>
+        <p:spPr bwMode="auto">
+          <a:xfrm>
+            <a:off x="10828265" y="5484776"/>
+            <a:ext cx="1289214" cy="1325418"/>
+          </a:xfrm>
+          <a:prstGeom prst="rect">
+            <a:avLst/>
+          </a:prstGeom>
+          <a:noFill/>
+          <a:extLst>
+            <a:ext uri="{909E8E84-426E-40DD-AFC4-6F175D3DCCD1}">
+              <a14:hiddenFill xmlns:a14="http://schemas.microsoft.com/office/drawing/2010/main">
+                <a:solidFill>
+                  <a:srgbClr val="FFFFFF"/>
+                </a:solidFill>
+              </a14:hiddenFill>
+            </a:ext>
+          </a:extLst>
+        </p:spPr>
+      </p:pic>
+      <p:pic>
+        <p:nvPicPr>
+          <p:cNvPr id="4" name="Picture 2" descr="D:\Google Drive\work\OCM\at gun.jpg"/>
+          <p:cNvPicPr>
+            <a:picLocks noChangeAspect="1" noChangeArrowheads="1"/>
+          </p:cNvPicPr>
+          <p:nvPr/>
+        </p:nvPicPr>
+        <p:blipFill>
+          <a:blip r:embed="rId3" cstate="print">
+            <a:extLst>
+              <a:ext uri="{28A0092B-C50C-407E-A947-70E740481C1C}">
+                <a14:useLocalDpi xmlns:a14="http://schemas.microsoft.com/office/drawing/2010/main" val="0"/>
+              </a:ext>
+            </a:extLst>
+          </a:blip>
+          <a:srcRect/>
+          <a:stretch>
+            <a:fillRect/>
+          </a:stretch>
+        </p:blipFill>
+        <p:spPr bwMode="auto">
+          <a:xfrm>
+            <a:off x="4615926" y="3348039"/>
+            <a:ext cx="2960148" cy="3068687"/>
+          </a:xfrm>
+          <a:prstGeom prst="rect">
+            <a:avLst/>
+          </a:prstGeom>
+          <a:noFill/>
+          <a:extLst>
+            <a:ext uri="{909E8E84-426E-40DD-AFC4-6F175D3DCCD1}">
+              <a14:hiddenFill xmlns:a14="http://schemas.microsoft.com/office/drawing/2010/main">
+                <a:solidFill>
+                  <a:srgbClr val="FFFFFF"/>
+                </a:solidFill>
+              </a14:hiddenFill>
+            </a:ext>
+          </a:extLst>
+        </p:spPr>
+      </p:pic>
+    </p:spTree>
+    <p:extLst>
+      <p:ext uri="{BB962C8B-B14F-4D97-AF65-F5344CB8AC3E}">
+        <p14:creationId xmlns:p14="http://schemas.microsoft.com/office/powerpoint/2010/main" val="1898178459"/>
+      </p:ext>
+    </p:extLst>
+  </p:cSld>
+  <p:clrMapOvr>
+    <a:masterClrMapping/>
+  </p:clrMapOvr>
+</p:sld>
+</file>
+
+<file path=ppt/slides/slide5.xml><?xml version="1.0" encoding="utf-8"?>
+<p:sld xmlns:a="http://schemas.openxmlformats.org/drawingml/2006/main" xmlns:r="http://schemas.openxmlformats.org/officeDocument/2006/relationships" xmlns:p="http://schemas.openxmlformats.org/presentationml/2006/main">
+  <p:cSld>
+    <p:spTree>
+      <p:nvGrpSpPr>
+        <p:cNvPr id="1" name=""/>
+        <p:cNvGrpSpPr/>
+        <p:nvPr/>
+      </p:nvGrpSpPr>
+      <p:grpSpPr>
+        <a:xfrm>
+          <a:off x="0" y="0"/>
+          <a:ext cx="0" cy="0"/>
+          <a:chOff x="0" y="0"/>
+          <a:chExt cx="0" cy="0"/>
+        </a:xfrm>
+      </p:grpSpPr>
+      <p:sp>
+        <p:nvSpPr>
           <p:cNvPr id="5" name="Title 1"/>
           <p:cNvSpPr>
             <a:spLocks noGrp="1"/>
@@ -5606,7 +7331,7 @@
           <a:effectLst/>
           <a:extLst>
             <a:ext uri="{AF507438-7753-43e0-B8FC-AC1667EBCBE1}">
-              <a14:hiddenEffects xmlns:a14="http://schemas.microsoft.com/office/drawing/2010/main" xmlns="">
+              <a14:hiddenEffects xmlns="" xmlns:a14="http://schemas.microsoft.com/office/drawing/2010/main">
                 <a:effectLst>
                   <a:outerShdw dist="35921" dir="2700000" algn="ctr" rotWithShape="0">
                     <a:schemeClr val="bg2"/>
@@ -5937,7 +7662,7 @@
             <a:effectLst/>
             <a:extLst>
               <a:ext uri="{AF507438-7753-43e0-B8FC-AC1667EBCBE1}">
-                <a14:hiddenEffects xmlns:a14="http://schemas.microsoft.com/office/drawing/2010/main" xmlns="">
+                <a14:hiddenEffects xmlns="" xmlns:a14="http://schemas.microsoft.com/office/drawing/2010/main">
                   <a:effectLst>
                     <a:outerShdw dist="35921" dir="2700000" algn="ctr" rotWithShape="0">
                       <a:schemeClr val="bg2"/>
@@ -5999,7 +7724,7 @@
             <a:effectLst/>
             <a:extLst>
               <a:ext uri="{AF507438-7753-43e0-B8FC-AC1667EBCBE1}">
-                <a14:hiddenEffects xmlns:a14="http://schemas.microsoft.com/office/drawing/2010/main" xmlns="">
+                <a14:hiddenEffects xmlns="" xmlns:a14="http://schemas.microsoft.com/office/drawing/2010/main">
                   <a:effectLst>
                     <a:outerShdw dist="35921" dir="2700000" algn="ctr" rotWithShape="0">
                       <a:schemeClr val="bg2"/>
@@ -6076,7 +7801,7 @@
             <a:effectLst/>
             <a:extLst>
               <a:ext uri="{AF507438-7753-43e0-B8FC-AC1667EBCBE1}">
-                <a14:hiddenEffects xmlns:a14="http://schemas.microsoft.com/office/drawing/2010/main" xmlns="">
+                <a14:hiddenEffects xmlns="" xmlns:a14="http://schemas.microsoft.com/office/drawing/2010/main">
                   <a:effectLst>
                     <a:outerShdw dist="35921" dir="2700000" algn="ctr" rotWithShape="0">
                       <a:schemeClr val="bg2"/>
@@ -6138,7 +7863,7 @@
             <a:effectLst/>
             <a:extLst>
               <a:ext uri="{AF507438-7753-43e0-B8FC-AC1667EBCBE1}">
-                <a14:hiddenEffects xmlns:a14="http://schemas.microsoft.com/office/drawing/2010/main" xmlns="">
+                <a14:hiddenEffects xmlns="" xmlns:a14="http://schemas.microsoft.com/office/drawing/2010/main">
                   <a:effectLst>
                     <a:outerShdw dist="35921" dir="2700000" algn="ctr" rotWithShape="0">
                       <a:schemeClr val="bg2"/>
@@ -7371,7 +9096,7 @@
           <a:effectLst/>
           <a:extLst>
             <a:ext uri="{AF507438-7753-43e0-B8FC-AC1667EBCBE1}">
-              <a14:hiddenEffects xmlns:a14="http://schemas.microsoft.com/office/drawing/2010/main" xmlns="">
+              <a14:hiddenEffects xmlns="" xmlns:a14="http://schemas.microsoft.com/office/drawing/2010/main">
                 <a:effectLst>
                   <a:outerShdw dist="35921" dir="2700000" algn="ctr" rotWithShape="0">
                     <a:schemeClr val="bg2"/>
@@ -7671,142 +9396,7 @@
 </p:sld>
 </file>
 
-<file path=ppt/slides/slide3.xml><?xml version="1.0" encoding="utf-8"?>
-<p:sld xmlns:a="http://schemas.openxmlformats.org/drawingml/2006/main" xmlns:r="http://schemas.openxmlformats.org/officeDocument/2006/relationships" xmlns:p="http://schemas.openxmlformats.org/presentationml/2006/main">
-  <p:cSld>
-    <p:spTree>
-      <p:nvGrpSpPr>
-        <p:cNvPr id="1" name=""/>
-        <p:cNvGrpSpPr/>
-        <p:nvPr/>
-      </p:nvGrpSpPr>
-      <p:grpSpPr>
-        <a:xfrm>
-          <a:off x="0" y="0"/>
-          <a:ext cx="0" cy="0"/>
-          <a:chOff x="0" y="0"/>
-          <a:chExt cx="0" cy="0"/>
-        </a:xfrm>
-      </p:grpSpPr>
-      <p:sp>
-        <p:nvSpPr>
-          <p:cNvPr id="5" name="TextBox 4">
-            <a:extLst>
-              <a:ext uri="{FF2B5EF4-FFF2-40B4-BE49-F238E27FC236}">
-                <a16:creationId xmlns:a16="http://schemas.microsoft.com/office/drawing/2014/main" id="{3A7A1F5C-9C70-4DE3-BA39-7835B2935EB3}"/>
-              </a:ext>
-            </a:extLst>
-          </p:cNvPr>
-          <p:cNvSpPr txBox="1"/>
-          <p:nvPr/>
-        </p:nvSpPr>
-        <p:spPr>
-          <a:xfrm>
-            <a:off x="1363735" y="1853859"/>
-            <a:ext cx="9464530" cy="1384995"/>
-          </a:xfrm>
-          <a:prstGeom prst="rect">
-            <a:avLst/>
-          </a:prstGeom>
-          <a:noFill/>
-        </p:spPr>
-        <p:txBody>
-          <a:bodyPr wrap="square">
-            <a:spAutoFit/>
-          </a:bodyPr>
-          <a:lstStyle/>
-          <a:p>
-            <a:r>
-              <a:rPr lang="en-GB" sz="2800" dirty="0">
-                <a:solidFill>
-                  <a:srgbClr val="0070C0"/>
-                </a:solidFill>
-              </a:rPr>
-              <a:t>Exercise/challenge 1: </a:t>
-            </a:r>
-          </a:p>
-          <a:p>
-            <a:pPr algn="ctr"/>
-            <a:endParaRPr lang="en-GB" sz="2800" dirty="0">
-              <a:solidFill>
-                <a:srgbClr val="0070C0"/>
-              </a:solidFill>
-            </a:endParaRPr>
-          </a:p>
-          <a:p>
-            <a:pPr algn="ctr"/>
-            <a:r>
-              <a:rPr lang="en-GB" sz="2800" dirty="0">
-                <a:solidFill>
-                  <a:srgbClr val="0070C0"/>
-                </a:solidFill>
-              </a:rPr>
-              <a:t>Data Management practices</a:t>
-            </a:r>
-          </a:p>
-        </p:txBody>
-      </p:sp>
-      <p:pic>
-        <p:nvPicPr>
-          <p:cNvPr id="6" name="Picture 2" descr="Ed_DaSH">
-            <a:extLst>
-              <a:ext uri="{FF2B5EF4-FFF2-40B4-BE49-F238E27FC236}">
-                <a16:creationId xmlns:a16="http://schemas.microsoft.com/office/drawing/2014/main" id="{6F3CF586-06D2-46C3-A4A3-130E31C4A16F}"/>
-              </a:ext>
-            </a:extLst>
-          </p:cNvPr>
-          <p:cNvPicPr>
-            <a:picLocks noChangeAspect="1" noChangeArrowheads="1"/>
-          </p:cNvPicPr>
-          <p:nvPr/>
-        </p:nvPicPr>
-        <p:blipFill>
-          <a:blip r:embed="rId2" cstate="hqprint">
-            <a:extLst>
-              <a:ext uri="{28A0092B-C50C-407E-A947-70E740481C1C}">
-                <a14:useLocalDpi xmlns:a14="http://schemas.microsoft.com/office/drawing/2010/main" val="0"/>
-              </a:ext>
-            </a:extLst>
-          </a:blip>
-          <a:srcRect/>
-          <a:stretch>
-            <a:fillRect/>
-          </a:stretch>
-        </p:blipFill>
-        <p:spPr bwMode="auto">
-          <a:xfrm>
-            <a:off x="10828265" y="5484776"/>
-            <a:ext cx="1289214" cy="1325418"/>
-          </a:xfrm>
-          <a:prstGeom prst="rect">
-            <a:avLst/>
-          </a:prstGeom>
-          <a:noFill/>
-          <a:extLst>
-            <a:ext uri="{909E8E84-426E-40DD-AFC4-6F175D3DCCD1}">
-              <a14:hiddenFill xmlns:a14="http://schemas.microsoft.com/office/drawing/2010/main">
-                <a:solidFill>
-                  <a:srgbClr val="FFFFFF"/>
-                </a:solidFill>
-              </a14:hiddenFill>
-            </a:ext>
-          </a:extLst>
-        </p:spPr>
-      </p:pic>
-    </p:spTree>
-    <p:extLst>
-      <p:ext uri="{BB962C8B-B14F-4D97-AF65-F5344CB8AC3E}">
-        <p14:creationId xmlns:p14="http://schemas.microsoft.com/office/powerpoint/2010/main" val="4286087962"/>
-      </p:ext>
-    </p:extLst>
-  </p:cSld>
-  <p:clrMapOvr>
-    <a:masterClrMapping/>
-  </p:clrMapOvr>
-</p:sld>
-</file>
-
-<file path=ppt/slides/slide4.xml><?xml version="1.0" encoding="utf-8"?>
+<file path=ppt/slides/slide6.xml><?xml version="1.0" encoding="utf-8"?>
 <p:sld xmlns:a="http://schemas.openxmlformats.org/drawingml/2006/main" xmlns:r="http://schemas.openxmlformats.org/officeDocument/2006/relationships" xmlns:p="http://schemas.openxmlformats.org/presentationml/2006/main">
   <p:cSld>
     <p:spTree>
@@ -8014,701 +9604,6 @@
     <p:extLst>
       <p:ext uri="{BB962C8B-B14F-4D97-AF65-F5344CB8AC3E}">
         <p14:creationId xmlns:p14="http://schemas.microsoft.com/office/powerpoint/2010/main" val="2440119291"/>
-      </p:ext>
-    </p:extLst>
-  </p:cSld>
-  <p:clrMapOvr>
-    <a:masterClrMapping/>
-  </p:clrMapOvr>
-</p:sld>
-</file>
-
-<file path=ppt/slides/slide5.xml><?xml version="1.0" encoding="utf-8"?>
-<p:sld xmlns:a="http://schemas.openxmlformats.org/drawingml/2006/main" xmlns:r="http://schemas.openxmlformats.org/officeDocument/2006/relationships" xmlns:p="http://schemas.openxmlformats.org/presentationml/2006/main">
-  <p:cSld>
-    <p:spTree>
-      <p:nvGrpSpPr>
-        <p:cNvPr id="1" name=""/>
-        <p:cNvGrpSpPr/>
-        <p:nvPr/>
-      </p:nvGrpSpPr>
-      <p:grpSpPr>
-        <a:xfrm>
-          <a:off x="0" y="0"/>
-          <a:ext cx="0" cy="0"/>
-          <a:chOff x="0" y="0"/>
-          <a:chExt cx="0" cy="0"/>
-        </a:xfrm>
-      </p:grpSpPr>
-      <p:sp>
-        <p:nvSpPr>
-          <p:cNvPr id="2" name="Title 1"/>
-          <p:cNvSpPr>
-            <a:spLocks noGrp="1"/>
-          </p:cNvSpPr>
-          <p:nvPr>
-            <p:ph type="title"/>
-          </p:nvPr>
-        </p:nvSpPr>
-        <p:spPr/>
-        <p:txBody>
-          <a:bodyPr/>
-          <a:lstStyle/>
-          <a:p>
-            <a:r>
-              <a:rPr lang="en-GB" dirty="0">
-                <a:solidFill>
-                  <a:srgbClr val="0070C0"/>
-                </a:solidFill>
-              </a:rPr>
-              <a:t>FAIR in (bio) practice - </a:t>
-            </a:r>
-            <a:r>
-              <a:rPr lang="pl-PL" dirty="0">
-                <a:solidFill>
-                  <a:srgbClr val="0070C0"/>
-                </a:solidFill>
-              </a:rPr>
-              <a:t>workshop</a:t>
-            </a:r>
-            <a:endParaRPr lang="en-GB" dirty="0">
-              <a:solidFill>
-                <a:srgbClr val="0070C0"/>
-              </a:solidFill>
-            </a:endParaRPr>
-          </a:p>
-        </p:txBody>
-      </p:sp>
-      <p:sp>
-        <p:nvSpPr>
-          <p:cNvPr id="4" name="Content Placeholder 3"/>
-          <p:cNvSpPr>
-            <a:spLocks noGrp="1"/>
-          </p:cNvSpPr>
-          <p:nvPr>
-            <p:ph idx="1"/>
-          </p:nvPr>
-        </p:nvSpPr>
-        <p:spPr>
-          <a:xfrm>
-            <a:off x="838200" y="1825625"/>
-            <a:ext cx="4876800" cy="4351338"/>
-          </a:xfrm>
-        </p:spPr>
-        <p:txBody>
-          <a:bodyPr/>
-          <a:lstStyle/>
-          <a:p>
-            <a:r>
-              <a:rPr lang="en-GB" dirty="0">
-                <a:solidFill>
-                  <a:srgbClr val="0070C0"/>
-                </a:solidFill>
-              </a:rPr>
-              <a:t>Introduction to Open Science and FAIR</a:t>
-            </a:r>
-          </a:p>
-          <a:p>
-            <a:r>
-              <a:rPr lang="en-GB" dirty="0">
-                <a:solidFill>
-                  <a:srgbClr val="0070C0"/>
-                </a:solidFill>
-              </a:rPr>
-              <a:t>IP, Licensing and Openness </a:t>
-            </a:r>
-          </a:p>
-          <a:p>
-            <a:r>
-              <a:rPr lang="en-GB" dirty="0">
-                <a:solidFill>
-                  <a:srgbClr val="0070C0"/>
-                </a:solidFill>
-              </a:rPr>
-              <a:t>Metadata </a:t>
-            </a:r>
-          </a:p>
-          <a:p>
-            <a:r>
-              <a:rPr lang="en-GB" dirty="0">
-                <a:solidFill>
-                  <a:srgbClr val="0070C0"/>
-                </a:solidFill>
-              </a:rPr>
-              <a:t>Ontologies</a:t>
-            </a:r>
-          </a:p>
-          <a:p>
-            <a:r>
-              <a:rPr lang="en-GB" dirty="0">
-                <a:solidFill>
-                  <a:srgbClr val="0070C0"/>
-                </a:solidFill>
-              </a:rPr>
-              <a:t>(Meta)data in Excel</a:t>
-            </a:r>
-          </a:p>
-          <a:p>
-            <a:r>
-              <a:rPr lang="en-GB" dirty="0">
-                <a:solidFill>
-                  <a:srgbClr val="0070C0"/>
-                </a:solidFill>
-              </a:rPr>
-              <a:t>Record keeping</a:t>
-            </a:r>
-          </a:p>
-          <a:p>
-            <a:r>
-              <a:rPr lang="en-GB" dirty="0">
-                <a:solidFill>
-                  <a:srgbClr val="0070C0"/>
-                </a:solidFill>
-              </a:rPr>
-              <a:t>Working with files</a:t>
-            </a:r>
-          </a:p>
-          <a:p>
-            <a:endParaRPr lang="en-GB" dirty="0"/>
-          </a:p>
-        </p:txBody>
-      </p:sp>
-      <p:sp>
-        <p:nvSpPr>
-          <p:cNvPr id="5" name="Content Placeholder 3"/>
-          <p:cNvSpPr txBox="1">
-            <a:spLocks/>
-          </p:cNvSpPr>
-          <p:nvPr/>
-        </p:nvSpPr>
-        <p:spPr>
-          <a:xfrm>
-            <a:off x="6004560" y="1825625"/>
-            <a:ext cx="5364480" cy="4351338"/>
-          </a:xfrm>
-          <a:prstGeom prst="rect">
-            <a:avLst/>
-          </a:prstGeom>
-        </p:spPr>
-        <p:txBody>
-          <a:bodyPr vert="horz" lIns="91440" tIns="45720" rIns="91440" bIns="45720" rtlCol="0">
-            <a:normAutofit/>
-          </a:bodyPr>
-          <a:lstStyle>
-            <a:lvl1pPr marL="228600" indent="-228600" algn="l" defTabSz="914400" rtl="0" eaLnBrk="1" latinLnBrk="0" hangingPunct="1">
-              <a:lnSpc>
-                <a:spcPct val="90000"/>
-              </a:lnSpc>
-              <a:spcBef>
-                <a:spcPts val="1000"/>
-              </a:spcBef>
-              <a:buFont typeface="Arial" panose="020B0604020202020204" pitchFamily="34" charset="0"/>
-              <a:buChar char="•"/>
-              <a:defRPr sz="2800" kern="1200">
-                <a:solidFill>
-                  <a:srgbClr val="0070C0"/>
-                </a:solidFill>
-                <a:latin typeface="+mn-lt"/>
-                <a:ea typeface="+mn-ea"/>
-                <a:cs typeface="+mn-cs"/>
-              </a:defRPr>
-            </a:lvl1pPr>
-            <a:lvl2pPr marL="685800" indent="-228600" algn="l" defTabSz="914400" rtl="0" eaLnBrk="1" latinLnBrk="0" hangingPunct="1">
-              <a:lnSpc>
-                <a:spcPct val="90000"/>
-              </a:lnSpc>
-              <a:spcBef>
-                <a:spcPts val="500"/>
-              </a:spcBef>
-              <a:buFont typeface="Arial" panose="020B0604020202020204" pitchFamily="34" charset="0"/>
-              <a:buChar char="•"/>
-              <a:defRPr sz="2400" kern="1200">
-                <a:solidFill>
-                  <a:srgbClr val="0070C0"/>
-                </a:solidFill>
-                <a:latin typeface="+mn-lt"/>
-                <a:ea typeface="+mn-ea"/>
-                <a:cs typeface="+mn-cs"/>
-              </a:defRPr>
-            </a:lvl2pPr>
-            <a:lvl3pPr marL="1143000" indent="-228600" algn="l" defTabSz="914400" rtl="0" eaLnBrk="1" latinLnBrk="0" hangingPunct="1">
-              <a:lnSpc>
-                <a:spcPct val="90000"/>
-              </a:lnSpc>
-              <a:spcBef>
-                <a:spcPts val="500"/>
-              </a:spcBef>
-              <a:buFont typeface="Arial" panose="020B0604020202020204" pitchFamily="34" charset="0"/>
-              <a:buChar char="•"/>
-              <a:defRPr sz="2000" kern="1200">
-                <a:solidFill>
-                  <a:srgbClr val="0070C0"/>
-                </a:solidFill>
-                <a:latin typeface="+mn-lt"/>
-                <a:ea typeface="+mn-ea"/>
-                <a:cs typeface="+mn-cs"/>
-              </a:defRPr>
-            </a:lvl3pPr>
-            <a:lvl4pPr marL="1600200" indent="-228600" algn="l" defTabSz="914400" rtl="0" eaLnBrk="1" latinLnBrk="0" hangingPunct="1">
-              <a:lnSpc>
-                <a:spcPct val="90000"/>
-              </a:lnSpc>
-              <a:spcBef>
-                <a:spcPts val="500"/>
-              </a:spcBef>
-              <a:buFont typeface="Arial" panose="020B0604020202020204" pitchFamily="34" charset="0"/>
-              <a:buChar char="•"/>
-              <a:defRPr sz="1800" kern="1200">
-                <a:solidFill>
-                  <a:srgbClr val="0070C0"/>
-                </a:solidFill>
-                <a:latin typeface="+mn-lt"/>
-                <a:ea typeface="+mn-ea"/>
-                <a:cs typeface="+mn-cs"/>
-              </a:defRPr>
-            </a:lvl4pPr>
-            <a:lvl5pPr marL="2057400" indent="-228600" algn="l" defTabSz="914400" rtl="0" eaLnBrk="1" latinLnBrk="0" hangingPunct="1">
-              <a:lnSpc>
-                <a:spcPct val="90000"/>
-              </a:lnSpc>
-              <a:spcBef>
-                <a:spcPts val="500"/>
-              </a:spcBef>
-              <a:buFont typeface="Arial" panose="020B0604020202020204" pitchFamily="34" charset="0"/>
-              <a:buChar char="•"/>
-              <a:defRPr sz="1800" kern="1200">
-                <a:solidFill>
-                  <a:srgbClr val="0070C0"/>
-                </a:solidFill>
-                <a:latin typeface="+mn-lt"/>
-                <a:ea typeface="+mn-ea"/>
-                <a:cs typeface="+mn-cs"/>
-              </a:defRPr>
-            </a:lvl5pPr>
-            <a:lvl6pPr marL="2514600" indent="-228600" algn="l" defTabSz="914400" rtl="0" eaLnBrk="1" latinLnBrk="0" hangingPunct="1">
-              <a:lnSpc>
-                <a:spcPct val="90000"/>
-              </a:lnSpc>
-              <a:spcBef>
-                <a:spcPts val="500"/>
-              </a:spcBef>
-              <a:buFont typeface="Arial" panose="020B0604020202020204" pitchFamily="34" charset="0"/>
-              <a:buChar char="•"/>
-              <a:defRPr sz="1800" kern="1200">
-                <a:solidFill>
-                  <a:schemeClr val="tx1"/>
-                </a:solidFill>
-                <a:latin typeface="+mn-lt"/>
-                <a:ea typeface="+mn-ea"/>
-                <a:cs typeface="+mn-cs"/>
-              </a:defRPr>
-            </a:lvl6pPr>
-            <a:lvl7pPr marL="2971800" indent="-228600" algn="l" defTabSz="914400" rtl="0" eaLnBrk="1" latinLnBrk="0" hangingPunct="1">
-              <a:lnSpc>
-                <a:spcPct val="90000"/>
-              </a:lnSpc>
-              <a:spcBef>
-                <a:spcPts val="500"/>
-              </a:spcBef>
-              <a:buFont typeface="Arial" panose="020B0604020202020204" pitchFamily="34" charset="0"/>
-              <a:buChar char="•"/>
-              <a:defRPr sz="1800" kern="1200">
-                <a:solidFill>
-                  <a:schemeClr val="tx1"/>
-                </a:solidFill>
-                <a:latin typeface="+mn-lt"/>
-                <a:ea typeface="+mn-ea"/>
-                <a:cs typeface="+mn-cs"/>
-              </a:defRPr>
-            </a:lvl7pPr>
-            <a:lvl8pPr marL="3429000" indent="-228600" algn="l" defTabSz="914400" rtl="0" eaLnBrk="1" latinLnBrk="0" hangingPunct="1">
-              <a:lnSpc>
-                <a:spcPct val="90000"/>
-              </a:lnSpc>
-              <a:spcBef>
-                <a:spcPts val="500"/>
-              </a:spcBef>
-              <a:buFont typeface="Arial" panose="020B0604020202020204" pitchFamily="34" charset="0"/>
-              <a:buChar char="•"/>
-              <a:defRPr sz="1800" kern="1200">
-                <a:solidFill>
-                  <a:schemeClr val="tx1"/>
-                </a:solidFill>
-                <a:latin typeface="+mn-lt"/>
-                <a:ea typeface="+mn-ea"/>
-                <a:cs typeface="+mn-cs"/>
-              </a:defRPr>
-            </a:lvl8pPr>
-            <a:lvl9pPr marL="3886200" indent="-228600" algn="l" defTabSz="914400" rtl="0" eaLnBrk="1" latinLnBrk="0" hangingPunct="1">
-              <a:lnSpc>
-                <a:spcPct val="90000"/>
-              </a:lnSpc>
-              <a:spcBef>
-                <a:spcPts val="500"/>
-              </a:spcBef>
-              <a:buFont typeface="Arial" panose="020B0604020202020204" pitchFamily="34" charset="0"/>
-              <a:buChar char="•"/>
-              <a:defRPr sz="1800" kern="1200">
-                <a:solidFill>
-                  <a:schemeClr val="tx1"/>
-                </a:solidFill>
-                <a:latin typeface="+mn-lt"/>
-                <a:ea typeface="+mn-ea"/>
-                <a:cs typeface="+mn-cs"/>
-              </a:defRPr>
-            </a:lvl9pPr>
-          </a:lstStyle>
-          <a:p>
-            <a:r>
-              <a:rPr lang="en-GB" dirty="0"/>
-              <a:t>Reusable analysis - </a:t>
-            </a:r>
-            <a:r>
-              <a:rPr lang="en-GB" dirty="0" err="1"/>
-              <a:t>Jupyter</a:t>
-            </a:r>
-            <a:endParaRPr lang="en-GB" dirty="0"/>
-          </a:p>
-          <a:p>
-            <a:r>
-              <a:rPr lang="en-GB" dirty="0"/>
-              <a:t>Version control </a:t>
-            </a:r>
-          </a:p>
-          <a:p>
-            <a:r>
-              <a:rPr lang="en-GB" dirty="0"/>
-              <a:t>Templates  </a:t>
-            </a:r>
-          </a:p>
-          <a:p>
-            <a:r>
-              <a:rPr lang="en-GB" dirty="0"/>
-              <a:t>Public repositories</a:t>
-            </a:r>
-          </a:p>
-          <a:p>
-            <a:r>
-              <a:rPr lang="pl-PL" dirty="0"/>
-              <a:t>Writing </a:t>
-            </a:r>
-            <a:r>
-              <a:rPr lang="en-GB" dirty="0"/>
-              <a:t>Data Management Plan</a:t>
-            </a:r>
-            <a:r>
-              <a:rPr lang="pl-PL" dirty="0"/>
-              <a:t>s</a:t>
-            </a:r>
-            <a:endParaRPr lang="en-GB" dirty="0"/>
-          </a:p>
-          <a:p>
-            <a:endParaRPr lang="en-GB" dirty="0"/>
-          </a:p>
-        </p:txBody>
-      </p:sp>
-    </p:spTree>
-    <p:extLst>
-      <p:ext uri="{BB962C8B-B14F-4D97-AF65-F5344CB8AC3E}">
-        <p14:creationId xmlns:p14="http://schemas.microsoft.com/office/powerpoint/2010/main" val="36609390"/>
-      </p:ext>
-    </p:extLst>
-  </p:cSld>
-  <p:clrMapOvr>
-    <a:masterClrMapping/>
-  </p:clrMapOvr>
-</p:sld>
-</file>
-
-<file path=ppt/slides/slide6.xml><?xml version="1.0" encoding="utf-8"?>
-<p:sld xmlns:a="http://schemas.openxmlformats.org/drawingml/2006/main" xmlns:r="http://schemas.openxmlformats.org/officeDocument/2006/relationships" xmlns:p="http://schemas.openxmlformats.org/presentationml/2006/main">
-  <p:cSld>
-    <p:spTree>
-      <p:nvGrpSpPr>
-        <p:cNvPr id="1" name=""/>
-        <p:cNvGrpSpPr/>
-        <p:nvPr/>
-      </p:nvGrpSpPr>
-      <p:grpSpPr>
-        <a:xfrm>
-          <a:off x="0" y="0"/>
-          <a:ext cx="0" cy="0"/>
-          <a:chOff x="0" y="0"/>
-          <a:chExt cx="0" cy="0"/>
-        </a:xfrm>
-      </p:grpSpPr>
-      <p:pic>
-        <p:nvPicPr>
-          <p:cNvPr id="12" name="Picture 11" descr="Diagram&#10;&#10;Description automatically generated">
-            <a:extLst>
-              <a:ext uri="{FF2B5EF4-FFF2-40B4-BE49-F238E27FC236}">
-                <a16:creationId xmlns:a16="http://schemas.microsoft.com/office/drawing/2014/main" id="{738DA57D-8583-0E4F-A2B5-9BE129AC4062}"/>
-              </a:ext>
-            </a:extLst>
-          </p:cNvPr>
-          <p:cNvPicPr>
-            <a:picLocks noChangeAspect="1"/>
-          </p:cNvPicPr>
-          <p:nvPr/>
-        </p:nvPicPr>
-        <p:blipFill>
-          <a:blip r:embed="rId2">
-            <a:extLst>
-              <a:ext uri="{28A0092B-C50C-407E-A947-70E740481C1C}">
-                <a14:useLocalDpi xmlns:a14="http://schemas.microsoft.com/office/drawing/2010/main" val="0"/>
-              </a:ext>
-            </a:extLst>
-          </a:blip>
-          <a:stretch>
-            <a:fillRect/>
-          </a:stretch>
-        </p:blipFill>
-        <p:spPr>
-          <a:xfrm>
-            <a:off x="3911575" y="34743"/>
-            <a:ext cx="7858198" cy="6610865"/>
-          </a:xfrm>
-          <a:prstGeom prst="rect">
-            <a:avLst/>
-          </a:prstGeom>
-        </p:spPr>
-      </p:pic>
-      <p:sp>
-        <p:nvSpPr>
-          <p:cNvPr id="10" name="TextBox 9">
-            <a:extLst>
-              <a:ext uri="{FF2B5EF4-FFF2-40B4-BE49-F238E27FC236}">
-                <a16:creationId xmlns:a16="http://schemas.microsoft.com/office/drawing/2014/main" id="{3B982C59-B2A6-9D4C-AFEB-B73A24BB43BB}"/>
-              </a:ext>
-            </a:extLst>
-          </p:cNvPr>
-          <p:cNvSpPr txBox="1"/>
-          <p:nvPr/>
-        </p:nvSpPr>
-        <p:spPr>
-          <a:xfrm>
-            <a:off x="0" y="2278347"/>
-            <a:ext cx="5842047" cy="2123658"/>
-          </a:xfrm>
-          <a:prstGeom prst="rect">
-            <a:avLst/>
-          </a:prstGeom>
-          <a:noFill/>
-        </p:spPr>
-        <p:txBody>
-          <a:bodyPr wrap="none" rtlCol="0">
-            <a:spAutoFit/>
-          </a:bodyPr>
-          <a:lstStyle/>
-          <a:p>
-            <a:pPr algn="ctr"/>
-            <a:r>
-              <a:rPr lang="en-GB" sz="4400" b="1" dirty="0">
-                <a:solidFill>
-                  <a:srgbClr val="0070C0"/>
-                </a:solidFill>
-              </a:rPr>
-              <a:t>Plan ahead</a:t>
-            </a:r>
-            <a:r>
-              <a:rPr lang="en-GB" sz="4400" dirty="0">
-                <a:solidFill>
-                  <a:srgbClr val="0070C0"/>
-                </a:solidFill>
-              </a:rPr>
-              <a:t> </a:t>
-            </a:r>
-          </a:p>
-          <a:p>
-            <a:pPr algn="ctr"/>
-            <a:r>
-              <a:rPr lang="en-GB" sz="4400" dirty="0">
-                <a:solidFill>
-                  <a:srgbClr val="0070C0"/>
-                </a:solidFill>
-              </a:rPr>
-              <a:t>data management plans </a:t>
-            </a:r>
-          </a:p>
-          <a:p>
-            <a:pPr algn="ctr"/>
-            <a:r>
-              <a:rPr lang="en-GB" sz="4400" dirty="0">
-                <a:solidFill>
-                  <a:srgbClr val="0070C0"/>
-                </a:solidFill>
-              </a:rPr>
-              <a:t>(DMPs)</a:t>
-            </a:r>
-          </a:p>
-        </p:txBody>
-      </p:sp>
-      <p:sp>
-        <p:nvSpPr>
-          <p:cNvPr id="13" name="TextBox 12">
-            <a:extLst>
-              <a:ext uri="{FF2B5EF4-FFF2-40B4-BE49-F238E27FC236}">
-                <a16:creationId xmlns:a16="http://schemas.microsoft.com/office/drawing/2014/main" id="{957371FC-A41A-FC42-AA1A-4AE67DD54925}"/>
-              </a:ext>
-            </a:extLst>
-          </p:cNvPr>
-          <p:cNvSpPr txBox="1"/>
-          <p:nvPr/>
-        </p:nvSpPr>
-        <p:spPr>
-          <a:xfrm>
-            <a:off x="7130266" y="6507109"/>
-            <a:ext cx="4115526" cy="276999"/>
-          </a:xfrm>
-          <a:prstGeom prst="rect">
-            <a:avLst/>
-          </a:prstGeom>
-          <a:noFill/>
-        </p:spPr>
-        <p:txBody>
-          <a:bodyPr wrap="square">
-            <a:spAutoFit/>
-          </a:bodyPr>
-          <a:lstStyle/>
-          <a:p>
-            <a:r>
-              <a:rPr lang="en-GB" sz="1200" b="0" i="1" dirty="0">
-                <a:solidFill>
-                  <a:srgbClr val="333333"/>
-                </a:solidFill>
-                <a:effectLst/>
-                <a:latin typeface="Ubuntu"/>
-              </a:rPr>
-              <a:t>Figure credits: </a:t>
-            </a:r>
-            <a:r>
-              <a:rPr lang="en-GB" sz="1200" i="1" dirty="0">
-                <a:solidFill>
-                  <a:srgbClr val="333333"/>
-                </a:solidFill>
-                <a:latin typeface="Ubuntu"/>
-              </a:rPr>
-              <a:t>Tomasz </a:t>
-            </a:r>
-            <a:r>
-              <a:rPr lang="en-GB" sz="1200" i="1" dirty="0" err="1">
-                <a:solidFill>
-                  <a:srgbClr val="333333"/>
-                </a:solidFill>
-                <a:latin typeface="Ubuntu"/>
-              </a:rPr>
-              <a:t>Zieliński</a:t>
-            </a:r>
-            <a:r>
-              <a:rPr lang="en-GB" sz="1200" i="1" dirty="0">
-                <a:solidFill>
-                  <a:srgbClr val="333333"/>
-                </a:solidFill>
-                <a:latin typeface="Ubuntu"/>
-              </a:rPr>
-              <a:t> and Andrés Romanowski</a:t>
-            </a:r>
-            <a:endParaRPr lang="en-GB" sz="1200" dirty="0"/>
-          </a:p>
-        </p:txBody>
-      </p:sp>
-      <p:pic>
-        <p:nvPicPr>
-          <p:cNvPr id="14" name="Picture 2" descr="Ed_DaSH">
-            <a:extLst>
-              <a:ext uri="{FF2B5EF4-FFF2-40B4-BE49-F238E27FC236}">
-                <a16:creationId xmlns:a16="http://schemas.microsoft.com/office/drawing/2014/main" id="{3FDDF77C-EC45-6443-8DF8-F8C9C5B93F1B}"/>
-              </a:ext>
-            </a:extLst>
-          </p:cNvPr>
-          <p:cNvPicPr>
-            <a:picLocks noChangeAspect="1" noChangeArrowheads="1"/>
-          </p:cNvPicPr>
-          <p:nvPr/>
-        </p:nvPicPr>
-        <p:blipFill>
-          <a:blip r:embed="rId3" cstate="hqprint">
-            <a:extLst>
-              <a:ext uri="{28A0092B-C50C-407E-A947-70E740481C1C}">
-                <a14:useLocalDpi xmlns:a14="http://schemas.microsoft.com/office/drawing/2010/main" val="0"/>
-              </a:ext>
-            </a:extLst>
-          </a:blip>
-          <a:srcRect/>
-          <a:stretch>
-            <a:fillRect/>
-          </a:stretch>
-        </p:blipFill>
-        <p:spPr bwMode="auto">
-          <a:xfrm>
-            <a:off x="10820670" y="5458691"/>
-            <a:ext cx="1289214" cy="1325418"/>
-          </a:xfrm>
-          <a:prstGeom prst="rect">
-            <a:avLst/>
-          </a:prstGeom>
-          <a:noFill/>
-          <a:extLst>
-            <a:ext uri="{909E8E84-426E-40DD-AFC4-6F175D3DCCD1}">
-              <a14:hiddenFill xmlns:a14="http://schemas.microsoft.com/office/drawing/2010/main">
-                <a:solidFill>
-                  <a:srgbClr val="FFFFFF"/>
-                </a:solidFill>
-              </a14:hiddenFill>
-            </a:ext>
-          </a:extLst>
-        </p:spPr>
-      </p:pic>
-      <p:sp>
-        <p:nvSpPr>
-          <p:cNvPr id="15" name="Arrow: Down 12">
-            <a:extLst>
-              <a:ext uri="{FF2B5EF4-FFF2-40B4-BE49-F238E27FC236}">
-                <a16:creationId xmlns:a16="http://schemas.microsoft.com/office/drawing/2014/main" id="{BEA0EBA6-8A0C-9F41-BFED-3811E7B9302A}"/>
-              </a:ext>
-            </a:extLst>
-          </p:cNvPr>
-          <p:cNvSpPr/>
-          <p:nvPr/>
-        </p:nvSpPr>
-        <p:spPr>
-          <a:xfrm rot="10800000">
-            <a:off x="4690939" y="2278347"/>
-            <a:ext cx="469783" cy="620786"/>
-          </a:xfrm>
-          <a:prstGeom prst="downArrow">
-            <a:avLst/>
-          </a:prstGeom>
-        </p:spPr>
-        <p:style>
-          <a:lnRef idx="2">
-            <a:schemeClr val="accent1">
-              <a:shade val="50000"/>
-            </a:schemeClr>
-          </a:lnRef>
-          <a:fillRef idx="1">
-            <a:schemeClr val="accent1"/>
-          </a:fillRef>
-          <a:effectRef idx="0">
-            <a:schemeClr val="accent1"/>
-          </a:effectRef>
-          <a:fontRef idx="minor">
-            <a:schemeClr val="lt1"/>
-          </a:fontRef>
-        </p:style>
-        <p:txBody>
-          <a:bodyPr rtlCol="0" anchor="ctr"/>
-          <a:lstStyle/>
-          <a:p>
-            <a:pPr algn="ctr"/>
-            <a:endParaRPr lang="en-GB"/>
-          </a:p>
-        </p:txBody>
-      </p:sp>
-    </p:spTree>
-    <p:extLst>
-      <p:ext uri="{BB962C8B-B14F-4D97-AF65-F5344CB8AC3E}">
-        <p14:creationId xmlns:p14="http://schemas.microsoft.com/office/powerpoint/2010/main" val="2847453607"/>
       </p:ext>
     </p:extLst>
   </p:cSld>
@@ -8735,288 +9630,377 @@
           <a:chExt cx="0" cy="0"/>
         </a:xfrm>
       </p:grpSpPr>
-      <p:pic>
-        <p:nvPicPr>
-          <p:cNvPr id="4" name="Picture 2" descr="Ed_DaSH">
-            <a:extLst>
-              <a:ext uri="{FF2B5EF4-FFF2-40B4-BE49-F238E27FC236}">
-                <a16:creationId xmlns:a16="http://schemas.microsoft.com/office/drawing/2014/main" id="{CB8DDD8E-B41B-4E5C-9734-A84924C2F77C}"/>
-              </a:ext>
-            </a:extLst>
-          </p:cNvPr>
-          <p:cNvPicPr>
-            <a:picLocks noChangeAspect="1" noChangeArrowheads="1"/>
-          </p:cNvPicPr>
-          <p:nvPr/>
-        </p:nvPicPr>
-        <p:blipFill>
-          <a:blip r:embed="rId2" cstate="hqprint">
-            <a:extLst>
-              <a:ext uri="{28A0092B-C50C-407E-A947-70E740481C1C}">
-                <a14:useLocalDpi xmlns:a14="http://schemas.microsoft.com/office/drawing/2010/main" val="0"/>
-              </a:ext>
-            </a:extLst>
-          </a:blip>
-          <a:srcRect/>
-          <a:stretch>
-            <a:fillRect/>
-          </a:stretch>
-        </p:blipFill>
-        <p:spPr bwMode="auto">
-          <a:xfrm>
-            <a:off x="10828265" y="5484776"/>
-            <a:ext cx="1289214" cy="1325418"/>
-          </a:xfrm>
-          <a:prstGeom prst="rect">
-            <a:avLst/>
-          </a:prstGeom>
-          <a:noFill/>
-          <a:extLst>
-            <a:ext uri="{909E8E84-426E-40DD-AFC4-6F175D3DCCD1}">
-              <a14:hiddenFill xmlns:a14="http://schemas.microsoft.com/office/drawing/2010/main">
-                <a:solidFill>
-                  <a:srgbClr val="FFFFFF"/>
-                </a:solidFill>
-              </a14:hiddenFill>
-            </a:ext>
-          </a:extLst>
-        </p:spPr>
-      </p:pic>
-      <p:sp>
-        <p:nvSpPr>
-          <p:cNvPr id="5" name="TextBox 4">
-            <a:extLst>
-              <a:ext uri="{FF2B5EF4-FFF2-40B4-BE49-F238E27FC236}">
-                <a16:creationId xmlns:a16="http://schemas.microsoft.com/office/drawing/2014/main" id="{04BC0F31-E205-48BE-9168-4E7864868447}"/>
-              </a:ext>
-            </a:extLst>
-          </p:cNvPr>
-          <p:cNvSpPr txBox="1"/>
-          <p:nvPr/>
+      <p:sp>
+        <p:nvSpPr>
+          <p:cNvPr id="2" name="Title 1"/>
+          <p:cNvSpPr>
+            <a:spLocks noGrp="1"/>
+          </p:cNvSpPr>
+          <p:nvPr>
+            <p:ph type="title"/>
+          </p:nvPr>
+        </p:nvSpPr>
+        <p:spPr/>
+        <p:txBody>
+          <a:bodyPr/>
+          <a:lstStyle/>
+          <a:p>
+            <a:r>
+              <a:rPr lang="en-GB" dirty="0">
+                <a:solidFill>
+                  <a:srgbClr val="0070C0"/>
+                </a:solidFill>
+              </a:rPr>
+              <a:t>FAIR in (bio) practice - </a:t>
+            </a:r>
+            <a:r>
+              <a:rPr lang="pl-PL" dirty="0">
+                <a:solidFill>
+                  <a:srgbClr val="0070C0"/>
+                </a:solidFill>
+              </a:rPr>
+              <a:t>workshop</a:t>
+            </a:r>
+            <a:endParaRPr lang="en-GB" dirty="0">
+              <a:solidFill>
+                <a:srgbClr val="0070C0"/>
+              </a:solidFill>
+            </a:endParaRPr>
+          </a:p>
+        </p:txBody>
+      </p:sp>
+      <p:sp>
+        <p:nvSpPr>
+          <p:cNvPr id="4" name="Content Placeholder 3"/>
+          <p:cNvSpPr>
+            <a:spLocks noGrp="1"/>
+          </p:cNvSpPr>
+          <p:nvPr>
+            <p:ph idx="1"/>
+          </p:nvPr>
         </p:nvSpPr>
         <p:spPr>
           <a:xfrm>
-            <a:off x="846306" y="5059431"/>
-            <a:ext cx="10651787" cy="369332"/>
+            <a:off x="838200" y="1825625"/>
+            <a:ext cx="4876800" cy="4351338"/>
           </a:xfrm>
-          <a:prstGeom prst="rect">
-            <a:avLst/>
-          </a:prstGeom>
-          <a:solidFill>
-            <a:schemeClr val="accent1">
-              <a:lumMod val="20000"/>
-              <a:lumOff val="80000"/>
-            </a:schemeClr>
-          </a:solidFill>
         </p:spPr>
         <p:txBody>
-          <a:bodyPr wrap="square">
-            <a:spAutoFit/>
-          </a:bodyPr>
+          <a:bodyPr/>
           <a:lstStyle/>
           <a:p>
-            <a:pPr algn="ctr"/>
-            <a:r>
-              <a:rPr lang="en-GB" dirty="0"/>
-              <a:t>A scientific paper is often written more than 1 year after the experiments were performed. </a:t>
-            </a:r>
-            <a:endParaRPr lang="en-GB" b="1" dirty="0"/>
-          </a:p>
-        </p:txBody>
-      </p:sp>
-      <p:sp>
-        <p:nvSpPr>
-          <p:cNvPr id="6" name="TextBox 5">
-            <a:extLst>
-              <a:ext uri="{FF2B5EF4-FFF2-40B4-BE49-F238E27FC236}">
-                <a16:creationId xmlns:a16="http://schemas.microsoft.com/office/drawing/2014/main" id="{A58BC19B-FDF6-4F92-952B-6DCB34A4E14E}"/>
-              </a:ext>
-            </a:extLst>
-          </p:cNvPr>
-          <p:cNvSpPr txBox="1"/>
+            <a:r>
+              <a:rPr lang="en-GB" dirty="0">
+                <a:solidFill>
+                  <a:srgbClr val="0070C0"/>
+                </a:solidFill>
+              </a:rPr>
+              <a:t>Introduction to Open Science and FAIR</a:t>
+            </a:r>
+          </a:p>
+          <a:p>
+            <a:r>
+              <a:rPr lang="en-GB" dirty="0">
+                <a:solidFill>
+                  <a:srgbClr val="0070C0"/>
+                </a:solidFill>
+              </a:rPr>
+              <a:t>IP, Licensing and Openness </a:t>
+            </a:r>
+          </a:p>
+          <a:p>
+            <a:r>
+              <a:rPr lang="en-GB" dirty="0">
+                <a:solidFill>
+                  <a:srgbClr val="0070C0"/>
+                </a:solidFill>
+              </a:rPr>
+              <a:t>Metadata </a:t>
+            </a:r>
+          </a:p>
+          <a:p>
+            <a:r>
+              <a:rPr lang="en-GB" dirty="0">
+                <a:solidFill>
+                  <a:srgbClr val="0070C0"/>
+                </a:solidFill>
+              </a:rPr>
+              <a:t>Ontologies</a:t>
+            </a:r>
+          </a:p>
+          <a:p>
+            <a:r>
+              <a:rPr lang="en-GB" dirty="0">
+                <a:solidFill>
+                  <a:srgbClr val="0070C0"/>
+                </a:solidFill>
+              </a:rPr>
+              <a:t>(Meta)data in Excel</a:t>
+            </a:r>
+          </a:p>
+          <a:p>
+            <a:r>
+              <a:rPr lang="en-GB" dirty="0">
+                <a:solidFill>
+                  <a:srgbClr val="0070C0"/>
+                </a:solidFill>
+              </a:rPr>
+              <a:t>Record keeping</a:t>
+            </a:r>
+          </a:p>
+          <a:p>
+            <a:r>
+              <a:rPr lang="en-GB" dirty="0">
+                <a:solidFill>
+                  <a:srgbClr val="0070C0"/>
+                </a:solidFill>
+              </a:rPr>
+              <a:t>Working with files</a:t>
+            </a:r>
+          </a:p>
+          <a:p>
+            <a:endParaRPr lang="en-GB" dirty="0"/>
+          </a:p>
+        </p:txBody>
+      </p:sp>
+      <p:sp>
+        <p:nvSpPr>
+          <p:cNvPr id="5" name="Content Placeholder 3"/>
+          <p:cNvSpPr txBox="1">
+            <a:spLocks/>
+          </p:cNvSpPr>
           <p:nvPr/>
         </p:nvSpPr>
         <p:spPr>
           <a:xfrm>
-            <a:off x="1183160" y="1198404"/>
-            <a:ext cx="5991363" cy="2554545"/>
-          </a:xfrm>
-          <a:prstGeom prst="rect">
-            <a:avLst/>
-          </a:prstGeom>
-          <a:noFill/>
-        </p:spPr>
-        <p:txBody>
-          <a:bodyPr wrap="square" rtlCol="0">
-            <a:spAutoFit/>
-          </a:bodyPr>
-          <a:lstStyle/>
-          <a:p>
-            <a:pPr marL="285750" indent="-285750">
-              <a:buFont typeface="Arial" panose="020B0604020202020204" pitchFamily="34" charset="0"/>
-              <a:buChar char="•"/>
-            </a:pPr>
-            <a:r>
-              <a:rPr lang="en-GB" sz="2000" dirty="0" smtClean="0"/>
-              <a:t>Data </a:t>
-            </a:r>
-            <a:r>
-              <a:rPr lang="en-GB" sz="2000" dirty="0"/>
-              <a:t>is the basis for research papers and </a:t>
-            </a:r>
-            <a:r>
-              <a:rPr lang="en-GB" sz="2000" dirty="0" smtClean="0"/>
-              <a:t>theses</a:t>
-            </a:r>
-            <a:r>
-              <a:rPr lang="en-GB" sz="2000" dirty="0"/>
-              <a:t>.</a:t>
-            </a:r>
-          </a:p>
-          <a:p>
-            <a:pPr marL="285750" indent="-285750">
-              <a:buFont typeface="Arial" panose="020B0604020202020204" pitchFamily="34" charset="0"/>
-              <a:buChar char="•"/>
-            </a:pPr>
-            <a:r>
-              <a:rPr lang="en-GB" sz="2000" dirty="0"/>
-              <a:t>Data is fragile and easily lost. </a:t>
-            </a:r>
-            <a:r>
-              <a:rPr lang="en-GB" sz="2000" dirty="0" smtClean="0"/>
-              <a:t>Data needs </a:t>
-            </a:r>
-            <a:r>
-              <a:rPr lang="en-GB" sz="2000" dirty="0"/>
-              <a:t>to </a:t>
-            </a:r>
-            <a:r>
-              <a:rPr lang="en-GB" sz="2000" dirty="0" smtClean="0"/>
-              <a:t>be backed up</a:t>
-            </a:r>
-            <a:endParaRPr lang="en-GB" sz="2000" dirty="0"/>
-          </a:p>
-          <a:p>
-            <a:pPr marL="285750" indent="-285750">
-              <a:buFont typeface="Arial" panose="020B0604020202020204" pitchFamily="34" charset="0"/>
-              <a:buChar char="•"/>
-            </a:pPr>
-            <a:r>
-              <a:rPr lang="en-GB" sz="2000" b="1" dirty="0"/>
-              <a:t>Growing data management demands by funders.</a:t>
-            </a:r>
-          </a:p>
-          <a:p>
-            <a:pPr marL="285750" indent="-285750">
-              <a:buFont typeface="Arial" panose="020B0604020202020204" pitchFamily="34" charset="0"/>
-              <a:buChar char="•"/>
-            </a:pPr>
-            <a:r>
-              <a:rPr lang="en-GB" sz="2000" dirty="0" smtClean="0"/>
-              <a:t>There are costs involved in data management</a:t>
-            </a:r>
-          </a:p>
-          <a:p>
-            <a:pPr marL="285750" indent="-285750">
-              <a:buFont typeface="Arial" panose="020B0604020202020204" pitchFamily="34" charset="0"/>
-              <a:buChar char="•"/>
-            </a:pPr>
-            <a:r>
-              <a:rPr lang="en-GB" sz="2000" dirty="0"/>
-              <a:t>It saves time and resources in the long run</a:t>
-            </a:r>
-          </a:p>
-          <a:p>
-            <a:pPr marL="285750" indent="-285750">
-              <a:buFont typeface="Arial" panose="020B0604020202020204" pitchFamily="34" charset="0"/>
-              <a:buChar char="•"/>
-            </a:pPr>
-            <a:endParaRPr lang="en-GB" sz="2000" dirty="0"/>
-          </a:p>
-          <a:p>
-            <a:pPr marL="285750" indent="-285750">
-              <a:buFont typeface="Arial" panose="020B0604020202020204" pitchFamily="34" charset="0"/>
-              <a:buChar char="•"/>
-            </a:pPr>
-            <a:endParaRPr lang="en-GB" sz="2000" dirty="0"/>
-          </a:p>
-        </p:txBody>
-      </p:sp>
-      <p:pic>
-        <p:nvPicPr>
-          <p:cNvPr id="7" name="Picture 6">
-            <a:extLst>
-              <a:ext uri="{FF2B5EF4-FFF2-40B4-BE49-F238E27FC236}">
-                <a16:creationId xmlns:a16="http://schemas.microsoft.com/office/drawing/2014/main" id="{EEFD60A1-3666-4CD6-8AC9-F4A8E3948752}"/>
-              </a:ext>
-            </a:extLst>
-          </p:cNvPr>
-          <p:cNvPicPr>
-            <a:picLocks noChangeAspect="1"/>
-          </p:cNvPicPr>
-          <p:nvPr/>
-        </p:nvPicPr>
-        <p:blipFill>
-          <a:blip r:embed="rId3"/>
-          <a:stretch>
-            <a:fillRect/>
-          </a:stretch>
-        </p:blipFill>
-        <p:spPr>
-          <a:xfrm>
-            <a:off x="7735282" y="795701"/>
-            <a:ext cx="3841525" cy="3563915"/>
+            <a:off x="6004560" y="1825625"/>
+            <a:ext cx="5364480" cy="4351338"/>
           </a:xfrm>
           <a:prstGeom prst="rect">
             <a:avLst/>
           </a:prstGeom>
         </p:spPr>
-      </p:pic>
-      <p:sp>
-        <p:nvSpPr>
-          <p:cNvPr id="8" name="TextBox 7">
-            <a:extLst>
-              <a:ext uri="{FF2B5EF4-FFF2-40B4-BE49-F238E27FC236}">
-                <a16:creationId xmlns:a16="http://schemas.microsoft.com/office/drawing/2014/main" id="{1D8EE843-1CA2-40D4-9C52-FDA820EB7CFB}"/>
-              </a:ext>
-            </a:extLst>
-          </p:cNvPr>
-          <p:cNvSpPr txBox="1"/>
-          <p:nvPr/>
-        </p:nvSpPr>
-        <p:spPr>
-          <a:xfrm>
-            <a:off x="191199" y="305852"/>
-            <a:ext cx="11385608" cy="584775"/>
-          </a:xfrm>
-          <a:prstGeom prst="rect">
-            <a:avLst/>
-          </a:prstGeom>
-          <a:noFill/>
-        </p:spPr>
-        <p:txBody>
-          <a:bodyPr wrap="square">
-            <a:spAutoFit/>
+        <p:txBody>
+          <a:bodyPr vert="horz" lIns="91440" tIns="45720" rIns="91440" bIns="45720" rtlCol="0">
+            <a:normAutofit/>
           </a:bodyPr>
-          <a:lstStyle/>
-          <a:p>
-            <a:r>
-              <a:rPr lang="en-GB" sz="3200" b="0" i="0" dirty="0">
+          <a:lstStyle>
+            <a:lvl1pPr marL="228600" indent="-228600" algn="l" defTabSz="914400" rtl="0" eaLnBrk="1" latinLnBrk="0" hangingPunct="1">
+              <a:lnSpc>
+                <a:spcPct val="90000"/>
+              </a:lnSpc>
+              <a:spcBef>
+                <a:spcPts val="1000"/>
+              </a:spcBef>
+              <a:buFont typeface="Arial" panose="020B0604020202020204" pitchFamily="34" charset="0"/>
+              <a:buChar char="•"/>
+              <a:defRPr sz="2800" kern="1200">
                 <a:solidFill>
                   <a:srgbClr val="0070C0"/>
                 </a:solidFill>
-                <a:effectLst/>
-                <a:latin typeface="Ubuntu"/>
-              </a:rPr>
-              <a:t>Why do we need Data Management Plans?</a:t>
-            </a:r>
+                <a:latin typeface="+mn-lt"/>
+                <a:ea typeface="+mn-ea"/>
+                <a:cs typeface="+mn-cs"/>
+              </a:defRPr>
+            </a:lvl1pPr>
+            <a:lvl2pPr marL="685800" indent="-228600" algn="l" defTabSz="914400" rtl="0" eaLnBrk="1" latinLnBrk="0" hangingPunct="1">
+              <a:lnSpc>
+                <a:spcPct val="90000"/>
+              </a:lnSpc>
+              <a:spcBef>
+                <a:spcPts val="500"/>
+              </a:spcBef>
+              <a:buFont typeface="Arial" panose="020B0604020202020204" pitchFamily="34" charset="0"/>
+              <a:buChar char="•"/>
+              <a:defRPr sz="2400" kern="1200">
+                <a:solidFill>
+                  <a:srgbClr val="0070C0"/>
+                </a:solidFill>
+                <a:latin typeface="+mn-lt"/>
+                <a:ea typeface="+mn-ea"/>
+                <a:cs typeface="+mn-cs"/>
+              </a:defRPr>
+            </a:lvl2pPr>
+            <a:lvl3pPr marL="1143000" indent="-228600" algn="l" defTabSz="914400" rtl="0" eaLnBrk="1" latinLnBrk="0" hangingPunct="1">
+              <a:lnSpc>
+                <a:spcPct val="90000"/>
+              </a:lnSpc>
+              <a:spcBef>
+                <a:spcPts val="500"/>
+              </a:spcBef>
+              <a:buFont typeface="Arial" panose="020B0604020202020204" pitchFamily="34" charset="0"/>
+              <a:buChar char="•"/>
+              <a:defRPr sz="2000" kern="1200">
+                <a:solidFill>
+                  <a:srgbClr val="0070C0"/>
+                </a:solidFill>
+                <a:latin typeface="+mn-lt"/>
+                <a:ea typeface="+mn-ea"/>
+                <a:cs typeface="+mn-cs"/>
+              </a:defRPr>
+            </a:lvl3pPr>
+            <a:lvl4pPr marL="1600200" indent="-228600" algn="l" defTabSz="914400" rtl="0" eaLnBrk="1" latinLnBrk="0" hangingPunct="1">
+              <a:lnSpc>
+                <a:spcPct val="90000"/>
+              </a:lnSpc>
+              <a:spcBef>
+                <a:spcPts val="500"/>
+              </a:spcBef>
+              <a:buFont typeface="Arial" panose="020B0604020202020204" pitchFamily="34" charset="0"/>
+              <a:buChar char="•"/>
+              <a:defRPr sz="1800" kern="1200">
+                <a:solidFill>
+                  <a:srgbClr val="0070C0"/>
+                </a:solidFill>
+                <a:latin typeface="+mn-lt"/>
+                <a:ea typeface="+mn-ea"/>
+                <a:cs typeface="+mn-cs"/>
+              </a:defRPr>
+            </a:lvl4pPr>
+            <a:lvl5pPr marL="2057400" indent="-228600" algn="l" defTabSz="914400" rtl="0" eaLnBrk="1" latinLnBrk="0" hangingPunct="1">
+              <a:lnSpc>
+                <a:spcPct val="90000"/>
+              </a:lnSpc>
+              <a:spcBef>
+                <a:spcPts val="500"/>
+              </a:spcBef>
+              <a:buFont typeface="Arial" panose="020B0604020202020204" pitchFamily="34" charset="0"/>
+              <a:buChar char="•"/>
+              <a:defRPr sz="1800" kern="1200">
+                <a:solidFill>
+                  <a:srgbClr val="0070C0"/>
+                </a:solidFill>
+                <a:latin typeface="+mn-lt"/>
+                <a:ea typeface="+mn-ea"/>
+                <a:cs typeface="+mn-cs"/>
+              </a:defRPr>
+            </a:lvl5pPr>
+            <a:lvl6pPr marL="2514600" indent="-228600" algn="l" defTabSz="914400" rtl="0" eaLnBrk="1" latinLnBrk="0" hangingPunct="1">
+              <a:lnSpc>
+                <a:spcPct val="90000"/>
+              </a:lnSpc>
+              <a:spcBef>
+                <a:spcPts val="500"/>
+              </a:spcBef>
+              <a:buFont typeface="Arial" panose="020B0604020202020204" pitchFamily="34" charset="0"/>
+              <a:buChar char="•"/>
+              <a:defRPr sz="1800" kern="1200">
+                <a:solidFill>
+                  <a:schemeClr val="tx1"/>
+                </a:solidFill>
+                <a:latin typeface="+mn-lt"/>
+                <a:ea typeface="+mn-ea"/>
+                <a:cs typeface="+mn-cs"/>
+              </a:defRPr>
+            </a:lvl6pPr>
+            <a:lvl7pPr marL="2971800" indent="-228600" algn="l" defTabSz="914400" rtl="0" eaLnBrk="1" latinLnBrk="0" hangingPunct="1">
+              <a:lnSpc>
+                <a:spcPct val="90000"/>
+              </a:lnSpc>
+              <a:spcBef>
+                <a:spcPts val="500"/>
+              </a:spcBef>
+              <a:buFont typeface="Arial" panose="020B0604020202020204" pitchFamily="34" charset="0"/>
+              <a:buChar char="•"/>
+              <a:defRPr sz="1800" kern="1200">
+                <a:solidFill>
+                  <a:schemeClr val="tx1"/>
+                </a:solidFill>
+                <a:latin typeface="+mn-lt"/>
+                <a:ea typeface="+mn-ea"/>
+                <a:cs typeface="+mn-cs"/>
+              </a:defRPr>
+            </a:lvl7pPr>
+            <a:lvl8pPr marL="3429000" indent="-228600" algn="l" defTabSz="914400" rtl="0" eaLnBrk="1" latinLnBrk="0" hangingPunct="1">
+              <a:lnSpc>
+                <a:spcPct val="90000"/>
+              </a:lnSpc>
+              <a:spcBef>
+                <a:spcPts val="500"/>
+              </a:spcBef>
+              <a:buFont typeface="Arial" panose="020B0604020202020204" pitchFamily="34" charset="0"/>
+              <a:buChar char="•"/>
+              <a:defRPr sz="1800" kern="1200">
+                <a:solidFill>
+                  <a:schemeClr val="tx1"/>
+                </a:solidFill>
+                <a:latin typeface="+mn-lt"/>
+                <a:ea typeface="+mn-ea"/>
+                <a:cs typeface="+mn-cs"/>
+              </a:defRPr>
+            </a:lvl8pPr>
+            <a:lvl9pPr marL="3886200" indent="-228600" algn="l" defTabSz="914400" rtl="0" eaLnBrk="1" latinLnBrk="0" hangingPunct="1">
+              <a:lnSpc>
+                <a:spcPct val="90000"/>
+              </a:lnSpc>
+              <a:spcBef>
+                <a:spcPts val="500"/>
+              </a:spcBef>
+              <a:buFont typeface="Arial" panose="020B0604020202020204" pitchFamily="34" charset="0"/>
+              <a:buChar char="•"/>
+              <a:defRPr sz="1800" kern="1200">
+                <a:solidFill>
+                  <a:schemeClr val="tx1"/>
+                </a:solidFill>
+                <a:latin typeface="+mn-lt"/>
+                <a:ea typeface="+mn-ea"/>
+                <a:cs typeface="+mn-cs"/>
+              </a:defRPr>
+            </a:lvl9pPr>
+          </a:lstStyle>
+          <a:p>
+            <a:r>
+              <a:rPr lang="en-GB" dirty="0"/>
+              <a:t>Reusable analysis - </a:t>
+            </a:r>
+            <a:r>
+              <a:rPr lang="en-GB" dirty="0" err="1"/>
+              <a:t>Jupyter</a:t>
+            </a:r>
+            <a:endParaRPr lang="en-GB" dirty="0"/>
+          </a:p>
+          <a:p>
+            <a:r>
+              <a:rPr lang="en-GB" dirty="0"/>
+              <a:t>Version control </a:t>
+            </a:r>
+          </a:p>
+          <a:p>
+            <a:r>
+              <a:rPr lang="en-GB" dirty="0"/>
+              <a:t>Templates  </a:t>
+            </a:r>
+          </a:p>
+          <a:p>
+            <a:r>
+              <a:rPr lang="en-GB" dirty="0"/>
+              <a:t>Public repositories</a:t>
+            </a:r>
+          </a:p>
+          <a:p>
+            <a:r>
+              <a:rPr lang="pl-PL" dirty="0"/>
+              <a:t>Writing </a:t>
+            </a:r>
+            <a:r>
+              <a:rPr lang="en-GB" dirty="0"/>
+              <a:t>Data Management Plan</a:t>
+            </a:r>
+            <a:r>
+              <a:rPr lang="pl-PL" dirty="0"/>
+              <a:t>s</a:t>
+            </a:r>
+            <a:endParaRPr lang="en-GB" dirty="0"/>
+          </a:p>
+          <a:p>
+            <a:endParaRPr lang="en-GB" dirty="0"/>
           </a:p>
         </p:txBody>
       </p:sp>
     </p:spTree>
     <p:extLst>
       <p:ext uri="{BB962C8B-B14F-4D97-AF65-F5344CB8AC3E}">
-        <p14:creationId xmlns:p14="http://schemas.microsoft.com/office/powerpoint/2010/main" val="3136614349"/>
+        <p14:creationId xmlns:p14="http://schemas.microsoft.com/office/powerpoint/2010/main" val="36609390"/>
       </p:ext>
     </p:extLst>
   </p:cSld>
@@ -9043,374 +10027,278 @@
           <a:chExt cx="0" cy="0"/>
         </a:xfrm>
       </p:grpSpPr>
-      <p:sp>
-        <p:nvSpPr>
-          <p:cNvPr id="2" name="Title 1"/>
-          <p:cNvSpPr>
-            <a:spLocks noGrp="1"/>
-          </p:cNvSpPr>
-          <p:nvPr>
-            <p:ph type="title"/>
-          </p:nvPr>
-        </p:nvSpPr>
-        <p:spPr/>
-        <p:txBody>
-          <a:bodyPr/>
-          <a:lstStyle/>
-          <a:p>
-            <a:r>
-              <a:rPr lang="en-GB" dirty="0" smtClean="0">
-                <a:solidFill>
-                  <a:srgbClr val="0070C0"/>
-                </a:solidFill>
-              </a:rPr>
-              <a:t>Two flavours of DMP: for Grants and Internal</a:t>
-            </a:r>
-            <a:endParaRPr lang="en-GB" dirty="0">
-              <a:solidFill>
-                <a:srgbClr val="0070C0"/>
-              </a:solidFill>
-            </a:endParaRPr>
-          </a:p>
-        </p:txBody>
-      </p:sp>
-      <p:sp>
-        <p:nvSpPr>
-          <p:cNvPr id="4" name="Content Placeholder 3"/>
-          <p:cNvSpPr>
-            <a:spLocks noGrp="1"/>
-          </p:cNvSpPr>
-          <p:nvPr>
-            <p:ph idx="1"/>
-          </p:nvPr>
-        </p:nvSpPr>
+      <p:pic>
+        <p:nvPicPr>
+          <p:cNvPr id="12" name="Picture 11" descr="Diagram&#10;&#10;Description automatically generated">
+            <a:extLst>
+              <a:ext uri="{FF2B5EF4-FFF2-40B4-BE49-F238E27FC236}">
+                <a16:creationId xmlns:a16="http://schemas.microsoft.com/office/drawing/2014/main" id="{738DA57D-8583-0E4F-A2B5-9BE129AC4062}"/>
+              </a:ext>
+            </a:extLst>
+          </p:cNvPr>
+          <p:cNvPicPr>
+            <a:picLocks noChangeAspect="1"/>
+          </p:cNvPicPr>
+          <p:nvPr/>
+        </p:nvPicPr>
+        <p:blipFill>
+          <a:blip r:embed="rId2">
+            <a:extLst>
+              <a:ext uri="{28A0092B-C50C-407E-A947-70E740481C1C}">
+                <a14:useLocalDpi xmlns:a14="http://schemas.microsoft.com/office/drawing/2010/main" val="0"/>
+              </a:ext>
+            </a:extLst>
+          </a:blip>
+          <a:stretch>
+            <a:fillRect/>
+          </a:stretch>
+        </p:blipFill>
         <p:spPr>
           <a:xfrm>
-            <a:off x="838200" y="1825625"/>
-            <a:ext cx="4876800" cy="4351338"/>
-          </a:xfrm>
-        </p:spPr>
-        <p:txBody>
-          <a:bodyPr/>
-          <a:lstStyle/>
-          <a:p>
-            <a:pPr marL="0" indent="0">
-              <a:buNone/>
-            </a:pPr>
-            <a:r>
-              <a:rPr lang="en-GB" dirty="0" smtClean="0">
-                <a:solidFill>
-                  <a:srgbClr val="0070C0"/>
-                </a:solidFill>
-              </a:rPr>
-              <a:t>Grant application DMP</a:t>
-            </a:r>
-            <a:endParaRPr lang="en-GB" dirty="0">
-              <a:solidFill>
-                <a:srgbClr val="0070C0"/>
-              </a:solidFill>
-            </a:endParaRPr>
-          </a:p>
-          <a:p>
-            <a:r>
-              <a:rPr lang="en-GB" dirty="0" smtClean="0">
-                <a:solidFill>
-                  <a:srgbClr val="0070C0"/>
-                </a:solidFill>
-              </a:rPr>
-              <a:t>focus on Reuse =&gt; FAIR</a:t>
-            </a:r>
-            <a:endParaRPr lang="en-GB" dirty="0">
-              <a:solidFill>
-                <a:srgbClr val="0070C0"/>
-              </a:solidFill>
-            </a:endParaRPr>
-          </a:p>
-          <a:p>
-            <a:r>
-              <a:rPr lang="en-GB" dirty="0" smtClean="0">
-                <a:solidFill>
-                  <a:srgbClr val="0070C0"/>
-                </a:solidFill>
-              </a:rPr>
-              <a:t>safety of the data </a:t>
-            </a:r>
-            <a:endParaRPr lang="en-GB" dirty="0">
-              <a:solidFill>
-                <a:srgbClr val="0070C0"/>
-              </a:solidFill>
-            </a:endParaRPr>
-          </a:p>
-          <a:p>
-            <a:r>
-              <a:rPr lang="en-GB" dirty="0" smtClean="0">
-                <a:solidFill>
-                  <a:srgbClr val="0070C0"/>
-                </a:solidFill>
-              </a:rPr>
-              <a:t>limitation to sharing</a:t>
-            </a:r>
-            <a:endParaRPr lang="en-GB" dirty="0">
-              <a:solidFill>
-                <a:srgbClr val="0070C0"/>
-              </a:solidFill>
-            </a:endParaRPr>
-          </a:p>
-          <a:p>
-            <a:r>
-              <a:rPr lang="en-GB" dirty="0" smtClean="0">
-                <a:solidFill>
-                  <a:srgbClr val="0070C0"/>
-                </a:solidFill>
-              </a:rPr>
-              <a:t>allocation of resources</a:t>
-            </a:r>
-            <a:endParaRPr lang="en-GB" dirty="0">
-              <a:solidFill>
-                <a:srgbClr val="0070C0"/>
-              </a:solidFill>
-            </a:endParaRPr>
-          </a:p>
-          <a:p>
-            <a:pPr marL="0" indent="0">
-              <a:buNone/>
-            </a:pPr>
-            <a:endParaRPr lang="en-GB" dirty="0">
-              <a:solidFill>
-                <a:srgbClr val="0070C0"/>
-              </a:solidFill>
-            </a:endParaRPr>
-          </a:p>
-          <a:p>
-            <a:endParaRPr lang="en-GB" dirty="0"/>
-          </a:p>
-        </p:txBody>
-      </p:sp>
-      <p:sp>
-        <p:nvSpPr>
-          <p:cNvPr id="5" name="Content Placeholder 3"/>
-          <p:cNvSpPr txBox="1">
-            <a:spLocks/>
-          </p:cNvSpPr>
-          <p:nvPr/>
-        </p:nvSpPr>
-        <p:spPr>
-          <a:xfrm>
-            <a:off x="6004560" y="1825625"/>
-            <a:ext cx="5364480" cy="4351338"/>
+            <a:off x="3911575" y="34743"/>
+            <a:ext cx="7858198" cy="6610865"/>
           </a:xfrm>
           <a:prstGeom prst="rect">
             <a:avLst/>
           </a:prstGeom>
         </p:spPr>
-        <p:txBody>
-          <a:bodyPr vert="horz" lIns="91440" tIns="45720" rIns="91440" bIns="45720" rtlCol="0">
-            <a:normAutofit/>
+      </p:pic>
+      <p:sp>
+        <p:nvSpPr>
+          <p:cNvPr id="10" name="TextBox 9">
+            <a:extLst>
+              <a:ext uri="{FF2B5EF4-FFF2-40B4-BE49-F238E27FC236}">
+                <a16:creationId xmlns:a16="http://schemas.microsoft.com/office/drawing/2014/main" id="{3B982C59-B2A6-9D4C-AFEB-B73A24BB43BB}"/>
+              </a:ext>
+            </a:extLst>
+          </p:cNvPr>
+          <p:cNvSpPr txBox="1"/>
+          <p:nvPr/>
+        </p:nvSpPr>
+        <p:spPr>
+          <a:xfrm>
+            <a:off x="0" y="2278347"/>
+            <a:ext cx="5842047" cy="2123658"/>
+          </a:xfrm>
+          <a:prstGeom prst="rect">
+            <a:avLst/>
+          </a:prstGeom>
+          <a:noFill/>
+        </p:spPr>
+        <p:txBody>
+          <a:bodyPr wrap="none" rtlCol="0">
+            <a:spAutoFit/>
           </a:bodyPr>
-          <a:lstStyle>
-            <a:lvl1pPr marL="228600" indent="-228600" algn="l" defTabSz="914400" rtl="0" eaLnBrk="1" latinLnBrk="0" hangingPunct="1">
-              <a:lnSpc>
-                <a:spcPct val="90000"/>
-              </a:lnSpc>
-              <a:spcBef>
-                <a:spcPts val="1000"/>
-              </a:spcBef>
-              <a:buFont typeface="Arial" panose="020B0604020202020204" pitchFamily="34" charset="0"/>
-              <a:buChar char="•"/>
-              <a:defRPr sz="2800" kern="1200">
+          <a:lstStyle/>
+          <a:p>
+            <a:pPr algn="ctr"/>
+            <a:r>
+              <a:rPr lang="en-GB" sz="4400" b="1" dirty="0">
                 <a:solidFill>
                   <a:srgbClr val="0070C0"/>
                 </a:solidFill>
-                <a:latin typeface="+mn-lt"/>
-                <a:ea typeface="+mn-ea"/>
-                <a:cs typeface="+mn-cs"/>
-              </a:defRPr>
-            </a:lvl1pPr>
-            <a:lvl2pPr marL="685800" indent="-228600" algn="l" defTabSz="914400" rtl="0" eaLnBrk="1" latinLnBrk="0" hangingPunct="1">
-              <a:lnSpc>
-                <a:spcPct val="90000"/>
-              </a:lnSpc>
-              <a:spcBef>
-                <a:spcPts val="500"/>
-              </a:spcBef>
-              <a:buFont typeface="Arial" panose="020B0604020202020204" pitchFamily="34" charset="0"/>
-              <a:buChar char="•"/>
-              <a:defRPr sz="2400" kern="1200">
+              </a:rPr>
+              <a:t>Plan ahead</a:t>
+            </a:r>
+            <a:r>
+              <a:rPr lang="en-GB" sz="4400" dirty="0">
                 <a:solidFill>
                   <a:srgbClr val="0070C0"/>
                 </a:solidFill>
-                <a:latin typeface="+mn-lt"/>
-                <a:ea typeface="+mn-ea"/>
-                <a:cs typeface="+mn-cs"/>
-              </a:defRPr>
-            </a:lvl2pPr>
-            <a:lvl3pPr marL="1143000" indent="-228600" algn="l" defTabSz="914400" rtl="0" eaLnBrk="1" latinLnBrk="0" hangingPunct="1">
-              <a:lnSpc>
-                <a:spcPct val="90000"/>
-              </a:lnSpc>
-              <a:spcBef>
-                <a:spcPts val="500"/>
-              </a:spcBef>
-              <a:buFont typeface="Arial" panose="020B0604020202020204" pitchFamily="34" charset="0"/>
-              <a:buChar char="•"/>
-              <a:defRPr sz="2000" kern="1200">
+              </a:rPr>
+              <a:t> </a:t>
+            </a:r>
+          </a:p>
+          <a:p>
+            <a:pPr algn="ctr"/>
+            <a:r>
+              <a:rPr lang="en-GB" sz="4400" dirty="0">
                 <a:solidFill>
                   <a:srgbClr val="0070C0"/>
                 </a:solidFill>
-                <a:latin typeface="+mn-lt"/>
-                <a:ea typeface="+mn-ea"/>
-                <a:cs typeface="+mn-cs"/>
-              </a:defRPr>
-            </a:lvl3pPr>
-            <a:lvl4pPr marL="1600200" indent="-228600" algn="l" defTabSz="914400" rtl="0" eaLnBrk="1" latinLnBrk="0" hangingPunct="1">
-              <a:lnSpc>
-                <a:spcPct val="90000"/>
-              </a:lnSpc>
-              <a:spcBef>
-                <a:spcPts val="500"/>
-              </a:spcBef>
-              <a:buFont typeface="Arial" panose="020B0604020202020204" pitchFamily="34" charset="0"/>
-              <a:buChar char="•"/>
-              <a:defRPr sz="1800" kern="1200">
+              </a:rPr>
+              <a:t>data management plans </a:t>
+            </a:r>
+          </a:p>
+          <a:p>
+            <a:pPr algn="ctr"/>
+            <a:r>
+              <a:rPr lang="en-GB" sz="4400" dirty="0">
                 <a:solidFill>
                   <a:srgbClr val="0070C0"/>
                 </a:solidFill>
-                <a:latin typeface="+mn-lt"/>
-                <a:ea typeface="+mn-ea"/>
-                <a:cs typeface="+mn-cs"/>
-              </a:defRPr>
-            </a:lvl4pPr>
-            <a:lvl5pPr marL="2057400" indent="-228600" algn="l" defTabSz="914400" rtl="0" eaLnBrk="1" latinLnBrk="0" hangingPunct="1">
-              <a:lnSpc>
-                <a:spcPct val="90000"/>
-              </a:lnSpc>
-              <a:spcBef>
-                <a:spcPts val="500"/>
-              </a:spcBef>
-              <a:buFont typeface="Arial" panose="020B0604020202020204" pitchFamily="34" charset="0"/>
-              <a:buChar char="•"/>
-              <a:defRPr sz="1800" kern="1200">
-                <a:solidFill>
-                  <a:srgbClr val="0070C0"/>
-                </a:solidFill>
-                <a:latin typeface="+mn-lt"/>
-                <a:ea typeface="+mn-ea"/>
-                <a:cs typeface="+mn-cs"/>
-              </a:defRPr>
-            </a:lvl5pPr>
-            <a:lvl6pPr marL="2514600" indent="-228600" algn="l" defTabSz="914400" rtl="0" eaLnBrk="1" latinLnBrk="0" hangingPunct="1">
-              <a:lnSpc>
-                <a:spcPct val="90000"/>
-              </a:lnSpc>
-              <a:spcBef>
-                <a:spcPts val="500"/>
-              </a:spcBef>
-              <a:buFont typeface="Arial" panose="020B0604020202020204" pitchFamily="34" charset="0"/>
-              <a:buChar char="•"/>
-              <a:defRPr sz="1800" kern="1200">
-                <a:solidFill>
-                  <a:schemeClr val="tx1"/>
-                </a:solidFill>
-                <a:latin typeface="+mn-lt"/>
-                <a:ea typeface="+mn-ea"/>
-                <a:cs typeface="+mn-cs"/>
-              </a:defRPr>
-            </a:lvl6pPr>
-            <a:lvl7pPr marL="2971800" indent="-228600" algn="l" defTabSz="914400" rtl="0" eaLnBrk="1" latinLnBrk="0" hangingPunct="1">
-              <a:lnSpc>
-                <a:spcPct val="90000"/>
-              </a:lnSpc>
-              <a:spcBef>
-                <a:spcPts val="500"/>
-              </a:spcBef>
-              <a:buFont typeface="Arial" panose="020B0604020202020204" pitchFamily="34" charset="0"/>
-              <a:buChar char="•"/>
-              <a:defRPr sz="1800" kern="1200">
-                <a:solidFill>
-                  <a:schemeClr val="tx1"/>
-                </a:solidFill>
-                <a:latin typeface="+mn-lt"/>
-                <a:ea typeface="+mn-ea"/>
-                <a:cs typeface="+mn-cs"/>
-              </a:defRPr>
-            </a:lvl7pPr>
-            <a:lvl8pPr marL="3429000" indent="-228600" algn="l" defTabSz="914400" rtl="0" eaLnBrk="1" latinLnBrk="0" hangingPunct="1">
-              <a:lnSpc>
-                <a:spcPct val="90000"/>
-              </a:lnSpc>
-              <a:spcBef>
-                <a:spcPts val="500"/>
-              </a:spcBef>
-              <a:buFont typeface="Arial" panose="020B0604020202020204" pitchFamily="34" charset="0"/>
-              <a:buChar char="•"/>
-              <a:defRPr sz="1800" kern="1200">
-                <a:solidFill>
-                  <a:schemeClr val="tx1"/>
-                </a:solidFill>
-                <a:latin typeface="+mn-lt"/>
-                <a:ea typeface="+mn-ea"/>
-                <a:cs typeface="+mn-cs"/>
-              </a:defRPr>
-            </a:lvl8pPr>
-            <a:lvl9pPr marL="3886200" indent="-228600" algn="l" defTabSz="914400" rtl="0" eaLnBrk="1" latinLnBrk="0" hangingPunct="1">
-              <a:lnSpc>
-                <a:spcPct val="90000"/>
-              </a:lnSpc>
-              <a:spcBef>
-                <a:spcPts val="500"/>
-              </a:spcBef>
-              <a:buFont typeface="Arial" panose="020B0604020202020204" pitchFamily="34" charset="0"/>
-              <a:buChar char="•"/>
-              <a:defRPr sz="1800" kern="1200">
-                <a:solidFill>
-                  <a:schemeClr val="tx1"/>
-                </a:solidFill>
-                <a:latin typeface="+mn-lt"/>
-                <a:ea typeface="+mn-ea"/>
-                <a:cs typeface="+mn-cs"/>
-              </a:defRPr>
-            </a:lvl9pPr>
-          </a:lstStyle>
-          <a:p>
-            <a:pPr marL="0" indent="0">
-              <a:buNone/>
-            </a:pPr>
-            <a:r>
-              <a:rPr lang="en-GB" dirty="0" smtClean="0"/>
-              <a:t>Project DMP</a:t>
-            </a:r>
-            <a:endParaRPr lang="en-GB" dirty="0"/>
-          </a:p>
-          <a:p>
-            <a:r>
-              <a:rPr lang="en-GB" dirty="0" smtClean="0"/>
-              <a:t>focus on your productivity and achieving FAIR</a:t>
-            </a:r>
-            <a:endParaRPr lang="en-GB" dirty="0"/>
-          </a:p>
-          <a:p>
-            <a:r>
-              <a:rPr lang="en-GB" dirty="0" smtClean="0"/>
-              <a:t>safety of the data  </a:t>
-            </a:r>
-            <a:endParaRPr lang="en-GB" dirty="0"/>
-          </a:p>
-          <a:p>
-            <a:r>
-              <a:rPr lang="en-GB" dirty="0" smtClean="0"/>
-              <a:t>technicalities: file naming conventions, folder structures, templates for experiments, how you link to ELN ….</a:t>
-            </a:r>
-            <a:endParaRPr lang="en-GB" dirty="0"/>
-          </a:p>
-          <a:p>
-            <a:endParaRPr lang="en-GB" dirty="0"/>
+              </a:rPr>
+              <a:t>(DMPs)</a:t>
+            </a:r>
+          </a:p>
+        </p:txBody>
+      </p:sp>
+      <p:sp>
+        <p:nvSpPr>
+          <p:cNvPr id="13" name="TextBox 12">
+            <a:extLst>
+              <a:ext uri="{FF2B5EF4-FFF2-40B4-BE49-F238E27FC236}">
+                <a16:creationId xmlns:a16="http://schemas.microsoft.com/office/drawing/2014/main" id="{957371FC-A41A-FC42-AA1A-4AE67DD54925}"/>
+              </a:ext>
+            </a:extLst>
+          </p:cNvPr>
+          <p:cNvSpPr txBox="1"/>
+          <p:nvPr/>
+        </p:nvSpPr>
+        <p:spPr>
+          <a:xfrm>
+            <a:off x="7130266" y="6507109"/>
+            <a:ext cx="4115526" cy="276999"/>
+          </a:xfrm>
+          <a:prstGeom prst="rect">
+            <a:avLst/>
+          </a:prstGeom>
+          <a:noFill/>
+        </p:spPr>
+        <p:txBody>
+          <a:bodyPr wrap="square">
+            <a:spAutoFit/>
+          </a:bodyPr>
+          <a:lstStyle/>
+          <a:p>
+            <a:r>
+              <a:rPr lang="en-GB" sz="1200" b="0" i="1" dirty="0">
+                <a:solidFill>
+                  <a:srgbClr val="333333"/>
+                </a:solidFill>
+                <a:effectLst/>
+                <a:latin typeface="Ubuntu"/>
+              </a:rPr>
+              <a:t>Figure credits: </a:t>
+            </a:r>
+            <a:r>
+              <a:rPr lang="en-GB" sz="1200" i="1" dirty="0">
+                <a:solidFill>
+                  <a:srgbClr val="333333"/>
+                </a:solidFill>
+                <a:latin typeface="Ubuntu"/>
+              </a:rPr>
+              <a:t>Tomasz </a:t>
+            </a:r>
+            <a:r>
+              <a:rPr lang="en-GB" sz="1200" i="1" dirty="0" err="1">
+                <a:solidFill>
+                  <a:srgbClr val="333333"/>
+                </a:solidFill>
+                <a:latin typeface="Ubuntu"/>
+              </a:rPr>
+              <a:t>Zieliński</a:t>
+            </a:r>
+            <a:r>
+              <a:rPr lang="en-GB" sz="1200" i="1" dirty="0">
+                <a:solidFill>
+                  <a:srgbClr val="333333"/>
+                </a:solidFill>
+                <a:latin typeface="Ubuntu"/>
+              </a:rPr>
+              <a:t> and Andrés Romanowski</a:t>
+            </a:r>
+            <a:endParaRPr lang="en-GB" sz="1200" dirty="0"/>
+          </a:p>
+        </p:txBody>
+      </p:sp>
+      <p:pic>
+        <p:nvPicPr>
+          <p:cNvPr id="14" name="Picture 2" descr="Ed_DaSH">
+            <a:extLst>
+              <a:ext uri="{FF2B5EF4-FFF2-40B4-BE49-F238E27FC236}">
+                <a16:creationId xmlns:a16="http://schemas.microsoft.com/office/drawing/2014/main" id="{3FDDF77C-EC45-6443-8DF8-F8C9C5B93F1B}"/>
+              </a:ext>
+            </a:extLst>
+          </p:cNvPr>
+          <p:cNvPicPr>
+            <a:picLocks noChangeAspect="1" noChangeArrowheads="1"/>
+          </p:cNvPicPr>
+          <p:nvPr/>
+        </p:nvPicPr>
+        <p:blipFill>
+          <a:blip r:embed="rId3" cstate="hqprint">
+            <a:extLst>
+              <a:ext uri="{28A0092B-C50C-407E-A947-70E740481C1C}">
+                <a14:useLocalDpi xmlns:a14="http://schemas.microsoft.com/office/drawing/2010/main" val="0"/>
+              </a:ext>
+            </a:extLst>
+          </a:blip>
+          <a:srcRect/>
+          <a:stretch>
+            <a:fillRect/>
+          </a:stretch>
+        </p:blipFill>
+        <p:spPr bwMode="auto">
+          <a:xfrm>
+            <a:off x="10820670" y="5458691"/>
+            <a:ext cx="1289214" cy="1325418"/>
+          </a:xfrm>
+          <a:prstGeom prst="rect">
+            <a:avLst/>
+          </a:prstGeom>
+          <a:noFill/>
+          <a:extLst>
+            <a:ext uri="{909E8E84-426E-40DD-AFC4-6F175D3DCCD1}">
+              <a14:hiddenFill xmlns:a14="http://schemas.microsoft.com/office/drawing/2010/main">
+                <a:solidFill>
+                  <a:srgbClr val="FFFFFF"/>
+                </a:solidFill>
+              </a14:hiddenFill>
+            </a:ext>
+          </a:extLst>
+        </p:spPr>
+      </p:pic>
+      <p:sp>
+        <p:nvSpPr>
+          <p:cNvPr id="15" name="Arrow: Down 12">
+            <a:extLst>
+              <a:ext uri="{FF2B5EF4-FFF2-40B4-BE49-F238E27FC236}">
+                <a16:creationId xmlns:a16="http://schemas.microsoft.com/office/drawing/2014/main" id="{BEA0EBA6-8A0C-9F41-BFED-3811E7B9302A}"/>
+              </a:ext>
+            </a:extLst>
+          </p:cNvPr>
+          <p:cNvSpPr/>
+          <p:nvPr/>
+        </p:nvSpPr>
+        <p:spPr>
+          <a:xfrm rot="10800000">
+            <a:off x="4690939" y="2278347"/>
+            <a:ext cx="469783" cy="620786"/>
+          </a:xfrm>
+          <a:prstGeom prst="downArrow">
+            <a:avLst/>
+          </a:prstGeom>
+        </p:spPr>
+        <p:style>
+          <a:lnRef idx="2">
+            <a:schemeClr val="accent1">
+              <a:shade val="50000"/>
+            </a:schemeClr>
+          </a:lnRef>
+          <a:fillRef idx="1">
+            <a:schemeClr val="accent1"/>
+          </a:fillRef>
+          <a:effectRef idx="0">
+            <a:schemeClr val="accent1"/>
+          </a:effectRef>
+          <a:fontRef idx="minor">
+            <a:schemeClr val="lt1"/>
+          </a:fontRef>
+        </p:style>
+        <p:txBody>
+          <a:bodyPr rtlCol="0" anchor="ctr"/>
+          <a:lstStyle/>
+          <a:p>
+            <a:pPr algn="ctr"/>
+            <a:endParaRPr lang="en-GB"/>
           </a:p>
         </p:txBody>
       </p:sp>
     </p:spTree>
     <p:extLst>
       <p:ext uri="{BB962C8B-B14F-4D97-AF65-F5344CB8AC3E}">
-        <p14:creationId xmlns:p14="http://schemas.microsoft.com/office/powerpoint/2010/main" val="189466839"/>
+        <p14:creationId xmlns:p14="http://schemas.microsoft.com/office/powerpoint/2010/main" val="2847453607"/>
       </p:ext>
     </p:extLst>
   </p:cSld>
@@ -9437,321 +10325,12 @@
           <a:chExt cx="0" cy="0"/>
         </a:xfrm>
       </p:grpSpPr>
-      <p:sp>
-        <p:nvSpPr>
-          <p:cNvPr id="6" name="TextBox 5">
-            <a:extLst>
-              <a:ext uri="{FF2B5EF4-FFF2-40B4-BE49-F238E27FC236}">
-                <a16:creationId xmlns:a16="http://schemas.microsoft.com/office/drawing/2014/main" id="{B082BCFF-DF99-4045-952C-843651C9A9DC}"/>
-              </a:ext>
-            </a:extLst>
-          </p:cNvPr>
-          <p:cNvSpPr txBox="1"/>
-          <p:nvPr/>
-        </p:nvSpPr>
-        <p:spPr>
-          <a:xfrm>
-            <a:off x="191199" y="317007"/>
-            <a:ext cx="11385608" cy="584775"/>
-          </a:xfrm>
-          <a:prstGeom prst="rect">
-            <a:avLst/>
-          </a:prstGeom>
-          <a:noFill/>
-        </p:spPr>
-        <p:txBody>
-          <a:bodyPr wrap="square">
-            <a:spAutoFit/>
-          </a:bodyPr>
-          <a:lstStyle/>
-          <a:p>
-            <a:r>
-              <a:rPr lang="en-GB" sz="3200" b="0" i="0" dirty="0">
-                <a:solidFill>
-                  <a:srgbClr val="0070C0"/>
-                </a:solidFill>
-                <a:effectLst/>
-                <a:latin typeface="Ubuntu"/>
-              </a:rPr>
-              <a:t>What should we consider in a good DMP?</a:t>
-            </a:r>
-          </a:p>
-        </p:txBody>
-      </p:sp>
-      <p:sp>
-        <p:nvSpPr>
-          <p:cNvPr id="8" name="TextBox 7">
-            <a:extLst>
-              <a:ext uri="{FF2B5EF4-FFF2-40B4-BE49-F238E27FC236}">
-                <a16:creationId xmlns:a16="http://schemas.microsoft.com/office/drawing/2014/main" id="{5656A525-53B6-4851-8EFF-E6BFFC9D56BA}"/>
-              </a:ext>
-            </a:extLst>
-          </p:cNvPr>
-          <p:cNvSpPr txBox="1"/>
-          <p:nvPr/>
-        </p:nvSpPr>
-        <p:spPr>
-          <a:xfrm>
-            <a:off x="4977458" y="1182546"/>
-            <a:ext cx="2754352" cy="584775"/>
-          </a:xfrm>
-          <a:prstGeom prst="rect">
-            <a:avLst/>
-          </a:prstGeom>
-          <a:solidFill>
-            <a:schemeClr val="bg2"/>
-          </a:solidFill>
-        </p:spPr>
-        <p:style>
-          <a:lnRef idx="2">
-            <a:schemeClr val="accent1"/>
-          </a:lnRef>
-          <a:fillRef idx="1">
-            <a:schemeClr val="lt1"/>
-          </a:fillRef>
-          <a:effectRef idx="0">
-            <a:schemeClr val="accent1"/>
-          </a:effectRef>
-          <a:fontRef idx="minor">
-            <a:schemeClr val="dk1"/>
-          </a:fontRef>
-        </p:style>
-        <p:txBody>
-          <a:bodyPr wrap="square">
-            <a:spAutoFit/>
-          </a:bodyPr>
-          <a:lstStyle/>
-          <a:p>
-            <a:pPr algn="ctr"/>
-            <a:r>
-              <a:rPr lang="en-GB" sz="3200" b="0" i="0" dirty="0">
-                <a:solidFill>
-                  <a:srgbClr val="333333"/>
-                </a:solidFill>
-                <a:effectLst/>
-                <a:latin typeface="Ubuntu"/>
-              </a:rPr>
-              <a:t>Good DMPs</a:t>
-            </a:r>
-            <a:endParaRPr lang="en-GB" sz="3200" dirty="0"/>
-          </a:p>
-        </p:txBody>
-      </p:sp>
-      <p:sp>
-        <p:nvSpPr>
-          <p:cNvPr id="12" name="TextBox 11">
-            <a:extLst>
-              <a:ext uri="{FF2B5EF4-FFF2-40B4-BE49-F238E27FC236}">
-                <a16:creationId xmlns:a16="http://schemas.microsoft.com/office/drawing/2014/main" id="{32F0452B-E9D9-441C-8E99-96A0537CECD4}"/>
-              </a:ext>
-            </a:extLst>
-          </p:cNvPr>
-          <p:cNvSpPr txBox="1"/>
-          <p:nvPr/>
-        </p:nvSpPr>
-        <p:spPr>
-          <a:xfrm>
-            <a:off x="3839145" y="2949635"/>
-            <a:ext cx="5030979" cy="3373359"/>
-          </a:xfrm>
-          <a:prstGeom prst="rect">
-            <a:avLst/>
-          </a:prstGeom>
-          <a:noFill/>
-        </p:spPr>
-        <p:txBody>
-          <a:bodyPr wrap="square">
-            <a:spAutoFit/>
-          </a:bodyPr>
-          <a:lstStyle/>
-          <a:p>
-            <a:pPr>
-              <a:lnSpc>
-                <a:spcPct val="150000"/>
-              </a:lnSpc>
-            </a:pPr>
-            <a:r>
-              <a:rPr lang="en-GB" dirty="0">
-                <a:solidFill>
-                  <a:srgbClr val="0070C0"/>
-                </a:solidFill>
-              </a:rPr>
-              <a:t>Think about:</a:t>
-            </a:r>
-          </a:p>
-          <a:p>
-            <a:pPr marL="285750" indent="-285750">
-              <a:lnSpc>
-                <a:spcPct val="150000"/>
-              </a:lnSpc>
-              <a:buFont typeface="Arial" panose="020B0604020202020204" pitchFamily="34" charset="0"/>
-              <a:buChar char="•"/>
-            </a:pPr>
-            <a:r>
-              <a:rPr lang="en-GB" dirty="0">
-                <a:solidFill>
-                  <a:srgbClr val="0070C0"/>
-                </a:solidFill>
-              </a:rPr>
-              <a:t>how you will store the data</a:t>
-            </a:r>
-          </a:p>
-          <a:p>
-            <a:pPr marL="285750" indent="-285750">
-              <a:lnSpc>
-                <a:spcPct val="150000"/>
-              </a:lnSpc>
-              <a:buFont typeface="Arial" panose="020B0604020202020204" pitchFamily="34" charset="0"/>
-              <a:buChar char="•"/>
-            </a:pPr>
-            <a:r>
-              <a:rPr lang="en-GB" dirty="0">
-                <a:solidFill>
-                  <a:srgbClr val="0070C0"/>
-                </a:solidFill>
-              </a:rPr>
-              <a:t>how you will organize and describe your data</a:t>
-            </a:r>
-          </a:p>
-          <a:p>
-            <a:pPr marL="285750" indent="-285750">
-              <a:lnSpc>
-                <a:spcPct val="150000"/>
-              </a:lnSpc>
-              <a:buFont typeface="Arial" panose="020B0604020202020204" pitchFamily="34" charset="0"/>
-              <a:buChar char="•"/>
-            </a:pPr>
-            <a:r>
-              <a:rPr lang="en-GB" dirty="0">
-                <a:solidFill>
-                  <a:srgbClr val="0070C0"/>
-                </a:solidFill>
-              </a:rPr>
-              <a:t>how you will grant access to your data</a:t>
-            </a:r>
-          </a:p>
-          <a:p>
-            <a:pPr marL="285750" indent="-285750">
-              <a:lnSpc>
-                <a:spcPct val="150000"/>
-              </a:lnSpc>
-              <a:buFont typeface="Arial" panose="020B0604020202020204" pitchFamily="34" charset="0"/>
-              <a:buChar char="•"/>
-            </a:pPr>
-            <a:r>
-              <a:rPr lang="en-GB" dirty="0">
-                <a:solidFill>
-                  <a:srgbClr val="0070C0"/>
-                </a:solidFill>
-              </a:rPr>
-              <a:t>how you will share your data</a:t>
-            </a:r>
-          </a:p>
-          <a:p>
-            <a:pPr marL="285750" indent="-285750">
-              <a:lnSpc>
-                <a:spcPct val="150000"/>
-              </a:lnSpc>
-              <a:buFont typeface="Arial" panose="020B0604020202020204" pitchFamily="34" charset="0"/>
-              <a:buChar char="•"/>
-            </a:pPr>
-            <a:r>
-              <a:rPr lang="en-GB" dirty="0">
-                <a:solidFill>
-                  <a:srgbClr val="0070C0"/>
-                </a:solidFill>
-              </a:rPr>
-              <a:t>how you will preserve your data</a:t>
-            </a:r>
-          </a:p>
-          <a:p>
-            <a:pPr marL="285750" indent="-285750">
-              <a:lnSpc>
-                <a:spcPct val="150000"/>
-              </a:lnSpc>
-              <a:buFont typeface="Arial" panose="020B0604020202020204" pitchFamily="34" charset="0"/>
-              <a:buChar char="•"/>
-            </a:pPr>
-            <a:r>
-              <a:rPr lang="en-GB" dirty="0">
-                <a:solidFill>
-                  <a:srgbClr val="0070C0"/>
-                </a:solidFill>
-              </a:rPr>
-              <a:t>how others can use your data</a:t>
-            </a:r>
-          </a:p>
-          <a:p>
-            <a:pPr marL="285750" indent="-285750">
-              <a:lnSpc>
-                <a:spcPct val="150000"/>
-              </a:lnSpc>
-              <a:buFont typeface="Arial" panose="020B0604020202020204" pitchFamily="34" charset="0"/>
-              <a:buChar char="•"/>
-            </a:pPr>
-            <a:r>
-              <a:rPr lang="en-GB" dirty="0">
-                <a:solidFill>
-                  <a:srgbClr val="0070C0"/>
-                </a:solidFill>
-              </a:rPr>
-              <a:t>how much it will all cost</a:t>
-            </a:r>
-          </a:p>
-        </p:txBody>
-      </p:sp>
-      <p:sp>
-        <p:nvSpPr>
-          <p:cNvPr id="13" name="Arrow: Down 12">
-            <a:extLst>
-              <a:ext uri="{FF2B5EF4-FFF2-40B4-BE49-F238E27FC236}">
-                <a16:creationId xmlns:a16="http://schemas.microsoft.com/office/drawing/2014/main" id="{27DE9F74-5A87-4524-8E4E-D202CEAB615E}"/>
-              </a:ext>
-            </a:extLst>
-          </p:cNvPr>
-          <p:cNvSpPr/>
-          <p:nvPr/>
-        </p:nvSpPr>
-        <p:spPr>
-          <a:xfrm>
-            <a:off x="6119743" y="2084096"/>
-            <a:ext cx="469783" cy="620786"/>
-          </a:xfrm>
-          <a:prstGeom prst="downArrow">
-            <a:avLst/>
-          </a:prstGeom>
-        </p:spPr>
-        <p:style>
-          <a:lnRef idx="2">
-            <a:schemeClr val="accent1">
-              <a:shade val="50000"/>
-            </a:schemeClr>
-          </a:lnRef>
-          <a:fillRef idx="1">
-            <a:schemeClr val="accent1"/>
-          </a:fillRef>
-          <a:effectRef idx="0">
-            <a:schemeClr val="accent1"/>
-          </a:effectRef>
-          <a:fontRef idx="minor">
-            <a:schemeClr val="lt1"/>
-          </a:fontRef>
-        </p:style>
-        <p:txBody>
-          <a:bodyPr rtlCol="0" anchor="ctr"/>
-          <a:lstStyle/>
-          <a:p>
-            <a:pPr algn="ctr"/>
-            <a:endParaRPr lang="en-GB"/>
-          </a:p>
-        </p:txBody>
-      </p:sp>
       <p:pic>
         <p:nvPicPr>
-          <p:cNvPr id="9" name="Picture 2" descr="Ed_DaSH">
+          <p:cNvPr id="4" name="Picture 2" descr="Ed_DaSH">
             <a:extLst>
               <a:ext uri="{FF2B5EF4-FFF2-40B4-BE49-F238E27FC236}">
-                <a16:creationId xmlns:a16="http://schemas.microsoft.com/office/drawing/2014/main" id="{05583894-189D-4055-ADFE-3A12DF2FC559}"/>
+                <a16:creationId xmlns:a16="http://schemas.microsoft.com/office/drawing/2014/main" id="{CB8DDD8E-B41B-4E5C-9734-A84924C2F77C}"/>
               </a:ext>
             </a:extLst>
           </p:cNvPr>
@@ -9761,7 +10340,7 @@
           <p:nvPr/>
         </p:nvPicPr>
         <p:blipFill>
-          <a:blip r:embed="rId3" cstate="hqprint">
+          <a:blip r:embed="rId2" cstate="hqprint">
             <a:extLst>
               <a:ext uri="{28A0092B-C50C-407E-A947-70E740481C1C}">
                 <a14:useLocalDpi xmlns:a14="http://schemas.microsoft.com/office/drawing/2010/main" val="0"/>
@@ -9793,396 +10372,247 @@
           </a:extLst>
         </p:spPr>
       </p:pic>
+      <p:sp>
+        <p:nvSpPr>
+          <p:cNvPr id="5" name="TextBox 4">
+            <a:extLst>
+              <a:ext uri="{FF2B5EF4-FFF2-40B4-BE49-F238E27FC236}">
+                <a16:creationId xmlns:a16="http://schemas.microsoft.com/office/drawing/2014/main" id="{04BC0F31-E205-48BE-9168-4E7864868447}"/>
+              </a:ext>
+            </a:extLst>
+          </p:cNvPr>
+          <p:cNvSpPr txBox="1"/>
+          <p:nvPr/>
+        </p:nvSpPr>
+        <p:spPr>
+          <a:xfrm>
+            <a:off x="846306" y="5059431"/>
+            <a:ext cx="10651787" cy="369332"/>
+          </a:xfrm>
+          <a:prstGeom prst="rect">
+            <a:avLst/>
+          </a:prstGeom>
+          <a:solidFill>
+            <a:schemeClr val="accent1">
+              <a:lumMod val="20000"/>
+              <a:lumOff val="80000"/>
+            </a:schemeClr>
+          </a:solidFill>
+        </p:spPr>
+        <p:txBody>
+          <a:bodyPr wrap="square">
+            <a:spAutoFit/>
+          </a:bodyPr>
+          <a:lstStyle/>
+          <a:p>
+            <a:pPr algn="ctr"/>
+            <a:r>
+              <a:rPr lang="en-GB" dirty="0"/>
+              <a:t>A scientific paper is often written more than 1 year after the experiments were performed. </a:t>
+            </a:r>
+            <a:endParaRPr lang="en-GB" b="1" dirty="0"/>
+          </a:p>
+        </p:txBody>
+      </p:sp>
+      <p:sp>
+        <p:nvSpPr>
+          <p:cNvPr id="6" name="TextBox 5">
+            <a:extLst>
+              <a:ext uri="{FF2B5EF4-FFF2-40B4-BE49-F238E27FC236}">
+                <a16:creationId xmlns:a16="http://schemas.microsoft.com/office/drawing/2014/main" id="{A58BC19B-FDF6-4F92-952B-6DCB34A4E14E}"/>
+              </a:ext>
+            </a:extLst>
+          </p:cNvPr>
+          <p:cNvSpPr txBox="1"/>
+          <p:nvPr/>
+        </p:nvSpPr>
+        <p:spPr>
+          <a:xfrm>
+            <a:off x="1183160" y="1198404"/>
+            <a:ext cx="5991363" cy="2554545"/>
+          </a:xfrm>
+          <a:prstGeom prst="rect">
+            <a:avLst/>
+          </a:prstGeom>
+          <a:noFill/>
+        </p:spPr>
+        <p:txBody>
+          <a:bodyPr wrap="square" rtlCol="0">
+            <a:spAutoFit/>
+          </a:bodyPr>
+          <a:lstStyle/>
+          <a:p>
+            <a:pPr marL="285750" indent="-285750">
+              <a:buFont typeface="Arial" panose="020B0604020202020204" pitchFamily="34" charset="0"/>
+              <a:buChar char="•"/>
+            </a:pPr>
+            <a:r>
+              <a:rPr lang="en-GB" sz="2000" dirty="0" smtClean="0"/>
+              <a:t>Data </a:t>
+            </a:r>
+            <a:r>
+              <a:rPr lang="en-GB" sz="2000" dirty="0"/>
+              <a:t>is the basis for research papers and </a:t>
+            </a:r>
+            <a:r>
+              <a:rPr lang="en-GB" sz="2000" dirty="0" smtClean="0"/>
+              <a:t>theses</a:t>
+            </a:r>
+            <a:r>
+              <a:rPr lang="en-GB" sz="2000" dirty="0"/>
+              <a:t>.</a:t>
+            </a:r>
+          </a:p>
+          <a:p>
+            <a:pPr marL="285750" indent="-285750">
+              <a:buFont typeface="Arial" panose="020B0604020202020204" pitchFamily="34" charset="0"/>
+              <a:buChar char="•"/>
+            </a:pPr>
+            <a:r>
+              <a:rPr lang="en-GB" sz="2000" dirty="0"/>
+              <a:t>Data is fragile and easily lost. </a:t>
+            </a:r>
+            <a:r>
+              <a:rPr lang="en-GB" sz="2000" dirty="0" smtClean="0"/>
+              <a:t>Data needs </a:t>
+            </a:r>
+            <a:r>
+              <a:rPr lang="en-GB" sz="2000" dirty="0"/>
+              <a:t>to </a:t>
+            </a:r>
+            <a:r>
+              <a:rPr lang="en-GB" sz="2000" dirty="0" smtClean="0"/>
+              <a:t>be backed up</a:t>
+            </a:r>
+            <a:endParaRPr lang="en-GB" sz="2000" dirty="0"/>
+          </a:p>
+          <a:p>
+            <a:pPr marL="285750" indent="-285750">
+              <a:buFont typeface="Arial" panose="020B0604020202020204" pitchFamily="34" charset="0"/>
+              <a:buChar char="•"/>
+            </a:pPr>
+            <a:r>
+              <a:rPr lang="en-GB" sz="2000" b="1" dirty="0"/>
+              <a:t>Growing data management demands by funders.</a:t>
+            </a:r>
+          </a:p>
+          <a:p>
+            <a:pPr marL="285750" indent="-285750">
+              <a:buFont typeface="Arial" panose="020B0604020202020204" pitchFamily="34" charset="0"/>
+              <a:buChar char="•"/>
+            </a:pPr>
+            <a:r>
+              <a:rPr lang="en-GB" sz="2000" dirty="0" smtClean="0"/>
+              <a:t>There are costs involved in data management</a:t>
+            </a:r>
+          </a:p>
+          <a:p>
+            <a:pPr marL="285750" indent="-285750">
+              <a:buFont typeface="Arial" panose="020B0604020202020204" pitchFamily="34" charset="0"/>
+              <a:buChar char="•"/>
+            </a:pPr>
+            <a:r>
+              <a:rPr lang="en-GB" sz="2000" dirty="0"/>
+              <a:t>It saves time and resources in the long run</a:t>
+            </a:r>
+          </a:p>
+          <a:p>
+            <a:pPr marL="285750" indent="-285750">
+              <a:buFont typeface="Arial" panose="020B0604020202020204" pitchFamily="34" charset="0"/>
+              <a:buChar char="•"/>
+            </a:pPr>
+            <a:endParaRPr lang="en-GB" sz="2000" dirty="0"/>
+          </a:p>
+          <a:p>
+            <a:pPr marL="285750" indent="-285750">
+              <a:buFont typeface="Arial" panose="020B0604020202020204" pitchFamily="34" charset="0"/>
+              <a:buChar char="•"/>
+            </a:pPr>
+            <a:endParaRPr lang="en-GB" sz="2000" dirty="0"/>
+          </a:p>
+        </p:txBody>
+      </p:sp>
+      <p:pic>
+        <p:nvPicPr>
+          <p:cNvPr id="7" name="Picture 6">
+            <a:extLst>
+              <a:ext uri="{FF2B5EF4-FFF2-40B4-BE49-F238E27FC236}">
+                <a16:creationId xmlns:a16="http://schemas.microsoft.com/office/drawing/2014/main" id="{EEFD60A1-3666-4CD6-8AC9-F4A8E3948752}"/>
+              </a:ext>
+            </a:extLst>
+          </p:cNvPr>
+          <p:cNvPicPr>
+            <a:picLocks noChangeAspect="1"/>
+          </p:cNvPicPr>
+          <p:nvPr/>
+        </p:nvPicPr>
+        <p:blipFill>
+          <a:blip r:embed="rId3"/>
+          <a:stretch>
+            <a:fillRect/>
+          </a:stretch>
+        </p:blipFill>
+        <p:spPr>
+          <a:xfrm>
+            <a:off x="7735282" y="795701"/>
+            <a:ext cx="3841525" cy="3563915"/>
+          </a:xfrm>
+          <a:prstGeom prst="rect">
+            <a:avLst/>
+          </a:prstGeom>
+        </p:spPr>
+      </p:pic>
+      <p:sp>
+        <p:nvSpPr>
+          <p:cNvPr id="8" name="TextBox 7">
+            <a:extLst>
+              <a:ext uri="{FF2B5EF4-FFF2-40B4-BE49-F238E27FC236}">
+                <a16:creationId xmlns:a16="http://schemas.microsoft.com/office/drawing/2014/main" id="{1D8EE843-1CA2-40D4-9C52-FDA820EB7CFB}"/>
+              </a:ext>
+            </a:extLst>
+          </p:cNvPr>
+          <p:cNvSpPr txBox="1"/>
+          <p:nvPr/>
+        </p:nvSpPr>
+        <p:spPr>
+          <a:xfrm>
+            <a:off x="191199" y="305852"/>
+            <a:ext cx="11385608" cy="584775"/>
+          </a:xfrm>
+          <a:prstGeom prst="rect">
+            <a:avLst/>
+          </a:prstGeom>
+          <a:noFill/>
+        </p:spPr>
+        <p:txBody>
+          <a:bodyPr wrap="square">
+            <a:spAutoFit/>
+          </a:bodyPr>
+          <a:lstStyle/>
+          <a:p>
+            <a:r>
+              <a:rPr lang="en-GB" sz="3200" b="0" i="0" dirty="0">
+                <a:solidFill>
+                  <a:srgbClr val="0070C0"/>
+                </a:solidFill>
+                <a:effectLst/>
+                <a:latin typeface="Ubuntu"/>
+              </a:rPr>
+              <a:t>Why do we need Data Management Plans?</a:t>
+            </a:r>
+          </a:p>
+        </p:txBody>
+      </p:sp>
     </p:spTree>
     <p:extLst>
       <p:ext uri="{BB962C8B-B14F-4D97-AF65-F5344CB8AC3E}">
-        <p14:creationId xmlns:p14="http://schemas.microsoft.com/office/powerpoint/2010/main" val="3747721469"/>
+        <p14:creationId xmlns:p14="http://schemas.microsoft.com/office/powerpoint/2010/main" val="3136614349"/>
       </p:ext>
     </p:extLst>
   </p:cSld>
   <p:clrMapOvr>
     <a:masterClrMapping/>
   </p:clrMapOvr>
-  <p:timing>
-    <p:tnLst>
-      <p:par>
-        <p:cTn id="1" dur="indefinite" restart="never" nodeType="tmRoot">
-          <p:childTnLst>
-            <p:seq concurrent="1" nextAc="seek">
-              <p:cTn id="2" dur="indefinite" nodeType="mainSeq">
-                <p:childTnLst>
-                  <p:par>
-                    <p:cTn id="3" fill="hold">
-                      <p:stCondLst>
-                        <p:cond delay="indefinite"/>
-                      </p:stCondLst>
-                      <p:childTnLst>
-                        <p:par>
-                          <p:cTn id="4" fill="hold">
-                            <p:stCondLst>
-                              <p:cond delay="0"/>
-                            </p:stCondLst>
-                            <p:childTnLst>
-                              <p:par>
-                                <p:cTn id="5" presetID="10" presetClass="entr" presetSubtype="0" fill="hold" grpId="0" nodeType="clickEffect">
-                                  <p:stCondLst>
-                                    <p:cond delay="0"/>
-                                  </p:stCondLst>
-                                  <p:childTnLst>
-                                    <p:set>
-                                      <p:cBhvr>
-                                        <p:cTn id="6" dur="1" fill="hold">
-                                          <p:stCondLst>
-                                            <p:cond delay="0"/>
-                                          </p:stCondLst>
-                                        </p:cTn>
-                                        <p:tgtEl>
-                                          <p:spTgt spid="8"/>
-                                        </p:tgtEl>
-                                        <p:attrNameLst>
-                                          <p:attrName>style.visibility</p:attrName>
-                                        </p:attrNameLst>
-                                      </p:cBhvr>
-                                      <p:to>
-                                        <p:strVal val="visible"/>
-                                      </p:to>
-                                    </p:set>
-                                    <p:animEffect transition="in" filter="fade">
-                                      <p:cBhvr>
-                                        <p:cTn id="7" dur="500"/>
-                                        <p:tgtEl>
-                                          <p:spTgt spid="8"/>
-                                        </p:tgtEl>
-                                      </p:cBhvr>
-                                    </p:animEffect>
-                                  </p:childTnLst>
-                                </p:cTn>
-                              </p:par>
-                            </p:childTnLst>
-                          </p:cTn>
-                        </p:par>
-                      </p:childTnLst>
-                    </p:cTn>
-                  </p:par>
-                  <p:par>
-                    <p:cTn id="8" fill="hold">
-                      <p:stCondLst>
-                        <p:cond delay="indefinite"/>
-                      </p:stCondLst>
-                      <p:childTnLst>
-                        <p:par>
-                          <p:cTn id="9" fill="hold">
-                            <p:stCondLst>
-                              <p:cond delay="0"/>
-                            </p:stCondLst>
-                            <p:childTnLst>
-                              <p:par>
-                                <p:cTn id="10" presetID="1" presetClass="entr" presetSubtype="0" fill="hold" grpId="0" nodeType="clickEffect">
-                                  <p:stCondLst>
-                                    <p:cond delay="0"/>
-                                  </p:stCondLst>
-                                  <p:childTnLst>
-                                    <p:set>
-                                      <p:cBhvr>
-                                        <p:cTn id="11" dur="1" fill="hold">
-                                          <p:stCondLst>
-                                            <p:cond delay="0"/>
-                                          </p:stCondLst>
-                                        </p:cTn>
-                                        <p:tgtEl>
-                                          <p:spTgt spid="13"/>
-                                        </p:tgtEl>
-                                        <p:attrNameLst>
-                                          <p:attrName>style.visibility</p:attrName>
-                                        </p:attrNameLst>
-                                      </p:cBhvr>
-                                      <p:to>
-                                        <p:strVal val="visible"/>
-                                      </p:to>
-                                    </p:set>
-                                  </p:childTnLst>
-                                </p:cTn>
-                              </p:par>
-                              <p:par>
-                                <p:cTn id="12" presetID="1" presetClass="entr" presetSubtype="0" fill="hold" nodeType="withEffect">
-                                  <p:stCondLst>
-                                    <p:cond delay="0"/>
-                                  </p:stCondLst>
-                                  <p:childTnLst>
-                                    <p:set>
-                                      <p:cBhvr>
-                                        <p:cTn id="13" dur="1" fill="hold">
-                                          <p:stCondLst>
-                                            <p:cond delay="0"/>
-                                          </p:stCondLst>
-                                        </p:cTn>
-                                        <p:tgtEl>
-                                          <p:spTgt spid="12">
-                                            <p:txEl>
-                                              <p:pRg st="0" end="0"/>
-                                            </p:txEl>
-                                          </p:spTgt>
-                                        </p:tgtEl>
-                                        <p:attrNameLst>
-                                          <p:attrName>style.visibility</p:attrName>
-                                        </p:attrNameLst>
-                                      </p:cBhvr>
-                                      <p:to>
-                                        <p:strVal val="visible"/>
-                                      </p:to>
-                                    </p:set>
-                                  </p:childTnLst>
-                                </p:cTn>
-                              </p:par>
-                              <p:par>
-                                <p:cTn id="14" presetID="1" presetClass="entr" presetSubtype="0" fill="hold" nodeType="withEffect">
-                                  <p:stCondLst>
-                                    <p:cond delay="0"/>
-                                  </p:stCondLst>
-                                  <p:childTnLst>
-                                    <p:set>
-                                      <p:cBhvr>
-                                        <p:cTn id="15" dur="1" fill="hold">
-                                          <p:stCondLst>
-                                            <p:cond delay="0"/>
-                                          </p:stCondLst>
-                                        </p:cTn>
-                                        <p:tgtEl>
-                                          <p:spTgt spid="12">
-                                            <p:txEl>
-                                              <p:pRg st="1" end="1"/>
-                                            </p:txEl>
-                                          </p:spTgt>
-                                        </p:tgtEl>
-                                        <p:attrNameLst>
-                                          <p:attrName>style.visibility</p:attrName>
-                                        </p:attrNameLst>
-                                      </p:cBhvr>
-                                      <p:to>
-                                        <p:strVal val="visible"/>
-                                      </p:to>
-                                    </p:set>
-                                  </p:childTnLst>
-                                </p:cTn>
-                              </p:par>
-                              <p:par>
-                                <p:cTn id="16" presetID="1" presetClass="entr" presetSubtype="0" fill="hold" nodeType="withEffect">
-                                  <p:stCondLst>
-                                    <p:cond delay="0"/>
-                                  </p:stCondLst>
-                                  <p:childTnLst>
-                                    <p:set>
-                                      <p:cBhvr>
-                                        <p:cTn id="17" dur="1" fill="hold">
-                                          <p:stCondLst>
-                                            <p:cond delay="0"/>
-                                          </p:stCondLst>
-                                        </p:cTn>
-                                        <p:tgtEl>
-                                          <p:spTgt spid="12">
-                                            <p:txEl>
-                                              <p:pRg st="2" end="2"/>
-                                            </p:txEl>
-                                          </p:spTgt>
-                                        </p:tgtEl>
-                                        <p:attrNameLst>
-                                          <p:attrName>style.visibility</p:attrName>
-                                        </p:attrNameLst>
-                                      </p:cBhvr>
-                                      <p:to>
-                                        <p:strVal val="visible"/>
-                                      </p:to>
-                                    </p:set>
-                                  </p:childTnLst>
-                                </p:cTn>
-                              </p:par>
-                              <p:par>
-                                <p:cTn id="18" presetID="1" presetClass="entr" presetSubtype="0" fill="hold" nodeType="withEffect">
-                                  <p:stCondLst>
-                                    <p:cond delay="0"/>
-                                  </p:stCondLst>
-                                  <p:childTnLst>
-                                    <p:set>
-                                      <p:cBhvr>
-                                        <p:cTn id="19" dur="1" fill="hold">
-                                          <p:stCondLst>
-                                            <p:cond delay="0"/>
-                                          </p:stCondLst>
-                                        </p:cTn>
-                                        <p:tgtEl>
-                                          <p:spTgt spid="12">
-                                            <p:txEl>
-                                              <p:pRg st="3" end="3"/>
-                                            </p:txEl>
-                                          </p:spTgt>
-                                        </p:tgtEl>
-                                        <p:attrNameLst>
-                                          <p:attrName>style.visibility</p:attrName>
-                                        </p:attrNameLst>
-                                      </p:cBhvr>
-                                      <p:to>
-                                        <p:strVal val="visible"/>
-                                      </p:to>
-                                    </p:set>
-                                  </p:childTnLst>
-                                </p:cTn>
-                              </p:par>
-                              <p:par>
-                                <p:cTn id="20" presetID="1" presetClass="entr" presetSubtype="0" fill="hold" nodeType="withEffect">
-                                  <p:stCondLst>
-                                    <p:cond delay="0"/>
-                                  </p:stCondLst>
-                                  <p:childTnLst>
-                                    <p:set>
-                                      <p:cBhvr>
-                                        <p:cTn id="21" dur="1" fill="hold">
-                                          <p:stCondLst>
-                                            <p:cond delay="0"/>
-                                          </p:stCondLst>
-                                        </p:cTn>
-                                        <p:tgtEl>
-                                          <p:spTgt spid="12">
-                                            <p:txEl>
-                                              <p:pRg st="4" end="4"/>
-                                            </p:txEl>
-                                          </p:spTgt>
-                                        </p:tgtEl>
-                                        <p:attrNameLst>
-                                          <p:attrName>style.visibility</p:attrName>
-                                        </p:attrNameLst>
-                                      </p:cBhvr>
-                                      <p:to>
-                                        <p:strVal val="visible"/>
-                                      </p:to>
-                                    </p:set>
-                                  </p:childTnLst>
-                                </p:cTn>
-                              </p:par>
-                              <p:par>
-                                <p:cTn id="22" presetID="1" presetClass="entr" presetSubtype="0" fill="hold" nodeType="withEffect">
-                                  <p:stCondLst>
-                                    <p:cond delay="0"/>
-                                  </p:stCondLst>
-                                  <p:childTnLst>
-                                    <p:set>
-                                      <p:cBhvr>
-                                        <p:cTn id="23" dur="1" fill="hold">
-                                          <p:stCondLst>
-                                            <p:cond delay="0"/>
-                                          </p:stCondLst>
-                                        </p:cTn>
-                                        <p:tgtEl>
-                                          <p:spTgt spid="12">
-                                            <p:txEl>
-                                              <p:pRg st="5" end="5"/>
-                                            </p:txEl>
-                                          </p:spTgt>
-                                        </p:tgtEl>
-                                        <p:attrNameLst>
-                                          <p:attrName>style.visibility</p:attrName>
-                                        </p:attrNameLst>
-                                      </p:cBhvr>
-                                      <p:to>
-                                        <p:strVal val="visible"/>
-                                      </p:to>
-                                    </p:set>
-                                  </p:childTnLst>
-                                </p:cTn>
-                              </p:par>
-                              <p:par>
-                                <p:cTn id="24" presetID="1" presetClass="entr" presetSubtype="0" fill="hold" nodeType="withEffect">
-                                  <p:stCondLst>
-                                    <p:cond delay="0"/>
-                                  </p:stCondLst>
-                                  <p:childTnLst>
-                                    <p:set>
-                                      <p:cBhvr>
-                                        <p:cTn id="25" dur="1" fill="hold">
-                                          <p:stCondLst>
-                                            <p:cond delay="0"/>
-                                          </p:stCondLst>
-                                        </p:cTn>
-                                        <p:tgtEl>
-                                          <p:spTgt spid="12">
-                                            <p:txEl>
-                                              <p:pRg st="6" end="6"/>
-                                            </p:txEl>
-                                          </p:spTgt>
-                                        </p:tgtEl>
-                                        <p:attrNameLst>
-                                          <p:attrName>style.visibility</p:attrName>
-                                        </p:attrNameLst>
-                                      </p:cBhvr>
-                                      <p:to>
-                                        <p:strVal val="visible"/>
-                                      </p:to>
-                                    </p:set>
-                                  </p:childTnLst>
-                                </p:cTn>
-                              </p:par>
-                              <p:par>
-                                <p:cTn id="26" presetID="1" presetClass="entr" presetSubtype="0" fill="hold" nodeType="withEffect">
-                                  <p:stCondLst>
-                                    <p:cond delay="0"/>
-                                  </p:stCondLst>
-                                  <p:childTnLst>
-                                    <p:set>
-                                      <p:cBhvr>
-                                        <p:cTn id="27" dur="1" fill="hold">
-                                          <p:stCondLst>
-                                            <p:cond delay="0"/>
-                                          </p:stCondLst>
-                                        </p:cTn>
-                                        <p:tgtEl>
-                                          <p:spTgt spid="12">
-                                            <p:txEl>
-                                              <p:pRg st="7" end="7"/>
-                                            </p:txEl>
-                                          </p:spTgt>
-                                        </p:tgtEl>
-                                        <p:attrNameLst>
-                                          <p:attrName>style.visibility</p:attrName>
-                                        </p:attrNameLst>
-                                      </p:cBhvr>
-                                      <p:to>
-                                        <p:strVal val="visible"/>
-                                      </p:to>
-                                    </p:set>
-                                  </p:childTnLst>
-                                </p:cTn>
-                              </p:par>
-                            </p:childTnLst>
-                          </p:cTn>
-                        </p:par>
-                      </p:childTnLst>
-                    </p:cTn>
-                  </p:par>
-                </p:childTnLst>
-              </p:cTn>
-              <p:prevCondLst>
-                <p:cond evt="onPrev" delay="0">
-                  <p:tgtEl>
-                    <p:sldTgt/>
-                  </p:tgtEl>
-                </p:cond>
-              </p:prevCondLst>
-              <p:nextCondLst>
-                <p:cond evt="onNext" delay="0">
-                  <p:tgtEl>
-                    <p:sldTgt/>
-                  </p:tgtEl>
-                </p:cond>
-              </p:nextCondLst>
-            </p:seq>
-          </p:childTnLst>
-        </p:cTn>
-      </p:par>
-    </p:tnLst>
-    <p:bldLst>
-      <p:bldP spid="8" grpId="0" animBg="1"/>
-      <p:bldP spid="13" grpId="0" animBg="1"/>
-    </p:bldLst>
-  </p:timing>
 </p:sld>
 </file>
 

--- a/instructors/06-Wrapping_up.pptx
+++ b/instructors/06-Wrapping_up.pptx
@@ -5,26 +5,24 @@
     <p:sldMasterId id="2147483648" r:id="rId1"/>
   </p:sldMasterIdLst>
   <p:notesMasterIdLst>
-    <p:notesMasterId r:id="rId19"/>
+    <p:notesMasterId r:id="rId17"/>
   </p:notesMasterIdLst>
   <p:sldIdLst>
     <p:sldId id="343" r:id="rId2"/>
     <p:sldId id="259" r:id="rId3"/>
     <p:sldId id="351" r:id="rId4"/>
     <p:sldId id="352" r:id="rId5"/>
-    <p:sldId id="344" r:id="rId6"/>
-    <p:sldId id="345" r:id="rId7"/>
-    <p:sldId id="346" r:id="rId8"/>
-    <p:sldId id="257" r:id="rId9"/>
-    <p:sldId id="273" r:id="rId10"/>
-    <p:sldId id="347" r:id="rId11"/>
-    <p:sldId id="258" r:id="rId12"/>
-    <p:sldId id="269" r:id="rId13"/>
-    <p:sldId id="348" r:id="rId14"/>
-    <p:sldId id="350" r:id="rId15"/>
-    <p:sldId id="349" r:id="rId16"/>
-    <p:sldId id="268" r:id="rId17"/>
-    <p:sldId id="319" r:id="rId18"/>
+    <p:sldId id="353" r:id="rId6"/>
+    <p:sldId id="354" r:id="rId7"/>
+    <p:sldId id="344" r:id="rId8"/>
+    <p:sldId id="345" r:id="rId9"/>
+    <p:sldId id="346" r:id="rId10"/>
+    <p:sldId id="257" r:id="rId11"/>
+    <p:sldId id="273" r:id="rId12"/>
+    <p:sldId id="347" r:id="rId13"/>
+    <p:sldId id="258" r:id="rId14"/>
+    <p:sldId id="269" r:id="rId15"/>
+    <p:sldId id="319" r:id="rId16"/>
   </p:sldIdLst>
   <p:sldSz cx="12192000" cy="6858000"/>
   <p:notesSz cx="6858000" cy="9144000"/>
@@ -213,7 +211,7 @@
           <a:p>
             <a:fld id="{585C48AE-4A1E-9A43-835F-510354165F99}" type="datetimeFigureOut">
               <a:rPr lang="en-GB" smtClean="0"/>
-              <a:t>14/12/2022</a:t>
+              <a:t>16/12/2022</a:t>
             </a:fld>
             <a:endParaRPr lang="en-GB"/>
           </a:p>
@@ -635,7 +633,7 @@
           <a:p>
             <a:fld id="{B361C124-7373-F149-A166-BB8240B9FE77}" type="slidenum">
               <a:rPr lang="en-GB" smtClean="0"/>
-              <a:t>11</a:t>
+              <a:t>13</a:t>
             </a:fld>
             <a:endParaRPr lang="en-GB"/>
           </a:p>
@@ -719,7 +717,7 @@
           <a:p>
             <a:fld id="{B361C124-7373-F149-A166-BB8240B9FE77}" type="slidenum">
               <a:rPr lang="en-GB" smtClean="0"/>
-              <a:t>17</a:t>
+              <a:t>15</a:t>
             </a:fld>
             <a:endParaRPr lang="en-GB"/>
           </a:p>
@@ -887,7 +885,7 @@
           <a:p>
             <a:fld id="{5913FB77-D8DB-4AB9-8EA5-EE8C3B57A5E1}" type="datetimeFigureOut">
               <a:rPr lang="en-GB" smtClean="0"/>
-              <a:t>14/12/2022</a:t>
+              <a:t>16/12/2022</a:t>
             </a:fld>
             <a:endParaRPr lang="en-GB"/>
           </a:p>
@@ -1087,7 +1085,7 @@
           <a:p>
             <a:fld id="{5913FB77-D8DB-4AB9-8EA5-EE8C3B57A5E1}" type="datetimeFigureOut">
               <a:rPr lang="en-GB" smtClean="0"/>
-              <a:t>14/12/2022</a:t>
+              <a:t>16/12/2022</a:t>
             </a:fld>
             <a:endParaRPr lang="en-GB"/>
           </a:p>
@@ -1297,7 +1295,7 @@
           <a:p>
             <a:fld id="{5913FB77-D8DB-4AB9-8EA5-EE8C3B57A5E1}" type="datetimeFigureOut">
               <a:rPr lang="en-GB" smtClean="0"/>
-              <a:t>14/12/2022</a:t>
+              <a:t>16/12/2022</a:t>
             </a:fld>
             <a:endParaRPr lang="en-GB"/>
           </a:p>
@@ -1497,7 +1495,7 @@
           <a:p>
             <a:fld id="{5913FB77-D8DB-4AB9-8EA5-EE8C3B57A5E1}" type="datetimeFigureOut">
               <a:rPr lang="en-GB" smtClean="0"/>
-              <a:t>14/12/2022</a:t>
+              <a:t>16/12/2022</a:t>
             </a:fld>
             <a:endParaRPr lang="en-GB"/>
           </a:p>
@@ -1773,7 +1771,7 @@
           <a:p>
             <a:fld id="{5913FB77-D8DB-4AB9-8EA5-EE8C3B57A5E1}" type="datetimeFigureOut">
               <a:rPr lang="en-GB" smtClean="0"/>
-              <a:t>14/12/2022</a:t>
+              <a:t>16/12/2022</a:t>
             </a:fld>
             <a:endParaRPr lang="en-GB"/>
           </a:p>
@@ -2041,7 +2039,7 @@
           <a:p>
             <a:fld id="{5913FB77-D8DB-4AB9-8EA5-EE8C3B57A5E1}" type="datetimeFigureOut">
               <a:rPr lang="en-GB" smtClean="0"/>
-              <a:t>14/12/2022</a:t>
+              <a:t>16/12/2022</a:t>
             </a:fld>
             <a:endParaRPr lang="en-GB"/>
           </a:p>
@@ -2456,7 +2454,7 @@
           <a:p>
             <a:fld id="{5913FB77-D8DB-4AB9-8EA5-EE8C3B57A5E1}" type="datetimeFigureOut">
               <a:rPr lang="en-GB" smtClean="0"/>
-              <a:t>14/12/2022</a:t>
+              <a:t>16/12/2022</a:t>
             </a:fld>
             <a:endParaRPr lang="en-GB"/>
           </a:p>
@@ -2598,7 +2596,7 @@
           <a:p>
             <a:fld id="{5913FB77-D8DB-4AB9-8EA5-EE8C3B57A5E1}" type="datetimeFigureOut">
               <a:rPr lang="en-GB" smtClean="0"/>
-              <a:t>14/12/2022</a:t>
+              <a:t>16/12/2022</a:t>
             </a:fld>
             <a:endParaRPr lang="en-GB"/>
           </a:p>
@@ -2711,7 +2709,7 @@
           <a:p>
             <a:fld id="{5913FB77-D8DB-4AB9-8EA5-EE8C3B57A5E1}" type="datetimeFigureOut">
               <a:rPr lang="en-GB" smtClean="0"/>
-              <a:t>14/12/2022</a:t>
+              <a:t>16/12/2022</a:t>
             </a:fld>
             <a:endParaRPr lang="en-GB"/>
           </a:p>
@@ -3024,7 +3022,7 @@
           <a:p>
             <a:fld id="{5913FB77-D8DB-4AB9-8EA5-EE8C3B57A5E1}" type="datetimeFigureOut">
               <a:rPr lang="en-GB" smtClean="0"/>
-              <a:t>14/12/2022</a:t>
+              <a:t>16/12/2022</a:t>
             </a:fld>
             <a:endParaRPr lang="en-GB"/>
           </a:p>
@@ -3313,7 +3311,7 @@
           <a:p>
             <a:fld id="{5913FB77-D8DB-4AB9-8EA5-EE8C3B57A5E1}" type="datetimeFigureOut">
               <a:rPr lang="en-GB" smtClean="0"/>
-              <a:t>14/12/2022</a:t>
+              <a:t>16/12/2022</a:t>
             </a:fld>
             <a:endParaRPr lang="en-GB"/>
           </a:p>
@@ -3556,7 +3554,7 @@
           <a:p>
             <a:fld id="{5913FB77-D8DB-4AB9-8EA5-EE8C3B57A5E1}" type="datetimeFigureOut">
               <a:rPr lang="en-GB" smtClean="0"/>
-              <a:t>14/12/2022</a:t>
+              <a:t>16/12/2022</a:t>
             </a:fld>
             <a:endParaRPr lang="en-GB"/>
           </a:p>
@@ -4047,6 +4045,612 @@
           <a:chExt cx="0" cy="0"/>
         </a:xfrm>
       </p:grpSpPr>
+      <p:pic>
+        <p:nvPicPr>
+          <p:cNvPr id="12" name="Picture 11" descr="Diagram&#10;&#10;Description automatically generated">
+            <a:extLst>
+              <a:ext uri="{FF2B5EF4-FFF2-40B4-BE49-F238E27FC236}">
+                <a16:creationId xmlns:a16="http://schemas.microsoft.com/office/drawing/2014/main" id="{738DA57D-8583-0E4F-A2B5-9BE129AC4062}"/>
+              </a:ext>
+            </a:extLst>
+          </p:cNvPr>
+          <p:cNvPicPr>
+            <a:picLocks noChangeAspect="1"/>
+          </p:cNvPicPr>
+          <p:nvPr/>
+        </p:nvPicPr>
+        <p:blipFill>
+          <a:blip r:embed="rId2">
+            <a:extLst>
+              <a:ext uri="{28A0092B-C50C-407E-A947-70E740481C1C}">
+                <a14:useLocalDpi xmlns:a14="http://schemas.microsoft.com/office/drawing/2010/main" val="0"/>
+              </a:ext>
+            </a:extLst>
+          </a:blip>
+          <a:stretch>
+            <a:fillRect/>
+          </a:stretch>
+        </p:blipFill>
+        <p:spPr>
+          <a:xfrm>
+            <a:off x="3911575" y="34743"/>
+            <a:ext cx="7858198" cy="6610865"/>
+          </a:xfrm>
+          <a:prstGeom prst="rect">
+            <a:avLst/>
+          </a:prstGeom>
+        </p:spPr>
+      </p:pic>
+      <p:sp>
+        <p:nvSpPr>
+          <p:cNvPr id="10" name="TextBox 9">
+            <a:extLst>
+              <a:ext uri="{FF2B5EF4-FFF2-40B4-BE49-F238E27FC236}">
+                <a16:creationId xmlns:a16="http://schemas.microsoft.com/office/drawing/2014/main" id="{3B982C59-B2A6-9D4C-AFEB-B73A24BB43BB}"/>
+              </a:ext>
+            </a:extLst>
+          </p:cNvPr>
+          <p:cNvSpPr txBox="1"/>
+          <p:nvPr/>
+        </p:nvSpPr>
+        <p:spPr>
+          <a:xfrm>
+            <a:off x="0" y="2278347"/>
+            <a:ext cx="5842047" cy="2123658"/>
+          </a:xfrm>
+          <a:prstGeom prst="rect">
+            <a:avLst/>
+          </a:prstGeom>
+          <a:noFill/>
+        </p:spPr>
+        <p:txBody>
+          <a:bodyPr wrap="none" rtlCol="0">
+            <a:spAutoFit/>
+          </a:bodyPr>
+          <a:lstStyle/>
+          <a:p>
+            <a:pPr algn="ctr"/>
+            <a:r>
+              <a:rPr lang="en-GB" sz="4400" b="1" dirty="0">
+                <a:solidFill>
+                  <a:srgbClr val="0070C0"/>
+                </a:solidFill>
+              </a:rPr>
+              <a:t>Plan ahead</a:t>
+            </a:r>
+            <a:r>
+              <a:rPr lang="en-GB" sz="4400" dirty="0">
+                <a:solidFill>
+                  <a:srgbClr val="0070C0"/>
+                </a:solidFill>
+              </a:rPr>
+              <a:t> </a:t>
+            </a:r>
+          </a:p>
+          <a:p>
+            <a:pPr algn="ctr"/>
+            <a:r>
+              <a:rPr lang="en-GB" sz="4400" dirty="0">
+                <a:solidFill>
+                  <a:srgbClr val="0070C0"/>
+                </a:solidFill>
+              </a:rPr>
+              <a:t>data management plans </a:t>
+            </a:r>
+          </a:p>
+          <a:p>
+            <a:pPr algn="ctr"/>
+            <a:r>
+              <a:rPr lang="en-GB" sz="4400" dirty="0">
+                <a:solidFill>
+                  <a:srgbClr val="0070C0"/>
+                </a:solidFill>
+              </a:rPr>
+              <a:t>(DMPs)</a:t>
+            </a:r>
+          </a:p>
+        </p:txBody>
+      </p:sp>
+      <p:sp>
+        <p:nvSpPr>
+          <p:cNvPr id="13" name="TextBox 12">
+            <a:extLst>
+              <a:ext uri="{FF2B5EF4-FFF2-40B4-BE49-F238E27FC236}">
+                <a16:creationId xmlns:a16="http://schemas.microsoft.com/office/drawing/2014/main" id="{957371FC-A41A-FC42-AA1A-4AE67DD54925}"/>
+              </a:ext>
+            </a:extLst>
+          </p:cNvPr>
+          <p:cNvSpPr txBox="1"/>
+          <p:nvPr/>
+        </p:nvSpPr>
+        <p:spPr>
+          <a:xfrm>
+            <a:off x="7130266" y="6507109"/>
+            <a:ext cx="4115526" cy="276999"/>
+          </a:xfrm>
+          <a:prstGeom prst="rect">
+            <a:avLst/>
+          </a:prstGeom>
+          <a:noFill/>
+        </p:spPr>
+        <p:txBody>
+          <a:bodyPr wrap="square">
+            <a:spAutoFit/>
+          </a:bodyPr>
+          <a:lstStyle/>
+          <a:p>
+            <a:r>
+              <a:rPr lang="en-GB" sz="1200" b="0" i="1" dirty="0">
+                <a:solidFill>
+                  <a:srgbClr val="333333"/>
+                </a:solidFill>
+                <a:effectLst/>
+                <a:latin typeface="Ubuntu"/>
+              </a:rPr>
+              <a:t>Figure credits: </a:t>
+            </a:r>
+            <a:r>
+              <a:rPr lang="en-GB" sz="1200" i="1" dirty="0">
+                <a:solidFill>
+                  <a:srgbClr val="333333"/>
+                </a:solidFill>
+                <a:latin typeface="Ubuntu"/>
+              </a:rPr>
+              <a:t>Tomasz </a:t>
+            </a:r>
+            <a:r>
+              <a:rPr lang="en-GB" sz="1200" i="1" dirty="0" err="1">
+                <a:solidFill>
+                  <a:srgbClr val="333333"/>
+                </a:solidFill>
+                <a:latin typeface="Ubuntu"/>
+              </a:rPr>
+              <a:t>Zieliński</a:t>
+            </a:r>
+            <a:r>
+              <a:rPr lang="en-GB" sz="1200" i="1" dirty="0">
+                <a:solidFill>
+                  <a:srgbClr val="333333"/>
+                </a:solidFill>
+                <a:latin typeface="Ubuntu"/>
+              </a:rPr>
+              <a:t> and Andrés Romanowski</a:t>
+            </a:r>
+            <a:endParaRPr lang="en-GB" sz="1200" dirty="0"/>
+          </a:p>
+        </p:txBody>
+      </p:sp>
+      <p:pic>
+        <p:nvPicPr>
+          <p:cNvPr id="14" name="Picture 2" descr="Ed_DaSH">
+            <a:extLst>
+              <a:ext uri="{FF2B5EF4-FFF2-40B4-BE49-F238E27FC236}">
+                <a16:creationId xmlns:a16="http://schemas.microsoft.com/office/drawing/2014/main" id="{3FDDF77C-EC45-6443-8DF8-F8C9C5B93F1B}"/>
+              </a:ext>
+            </a:extLst>
+          </p:cNvPr>
+          <p:cNvPicPr>
+            <a:picLocks noChangeAspect="1" noChangeArrowheads="1"/>
+          </p:cNvPicPr>
+          <p:nvPr/>
+        </p:nvPicPr>
+        <p:blipFill>
+          <a:blip r:embed="rId3" cstate="hqprint">
+            <a:extLst>
+              <a:ext uri="{28A0092B-C50C-407E-A947-70E740481C1C}">
+                <a14:useLocalDpi xmlns:a14="http://schemas.microsoft.com/office/drawing/2010/main" val="0"/>
+              </a:ext>
+            </a:extLst>
+          </a:blip>
+          <a:srcRect/>
+          <a:stretch>
+            <a:fillRect/>
+          </a:stretch>
+        </p:blipFill>
+        <p:spPr bwMode="auto">
+          <a:xfrm>
+            <a:off x="10820670" y="5458691"/>
+            <a:ext cx="1289214" cy="1325418"/>
+          </a:xfrm>
+          <a:prstGeom prst="rect">
+            <a:avLst/>
+          </a:prstGeom>
+          <a:noFill/>
+          <a:extLst>
+            <a:ext uri="{909E8E84-426E-40DD-AFC4-6F175D3DCCD1}">
+              <a14:hiddenFill xmlns:a14="http://schemas.microsoft.com/office/drawing/2010/main">
+                <a:solidFill>
+                  <a:srgbClr val="FFFFFF"/>
+                </a:solidFill>
+              </a14:hiddenFill>
+            </a:ext>
+          </a:extLst>
+        </p:spPr>
+      </p:pic>
+      <p:sp>
+        <p:nvSpPr>
+          <p:cNvPr id="15" name="Arrow: Down 12">
+            <a:extLst>
+              <a:ext uri="{FF2B5EF4-FFF2-40B4-BE49-F238E27FC236}">
+                <a16:creationId xmlns:a16="http://schemas.microsoft.com/office/drawing/2014/main" id="{BEA0EBA6-8A0C-9F41-BFED-3811E7B9302A}"/>
+              </a:ext>
+            </a:extLst>
+          </p:cNvPr>
+          <p:cNvSpPr/>
+          <p:nvPr/>
+        </p:nvSpPr>
+        <p:spPr>
+          <a:xfrm rot="10800000">
+            <a:off x="4690939" y="2278347"/>
+            <a:ext cx="469783" cy="620786"/>
+          </a:xfrm>
+          <a:prstGeom prst="downArrow">
+            <a:avLst/>
+          </a:prstGeom>
+        </p:spPr>
+        <p:style>
+          <a:lnRef idx="2">
+            <a:schemeClr val="accent1">
+              <a:shade val="50000"/>
+            </a:schemeClr>
+          </a:lnRef>
+          <a:fillRef idx="1">
+            <a:schemeClr val="accent1"/>
+          </a:fillRef>
+          <a:effectRef idx="0">
+            <a:schemeClr val="accent1"/>
+          </a:effectRef>
+          <a:fontRef idx="minor">
+            <a:schemeClr val="lt1"/>
+          </a:fontRef>
+        </p:style>
+        <p:txBody>
+          <a:bodyPr rtlCol="0" anchor="ctr"/>
+          <a:lstStyle/>
+          <a:p>
+            <a:pPr algn="ctr"/>
+            <a:endParaRPr lang="en-GB"/>
+          </a:p>
+        </p:txBody>
+      </p:sp>
+    </p:spTree>
+    <p:extLst>
+      <p:ext uri="{BB962C8B-B14F-4D97-AF65-F5344CB8AC3E}">
+        <p14:creationId xmlns:p14="http://schemas.microsoft.com/office/powerpoint/2010/main" val="2847453607"/>
+      </p:ext>
+    </p:extLst>
+  </p:cSld>
+  <p:clrMapOvr>
+    <a:masterClrMapping/>
+  </p:clrMapOvr>
+</p:sld>
+</file>
+
+<file path=ppt/slides/slide11.xml><?xml version="1.0" encoding="utf-8"?>
+<p:sld xmlns:a="http://schemas.openxmlformats.org/drawingml/2006/main" xmlns:r="http://schemas.openxmlformats.org/officeDocument/2006/relationships" xmlns:p="http://schemas.openxmlformats.org/presentationml/2006/main">
+  <p:cSld>
+    <p:spTree>
+      <p:nvGrpSpPr>
+        <p:cNvPr id="1" name=""/>
+        <p:cNvGrpSpPr/>
+        <p:nvPr/>
+      </p:nvGrpSpPr>
+      <p:grpSpPr>
+        <a:xfrm>
+          <a:off x="0" y="0"/>
+          <a:ext cx="0" cy="0"/>
+          <a:chOff x="0" y="0"/>
+          <a:chExt cx="0" cy="0"/>
+        </a:xfrm>
+      </p:grpSpPr>
+      <p:pic>
+        <p:nvPicPr>
+          <p:cNvPr id="4" name="Picture 2" descr="Ed_DaSH">
+            <a:extLst>
+              <a:ext uri="{FF2B5EF4-FFF2-40B4-BE49-F238E27FC236}">
+                <a16:creationId xmlns:a16="http://schemas.microsoft.com/office/drawing/2014/main" id="{CB8DDD8E-B41B-4E5C-9734-A84924C2F77C}"/>
+              </a:ext>
+            </a:extLst>
+          </p:cNvPr>
+          <p:cNvPicPr>
+            <a:picLocks noChangeAspect="1" noChangeArrowheads="1"/>
+          </p:cNvPicPr>
+          <p:nvPr/>
+        </p:nvPicPr>
+        <p:blipFill>
+          <a:blip r:embed="rId2" cstate="hqprint">
+            <a:extLst>
+              <a:ext uri="{28A0092B-C50C-407E-A947-70E740481C1C}">
+                <a14:useLocalDpi xmlns:a14="http://schemas.microsoft.com/office/drawing/2010/main" val="0"/>
+              </a:ext>
+            </a:extLst>
+          </a:blip>
+          <a:srcRect/>
+          <a:stretch>
+            <a:fillRect/>
+          </a:stretch>
+        </p:blipFill>
+        <p:spPr bwMode="auto">
+          <a:xfrm>
+            <a:off x="10828265" y="5484776"/>
+            <a:ext cx="1289214" cy="1325418"/>
+          </a:xfrm>
+          <a:prstGeom prst="rect">
+            <a:avLst/>
+          </a:prstGeom>
+          <a:noFill/>
+          <a:extLst>
+            <a:ext uri="{909E8E84-426E-40DD-AFC4-6F175D3DCCD1}">
+              <a14:hiddenFill xmlns:a14="http://schemas.microsoft.com/office/drawing/2010/main">
+                <a:solidFill>
+                  <a:srgbClr val="FFFFFF"/>
+                </a:solidFill>
+              </a14:hiddenFill>
+            </a:ext>
+          </a:extLst>
+        </p:spPr>
+      </p:pic>
+      <p:sp>
+        <p:nvSpPr>
+          <p:cNvPr id="5" name="TextBox 4">
+            <a:extLst>
+              <a:ext uri="{FF2B5EF4-FFF2-40B4-BE49-F238E27FC236}">
+                <a16:creationId xmlns:a16="http://schemas.microsoft.com/office/drawing/2014/main" id="{04BC0F31-E205-48BE-9168-4E7864868447}"/>
+              </a:ext>
+            </a:extLst>
+          </p:cNvPr>
+          <p:cNvSpPr txBox="1"/>
+          <p:nvPr/>
+        </p:nvSpPr>
+        <p:spPr>
+          <a:xfrm>
+            <a:off x="846306" y="5059431"/>
+            <a:ext cx="10651787" cy="369332"/>
+          </a:xfrm>
+          <a:prstGeom prst="rect">
+            <a:avLst/>
+          </a:prstGeom>
+          <a:solidFill>
+            <a:schemeClr val="accent1">
+              <a:lumMod val="20000"/>
+              <a:lumOff val="80000"/>
+            </a:schemeClr>
+          </a:solidFill>
+        </p:spPr>
+        <p:txBody>
+          <a:bodyPr wrap="square">
+            <a:spAutoFit/>
+          </a:bodyPr>
+          <a:lstStyle/>
+          <a:p>
+            <a:pPr algn="ctr"/>
+            <a:r>
+              <a:rPr lang="en-GB" dirty="0"/>
+              <a:t>A scientific paper is often written more than 1 year after the experiments were performed. </a:t>
+            </a:r>
+            <a:endParaRPr lang="en-GB" b="1" dirty="0"/>
+          </a:p>
+        </p:txBody>
+      </p:sp>
+      <p:sp>
+        <p:nvSpPr>
+          <p:cNvPr id="6" name="TextBox 5">
+            <a:extLst>
+              <a:ext uri="{FF2B5EF4-FFF2-40B4-BE49-F238E27FC236}">
+                <a16:creationId xmlns:a16="http://schemas.microsoft.com/office/drawing/2014/main" id="{A58BC19B-FDF6-4F92-952B-6DCB34A4E14E}"/>
+              </a:ext>
+            </a:extLst>
+          </p:cNvPr>
+          <p:cNvSpPr txBox="1"/>
+          <p:nvPr/>
+        </p:nvSpPr>
+        <p:spPr>
+          <a:xfrm>
+            <a:off x="1183160" y="1198404"/>
+            <a:ext cx="5991363" cy="2554545"/>
+          </a:xfrm>
+          <a:prstGeom prst="rect">
+            <a:avLst/>
+          </a:prstGeom>
+          <a:noFill/>
+        </p:spPr>
+        <p:txBody>
+          <a:bodyPr wrap="square" rtlCol="0">
+            <a:spAutoFit/>
+          </a:bodyPr>
+          <a:lstStyle/>
+          <a:p>
+            <a:pPr marL="285750" indent="-285750">
+              <a:buFont typeface="Arial" panose="020B0604020202020204" pitchFamily="34" charset="0"/>
+              <a:buChar char="•"/>
+            </a:pPr>
+            <a:r>
+              <a:rPr lang="en-GB" sz="2000" dirty="0" smtClean="0"/>
+              <a:t>Data </a:t>
+            </a:r>
+            <a:r>
+              <a:rPr lang="en-GB" sz="2000" dirty="0"/>
+              <a:t>is the basis for research papers and </a:t>
+            </a:r>
+            <a:r>
+              <a:rPr lang="en-GB" sz="2000" dirty="0" smtClean="0"/>
+              <a:t>theses</a:t>
+            </a:r>
+            <a:r>
+              <a:rPr lang="en-GB" sz="2000" dirty="0"/>
+              <a:t>.</a:t>
+            </a:r>
+          </a:p>
+          <a:p>
+            <a:pPr marL="285750" indent="-285750">
+              <a:buFont typeface="Arial" panose="020B0604020202020204" pitchFamily="34" charset="0"/>
+              <a:buChar char="•"/>
+            </a:pPr>
+            <a:r>
+              <a:rPr lang="en-GB" sz="2000" dirty="0"/>
+              <a:t>Data is fragile and easily lost. </a:t>
+            </a:r>
+            <a:r>
+              <a:rPr lang="en-GB" sz="2000" dirty="0" smtClean="0"/>
+              <a:t>Data needs </a:t>
+            </a:r>
+            <a:r>
+              <a:rPr lang="en-GB" sz="2000" dirty="0"/>
+              <a:t>to </a:t>
+            </a:r>
+            <a:r>
+              <a:rPr lang="en-GB" sz="2000" dirty="0" smtClean="0"/>
+              <a:t>be backed up</a:t>
+            </a:r>
+            <a:endParaRPr lang="en-GB" sz="2000" dirty="0"/>
+          </a:p>
+          <a:p>
+            <a:pPr marL="285750" indent="-285750">
+              <a:buFont typeface="Arial" panose="020B0604020202020204" pitchFamily="34" charset="0"/>
+              <a:buChar char="•"/>
+            </a:pPr>
+            <a:r>
+              <a:rPr lang="en-GB" sz="2000" b="1" dirty="0"/>
+              <a:t>Growing data management demands by funders.</a:t>
+            </a:r>
+          </a:p>
+          <a:p>
+            <a:pPr marL="285750" indent="-285750">
+              <a:buFont typeface="Arial" panose="020B0604020202020204" pitchFamily="34" charset="0"/>
+              <a:buChar char="•"/>
+            </a:pPr>
+            <a:r>
+              <a:rPr lang="en-GB" sz="2000" dirty="0" smtClean="0"/>
+              <a:t>There are costs involved in data management</a:t>
+            </a:r>
+          </a:p>
+          <a:p>
+            <a:pPr marL="285750" indent="-285750">
+              <a:buFont typeface="Arial" panose="020B0604020202020204" pitchFamily="34" charset="0"/>
+              <a:buChar char="•"/>
+            </a:pPr>
+            <a:r>
+              <a:rPr lang="en-GB" sz="2000" dirty="0"/>
+              <a:t>It saves time and resources in the long run</a:t>
+            </a:r>
+          </a:p>
+          <a:p>
+            <a:pPr marL="285750" indent="-285750">
+              <a:buFont typeface="Arial" panose="020B0604020202020204" pitchFamily="34" charset="0"/>
+              <a:buChar char="•"/>
+            </a:pPr>
+            <a:endParaRPr lang="en-GB" sz="2000" dirty="0"/>
+          </a:p>
+          <a:p>
+            <a:pPr marL="285750" indent="-285750">
+              <a:buFont typeface="Arial" panose="020B0604020202020204" pitchFamily="34" charset="0"/>
+              <a:buChar char="•"/>
+            </a:pPr>
+            <a:endParaRPr lang="en-GB" sz="2000" dirty="0"/>
+          </a:p>
+        </p:txBody>
+      </p:sp>
+      <p:pic>
+        <p:nvPicPr>
+          <p:cNvPr id="7" name="Picture 6">
+            <a:extLst>
+              <a:ext uri="{FF2B5EF4-FFF2-40B4-BE49-F238E27FC236}">
+                <a16:creationId xmlns:a16="http://schemas.microsoft.com/office/drawing/2014/main" id="{EEFD60A1-3666-4CD6-8AC9-F4A8E3948752}"/>
+              </a:ext>
+            </a:extLst>
+          </p:cNvPr>
+          <p:cNvPicPr>
+            <a:picLocks noChangeAspect="1"/>
+          </p:cNvPicPr>
+          <p:nvPr/>
+        </p:nvPicPr>
+        <p:blipFill>
+          <a:blip r:embed="rId3"/>
+          <a:stretch>
+            <a:fillRect/>
+          </a:stretch>
+        </p:blipFill>
+        <p:spPr>
+          <a:xfrm>
+            <a:off x="7735282" y="795701"/>
+            <a:ext cx="3841525" cy="3563915"/>
+          </a:xfrm>
+          <a:prstGeom prst="rect">
+            <a:avLst/>
+          </a:prstGeom>
+        </p:spPr>
+      </p:pic>
+      <p:sp>
+        <p:nvSpPr>
+          <p:cNvPr id="8" name="TextBox 7">
+            <a:extLst>
+              <a:ext uri="{FF2B5EF4-FFF2-40B4-BE49-F238E27FC236}">
+                <a16:creationId xmlns:a16="http://schemas.microsoft.com/office/drawing/2014/main" id="{1D8EE843-1CA2-40D4-9C52-FDA820EB7CFB}"/>
+              </a:ext>
+            </a:extLst>
+          </p:cNvPr>
+          <p:cNvSpPr txBox="1"/>
+          <p:nvPr/>
+        </p:nvSpPr>
+        <p:spPr>
+          <a:xfrm>
+            <a:off x="191199" y="305852"/>
+            <a:ext cx="11385608" cy="584775"/>
+          </a:xfrm>
+          <a:prstGeom prst="rect">
+            <a:avLst/>
+          </a:prstGeom>
+          <a:noFill/>
+        </p:spPr>
+        <p:txBody>
+          <a:bodyPr wrap="square">
+            <a:spAutoFit/>
+          </a:bodyPr>
+          <a:lstStyle/>
+          <a:p>
+            <a:r>
+              <a:rPr lang="en-GB" sz="3200" b="0" i="0" dirty="0">
+                <a:solidFill>
+                  <a:srgbClr val="0070C0"/>
+                </a:solidFill>
+                <a:effectLst/>
+                <a:latin typeface="Ubuntu"/>
+              </a:rPr>
+              <a:t>Why do we need Data Management Plans?</a:t>
+            </a:r>
+          </a:p>
+        </p:txBody>
+      </p:sp>
+    </p:spTree>
+    <p:extLst>
+      <p:ext uri="{BB962C8B-B14F-4D97-AF65-F5344CB8AC3E}">
+        <p14:creationId xmlns:p14="http://schemas.microsoft.com/office/powerpoint/2010/main" val="3136614349"/>
+      </p:ext>
+    </p:extLst>
+  </p:cSld>
+  <p:clrMapOvr>
+    <a:masterClrMapping/>
+  </p:clrMapOvr>
+</p:sld>
+</file>
+
+<file path=ppt/slides/slide12.xml><?xml version="1.0" encoding="utf-8"?>
+<p:sld xmlns:a="http://schemas.openxmlformats.org/drawingml/2006/main" xmlns:r="http://schemas.openxmlformats.org/officeDocument/2006/relationships" xmlns:p="http://schemas.openxmlformats.org/presentationml/2006/main">
+  <p:cSld>
+    <p:spTree>
+      <p:nvGrpSpPr>
+        <p:cNvPr id="1" name=""/>
+        <p:cNvGrpSpPr/>
+        <p:nvPr/>
+      </p:nvGrpSpPr>
+      <p:grpSpPr>
+        <a:xfrm>
+          <a:off x="0" y="0"/>
+          <a:ext cx="0" cy="0"/>
+          <a:chOff x="0" y="0"/>
+          <a:chExt cx="0" cy="0"/>
+        </a:xfrm>
+      </p:grpSpPr>
       <p:sp>
         <p:nvSpPr>
           <p:cNvPr id="2" name="Title 1"/>
@@ -4424,7 +5028,7 @@
 </p:sld>
 </file>
 
-<file path=ppt/slides/slide11.xml><?xml version="1.0" encoding="utf-8"?>
+<file path=ppt/slides/slide13.xml><?xml version="1.0" encoding="utf-8"?>
 <p:sld xmlns:a="http://schemas.openxmlformats.org/drawingml/2006/main" xmlns:r="http://schemas.openxmlformats.org/officeDocument/2006/relationships" xmlns:p="http://schemas.openxmlformats.org/presentationml/2006/main">
   <p:cSld>
     <p:spTree>
@@ -5190,7 +5794,7 @@
 </p:sld>
 </file>
 
-<file path=ppt/slides/slide12.xml><?xml version="1.0" encoding="utf-8"?>
+<file path=ppt/slides/slide14.xml><?xml version="1.0" encoding="utf-8"?>
 <p:sld xmlns:a="http://schemas.openxmlformats.org/drawingml/2006/main" xmlns:r="http://schemas.openxmlformats.org/officeDocument/2006/relationships" xmlns:p="http://schemas.openxmlformats.org/presentationml/2006/main">
   <p:cSld>
     <p:spTree>
@@ -5417,484 +6021,6 @@
 </p:sld>
 </file>
 
-<file path=ppt/slides/slide13.xml><?xml version="1.0" encoding="utf-8"?>
-<p:sld xmlns:a="http://schemas.openxmlformats.org/drawingml/2006/main" xmlns:r="http://schemas.openxmlformats.org/officeDocument/2006/relationships" xmlns:p="http://schemas.openxmlformats.org/presentationml/2006/main">
-  <p:cSld>
-    <p:spTree>
-      <p:nvGrpSpPr>
-        <p:cNvPr id="1" name=""/>
-        <p:cNvGrpSpPr/>
-        <p:nvPr/>
-      </p:nvGrpSpPr>
-      <p:grpSpPr>
-        <a:xfrm>
-          <a:off x="0" y="0"/>
-          <a:ext cx="0" cy="0"/>
-          <a:chOff x="0" y="0"/>
-          <a:chExt cx="0" cy="0"/>
-        </a:xfrm>
-      </p:grpSpPr>
-      <p:sp>
-        <p:nvSpPr>
-          <p:cNvPr id="5" name="TextBox 4">
-            <a:extLst>
-              <a:ext uri="{FF2B5EF4-FFF2-40B4-BE49-F238E27FC236}">
-                <a16:creationId xmlns:a16="http://schemas.microsoft.com/office/drawing/2014/main" id="{3A7A1F5C-9C70-4DE3-BA39-7835B2935EB3}"/>
-              </a:ext>
-            </a:extLst>
-          </p:cNvPr>
-          <p:cNvSpPr txBox="1"/>
-          <p:nvPr/>
-        </p:nvSpPr>
-        <p:spPr>
-          <a:xfrm>
-            <a:off x="515880" y="488425"/>
-            <a:ext cx="9464530" cy="1200329"/>
-          </a:xfrm>
-          <a:prstGeom prst="rect">
-            <a:avLst/>
-          </a:prstGeom>
-          <a:noFill/>
-        </p:spPr>
-        <p:txBody>
-          <a:bodyPr wrap="square">
-            <a:spAutoFit/>
-          </a:bodyPr>
-          <a:lstStyle/>
-          <a:p>
-            <a:r>
-              <a:rPr lang="pl-PL" sz="3600">
-                <a:solidFill>
-                  <a:srgbClr val="0070C0"/>
-                </a:solidFill>
-              </a:rPr>
-              <a:t>DMP </a:t>
-            </a:r>
-            <a:r>
-              <a:rPr lang="pl-PL" sz="3600" err="1">
-                <a:solidFill>
-                  <a:srgbClr val="0070C0"/>
-                </a:solidFill>
-              </a:rPr>
-              <a:t>example</a:t>
-            </a:r>
-            <a:endParaRPr lang="en-GB" sz="3600">
-              <a:solidFill>
-                <a:srgbClr val="0070C0"/>
-              </a:solidFill>
-            </a:endParaRPr>
-          </a:p>
-          <a:p>
-            <a:pPr algn="ctr"/>
-            <a:endParaRPr lang="en-GB" sz="3600">
-              <a:solidFill>
-                <a:srgbClr val="0070C0"/>
-              </a:solidFill>
-            </a:endParaRPr>
-          </a:p>
-        </p:txBody>
-      </p:sp>
-      <p:pic>
-        <p:nvPicPr>
-          <p:cNvPr id="4" name="Picture 2" descr="Ed_DaSH">
-            <a:extLst>
-              <a:ext uri="{FF2B5EF4-FFF2-40B4-BE49-F238E27FC236}">
-                <a16:creationId xmlns:a16="http://schemas.microsoft.com/office/drawing/2014/main" id="{A783256F-E39E-4712-96B0-240BD611CFEB}"/>
-              </a:ext>
-            </a:extLst>
-          </p:cNvPr>
-          <p:cNvPicPr>
-            <a:picLocks noChangeAspect="1" noChangeArrowheads="1"/>
-          </p:cNvPicPr>
-          <p:nvPr/>
-        </p:nvPicPr>
-        <p:blipFill>
-          <a:blip r:embed="rId2" cstate="hqprint">
-            <a:extLst>
-              <a:ext uri="{28A0092B-C50C-407E-A947-70E740481C1C}">
-                <a14:useLocalDpi xmlns:a14="http://schemas.microsoft.com/office/drawing/2010/main" val="0"/>
-              </a:ext>
-            </a:extLst>
-          </a:blip>
-          <a:srcRect/>
-          <a:stretch>
-            <a:fillRect/>
-          </a:stretch>
-        </p:blipFill>
-        <p:spPr bwMode="auto">
-          <a:xfrm>
-            <a:off x="10820670" y="5458691"/>
-            <a:ext cx="1289214" cy="1325418"/>
-          </a:xfrm>
-          <a:prstGeom prst="rect">
-            <a:avLst/>
-          </a:prstGeom>
-          <a:noFill/>
-          <a:extLst>
-            <a:ext uri="{909E8E84-426E-40DD-AFC4-6F175D3DCCD1}">
-              <a14:hiddenFill xmlns:a14="http://schemas.microsoft.com/office/drawing/2010/main">
-                <a:solidFill>
-                  <a:srgbClr val="FFFFFF"/>
-                </a:solidFill>
-              </a14:hiddenFill>
-            </a:ext>
-          </a:extLst>
-        </p:spPr>
-      </p:pic>
-      <p:sp>
-        <p:nvSpPr>
-          <p:cNvPr id="8" name="TextBox 4">
-            <a:extLst>
-              <a:ext uri="{FF2B5EF4-FFF2-40B4-BE49-F238E27FC236}">
-                <a16:creationId xmlns:a16="http://schemas.microsoft.com/office/drawing/2014/main" id="{2306CDBA-40E8-47EF-BA31-D30AAE7E4873}"/>
-              </a:ext>
-            </a:extLst>
-          </p:cNvPr>
-          <p:cNvSpPr txBox="1"/>
-          <p:nvPr/>
-        </p:nvSpPr>
-        <p:spPr>
-          <a:xfrm>
-            <a:off x="2911181" y="2150463"/>
-            <a:ext cx="5661319" cy="523220"/>
-          </a:xfrm>
-          <a:prstGeom prst="rect">
-            <a:avLst/>
-          </a:prstGeom>
-          <a:noFill/>
-        </p:spPr>
-        <p:txBody>
-          <a:bodyPr wrap="square">
-            <a:spAutoFit/>
-          </a:bodyPr>
-          <a:lstStyle/>
-          <a:p>
-            <a:r>
-              <a:rPr lang="en-GB" sz="2800" dirty="0">
-                <a:solidFill>
-                  <a:srgbClr val="0070C0"/>
-                </a:solidFill>
-                <a:hlinkClick r:id="rId3"/>
-              </a:rPr>
-              <a:t>https://www.wiki.ed.ac.uk/x/yesNGQ</a:t>
-            </a:r>
-            <a:endParaRPr lang="en-GB" sz="2800" dirty="0">
-              <a:solidFill>
-                <a:srgbClr val="0070C0"/>
-              </a:solidFill>
-            </a:endParaRPr>
-          </a:p>
-        </p:txBody>
-      </p:sp>
-      <p:sp>
-        <p:nvSpPr>
-          <p:cNvPr id="6" name="TextBox 4">
-            <a:extLst>
-              <a:ext uri="{FF2B5EF4-FFF2-40B4-BE49-F238E27FC236}">
-                <a16:creationId xmlns:a16="http://schemas.microsoft.com/office/drawing/2014/main" id="{2306CDBA-40E8-47EF-BA31-D30AAE7E4873}"/>
-              </a:ext>
-            </a:extLst>
-          </p:cNvPr>
-          <p:cNvSpPr txBox="1"/>
-          <p:nvPr/>
-        </p:nvSpPr>
-        <p:spPr>
-          <a:xfrm>
-            <a:off x="956284" y="3981714"/>
-            <a:ext cx="10614453" cy="1815882"/>
-          </a:xfrm>
-          <a:prstGeom prst="rect">
-            <a:avLst/>
-          </a:prstGeom>
-          <a:noFill/>
-        </p:spPr>
-        <p:txBody>
-          <a:bodyPr wrap="square">
-            <a:spAutoFit/>
-          </a:bodyPr>
-          <a:lstStyle/>
-          <a:p>
-            <a:pPr marL="514350" indent="-514350">
-              <a:buAutoNum type="arabicPeriod"/>
-            </a:pPr>
-            <a:r>
-              <a:rPr lang="en-GB" sz="2800" dirty="0" smtClean="0">
-                <a:solidFill>
-                  <a:srgbClr val="0070C0"/>
-                </a:solidFill>
-              </a:rPr>
-              <a:t>What </a:t>
-            </a:r>
-            <a:r>
-              <a:rPr lang="en-GB" sz="2800" dirty="0">
-                <a:solidFill>
-                  <a:srgbClr val="0070C0"/>
-                </a:solidFill>
-              </a:rPr>
-              <a:t>type of data </a:t>
-            </a:r>
-            <a:r>
-              <a:rPr lang="en-GB" sz="2800" dirty="0" smtClean="0">
-                <a:solidFill>
-                  <a:srgbClr val="0070C0"/>
-                </a:solidFill>
-              </a:rPr>
-              <a:t>will be acquire </a:t>
-            </a:r>
-            <a:r>
-              <a:rPr lang="en-GB" sz="2800" dirty="0">
-                <a:solidFill>
-                  <a:srgbClr val="0070C0"/>
-                </a:solidFill>
-              </a:rPr>
-              <a:t>during the </a:t>
-            </a:r>
-            <a:r>
-              <a:rPr lang="en-GB" sz="2800" dirty="0" smtClean="0">
-                <a:solidFill>
-                  <a:srgbClr val="0070C0"/>
-                </a:solidFill>
-              </a:rPr>
-              <a:t>research</a:t>
-            </a:r>
-          </a:p>
-          <a:p>
-            <a:pPr marL="514350" indent="-514350">
-              <a:buAutoNum type="arabicPeriod"/>
-            </a:pPr>
-            <a:r>
-              <a:rPr lang="en-GB" sz="2800" dirty="0" smtClean="0">
-                <a:solidFill>
-                  <a:srgbClr val="0070C0"/>
-                </a:solidFill>
-              </a:rPr>
-              <a:t>How will the data be stored</a:t>
-            </a:r>
-          </a:p>
-          <a:p>
-            <a:pPr marL="514350" indent="-514350">
-              <a:buAutoNum type="arabicPeriod"/>
-            </a:pPr>
-            <a:r>
-              <a:rPr lang="en-GB" sz="2800" dirty="0" smtClean="0">
-                <a:solidFill>
-                  <a:srgbClr val="0070C0"/>
-                </a:solidFill>
-              </a:rPr>
-              <a:t>How will the data be shared  === target repositories, standards </a:t>
-            </a:r>
-            <a:endParaRPr lang="en-GB" sz="2800" dirty="0">
-              <a:solidFill>
-                <a:srgbClr val="0070C0"/>
-              </a:solidFill>
-            </a:endParaRPr>
-          </a:p>
-          <a:p>
-            <a:pPr marL="514350" indent="-514350">
-              <a:buAutoNum type="arabicPeriod"/>
-            </a:pPr>
-            <a:endParaRPr lang="en-GB" sz="2800" dirty="0">
-              <a:solidFill>
-                <a:srgbClr val="0070C0"/>
-              </a:solidFill>
-            </a:endParaRPr>
-          </a:p>
-        </p:txBody>
-      </p:sp>
-    </p:spTree>
-    <p:extLst>
-      <p:ext uri="{BB962C8B-B14F-4D97-AF65-F5344CB8AC3E}">
-        <p14:creationId xmlns:p14="http://schemas.microsoft.com/office/powerpoint/2010/main" val="216740993"/>
-      </p:ext>
-    </p:extLst>
-  </p:cSld>
-  <p:clrMapOvr>
-    <a:masterClrMapping/>
-  </p:clrMapOvr>
-</p:sld>
-</file>
-
-<file path=ppt/slides/slide14.xml><?xml version="1.0" encoding="utf-8"?>
-<p:sld xmlns:a="http://schemas.openxmlformats.org/drawingml/2006/main" xmlns:r="http://schemas.openxmlformats.org/officeDocument/2006/relationships" xmlns:p="http://schemas.openxmlformats.org/presentationml/2006/main">
-  <p:cSld>
-    <p:spTree>
-      <p:nvGrpSpPr>
-        <p:cNvPr id="1" name=""/>
-        <p:cNvGrpSpPr/>
-        <p:nvPr/>
-      </p:nvGrpSpPr>
-      <p:grpSpPr>
-        <a:xfrm>
-          <a:off x="0" y="0"/>
-          <a:ext cx="0" cy="0"/>
-          <a:chOff x="0" y="0"/>
-          <a:chExt cx="0" cy="0"/>
-        </a:xfrm>
-      </p:grpSpPr>
-      <p:sp>
-        <p:nvSpPr>
-          <p:cNvPr id="5" name="TextBox 4">
-            <a:extLst>
-              <a:ext uri="{FF2B5EF4-FFF2-40B4-BE49-F238E27FC236}">
-                <a16:creationId xmlns:a16="http://schemas.microsoft.com/office/drawing/2014/main" id="{3A7A1F5C-9C70-4DE3-BA39-7835B2935EB3}"/>
-              </a:ext>
-            </a:extLst>
-          </p:cNvPr>
-          <p:cNvSpPr txBox="1"/>
-          <p:nvPr/>
-        </p:nvSpPr>
-        <p:spPr>
-          <a:xfrm>
-            <a:off x="515880" y="488425"/>
-            <a:ext cx="9464530" cy="1200329"/>
-          </a:xfrm>
-          <a:prstGeom prst="rect">
-            <a:avLst/>
-          </a:prstGeom>
-          <a:noFill/>
-        </p:spPr>
-        <p:txBody>
-          <a:bodyPr wrap="square">
-            <a:spAutoFit/>
-          </a:bodyPr>
-          <a:lstStyle/>
-          <a:p>
-            <a:r>
-              <a:rPr lang="pl-PL" sz="3600">
-                <a:solidFill>
-                  <a:srgbClr val="0070C0"/>
-                </a:solidFill>
-              </a:rPr>
-              <a:t>DMP </a:t>
-            </a:r>
-            <a:r>
-              <a:rPr lang="pl-PL" sz="3600" err="1">
-                <a:solidFill>
-                  <a:srgbClr val="0070C0"/>
-                </a:solidFill>
-              </a:rPr>
-              <a:t>example</a:t>
-            </a:r>
-            <a:endParaRPr lang="en-GB" sz="3600">
-              <a:solidFill>
-                <a:srgbClr val="0070C0"/>
-              </a:solidFill>
-            </a:endParaRPr>
-          </a:p>
-          <a:p>
-            <a:pPr algn="ctr"/>
-            <a:endParaRPr lang="en-GB" sz="3600">
-              <a:solidFill>
-                <a:srgbClr val="0070C0"/>
-              </a:solidFill>
-            </a:endParaRPr>
-          </a:p>
-        </p:txBody>
-      </p:sp>
-      <p:pic>
-        <p:nvPicPr>
-          <p:cNvPr id="4" name="Picture 2" descr="Ed_DaSH">
-            <a:extLst>
-              <a:ext uri="{FF2B5EF4-FFF2-40B4-BE49-F238E27FC236}">
-                <a16:creationId xmlns:a16="http://schemas.microsoft.com/office/drawing/2014/main" id="{A783256F-E39E-4712-96B0-240BD611CFEB}"/>
-              </a:ext>
-            </a:extLst>
-          </p:cNvPr>
-          <p:cNvPicPr>
-            <a:picLocks noChangeAspect="1" noChangeArrowheads="1"/>
-          </p:cNvPicPr>
-          <p:nvPr/>
-        </p:nvPicPr>
-        <p:blipFill>
-          <a:blip r:embed="rId2" cstate="hqprint">
-            <a:extLst>
-              <a:ext uri="{28A0092B-C50C-407E-A947-70E740481C1C}">
-                <a14:useLocalDpi xmlns:a14="http://schemas.microsoft.com/office/drawing/2010/main" val="0"/>
-              </a:ext>
-            </a:extLst>
-          </a:blip>
-          <a:srcRect/>
-          <a:stretch>
-            <a:fillRect/>
-          </a:stretch>
-        </p:blipFill>
-        <p:spPr bwMode="auto">
-          <a:xfrm>
-            <a:off x="10820670" y="5458691"/>
-            <a:ext cx="1289214" cy="1325418"/>
-          </a:xfrm>
-          <a:prstGeom prst="rect">
-            <a:avLst/>
-          </a:prstGeom>
-          <a:noFill/>
-          <a:extLst>
-            <a:ext uri="{909E8E84-426E-40DD-AFC4-6F175D3DCCD1}">
-              <a14:hiddenFill xmlns:a14="http://schemas.microsoft.com/office/drawing/2010/main">
-                <a:solidFill>
-                  <a:srgbClr val="FFFFFF"/>
-                </a:solidFill>
-              </a14:hiddenFill>
-            </a:ext>
-          </a:extLst>
-        </p:spPr>
-      </p:pic>
-      <p:sp>
-        <p:nvSpPr>
-          <p:cNvPr id="8" name="TextBox 4">
-            <a:extLst>
-              <a:ext uri="{FF2B5EF4-FFF2-40B4-BE49-F238E27FC236}">
-                <a16:creationId xmlns:a16="http://schemas.microsoft.com/office/drawing/2014/main" id="{2306CDBA-40E8-47EF-BA31-D30AAE7E4873}"/>
-              </a:ext>
-            </a:extLst>
-          </p:cNvPr>
-          <p:cNvSpPr txBox="1"/>
-          <p:nvPr/>
-        </p:nvSpPr>
-        <p:spPr>
-          <a:xfrm>
-            <a:off x="2911181" y="2150463"/>
-            <a:ext cx="5661319" cy="523220"/>
-          </a:xfrm>
-          <a:prstGeom prst="rect">
-            <a:avLst/>
-          </a:prstGeom>
-          <a:noFill/>
-        </p:spPr>
-        <p:txBody>
-          <a:bodyPr wrap="square">
-            <a:spAutoFit/>
-          </a:bodyPr>
-          <a:lstStyle/>
-          <a:p>
-            <a:r>
-              <a:rPr lang="en-GB" sz="2800" dirty="0" smtClean="0">
-                <a:solidFill>
-                  <a:srgbClr val="0070C0"/>
-                </a:solidFill>
-              </a:rPr>
-              <a:t>Reusable paragraphs</a:t>
-            </a:r>
-            <a:endParaRPr lang="en-GB" sz="2800" dirty="0">
-              <a:solidFill>
-                <a:srgbClr val="0070C0"/>
-              </a:solidFill>
-            </a:endParaRPr>
-          </a:p>
-        </p:txBody>
-      </p:sp>
-    </p:spTree>
-    <p:extLst>
-      <p:ext uri="{BB962C8B-B14F-4D97-AF65-F5344CB8AC3E}">
-        <p14:creationId xmlns:p14="http://schemas.microsoft.com/office/powerpoint/2010/main" val="1062755286"/>
-      </p:ext>
-    </p:extLst>
-  </p:cSld>
-  <p:clrMapOvr>
-    <a:masterClrMapping/>
-  </p:clrMapOvr>
-</p:sld>
-</file>
-
 <file path=ppt/slides/slide15.xml><?xml version="1.0" encoding="utf-8"?>
 <p:sld xmlns:a="http://schemas.openxmlformats.org/drawingml/2006/main" xmlns:r="http://schemas.openxmlformats.org/officeDocument/2006/relationships" xmlns:p="http://schemas.openxmlformats.org/presentationml/2006/main">
   <p:cSld>
@@ -5914,666 +6040,6 @@
       </p:grpSpPr>
       <p:sp>
         <p:nvSpPr>
-          <p:cNvPr id="5" name="TextBox 4">
-            <a:extLst>
-              <a:ext uri="{FF2B5EF4-FFF2-40B4-BE49-F238E27FC236}">
-                <a16:creationId xmlns:a16="http://schemas.microsoft.com/office/drawing/2014/main" id="{3A7A1F5C-9C70-4DE3-BA39-7835B2935EB3}"/>
-              </a:ext>
-            </a:extLst>
-          </p:cNvPr>
-          <p:cNvSpPr txBox="1"/>
-          <p:nvPr/>
-        </p:nvSpPr>
-        <p:spPr>
-          <a:xfrm>
-            <a:off x="1363735" y="1129464"/>
-            <a:ext cx="9464530" cy="1815882"/>
-          </a:xfrm>
-          <a:prstGeom prst="rect">
-            <a:avLst/>
-          </a:prstGeom>
-          <a:noFill/>
-        </p:spPr>
-        <p:txBody>
-          <a:bodyPr wrap="square">
-            <a:spAutoFit/>
-          </a:bodyPr>
-          <a:lstStyle/>
-          <a:p>
-            <a:r>
-              <a:rPr lang="en-GB" sz="2800" dirty="0" smtClean="0">
-                <a:solidFill>
-                  <a:srgbClr val="0070C0"/>
-                </a:solidFill>
-              </a:rPr>
-              <a:t>Exercise: Be a reviewer</a:t>
-            </a:r>
-            <a:endParaRPr lang="en-GB" sz="2800" dirty="0">
-              <a:solidFill>
-                <a:srgbClr val="0070C0"/>
-              </a:solidFill>
-            </a:endParaRPr>
-          </a:p>
-          <a:p>
-            <a:endParaRPr lang="en-GB" sz="2800" dirty="0">
-              <a:solidFill>
-                <a:srgbClr val="0070C0"/>
-              </a:solidFill>
-            </a:endParaRPr>
-          </a:p>
-          <a:p>
-            <a:r>
-              <a:rPr lang="en-GB" sz="2800" dirty="0" smtClean="0">
-                <a:solidFill>
-                  <a:srgbClr val="0070C0"/>
-                </a:solidFill>
-              </a:rPr>
-              <a:t>Working </a:t>
-            </a:r>
-            <a:r>
-              <a:rPr lang="en-GB" sz="2800" dirty="0">
-                <a:solidFill>
-                  <a:srgbClr val="0070C0"/>
-                </a:solidFill>
-              </a:rPr>
-              <a:t>in </a:t>
-            </a:r>
-            <a:r>
-              <a:rPr lang="en-GB" sz="2800" dirty="0" smtClean="0">
-                <a:solidFill>
-                  <a:srgbClr val="0070C0"/>
-                </a:solidFill>
-              </a:rPr>
-              <a:t>groups evaluate DMP.</a:t>
-            </a:r>
-            <a:endParaRPr lang="en-GB" sz="2800" dirty="0">
-              <a:solidFill>
-                <a:srgbClr val="0070C0"/>
-              </a:solidFill>
-            </a:endParaRPr>
-          </a:p>
-          <a:p>
-            <a:pPr algn="ctr"/>
-            <a:endParaRPr lang="en-GB" sz="2800" dirty="0">
-              <a:solidFill>
-                <a:srgbClr val="0070C0"/>
-              </a:solidFill>
-            </a:endParaRPr>
-          </a:p>
-        </p:txBody>
-      </p:sp>
-      <p:pic>
-        <p:nvPicPr>
-          <p:cNvPr id="4" name="Picture 2" descr="Ed_DaSH">
-            <a:extLst>
-              <a:ext uri="{FF2B5EF4-FFF2-40B4-BE49-F238E27FC236}">
-                <a16:creationId xmlns:a16="http://schemas.microsoft.com/office/drawing/2014/main" id="{A783256F-E39E-4712-96B0-240BD611CFEB}"/>
-              </a:ext>
-            </a:extLst>
-          </p:cNvPr>
-          <p:cNvPicPr>
-            <a:picLocks noChangeAspect="1" noChangeArrowheads="1"/>
-          </p:cNvPicPr>
-          <p:nvPr/>
-        </p:nvPicPr>
-        <p:blipFill>
-          <a:blip r:embed="rId2" cstate="hqprint">
-            <a:extLst>
-              <a:ext uri="{28A0092B-C50C-407E-A947-70E740481C1C}">
-                <a14:useLocalDpi xmlns:a14="http://schemas.microsoft.com/office/drawing/2010/main" val="0"/>
-              </a:ext>
-            </a:extLst>
-          </a:blip>
-          <a:srcRect/>
-          <a:stretch>
-            <a:fillRect/>
-          </a:stretch>
-        </p:blipFill>
-        <p:spPr bwMode="auto">
-          <a:xfrm>
-            <a:off x="10820670" y="5458691"/>
-            <a:ext cx="1289214" cy="1325418"/>
-          </a:xfrm>
-          <a:prstGeom prst="rect">
-            <a:avLst/>
-          </a:prstGeom>
-          <a:noFill/>
-          <a:extLst>
-            <a:ext uri="{909E8E84-426E-40DD-AFC4-6F175D3DCCD1}">
-              <a14:hiddenFill xmlns:a14="http://schemas.microsoft.com/office/drawing/2010/main">
-                <a:solidFill>
-                  <a:srgbClr val="FFFFFF"/>
-                </a:solidFill>
-              </a14:hiddenFill>
-            </a:ext>
-          </a:extLst>
-        </p:spPr>
-      </p:pic>
-      <p:sp>
-        <p:nvSpPr>
-          <p:cNvPr id="3" name="TextBox 2">
-            <a:extLst>
-              <a:ext uri="{FF2B5EF4-FFF2-40B4-BE49-F238E27FC236}">
-                <a16:creationId xmlns:a16="http://schemas.microsoft.com/office/drawing/2014/main" id="{16ED40B9-10AD-BC4D-4269-2E7EDAA77C0B}"/>
-              </a:ext>
-            </a:extLst>
-          </p:cNvPr>
-          <p:cNvSpPr txBox="1"/>
-          <p:nvPr/>
-        </p:nvSpPr>
-        <p:spPr>
-          <a:xfrm>
-            <a:off x="1092764" y="6231018"/>
-            <a:ext cx="7207173" cy="369332"/>
-          </a:xfrm>
-          <a:prstGeom prst="rect">
-            <a:avLst/>
-          </a:prstGeom>
-          <a:noFill/>
-        </p:spPr>
-        <p:txBody>
-          <a:bodyPr wrap="square" lIns="91440" tIns="45720" rIns="91440" bIns="45720" anchor="t">
-            <a:spAutoFit/>
-          </a:bodyPr>
-          <a:lstStyle/>
-          <a:p>
-            <a:r>
-              <a:rPr lang="en-GB" dirty="0"/>
-              <a:t>  </a:t>
-            </a:r>
-            <a:endParaRPr lang="en-GB" dirty="0">
-              <a:highlight>
-                <a:srgbClr val="FFFF00"/>
-              </a:highlight>
-            </a:endParaRPr>
-          </a:p>
-        </p:txBody>
-      </p:sp>
-      <p:sp>
-        <p:nvSpPr>
-          <p:cNvPr id="7" name="TextBox 4">
-            <a:extLst>
-              <a:ext uri="{FF2B5EF4-FFF2-40B4-BE49-F238E27FC236}">
-                <a16:creationId xmlns:a16="http://schemas.microsoft.com/office/drawing/2014/main" id="{2306CDBA-40E8-47EF-BA31-D30AAE7E4873}"/>
-              </a:ext>
-            </a:extLst>
-          </p:cNvPr>
-          <p:cNvSpPr txBox="1"/>
-          <p:nvPr/>
-        </p:nvSpPr>
-        <p:spPr>
-          <a:xfrm>
-            <a:off x="850824" y="2945346"/>
-            <a:ext cx="10614453" cy="3970318"/>
-          </a:xfrm>
-          <a:prstGeom prst="rect">
-            <a:avLst/>
-          </a:prstGeom>
-          <a:noFill/>
-        </p:spPr>
-        <p:txBody>
-          <a:bodyPr wrap="square">
-            <a:spAutoFit/>
-          </a:bodyPr>
-          <a:lstStyle/>
-          <a:p>
-            <a:pPr marL="514350" indent="-514350">
-              <a:buAutoNum type="arabicPeriod"/>
-            </a:pPr>
-            <a:r>
-              <a:rPr lang="en-GB" sz="2800" dirty="0" smtClean="0">
-                <a:solidFill>
-                  <a:srgbClr val="0070C0"/>
-                </a:solidFill>
-              </a:rPr>
-              <a:t>does </a:t>
-            </a:r>
-            <a:r>
-              <a:rPr lang="en-GB" sz="2800" dirty="0">
-                <a:solidFill>
-                  <a:srgbClr val="0070C0"/>
-                </a:solidFill>
-              </a:rPr>
-              <a:t>it look as if the author(s) thought what they would do with their data or is it some ‘whatever’ copy pasted text</a:t>
-            </a:r>
-          </a:p>
-          <a:p>
-            <a:pPr marL="514350" indent="-514350">
-              <a:buAutoNum type="arabicPeriod"/>
-            </a:pPr>
-            <a:r>
-              <a:rPr lang="en-GB" sz="2800" dirty="0" smtClean="0">
-                <a:solidFill>
-                  <a:srgbClr val="0070C0"/>
-                </a:solidFill>
-              </a:rPr>
-              <a:t>does </a:t>
-            </a:r>
-            <a:r>
-              <a:rPr lang="en-GB" sz="2800" dirty="0">
-                <a:solidFill>
-                  <a:srgbClr val="0070C0"/>
-                </a:solidFill>
-              </a:rPr>
-              <a:t>it look as if the data will be stored in a secured way</a:t>
-            </a:r>
-          </a:p>
-          <a:p>
-            <a:pPr marL="514350" indent="-514350">
-              <a:buAutoNum type="arabicPeriod"/>
-            </a:pPr>
-            <a:r>
-              <a:rPr lang="en-GB" sz="2800" dirty="0" smtClean="0">
-                <a:solidFill>
-                  <a:srgbClr val="0070C0"/>
-                </a:solidFill>
-              </a:rPr>
-              <a:t>does </a:t>
-            </a:r>
-            <a:r>
-              <a:rPr lang="en-GB" sz="2800" dirty="0">
-                <a:solidFill>
-                  <a:srgbClr val="0070C0"/>
-                </a:solidFill>
-              </a:rPr>
-              <a:t>it look as if the data will be shared in a FAIR way</a:t>
-            </a:r>
-          </a:p>
-          <a:p>
-            <a:pPr marL="514350" indent="-514350">
-              <a:buAutoNum type="arabicPeriod"/>
-            </a:pPr>
-            <a:r>
-              <a:rPr lang="en-GB" sz="2800" dirty="0" smtClean="0">
-                <a:solidFill>
-                  <a:srgbClr val="0070C0"/>
-                </a:solidFill>
-              </a:rPr>
-              <a:t>are </a:t>
-            </a:r>
-            <a:r>
-              <a:rPr lang="en-GB" sz="2800" dirty="0">
-                <a:solidFill>
-                  <a:srgbClr val="0070C0"/>
-                </a:solidFill>
-              </a:rPr>
-              <a:t>there any standards that should be followed</a:t>
-            </a:r>
-          </a:p>
-          <a:p>
-            <a:pPr marL="514350" indent="-514350">
-              <a:buAutoNum type="arabicPeriod"/>
-            </a:pPr>
-            <a:r>
-              <a:rPr lang="en-GB" sz="2800" dirty="0" smtClean="0">
-                <a:solidFill>
-                  <a:srgbClr val="0070C0"/>
-                </a:solidFill>
-              </a:rPr>
-              <a:t>does </a:t>
-            </a:r>
-            <a:r>
-              <a:rPr lang="en-GB" sz="2800" dirty="0">
-                <a:solidFill>
-                  <a:srgbClr val="0070C0"/>
-                </a:solidFill>
-              </a:rPr>
-              <a:t>it look as if the data will be made accessible / findable to others for </a:t>
-            </a:r>
-            <a:r>
-              <a:rPr lang="en-GB" sz="2800" dirty="0" smtClean="0">
-                <a:solidFill>
-                  <a:srgbClr val="0070C0"/>
-                </a:solidFill>
-              </a:rPr>
-              <a:t>re-use</a:t>
-            </a:r>
-          </a:p>
-          <a:p>
-            <a:pPr marL="514350" indent="-514350">
-              <a:buAutoNum type="arabicPeriod"/>
-            </a:pPr>
-            <a:r>
-              <a:rPr lang="en-GB" sz="2800" dirty="0" smtClean="0">
-                <a:solidFill>
-                  <a:srgbClr val="0070C0"/>
-                </a:solidFill>
-              </a:rPr>
-              <a:t>are </a:t>
-            </a:r>
-            <a:r>
-              <a:rPr lang="en-GB" sz="2800" dirty="0">
-                <a:solidFill>
-                  <a:srgbClr val="0070C0"/>
-                </a:solidFill>
-              </a:rPr>
-              <a:t>the usage restrictions justifiable</a:t>
-            </a:r>
-          </a:p>
-          <a:p>
-            <a:pPr marL="514350" indent="-514350">
-              <a:buAutoNum type="arabicPeriod"/>
-            </a:pPr>
-            <a:endParaRPr lang="en-GB" sz="2800" dirty="0">
-              <a:solidFill>
-                <a:srgbClr val="0070C0"/>
-              </a:solidFill>
-            </a:endParaRPr>
-          </a:p>
-        </p:txBody>
-      </p:sp>
-    </p:spTree>
-    <p:extLst>
-      <p:ext uri="{BB962C8B-B14F-4D97-AF65-F5344CB8AC3E}">
-        <p14:creationId xmlns:p14="http://schemas.microsoft.com/office/powerpoint/2010/main" val="2270907764"/>
-      </p:ext>
-    </p:extLst>
-  </p:cSld>
-  <p:clrMapOvr>
-    <a:masterClrMapping/>
-  </p:clrMapOvr>
-</p:sld>
-</file>
-
-<file path=ppt/slides/slide16.xml><?xml version="1.0" encoding="utf-8"?>
-<p:sld xmlns:a="http://schemas.openxmlformats.org/drawingml/2006/main" xmlns:r="http://schemas.openxmlformats.org/officeDocument/2006/relationships" xmlns:p="http://schemas.openxmlformats.org/presentationml/2006/main">
-  <p:cSld>
-    <p:spTree>
-      <p:nvGrpSpPr>
-        <p:cNvPr id="1" name=""/>
-        <p:cNvGrpSpPr/>
-        <p:nvPr/>
-      </p:nvGrpSpPr>
-      <p:grpSpPr>
-        <a:xfrm>
-          <a:off x="0" y="0"/>
-          <a:ext cx="0" cy="0"/>
-          <a:chOff x="0" y="0"/>
-          <a:chExt cx="0" cy="0"/>
-        </a:xfrm>
-      </p:grpSpPr>
-      <p:pic>
-        <p:nvPicPr>
-          <p:cNvPr id="5" name="Picture 2" descr="Ed_DaSH">
-            <a:extLst>
-              <a:ext uri="{FF2B5EF4-FFF2-40B4-BE49-F238E27FC236}">
-                <a16:creationId xmlns:a16="http://schemas.microsoft.com/office/drawing/2014/main" id="{381D5798-7259-49FA-92FA-9DBA7ABAEEF8}"/>
-              </a:ext>
-            </a:extLst>
-          </p:cNvPr>
-          <p:cNvPicPr>
-            <a:picLocks noChangeAspect="1" noChangeArrowheads="1"/>
-          </p:cNvPicPr>
-          <p:nvPr/>
-        </p:nvPicPr>
-        <p:blipFill>
-          <a:blip r:embed="rId2" cstate="hqprint">
-            <a:extLst>
-              <a:ext uri="{28A0092B-C50C-407E-A947-70E740481C1C}">
-                <a14:useLocalDpi xmlns:a14="http://schemas.microsoft.com/office/drawing/2010/main" val="0"/>
-              </a:ext>
-            </a:extLst>
-          </a:blip>
-          <a:srcRect/>
-          <a:stretch>
-            <a:fillRect/>
-          </a:stretch>
-        </p:blipFill>
-        <p:spPr bwMode="auto">
-          <a:xfrm>
-            <a:off x="10820670" y="5458691"/>
-            <a:ext cx="1289214" cy="1325418"/>
-          </a:xfrm>
-          <a:prstGeom prst="rect">
-            <a:avLst/>
-          </a:prstGeom>
-          <a:noFill/>
-          <a:extLst>
-            <a:ext uri="{909E8E84-426E-40DD-AFC4-6F175D3DCCD1}">
-              <a14:hiddenFill xmlns:a14="http://schemas.microsoft.com/office/drawing/2010/main">
-                <a:solidFill>
-                  <a:srgbClr val="FFFFFF"/>
-                </a:solidFill>
-              </a14:hiddenFill>
-            </a:ext>
-          </a:extLst>
-        </p:spPr>
-      </p:pic>
-      <p:sp>
-        <p:nvSpPr>
-          <p:cNvPr id="8" name="TextBox 7">
-            <a:extLst>
-              <a:ext uri="{FF2B5EF4-FFF2-40B4-BE49-F238E27FC236}">
-                <a16:creationId xmlns:a16="http://schemas.microsoft.com/office/drawing/2014/main" id="{D8565959-91AC-416B-8E5F-D550B9E166C9}"/>
-              </a:ext>
-            </a:extLst>
-          </p:cNvPr>
-          <p:cNvSpPr txBox="1"/>
-          <p:nvPr/>
-        </p:nvSpPr>
-        <p:spPr>
-          <a:xfrm>
-            <a:off x="1377482" y="1527445"/>
-            <a:ext cx="9331158" cy="1477328"/>
-          </a:xfrm>
-          <a:prstGeom prst="rect">
-            <a:avLst/>
-          </a:prstGeom>
-          <a:noFill/>
-        </p:spPr>
-        <p:txBody>
-          <a:bodyPr wrap="square">
-            <a:spAutoFit/>
-          </a:bodyPr>
-          <a:lstStyle/>
-          <a:p>
-            <a:pPr marL="285750" indent="-285750">
-              <a:lnSpc>
-                <a:spcPct val="150000"/>
-              </a:lnSpc>
-              <a:buFont typeface="Arial" panose="020B0604020202020204" pitchFamily="34" charset="0"/>
-              <a:buChar char="•"/>
-            </a:pPr>
-            <a:r>
-              <a:rPr lang="en-GB" sz="2000" dirty="0">
-                <a:solidFill>
-                  <a:srgbClr val="333333"/>
-                </a:solidFill>
-              </a:rPr>
-              <a:t>Show that you are thinking about what will happen with </a:t>
-            </a:r>
-            <a:r>
-              <a:rPr lang="pl-PL" sz="2000" dirty="0" smtClean="0">
-                <a:solidFill>
-                  <a:srgbClr val="333333"/>
-                </a:solidFill>
-              </a:rPr>
-              <a:t>the generated</a:t>
-            </a:r>
-            <a:r>
-              <a:rPr lang="en-GB" sz="2000" dirty="0" smtClean="0">
-                <a:solidFill>
-                  <a:srgbClr val="333333"/>
-                </a:solidFill>
-              </a:rPr>
-              <a:t> </a:t>
-            </a:r>
-            <a:r>
-              <a:rPr lang="en-GB" sz="2000" dirty="0">
-                <a:solidFill>
-                  <a:srgbClr val="333333"/>
-                </a:solidFill>
-              </a:rPr>
-              <a:t>data during and after the project. </a:t>
-            </a:r>
-          </a:p>
-          <a:p>
-            <a:pPr marL="285750" indent="-285750">
-              <a:lnSpc>
-                <a:spcPct val="150000"/>
-              </a:lnSpc>
-              <a:buFont typeface="Arial" panose="020B0604020202020204" pitchFamily="34" charset="0"/>
-              <a:buChar char="•"/>
-            </a:pPr>
-            <a:r>
-              <a:rPr lang="en-GB" sz="2000" dirty="0">
-                <a:solidFill>
-                  <a:srgbClr val="333333"/>
-                </a:solidFill>
-              </a:rPr>
-              <a:t>How </a:t>
-            </a:r>
-            <a:r>
-              <a:rPr lang="pl-PL" sz="2000" dirty="0" smtClean="0">
-                <a:solidFill>
-                  <a:srgbClr val="333333"/>
-                </a:solidFill>
-              </a:rPr>
-              <a:t>the project</a:t>
-            </a:r>
-            <a:r>
-              <a:rPr lang="en-GB" sz="2000" dirty="0" smtClean="0">
-                <a:solidFill>
-                  <a:srgbClr val="333333"/>
-                </a:solidFill>
-              </a:rPr>
-              <a:t> </a:t>
-            </a:r>
-            <a:r>
-              <a:rPr lang="en-GB" sz="2000" dirty="0">
-                <a:solidFill>
-                  <a:srgbClr val="333333"/>
-                </a:solidFill>
-              </a:rPr>
-              <a:t>data is going to be FAIR.</a:t>
-            </a:r>
-          </a:p>
-        </p:txBody>
-      </p:sp>
-      <p:sp>
-        <p:nvSpPr>
-          <p:cNvPr id="15" name="TextBox 14">
-            <a:extLst>
-              <a:ext uri="{FF2B5EF4-FFF2-40B4-BE49-F238E27FC236}">
-                <a16:creationId xmlns:a16="http://schemas.microsoft.com/office/drawing/2014/main" id="{630C94FB-AFA8-444E-941A-F6F46F510873}"/>
-              </a:ext>
-            </a:extLst>
-          </p:cNvPr>
-          <p:cNvSpPr txBox="1"/>
-          <p:nvPr/>
-        </p:nvSpPr>
-        <p:spPr>
-          <a:xfrm>
-            <a:off x="1931673" y="4048496"/>
-            <a:ext cx="8328654" cy="830997"/>
-          </a:xfrm>
-          <a:prstGeom prst="rect">
-            <a:avLst/>
-          </a:prstGeom>
-          <a:solidFill>
-            <a:schemeClr val="accent1">
-              <a:lumMod val="20000"/>
-              <a:lumOff val="80000"/>
-            </a:schemeClr>
-          </a:solidFill>
-        </p:spPr>
-        <p:txBody>
-          <a:bodyPr wrap="square">
-            <a:spAutoFit/>
-          </a:bodyPr>
-          <a:lstStyle/>
-          <a:p>
-            <a:pPr algn="ctr"/>
-            <a:r>
-              <a:rPr lang="en-GB" sz="2400" dirty="0">
-                <a:solidFill>
-                  <a:srgbClr val="0070C0"/>
-                </a:solidFill>
-              </a:rPr>
-              <a:t>Data management &amp; admin should be done throughout the project, not at the end!</a:t>
-            </a:r>
-          </a:p>
-        </p:txBody>
-      </p:sp>
-      <p:sp>
-        <p:nvSpPr>
-          <p:cNvPr id="7" name="TextBox 6">
-            <a:extLst>
-              <a:ext uri="{FF2B5EF4-FFF2-40B4-BE49-F238E27FC236}">
-                <a16:creationId xmlns:a16="http://schemas.microsoft.com/office/drawing/2014/main" id="{841DA0EB-4AF5-4219-9A86-19B94239EDA5}"/>
-              </a:ext>
-            </a:extLst>
-          </p:cNvPr>
-          <p:cNvSpPr txBox="1"/>
-          <p:nvPr/>
-        </p:nvSpPr>
-        <p:spPr>
-          <a:xfrm>
-            <a:off x="515880" y="488425"/>
-            <a:ext cx="9464530" cy="1200329"/>
-          </a:xfrm>
-          <a:prstGeom prst="rect">
-            <a:avLst/>
-          </a:prstGeom>
-          <a:noFill/>
-        </p:spPr>
-        <p:txBody>
-          <a:bodyPr wrap="square">
-            <a:spAutoFit/>
-          </a:bodyPr>
-          <a:lstStyle/>
-          <a:p>
-            <a:r>
-              <a:rPr lang="en-GB" sz="3600" dirty="0">
-                <a:solidFill>
-                  <a:srgbClr val="0070C0"/>
-                </a:solidFill>
-              </a:rPr>
-              <a:t>Data Management Plans</a:t>
-            </a:r>
-          </a:p>
-          <a:p>
-            <a:pPr algn="ctr"/>
-            <a:endParaRPr lang="en-GB" sz="3600" dirty="0">
-              <a:solidFill>
-                <a:srgbClr val="0070C0"/>
-              </a:solidFill>
-            </a:endParaRPr>
-          </a:p>
-        </p:txBody>
-      </p:sp>
-    </p:spTree>
-    <p:extLst>
-      <p:ext uri="{BB962C8B-B14F-4D97-AF65-F5344CB8AC3E}">
-        <p14:creationId xmlns:p14="http://schemas.microsoft.com/office/powerpoint/2010/main" val="3946935514"/>
-      </p:ext>
-    </p:extLst>
-  </p:cSld>
-  <p:clrMapOvr>
-    <a:masterClrMapping/>
-  </p:clrMapOvr>
-</p:sld>
-</file>
-
-<file path=ppt/slides/slide17.xml><?xml version="1.0" encoding="utf-8"?>
-<p:sld xmlns:a="http://schemas.openxmlformats.org/drawingml/2006/main" xmlns:r="http://schemas.openxmlformats.org/officeDocument/2006/relationships" xmlns:p="http://schemas.openxmlformats.org/presentationml/2006/main">
-  <p:cSld>
-    <p:spTree>
-      <p:nvGrpSpPr>
-        <p:cNvPr id="1" name=""/>
-        <p:cNvGrpSpPr/>
-        <p:nvPr/>
-      </p:nvGrpSpPr>
-      <p:grpSpPr>
-        <a:xfrm>
-          <a:off x="0" y="0"/>
-          <a:ext cx="0" cy="0"/>
-          <a:chOff x="0" y="0"/>
-          <a:chExt cx="0" cy="0"/>
-        </a:xfrm>
-      </p:grpSpPr>
-      <p:sp>
-        <p:nvSpPr>
           <p:cNvPr id="2" name="Title 1">
             <a:extLst>
               <a:ext uri="{FF2B5EF4-FFF2-40B4-BE49-F238E27FC236}">
@@ -6601,20 +6067,12 @@
           <a:lstStyle/>
           <a:p>
             <a:r>
-              <a:rPr lang="en-GB" sz="4000" dirty="0">
+              <a:rPr lang="en-GB" sz="4000" dirty="0" smtClean="0">
                 <a:solidFill>
                   <a:srgbClr val="0070C0"/>
                 </a:solidFill>
               </a:rPr>
-              <a:t>Data Management </a:t>
-            </a:r>
-            <a:r>
-              <a:rPr lang="en-GB" sz="4000" dirty="0" smtClean="0">
-                <a:solidFill>
-                  <a:srgbClr val="0070C0"/>
-                </a:solidFill>
-              </a:rPr>
-              <a:t>Plan</a:t>
+              <a:t>Question time</a:t>
             </a:r>
             <a:endParaRPr lang="en-GB" sz="4000" dirty="0">
               <a:solidFill>
@@ -6645,7 +6103,7 @@
                 <a14:useLocalDpi xmlns:a14="http://schemas.microsoft.com/office/drawing/2010/main" val="0"/>
               </a:ext>
               <a:ext uri="{96DAC541-7B7A-43D3-8B79-37D633B846F1}">
-                <asvg:svgBlip xmlns:asvg="http://schemas.microsoft.com/office/drawing/2016/SVG/main" xmlns="" r:embed="rId4"/>
+                <asvg:svgBlip xmlns="" xmlns:asvg="http://schemas.microsoft.com/office/drawing/2016/SVG/main" r:embed="rId4"/>
               </a:ext>
             </a:extLst>
           </a:blip>
@@ -6751,7 +6209,15 @@
                   <a:srgbClr val="0070C0"/>
                 </a:solidFill>
               </a:rPr>
-              <a:t>What to introduce first</a:t>
+              <a:t>Which practices to introduce </a:t>
+            </a:r>
+            <a:r>
+              <a:rPr lang="en-GB" sz="2800" dirty="0" smtClean="0">
+                <a:solidFill>
+                  <a:srgbClr val="0070C0"/>
+                </a:solidFill>
+              </a:rPr>
+              <a:t>first</a:t>
             </a:r>
             <a:endParaRPr lang="en-GB" sz="2800" dirty="0">
               <a:solidFill>
@@ -7256,6 +6722,538 @@
           <a:chExt cx="0" cy="0"/>
         </a:xfrm>
       </p:grpSpPr>
+      <p:pic>
+        <p:nvPicPr>
+          <p:cNvPr id="4" name="Picture 2" descr="Ed_DaSH">
+            <a:extLst>
+              <a:ext uri="{FF2B5EF4-FFF2-40B4-BE49-F238E27FC236}">
+                <a16:creationId xmlns:a16="http://schemas.microsoft.com/office/drawing/2014/main" id="{CB8DDD8E-B41B-4E5C-9734-A84924C2F77C}"/>
+              </a:ext>
+            </a:extLst>
+          </p:cNvPr>
+          <p:cNvPicPr>
+            <a:picLocks noChangeAspect="1" noChangeArrowheads="1"/>
+          </p:cNvPicPr>
+          <p:nvPr/>
+        </p:nvPicPr>
+        <p:blipFill>
+          <a:blip r:embed="rId2" cstate="hqprint">
+            <a:extLst>
+              <a:ext uri="{28A0092B-C50C-407E-A947-70E740481C1C}">
+                <a14:useLocalDpi xmlns:a14="http://schemas.microsoft.com/office/drawing/2010/main" val="0"/>
+              </a:ext>
+            </a:extLst>
+          </a:blip>
+          <a:srcRect/>
+          <a:stretch>
+            <a:fillRect/>
+          </a:stretch>
+        </p:blipFill>
+        <p:spPr bwMode="auto">
+          <a:xfrm>
+            <a:off x="10828265" y="5484776"/>
+            <a:ext cx="1289214" cy="1325418"/>
+          </a:xfrm>
+          <a:prstGeom prst="rect">
+            <a:avLst/>
+          </a:prstGeom>
+          <a:noFill/>
+          <a:extLst>
+            <a:ext uri="{909E8E84-426E-40DD-AFC4-6F175D3DCCD1}">
+              <a14:hiddenFill xmlns:a14="http://schemas.microsoft.com/office/drawing/2010/main">
+                <a:solidFill>
+                  <a:srgbClr val="FFFFFF"/>
+                </a:solidFill>
+              </a14:hiddenFill>
+            </a:ext>
+          </a:extLst>
+        </p:spPr>
+      </p:pic>
+      <p:sp>
+        <p:nvSpPr>
+          <p:cNvPr id="8" name="TextBox 7">
+            <a:extLst>
+              <a:ext uri="{FF2B5EF4-FFF2-40B4-BE49-F238E27FC236}">
+                <a16:creationId xmlns:a16="http://schemas.microsoft.com/office/drawing/2014/main" id="{1D8EE843-1CA2-40D4-9C52-FDA820EB7CFB}"/>
+              </a:ext>
+            </a:extLst>
+          </p:cNvPr>
+          <p:cNvSpPr txBox="1"/>
+          <p:nvPr/>
+        </p:nvSpPr>
+        <p:spPr>
+          <a:xfrm>
+            <a:off x="982493" y="305852"/>
+            <a:ext cx="10594313" cy="584775"/>
+          </a:xfrm>
+          <a:prstGeom prst="rect">
+            <a:avLst/>
+          </a:prstGeom>
+          <a:noFill/>
+        </p:spPr>
+        <p:txBody>
+          <a:bodyPr wrap="square">
+            <a:spAutoFit/>
+          </a:bodyPr>
+          <a:lstStyle/>
+          <a:p>
+            <a:r>
+              <a:rPr lang="en-GB" sz="3200" b="0" i="0" dirty="0" smtClean="0">
+                <a:solidFill>
+                  <a:srgbClr val="0070C0"/>
+                </a:solidFill>
+                <a:effectLst/>
+                <a:latin typeface="Ubuntu"/>
+              </a:rPr>
+              <a:t>How to sustain good practices</a:t>
+            </a:r>
+            <a:endParaRPr lang="en-GB" sz="3200" b="0" i="0" dirty="0">
+              <a:solidFill>
+                <a:srgbClr val="0070C0"/>
+              </a:solidFill>
+              <a:effectLst/>
+              <a:latin typeface="Ubuntu"/>
+            </a:endParaRPr>
+          </a:p>
+        </p:txBody>
+      </p:sp>
+      <p:sp>
+        <p:nvSpPr>
+          <p:cNvPr id="9" name="Content Placeholder 3"/>
+          <p:cNvSpPr>
+            <a:spLocks noGrp="1"/>
+          </p:cNvSpPr>
+          <p:nvPr>
+            <p:ph idx="1"/>
+          </p:nvPr>
+        </p:nvSpPr>
+        <p:spPr>
+          <a:xfrm>
+            <a:off x="838200" y="1825625"/>
+            <a:ext cx="9045102" cy="4351338"/>
+          </a:xfrm>
+        </p:spPr>
+        <p:txBody>
+          <a:bodyPr/>
+          <a:lstStyle/>
+          <a:p>
+            <a:r>
+              <a:rPr lang="en-GB" dirty="0" smtClean="0">
+                <a:solidFill>
+                  <a:srgbClr val="0070C0"/>
+                </a:solidFill>
+              </a:rPr>
+              <a:t>Be the active users of the tools</a:t>
+            </a:r>
+            <a:endParaRPr lang="en-GB" dirty="0">
+              <a:solidFill>
+                <a:srgbClr val="0070C0"/>
+              </a:solidFill>
+            </a:endParaRPr>
+          </a:p>
+          <a:p>
+            <a:endParaRPr lang="en-GB" dirty="0" smtClean="0">
+              <a:solidFill>
+                <a:srgbClr val="0070C0"/>
+              </a:solidFill>
+            </a:endParaRPr>
+          </a:p>
+          <a:p>
+            <a:r>
+              <a:rPr lang="en-GB" dirty="0" smtClean="0">
+                <a:solidFill>
+                  <a:srgbClr val="0070C0"/>
+                </a:solidFill>
+              </a:rPr>
+              <a:t>Ask for links to resources not attachment</a:t>
+            </a:r>
+            <a:endParaRPr lang="en-GB" dirty="0">
+              <a:solidFill>
+                <a:srgbClr val="0070C0"/>
+              </a:solidFill>
+            </a:endParaRPr>
+          </a:p>
+          <a:p>
+            <a:r>
+              <a:rPr lang="en-GB" dirty="0" smtClean="0">
+                <a:solidFill>
+                  <a:srgbClr val="0070C0"/>
+                </a:solidFill>
+              </a:rPr>
+              <a:t>Use </a:t>
+            </a:r>
+            <a:r>
+              <a:rPr lang="en-GB" i="1" dirty="0" smtClean="0">
+                <a:solidFill>
+                  <a:srgbClr val="0070C0"/>
+                </a:solidFill>
+              </a:rPr>
+              <a:t>live </a:t>
+            </a:r>
+            <a:r>
+              <a:rPr lang="en-GB" dirty="0" smtClean="0">
+                <a:solidFill>
+                  <a:srgbClr val="0070C0"/>
+                </a:solidFill>
+              </a:rPr>
+              <a:t>data during meetings</a:t>
+            </a:r>
+            <a:endParaRPr lang="en-GB" dirty="0">
+              <a:solidFill>
+                <a:srgbClr val="0070C0"/>
+              </a:solidFill>
+            </a:endParaRPr>
+          </a:p>
+          <a:p>
+            <a:r>
+              <a:rPr lang="en-GB" dirty="0" smtClean="0">
+                <a:solidFill>
+                  <a:srgbClr val="0070C0"/>
+                </a:solidFill>
+              </a:rPr>
+              <a:t>Randomly check outputs / praise good work</a:t>
+            </a:r>
+          </a:p>
+          <a:p>
+            <a:r>
+              <a:rPr lang="en-GB" dirty="0" smtClean="0">
+                <a:solidFill>
+                  <a:srgbClr val="0070C0"/>
+                </a:solidFill>
+              </a:rPr>
+              <a:t>“Pair programming”</a:t>
+            </a:r>
+          </a:p>
+          <a:p>
+            <a:r>
+              <a:rPr lang="en-GB" dirty="0" smtClean="0">
+                <a:solidFill>
+                  <a:srgbClr val="0070C0"/>
+                </a:solidFill>
+              </a:rPr>
+              <a:t>Data curation day</a:t>
+            </a:r>
+            <a:endParaRPr lang="en-GB" dirty="0">
+              <a:solidFill>
+                <a:srgbClr val="0070C0"/>
+              </a:solidFill>
+            </a:endParaRPr>
+          </a:p>
+          <a:p>
+            <a:endParaRPr lang="en-GB" dirty="0"/>
+          </a:p>
+        </p:txBody>
+      </p:sp>
+    </p:spTree>
+    <p:extLst>
+      <p:ext uri="{BB962C8B-B14F-4D97-AF65-F5344CB8AC3E}">
+        <p14:creationId xmlns:p14="http://schemas.microsoft.com/office/powerpoint/2010/main" val="1979161558"/>
+      </p:ext>
+    </p:extLst>
+  </p:cSld>
+  <p:clrMapOvr>
+    <a:masterClrMapping/>
+  </p:clrMapOvr>
+</p:sld>
+</file>
+
+<file path=ppt/slides/slide6.xml><?xml version="1.0" encoding="utf-8"?>
+<p:sld xmlns:a="http://schemas.openxmlformats.org/drawingml/2006/main" xmlns:r="http://schemas.openxmlformats.org/officeDocument/2006/relationships" xmlns:p="http://schemas.openxmlformats.org/presentationml/2006/main">
+  <p:cSld>
+    <p:spTree>
+      <p:nvGrpSpPr>
+        <p:cNvPr id="1" name=""/>
+        <p:cNvGrpSpPr/>
+        <p:nvPr/>
+      </p:nvGrpSpPr>
+      <p:grpSpPr>
+        <a:xfrm>
+          <a:off x="0" y="0"/>
+          <a:ext cx="0" cy="0"/>
+          <a:chOff x="0" y="0"/>
+          <a:chExt cx="0" cy="0"/>
+        </a:xfrm>
+      </p:grpSpPr>
+      <p:pic>
+        <p:nvPicPr>
+          <p:cNvPr id="4" name="Picture 2" descr="Ed_DaSH">
+            <a:extLst>
+              <a:ext uri="{FF2B5EF4-FFF2-40B4-BE49-F238E27FC236}">
+                <a16:creationId xmlns:a16="http://schemas.microsoft.com/office/drawing/2014/main" id="{CB8DDD8E-B41B-4E5C-9734-A84924C2F77C}"/>
+              </a:ext>
+            </a:extLst>
+          </p:cNvPr>
+          <p:cNvPicPr>
+            <a:picLocks noChangeAspect="1" noChangeArrowheads="1"/>
+          </p:cNvPicPr>
+          <p:nvPr/>
+        </p:nvPicPr>
+        <p:blipFill>
+          <a:blip r:embed="rId2" cstate="hqprint">
+            <a:extLst>
+              <a:ext uri="{28A0092B-C50C-407E-A947-70E740481C1C}">
+                <a14:useLocalDpi xmlns:a14="http://schemas.microsoft.com/office/drawing/2010/main" val="0"/>
+              </a:ext>
+            </a:extLst>
+          </a:blip>
+          <a:srcRect/>
+          <a:stretch>
+            <a:fillRect/>
+          </a:stretch>
+        </p:blipFill>
+        <p:spPr bwMode="auto">
+          <a:xfrm>
+            <a:off x="10828265" y="5484776"/>
+            <a:ext cx="1289214" cy="1325418"/>
+          </a:xfrm>
+          <a:prstGeom prst="rect">
+            <a:avLst/>
+          </a:prstGeom>
+          <a:noFill/>
+          <a:extLst>
+            <a:ext uri="{909E8E84-426E-40DD-AFC4-6F175D3DCCD1}">
+              <a14:hiddenFill xmlns:a14="http://schemas.microsoft.com/office/drawing/2010/main">
+                <a:solidFill>
+                  <a:srgbClr val="FFFFFF"/>
+                </a:solidFill>
+              </a14:hiddenFill>
+            </a:ext>
+          </a:extLst>
+        </p:spPr>
+      </p:pic>
+      <p:sp>
+        <p:nvSpPr>
+          <p:cNvPr id="8" name="TextBox 7">
+            <a:extLst>
+              <a:ext uri="{FF2B5EF4-FFF2-40B4-BE49-F238E27FC236}">
+                <a16:creationId xmlns:a16="http://schemas.microsoft.com/office/drawing/2014/main" id="{1D8EE843-1CA2-40D4-9C52-FDA820EB7CFB}"/>
+              </a:ext>
+            </a:extLst>
+          </p:cNvPr>
+          <p:cNvSpPr txBox="1"/>
+          <p:nvPr/>
+        </p:nvSpPr>
+        <p:spPr>
+          <a:xfrm>
+            <a:off x="982493" y="305852"/>
+            <a:ext cx="10594313" cy="584775"/>
+          </a:xfrm>
+          <a:prstGeom prst="rect">
+            <a:avLst/>
+          </a:prstGeom>
+          <a:noFill/>
+        </p:spPr>
+        <p:txBody>
+          <a:bodyPr wrap="square">
+            <a:spAutoFit/>
+          </a:bodyPr>
+          <a:lstStyle/>
+          <a:p>
+            <a:r>
+              <a:rPr lang="en-GB" sz="3200" dirty="0" smtClean="0">
+                <a:solidFill>
+                  <a:srgbClr val="0070C0"/>
+                </a:solidFill>
+                <a:latin typeface="Ubuntu"/>
+              </a:rPr>
+              <a:t>Benefits of g</a:t>
+            </a:r>
+            <a:r>
+              <a:rPr lang="en-GB" sz="3200" b="0" i="0" dirty="0" smtClean="0">
+                <a:solidFill>
+                  <a:srgbClr val="0070C0"/>
+                </a:solidFill>
+                <a:effectLst/>
+                <a:latin typeface="Ubuntu"/>
+              </a:rPr>
+              <a:t>ood DM</a:t>
+            </a:r>
+            <a:endParaRPr lang="en-GB" sz="3200" b="0" i="0" dirty="0">
+              <a:solidFill>
+                <a:srgbClr val="0070C0"/>
+              </a:solidFill>
+              <a:effectLst/>
+              <a:latin typeface="Ubuntu"/>
+            </a:endParaRPr>
+          </a:p>
+        </p:txBody>
+      </p:sp>
+      <p:sp>
+        <p:nvSpPr>
+          <p:cNvPr id="9" name="Content Placeholder 3"/>
+          <p:cNvSpPr>
+            <a:spLocks noGrp="1"/>
+          </p:cNvSpPr>
+          <p:nvPr>
+            <p:ph idx="1"/>
+          </p:nvPr>
+        </p:nvSpPr>
+        <p:spPr>
+          <a:xfrm>
+            <a:off x="838200" y="1825625"/>
+            <a:ext cx="9045102" cy="4351338"/>
+          </a:xfrm>
+        </p:spPr>
+        <p:txBody>
+          <a:bodyPr>
+            <a:normAutofit/>
+          </a:bodyPr>
+          <a:lstStyle/>
+          <a:p>
+            <a:r>
+              <a:rPr lang="en-GB" dirty="0" smtClean="0">
+                <a:solidFill>
+                  <a:srgbClr val="0070C0"/>
+                </a:solidFill>
+              </a:rPr>
+              <a:t>Saving time / work speed </a:t>
+            </a:r>
+          </a:p>
+          <a:p>
+            <a:pPr lvl="1"/>
+            <a:r>
+              <a:rPr lang="en-GB" dirty="0" smtClean="0">
+                <a:solidFill>
+                  <a:srgbClr val="0070C0"/>
+                </a:solidFill>
+              </a:rPr>
+              <a:t>Finding data / protocols</a:t>
+            </a:r>
+          </a:p>
+          <a:p>
+            <a:pPr lvl="1"/>
+            <a:r>
+              <a:rPr lang="en-GB" dirty="0" smtClean="0">
+                <a:solidFill>
+                  <a:srgbClr val="0070C0"/>
+                </a:solidFill>
+              </a:rPr>
+              <a:t>manuscript preparations / sharing</a:t>
+            </a:r>
+          </a:p>
+          <a:p>
+            <a:pPr lvl="1"/>
+            <a:r>
+              <a:rPr lang="en-GB" dirty="0" err="1" smtClean="0">
+                <a:solidFill>
+                  <a:srgbClr val="0070C0"/>
+                </a:solidFill>
+              </a:rPr>
+              <a:t>onboarding</a:t>
+            </a:r>
+            <a:r>
+              <a:rPr lang="en-GB" dirty="0" smtClean="0">
+                <a:solidFill>
+                  <a:srgbClr val="0070C0"/>
+                </a:solidFill>
+              </a:rPr>
+              <a:t> /  project continuation</a:t>
+            </a:r>
+          </a:p>
+          <a:p>
+            <a:pPr lvl="1"/>
+            <a:r>
+              <a:rPr lang="en-GB" dirty="0" smtClean="0">
+                <a:solidFill>
+                  <a:srgbClr val="0070C0"/>
+                </a:solidFill>
+              </a:rPr>
+              <a:t>collaboration</a:t>
+            </a:r>
+            <a:endParaRPr lang="en-GB" dirty="0" smtClean="0">
+              <a:solidFill>
+                <a:srgbClr val="0070C0"/>
+              </a:solidFill>
+            </a:endParaRPr>
+          </a:p>
+          <a:p>
+            <a:pPr lvl="1"/>
+            <a:endParaRPr lang="en-GB" dirty="0">
+              <a:solidFill>
+                <a:srgbClr val="0070C0"/>
+              </a:solidFill>
+            </a:endParaRPr>
+          </a:p>
+          <a:p>
+            <a:r>
+              <a:rPr lang="en-GB" dirty="0">
+                <a:solidFill>
+                  <a:srgbClr val="0070C0"/>
+                </a:solidFill>
+              </a:rPr>
+              <a:t>Team building </a:t>
+            </a:r>
+            <a:r>
+              <a:rPr lang="en-GB" dirty="0" smtClean="0">
+                <a:solidFill>
+                  <a:srgbClr val="0070C0"/>
+                </a:solidFill>
+              </a:rPr>
+              <a:t> = group cohesion</a:t>
+            </a:r>
+          </a:p>
+          <a:p>
+            <a:r>
+              <a:rPr lang="en-GB" dirty="0" smtClean="0">
+                <a:solidFill>
+                  <a:srgbClr val="0070C0"/>
+                </a:solidFill>
+              </a:rPr>
+              <a:t>Knowledge transfer</a:t>
+            </a:r>
+          </a:p>
+          <a:p>
+            <a:r>
+              <a:rPr lang="en-GB" dirty="0">
+                <a:solidFill>
+                  <a:srgbClr val="0070C0"/>
+                </a:solidFill>
+              </a:rPr>
+              <a:t>Accountability </a:t>
+            </a:r>
+          </a:p>
+          <a:p>
+            <a:endParaRPr lang="en-GB" dirty="0" smtClean="0">
+              <a:solidFill>
+                <a:srgbClr val="0070C0"/>
+              </a:solidFill>
+            </a:endParaRPr>
+          </a:p>
+          <a:p>
+            <a:endParaRPr lang="en-GB" dirty="0"/>
+          </a:p>
+        </p:txBody>
+      </p:sp>
+    </p:spTree>
+    <p:extLst>
+      <p:ext uri="{BB962C8B-B14F-4D97-AF65-F5344CB8AC3E}">
+        <p14:creationId xmlns:p14="http://schemas.microsoft.com/office/powerpoint/2010/main" val="2270601891"/>
+      </p:ext>
+    </p:extLst>
+  </p:cSld>
+  <p:clrMapOvr>
+    <a:masterClrMapping/>
+  </p:clrMapOvr>
+</p:sld>
+</file>
+
+<file path=ppt/slides/slide7.xml><?xml version="1.0" encoding="utf-8"?>
+<p:sld xmlns:a="http://schemas.openxmlformats.org/drawingml/2006/main" xmlns:r="http://schemas.openxmlformats.org/officeDocument/2006/relationships" xmlns:p="http://schemas.openxmlformats.org/presentationml/2006/main">
+  <p:cSld>
+    <p:spTree>
+      <p:nvGrpSpPr>
+        <p:cNvPr id="1" name=""/>
+        <p:cNvGrpSpPr/>
+        <p:nvPr/>
+      </p:nvGrpSpPr>
+      <p:grpSpPr>
+        <a:xfrm>
+          <a:off x="0" y="0"/>
+          <a:ext cx="0" cy="0"/>
+          <a:chOff x="0" y="0"/>
+          <a:chExt cx="0" cy="0"/>
+        </a:xfrm>
+      </p:grpSpPr>
       <p:sp>
         <p:nvSpPr>
           <p:cNvPr id="5" name="Title 1"/>
@@ -7331,7 +7329,7 @@
           <a:effectLst/>
           <a:extLst>
             <a:ext uri="{AF507438-7753-43e0-B8FC-AC1667EBCBE1}">
-              <a14:hiddenEffects xmlns="" xmlns:a14="http://schemas.microsoft.com/office/drawing/2010/main">
+              <a14:hiddenEffects xmlns:a14="http://schemas.microsoft.com/office/drawing/2010/main" xmlns="">
                 <a:effectLst>
                   <a:outerShdw dist="35921" dir="2700000" algn="ctr" rotWithShape="0">
                     <a:schemeClr val="bg2"/>
@@ -7662,7 +7660,7 @@
             <a:effectLst/>
             <a:extLst>
               <a:ext uri="{AF507438-7753-43e0-B8FC-AC1667EBCBE1}">
-                <a14:hiddenEffects xmlns="" xmlns:a14="http://schemas.microsoft.com/office/drawing/2010/main">
+                <a14:hiddenEffects xmlns:a14="http://schemas.microsoft.com/office/drawing/2010/main" xmlns="">
                   <a:effectLst>
                     <a:outerShdw dist="35921" dir="2700000" algn="ctr" rotWithShape="0">
                       <a:schemeClr val="bg2"/>
@@ -7724,7 +7722,7 @@
             <a:effectLst/>
             <a:extLst>
               <a:ext uri="{AF507438-7753-43e0-B8FC-AC1667EBCBE1}">
-                <a14:hiddenEffects xmlns="" xmlns:a14="http://schemas.microsoft.com/office/drawing/2010/main">
+                <a14:hiddenEffects xmlns:a14="http://schemas.microsoft.com/office/drawing/2010/main" xmlns="">
                   <a:effectLst>
                     <a:outerShdw dist="35921" dir="2700000" algn="ctr" rotWithShape="0">
                       <a:schemeClr val="bg2"/>
@@ -7801,7 +7799,7 @@
             <a:effectLst/>
             <a:extLst>
               <a:ext uri="{AF507438-7753-43e0-B8FC-AC1667EBCBE1}">
-                <a14:hiddenEffects xmlns="" xmlns:a14="http://schemas.microsoft.com/office/drawing/2010/main">
+                <a14:hiddenEffects xmlns:a14="http://schemas.microsoft.com/office/drawing/2010/main" xmlns="">
                   <a:effectLst>
                     <a:outerShdw dist="35921" dir="2700000" algn="ctr" rotWithShape="0">
                       <a:schemeClr val="bg2"/>
@@ -7863,7 +7861,7 @@
             <a:effectLst/>
             <a:extLst>
               <a:ext uri="{AF507438-7753-43e0-B8FC-AC1667EBCBE1}">
-                <a14:hiddenEffects xmlns="" xmlns:a14="http://schemas.microsoft.com/office/drawing/2010/main">
+                <a14:hiddenEffects xmlns:a14="http://schemas.microsoft.com/office/drawing/2010/main" xmlns="">
                   <a:effectLst>
                     <a:outerShdw dist="35921" dir="2700000" algn="ctr" rotWithShape="0">
                       <a:schemeClr val="bg2"/>
@@ -9096,7 +9094,7 @@
           <a:effectLst/>
           <a:extLst>
             <a:ext uri="{AF507438-7753-43e0-B8FC-AC1667EBCBE1}">
-              <a14:hiddenEffects xmlns="" xmlns:a14="http://schemas.microsoft.com/office/drawing/2010/main">
+              <a14:hiddenEffects xmlns:a14="http://schemas.microsoft.com/office/drawing/2010/main" xmlns="">
                 <a:effectLst>
                   <a:outerShdw dist="35921" dir="2700000" algn="ctr" rotWithShape="0">
                     <a:schemeClr val="bg2"/>
@@ -9396,7 +9394,7 @@
 </p:sld>
 </file>
 
-<file path=ppt/slides/slide6.xml><?xml version="1.0" encoding="utf-8"?>
+<file path=ppt/slides/slide8.xml><?xml version="1.0" encoding="utf-8"?>
 <p:sld xmlns:a="http://schemas.openxmlformats.org/drawingml/2006/main" xmlns:r="http://schemas.openxmlformats.org/officeDocument/2006/relationships" xmlns:p="http://schemas.openxmlformats.org/presentationml/2006/main">
   <p:cSld>
     <p:spTree>
@@ -9604,701 +9602,6 @@
     <p:extLst>
       <p:ext uri="{BB962C8B-B14F-4D97-AF65-F5344CB8AC3E}">
         <p14:creationId xmlns:p14="http://schemas.microsoft.com/office/powerpoint/2010/main" val="2440119291"/>
-      </p:ext>
-    </p:extLst>
-  </p:cSld>
-  <p:clrMapOvr>
-    <a:masterClrMapping/>
-  </p:clrMapOvr>
-</p:sld>
-</file>
-
-<file path=ppt/slides/slide7.xml><?xml version="1.0" encoding="utf-8"?>
-<p:sld xmlns:a="http://schemas.openxmlformats.org/drawingml/2006/main" xmlns:r="http://schemas.openxmlformats.org/officeDocument/2006/relationships" xmlns:p="http://schemas.openxmlformats.org/presentationml/2006/main">
-  <p:cSld>
-    <p:spTree>
-      <p:nvGrpSpPr>
-        <p:cNvPr id="1" name=""/>
-        <p:cNvGrpSpPr/>
-        <p:nvPr/>
-      </p:nvGrpSpPr>
-      <p:grpSpPr>
-        <a:xfrm>
-          <a:off x="0" y="0"/>
-          <a:ext cx="0" cy="0"/>
-          <a:chOff x="0" y="0"/>
-          <a:chExt cx="0" cy="0"/>
-        </a:xfrm>
-      </p:grpSpPr>
-      <p:sp>
-        <p:nvSpPr>
-          <p:cNvPr id="2" name="Title 1"/>
-          <p:cNvSpPr>
-            <a:spLocks noGrp="1"/>
-          </p:cNvSpPr>
-          <p:nvPr>
-            <p:ph type="title"/>
-          </p:nvPr>
-        </p:nvSpPr>
-        <p:spPr/>
-        <p:txBody>
-          <a:bodyPr/>
-          <a:lstStyle/>
-          <a:p>
-            <a:r>
-              <a:rPr lang="en-GB" dirty="0">
-                <a:solidFill>
-                  <a:srgbClr val="0070C0"/>
-                </a:solidFill>
-              </a:rPr>
-              <a:t>FAIR in (bio) practice - </a:t>
-            </a:r>
-            <a:r>
-              <a:rPr lang="pl-PL" dirty="0">
-                <a:solidFill>
-                  <a:srgbClr val="0070C0"/>
-                </a:solidFill>
-              </a:rPr>
-              <a:t>workshop</a:t>
-            </a:r>
-            <a:endParaRPr lang="en-GB" dirty="0">
-              <a:solidFill>
-                <a:srgbClr val="0070C0"/>
-              </a:solidFill>
-            </a:endParaRPr>
-          </a:p>
-        </p:txBody>
-      </p:sp>
-      <p:sp>
-        <p:nvSpPr>
-          <p:cNvPr id="4" name="Content Placeholder 3"/>
-          <p:cNvSpPr>
-            <a:spLocks noGrp="1"/>
-          </p:cNvSpPr>
-          <p:nvPr>
-            <p:ph idx="1"/>
-          </p:nvPr>
-        </p:nvSpPr>
-        <p:spPr>
-          <a:xfrm>
-            <a:off x="838200" y="1825625"/>
-            <a:ext cx="4876800" cy="4351338"/>
-          </a:xfrm>
-        </p:spPr>
-        <p:txBody>
-          <a:bodyPr/>
-          <a:lstStyle/>
-          <a:p>
-            <a:r>
-              <a:rPr lang="en-GB" dirty="0">
-                <a:solidFill>
-                  <a:srgbClr val="0070C0"/>
-                </a:solidFill>
-              </a:rPr>
-              <a:t>Introduction to Open Science and FAIR</a:t>
-            </a:r>
-          </a:p>
-          <a:p>
-            <a:r>
-              <a:rPr lang="en-GB" dirty="0">
-                <a:solidFill>
-                  <a:srgbClr val="0070C0"/>
-                </a:solidFill>
-              </a:rPr>
-              <a:t>IP, Licensing and Openness </a:t>
-            </a:r>
-          </a:p>
-          <a:p>
-            <a:r>
-              <a:rPr lang="en-GB" dirty="0">
-                <a:solidFill>
-                  <a:srgbClr val="0070C0"/>
-                </a:solidFill>
-              </a:rPr>
-              <a:t>Metadata </a:t>
-            </a:r>
-          </a:p>
-          <a:p>
-            <a:r>
-              <a:rPr lang="en-GB" dirty="0">
-                <a:solidFill>
-                  <a:srgbClr val="0070C0"/>
-                </a:solidFill>
-              </a:rPr>
-              <a:t>Ontologies</a:t>
-            </a:r>
-          </a:p>
-          <a:p>
-            <a:r>
-              <a:rPr lang="en-GB" dirty="0">
-                <a:solidFill>
-                  <a:srgbClr val="0070C0"/>
-                </a:solidFill>
-              </a:rPr>
-              <a:t>(Meta)data in Excel</a:t>
-            </a:r>
-          </a:p>
-          <a:p>
-            <a:r>
-              <a:rPr lang="en-GB" dirty="0">
-                <a:solidFill>
-                  <a:srgbClr val="0070C0"/>
-                </a:solidFill>
-              </a:rPr>
-              <a:t>Record keeping</a:t>
-            </a:r>
-          </a:p>
-          <a:p>
-            <a:r>
-              <a:rPr lang="en-GB" dirty="0">
-                <a:solidFill>
-                  <a:srgbClr val="0070C0"/>
-                </a:solidFill>
-              </a:rPr>
-              <a:t>Working with files</a:t>
-            </a:r>
-          </a:p>
-          <a:p>
-            <a:endParaRPr lang="en-GB" dirty="0"/>
-          </a:p>
-        </p:txBody>
-      </p:sp>
-      <p:sp>
-        <p:nvSpPr>
-          <p:cNvPr id="5" name="Content Placeholder 3"/>
-          <p:cNvSpPr txBox="1">
-            <a:spLocks/>
-          </p:cNvSpPr>
-          <p:nvPr/>
-        </p:nvSpPr>
-        <p:spPr>
-          <a:xfrm>
-            <a:off x="6004560" y="1825625"/>
-            <a:ext cx="5364480" cy="4351338"/>
-          </a:xfrm>
-          <a:prstGeom prst="rect">
-            <a:avLst/>
-          </a:prstGeom>
-        </p:spPr>
-        <p:txBody>
-          <a:bodyPr vert="horz" lIns="91440" tIns="45720" rIns="91440" bIns="45720" rtlCol="0">
-            <a:normAutofit/>
-          </a:bodyPr>
-          <a:lstStyle>
-            <a:lvl1pPr marL="228600" indent="-228600" algn="l" defTabSz="914400" rtl="0" eaLnBrk="1" latinLnBrk="0" hangingPunct="1">
-              <a:lnSpc>
-                <a:spcPct val="90000"/>
-              </a:lnSpc>
-              <a:spcBef>
-                <a:spcPts val="1000"/>
-              </a:spcBef>
-              <a:buFont typeface="Arial" panose="020B0604020202020204" pitchFamily="34" charset="0"/>
-              <a:buChar char="•"/>
-              <a:defRPr sz="2800" kern="1200">
-                <a:solidFill>
-                  <a:srgbClr val="0070C0"/>
-                </a:solidFill>
-                <a:latin typeface="+mn-lt"/>
-                <a:ea typeface="+mn-ea"/>
-                <a:cs typeface="+mn-cs"/>
-              </a:defRPr>
-            </a:lvl1pPr>
-            <a:lvl2pPr marL="685800" indent="-228600" algn="l" defTabSz="914400" rtl="0" eaLnBrk="1" latinLnBrk="0" hangingPunct="1">
-              <a:lnSpc>
-                <a:spcPct val="90000"/>
-              </a:lnSpc>
-              <a:spcBef>
-                <a:spcPts val="500"/>
-              </a:spcBef>
-              <a:buFont typeface="Arial" panose="020B0604020202020204" pitchFamily="34" charset="0"/>
-              <a:buChar char="•"/>
-              <a:defRPr sz="2400" kern="1200">
-                <a:solidFill>
-                  <a:srgbClr val="0070C0"/>
-                </a:solidFill>
-                <a:latin typeface="+mn-lt"/>
-                <a:ea typeface="+mn-ea"/>
-                <a:cs typeface="+mn-cs"/>
-              </a:defRPr>
-            </a:lvl2pPr>
-            <a:lvl3pPr marL="1143000" indent="-228600" algn="l" defTabSz="914400" rtl="0" eaLnBrk="1" latinLnBrk="0" hangingPunct="1">
-              <a:lnSpc>
-                <a:spcPct val="90000"/>
-              </a:lnSpc>
-              <a:spcBef>
-                <a:spcPts val="500"/>
-              </a:spcBef>
-              <a:buFont typeface="Arial" panose="020B0604020202020204" pitchFamily="34" charset="0"/>
-              <a:buChar char="•"/>
-              <a:defRPr sz="2000" kern="1200">
-                <a:solidFill>
-                  <a:srgbClr val="0070C0"/>
-                </a:solidFill>
-                <a:latin typeface="+mn-lt"/>
-                <a:ea typeface="+mn-ea"/>
-                <a:cs typeface="+mn-cs"/>
-              </a:defRPr>
-            </a:lvl3pPr>
-            <a:lvl4pPr marL="1600200" indent="-228600" algn="l" defTabSz="914400" rtl="0" eaLnBrk="1" latinLnBrk="0" hangingPunct="1">
-              <a:lnSpc>
-                <a:spcPct val="90000"/>
-              </a:lnSpc>
-              <a:spcBef>
-                <a:spcPts val="500"/>
-              </a:spcBef>
-              <a:buFont typeface="Arial" panose="020B0604020202020204" pitchFamily="34" charset="0"/>
-              <a:buChar char="•"/>
-              <a:defRPr sz="1800" kern="1200">
-                <a:solidFill>
-                  <a:srgbClr val="0070C0"/>
-                </a:solidFill>
-                <a:latin typeface="+mn-lt"/>
-                <a:ea typeface="+mn-ea"/>
-                <a:cs typeface="+mn-cs"/>
-              </a:defRPr>
-            </a:lvl4pPr>
-            <a:lvl5pPr marL="2057400" indent="-228600" algn="l" defTabSz="914400" rtl="0" eaLnBrk="1" latinLnBrk="0" hangingPunct="1">
-              <a:lnSpc>
-                <a:spcPct val="90000"/>
-              </a:lnSpc>
-              <a:spcBef>
-                <a:spcPts val="500"/>
-              </a:spcBef>
-              <a:buFont typeface="Arial" panose="020B0604020202020204" pitchFamily="34" charset="0"/>
-              <a:buChar char="•"/>
-              <a:defRPr sz="1800" kern="1200">
-                <a:solidFill>
-                  <a:srgbClr val="0070C0"/>
-                </a:solidFill>
-                <a:latin typeface="+mn-lt"/>
-                <a:ea typeface="+mn-ea"/>
-                <a:cs typeface="+mn-cs"/>
-              </a:defRPr>
-            </a:lvl5pPr>
-            <a:lvl6pPr marL="2514600" indent="-228600" algn="l" defTabSz="914400" rtl="0" eaLnBrk="1" latinLnBrk="0" hangingPunct="1">
-              <a:lnSpc>
-                <a:spcPct val="90000"/>
-              </a:lnSpc>
-              <a:spcBef>
-                <a:spcPts val="500"/>
-              </a:spcBef>
-              <a:buFont typeface="Arial" panose="020B0604020202020204" pitchFamily="34" charset="0"/>
-              <a:buChar char="•"/>
-              <a:defRPr sz="1800" kern="1200">
-                <a:solidFill>
-                  <a:schemeClr val="tx1"/>
-                </a:solidFill>
-                <a:latin typeface="+mn-lt"/>
-                <a:ea typeface="+mn-ea"/>
-                <a:cs typeface="+mn-cs"/>
-              </a:defRPr>
-            </a:lvl6pPr>
-            <a:lvl7pPr marL="2971800" indent="-228600" algn="l" defTabSz="914400" rtl="0" eaLnBrk="1" latinLnBrk="0" hangingPunct="1">
-              <a:lnSpc>
-                <a:spcPct val="90000"/>
-              </a:lnSpc>
-              <a:spcBef>
-                <a:spcPts val="500"/>
-              </a:spcBef>
-              <a:buFont typeface="Arial" panose="020B0604020202020204" pitchFamily="34" charset="0"/>
-              <a:buChar char="•"/>
-              <a:defRPr sz="1800" kern="1200">
-                <a:solidFill>
-                  <a:schemeClr val="tx1"/>
-                </a:solidFill>
-                <a:latin typeface="+mn-lt"/>
-                <a:ea typeface="+mn-ea"/>
-                <a:cs typeface="+mn-cs"/>
-              </a:defRPr>
-            </a:lvl7pPr>
-            <a:lvl8pPr marL="3429000" indent="-228600" algn="l" defTabSz="914400" rtl="0" eaLnBrk="1" latinLnBrk="0" hangingPunct="1">
-              <a:lnSpc>
-                <a:spcPct val="90000"/>
-              </a:lnSpc>
-              <a:spcBef>
-                <a:spcPts val="500"/>
-              </a:spcBef>
-              <a:buFont typeface="Arial" panose="020B0604020202020204" pitchFamily="34" charset="0"/>
-              <a:buChar char="•"/>
-              <a:defRPr sz="1800" kern="1200">
-                <a:solidFill>
-                  <a:schemeClr val="tx1"/>
-                </a:solidFill>
-                <a:latin typeface="+mn-lt"/>
-                <a:ea typeface="+mn-ea"/>
-                <a:cs typeface="+mn-cs"/>
-              </a:defRPr>
-            </a:lvl8pPr>
-            <a:lvl9pPr marL="3886200" indent="-228600" algn="l" defTabSz="914400" rtl="0" eaLnBrk="1" latinLnBrk="0" hangingPunct="1">
-              <a:lnSpc>
-                <a:spcPct val="90000"/>
-              </a:lnSpc>
-              <a:spcBef>
-                <a:spcPts val="500"/>
-              </a:spcBef>
-              <a:buFont typeface="Arial" panose="020B0604020202020204" pitchFamily="34" charset="0"/>
-              <a:buChar char="•"/>
-              <a:defRPr sz="1800" kern="1200">
-                <a:solidFill>
-                  <a:schemeClr val="tx1"/>
-                </a:solidFill>
-                <a:latin typeface="+mn-lt"/>
-                <a:ea typeface="+mn-ea"/>
-                <a:cs typeface="+mn-cs"/>
-              </a:defRPr>
-            </a:lvl9pPr>
-          </a:lstStyle>
-          <a:p>
-            <a:r>
-              <a:rPr lang="en-GB" dirty="0"/>
-              <a:t>Reusable analysis - </a:t>
-            </a:r>
-            <a:r>
-              <a:rPr lang="en-GB" dirty="0" err="1"/>
-              <a:t>Jupyter</a:t>
-            </a:r>
-            <a:endParaRPr lang="en-GB" dirty="0"/>
-          </a:p>
-          <a:p>
-            <a:r>
-              <a:rPr lang="en-GB" dirty="0"/>
-              <a:t>Version control </a:t>
-            </a:r>
-          </a:p>
-          <a:p>
-            <a:r>
-              <a:rPr lang="en-GB" dirty="0"/>
-              <a:t>Templates  </a:t>
-            </a:r>
-          </a:p>
-          <a:p>
-            <a:r>
-              <a:rPr lang="en-GB" dirty="0"/>
-              <a:t>Public repositories</a:t>
-            </a:r>
-          </a:p>
-          <a:p>
-            <a:r>
-              <a:rPr lang="pl-PL" dirty="0"/>
-              <a:t>Writing </a:t>
-            </a:r>
-            <a:r>
-              <a:rPr lang="en-GB" dirty="0"/>
-              <a:t>Data Management Plan</a:t>
-            </a:r>
-            <a:r>
-              <a:rPr lang="pl-PL" dirty="0"/>
-              <a:t>s</a:t>
-            </a:r>
-            <a:endParaRPr lang="en-GB" dirty="0"/>
-          </a:p>
-          <a:p>
-            <a:endParaRPr lang="en-GB" dirty="0"/>
-          </a:p>
-        </p:txBody>
-      </p:sp>
-    </p:spTree>
-    <p:extLst>
-      <p:ext uri="{BB962C8B-B14F-4D97-AF65-F5344CB8AC3E}">
-        <p14:creationId xmlns:p14="http://schemas.microsoft.com/office/powerpoint/2010/main" val="36609390"/>
-      </p:ext>
-    </p:extLst>
-  </p:cSld>
-  <p:clrMapOvr>
-    <a:masterClrMapping/>
-  </p:clrMapOvr>
-</p:sld>
-</file>
-
-<file path=ppt/slides/slide8.xml><?xml version="1.0" encoding="utf-8"?>
-<p:sld xmlns:a="http://schemas.openxmlformats.org/drawingml/2006/main" xmlns:r="http://schemas.openxmlformats.org/officeDocument/2006/relationships" xmlns:p="http://schemas.openxmlformats.org/presentationml/2006/main">
-  <p:cSld>
-    <p:spTree>
-      <p:nvGrpSpPr>
-        <p:cNvPr id="1" name=""/>
-        <p:cNvGrpSpPr/>
-        <p:nvPr/>
-      </p:nvGrpSpPr>
-      <p:grpSpPr>
-        <a:xfrm>
-          <a:off x="0" y="0"/>
-          <a:ext cx="0" cy="0"/>
-          <a:chOff x="0" y="0"/>
-          <a:chExt cx="0" cy="0"/>
-        </a:xfrm>
-      </p:grpSpPr>
-      <p:pic>
-        <p:nvPicPr>
-          <p:cNvPr id="12" name="Picture 11" descr="Diagram&#10;&#10;Description automatically generated">
-            <a:extLst>
-              <a:ext uri="{FF2B5EF4-FFF2-40B4-BE49-F238E27FC236}">
-                <a16:creationId xmlns:a16="http://schemas.microsoft.com/office/drawing/2014/main" id="{738DA57D-8583-0E4F-A2B5-9BE129AC4062}"/>
-              </a:ext>
-            </a:extLst>
-          </p:cNvPr>
-          <p:cNvPicPr>
-            <a:picLocks noChangeAspect="1"/>
-          </p:cNvPicPr>
-          <p:nvPr/>
-        </p:nvPicPr>
-        <p:blipFill>
-          <a:blip r:embed="rId2">
-            <a:extLst>
-              <a:ext uri="{28A0092B-C50C-407E-A947-70E740481C1C}">
-                <a14:useLocalDpi xmlns:a14="http://schemas.microsoft.com/office/drawing/2010/main" val="0"/>
-              </a:ext>
-            </a:extLst>
-          </a:blip>
-          <a:stretch>
-            <a:fillRect/>
-          </a:stretch>
-        </p:blipFill>
-        <p:spPr>
-          <a:xfrm>
-            <a:off x="3911575" y="34743"/>
-            <a:ext cx="7858198" cy="6610865"/>
-          </a:xfrm>
-          <a:prstGeom prst="rect">
-            <a:avLst/>
-          </a:prstGeom>
-        </p:spPr>
-      </p:pic>
-      <p:sp>
-        <p:nvSpPr>
-          <p:cNvPr id="10" name="TextBox 9">
-            <a:extLst>
-              <a:ext uri="{FF2B5EF4-FFF2-40B4-BE49-F238E27FC236}">
-                <a16:creationId xmlns:a16="http://schemas.microsoft.com/office/drawing/2014/main" id="{3B982C59-B2A6-9D4C-AFEB-B73A24BB43BB}"/>
-              </a:ext>
-            </a:extLst>
-          </p:cNvPr>
-          <p:cNvSpPr txBox="1"/>
-          <p:nvPr/>
-        </p:nvSpPr>
-        <p:spPr>
-          <a:xfrm>
-            <a:off x="0" y="2278347"/>
-            <a:ext cx="5842047" cy="2123658"/>
-          </a:xfrm>
-          <a:prstGeom prst="rect">
-            <a:avLst/>
-          </a:prstGeom>
-          <a:noFill/>
-        </p:spPr>
-        <p:txBody>
-          <a:bodyPr wrap="none" rtlCol="0">
-            <a:spAutoFit/>
-          </a:bodyPr>
-          <a:lstStyle/>
-          <a:p>
-            <a:pPr algn="ctr"/>
-            <a:r>
-              <a:rPr lang="en-GB" sz="4400" b="1" dirty="0">
-                <a:solidFill>
-                  <a:srgbClr val="0070C0"/>
-                </a:solidFill>
-              </a:rPr>
-              <a:t>Plan ahead</a:t>
-            </a:r>
-            <a:r>
-              <a:rPr lang="en-GB" sz="4400" dirty="0">
-                <a:solidFill>
-                  <a:srgbClr val="0070C0"/>
-                </a:solidFill>
-              </a:rPr>
-              <a:t> </a:t>
-            </a:r>
-          </a:p>
-          <a:p>
-            <a:pPr algn="ctr"/>
-            <a:r>
-              <a:rPr lang="en-GB" sz="4400" dirty="0">
-                <a:solidFill>
-                  <a:srgbClr val="0070C0"/>
-                </a:solidFill>
-              </a:rPr>
-              <a:t>data management plans </a:t>
-            </a:r>
-          </a:p>
-          <a:p>
-            <a:pPr algn="ctr"/>
-            <a:r>
-              <a:rPr lang="en-GB" sz="4400" dirty="0">
-                <a:solidFill>
-                  <a:srgbClr val="0070C0"/>
-                </a:solidFill>
-              </a:rPr>
-              <a:t>(DMPs)</a:t>
-            </a:r>
-          </a:p>
-        </p:txBody>
-      </p:sp>
-      <p:sp>
-        <p:nvSpPr>
-          <p:cNvPr id="13" name="TextBox 12">
-            <a:extLst>
-              <a:ext uri="{FF2B5EF4-FFF2-40B4-BE49-F238E27FC236}">
-                <a16:creationId xmlns:a16="http://schemas.microsoft.com/office/drawing/2014/main" id="{957371FC-A41A-FC42-AA1A-4AE67DD54925}"/>
-              </a:ext>
-            </a:extLst>
-          </p:cNvPr>
-          <p:cNvSpPr txBox="1"/>
-          <p:nvPr/>
-        </p:nvSpPr>
-        <p:spPr>
-          <a:xfrm>
-            <a:off x="7130266" y="6507109"/>
-            <a:ext cx="4115526" cy="276999"/>
-          </a:xfrm>
-          <a:prstGeom prst="rect">
-            <a:avLst/>
-          </a:prstGeom>
-          <a:noFill/>
-        </p:spPr>
-        <p:txBody>
-          <a:bodyPr wrap="square">
-            <a:spAutoFit/>
-          </a:bodyPr>
-          <a:lstStyle/>
-          <a:p>
-            <a:r>
-              <a:rPr lang="en-GB" sz="1200" b="0" i="1" dirty="0">
-                <a:solidFill>
-                  <a:srgbClr val="333333"/>
-                </a:solidFill>
-                <a:effectLst/>
-                <a:latin typeface="Ubuntu"/>
-              </a:rPr>
-              <a:t>Figure credits: </a:t>
-            </a:r>
-            <a:r>
-              <a:rPr lang="en-GB" sz="1200" i="1" dirty="0">
-                <a:solidFill>
-                  <a:srgbClr val="333333"/>
-                </a:solidFill>
-                <a:latin typeface="Ubuntu"/>
-              </a:rPr>
-              <a:t>Tomasz </a:t>
-            </a:r>
-            <a:r>
-              <a:rPr lang="en-GB" sz="1200" i="1" dirty="0" err="1">
-                <a:solidFill>
-                  <a:srgbClr val="333333"/>
-                </a:solidFill>
-                <a:latin typeface="Ubuntu"/>
-              </a:rPr>
-              <a:t>Zieliński</a:t>
-            </a:r>
-            <a:r>
-              <a:rPr lang="en-GB" sz="1200" i="1" dirty="0">
-                <a:solidFill>
-                  <a:srgbClr val="333333"/>
-                </a:solidFill>
-                <a:latin typeface="Ubuntu"/>
-              </a:rPr>
-              <a:t> and Andrés Romanowski</a:t>
-            </a:r>
-            <a:endParaRPr lang="en-GB" sz="1200" dirty="0"/>
-          </a:p>
-        </p:txBody>
-      </p:sp>
-      <p:pic>
-        <p:nvPicPr>
-          <p:cNvPr id="14" name="Picture 2" descr="Ed_DaSH">
-            <a:extLst>
-              <a:ext uri="{FF2B5EF4-FFF2-40B4-BE49-F238E27FC236}">
-                <a16:creationId xmlns:a16="http://schemas.microsoft.com/office/drawing/2014/main" id="{3FDDF77C-EC45-6443-8DF8-F8C9C5B93F1B}"/>
-              </a:ext>
-            </a:extLst>
-          </p:cNvPr>
-          <p:cNvPicPr>
-            <a:picLocks noChangeAspect="1" noChangeArrowheads="1"/>
-          </p:cNvPicPr>
-          <p:nvPr/>
-        </p:nvPicPr>
-        <p:blipFill>
-          <a:blip r:embed="rId3" cstate="hqprint">
-            <a:extLst>
-              <a:ext uri="{28A0092B-C50C-407E-A947-70E740481C1C}">
-                <a14:useLocalDpi xmlns:a14="http://schemas.microsoft.com/office/drawing/2010/main" val="0"/>
-              </a:ext>
-            </a:extLst>
-          </a:blip>
-          <a:srcRect/>
-          <a:stretch>
-            <a:fillRect/>
-          </a:stretch>
-        </p:blipFill>
-        <p:spPr bwMode="auto">
-          <a:xfrm>
-            <a:off x="10820670" y="5458691"/>
-            <a:ext cx="1289214" cy="1325418"/>
-          </a:xfrm>
-          <a:prstGeom prst="rect">
-            <a:avLst/>
-          </a:prstGeom>
-          <a:noFill/>
-          <a:extLst>
-            <a:ext uri="{909E8E84-426E-40DD-AFC4-6F175D3DCCD1}">
-              <a14:hiddenFill xmlns:a14="http://schemas.microsoft.com/office/drawing/2010/main">
-                <a:solidFill>
-                  <a:srgbClr val="FFFFFF"/>
-                </a:solidFill>
-              </a14:hiddenFill>
-            </a:ext>
-          </a:extLst>
-        </p:spPr>
-      </p:pic>
-      <p:sp>
-        <p:nvSpPr>
-          <p:cNvPr id="15" name="Arrow: Down 12">
-            <a:extLst>
-              <a:ext uri="{FF2B5EF4-FFF2-40B4-BE49-F238E27FC236}">
-                <a16:creationId xmlns:a16="http://schemas.microsoft.com/office/drawing/2014/main" id="{BEA0EBA6-8A0C-9F41-BFED-3811E7B9302A}"/>
-              </a:ext>
-            </a:extLst>
-          </p:cNvPr>
-          <p:cNvSpPr/>
-          <p:nvPr/>
-        </p:nvSpPr>
-        <p:spPr>
-          <a:xfrm rot="10800000">
-            <a:off x="4690939" y="2278347"/>
-            <a:ext cx="469783" cy="620786"/>
-          </a:xfrm>
-          <a:prstGeom prst="downArrow">
-            <a:avLst/>
-          </a:prstGeom>
-        </p:spPr>
-        <p:style>
-          <a:lnRef idx="2">
-            <a:schemeClr val="accent1">
-              <a:shade val="50000"/>
-            </a:schemeClr>
-          </a:lnRef>
-          <a:fillRef idx="1">
-            <a:schemeClr val="accent1"/>
-          </a:fillRef>
-          <a:effectRef idx="0">
-            <a:schemeClr val="accent1"/>
-          </a:effectRef>
-          <a:fontRef idx="minor">
-            <a:schemeClr val="lt1"/>
-          </a:fontRef>
-        </p:style>
-        <p:txBody>
-          <a:bodyPr rtlCol="0" anchor="ctr"/>
-          <a:lstStyle/>
-          <a:p>
-            <a:pPr algn="ctr"/>
-            <a:endParaRPr lang="en-GB"/>
-          </a:p>
-        </p:txBody>
-      </p:sp>
-    </p:spTree>
-    <p:extLst>
-      <p:ext uri="{BB962C8B-B14F-4D97-AF65-F5344CB8AC3E}">
-        <p14:creationId xmlns:p14="http://schemas.microsoft.com/office/powerpoint/2010/main" val="2847453607"/>
       </p:ext>
     </p:extLst>
   </p:cSld>
@@ -10325,288 +9628,377 @@
           <a:chExt cx="0" cy="0"/>
         </a:xfrm>
       </p:grpSpPr>
-      <p:pic>
-        <p:nvPicPr>
-          <p:cNvPr id="4" name="Picture 2" descr="Ed_DaSH">
-            <a:extLst>
-              <a:ext uri="{FF2B5EF4-FFF2-40B4-BE49-F238E27FC236}">
-                <a16:creationId xmlns:a16="http://schemas.microsoft.com/office/drawing/2014/main" id="{CB8DDD8E-B41B-4E5C-9734-A84924C2F77C}"/>
-              </a:ext>
-            </a:extLst>
-          </p:cNvPr>
-          <p:cNvPicPr>
-            <a:picLocks noChangeAspect="1" noChangeArrowheads="1"/>
-          </p:cNvPicPr>
-          <p:nvPr/>
-        </p:nvPicPr>
-        <p:blipFill>
-          <a:blip r:embed="rId2" cstate="hqprint">
-            <a:extLst>
-              <a:ext uri="{28A0092B-C50C-407E-A947-70E740481C1C}">
-                <a14:useLocalDpi xmlns:a14="http://schemas.microsoft.com/office/drawing/2010/main" val="0"/>
-              </a:ext>
-            </a:extLst>
-          </a:blip>
-          <a:srcRect/>
-          <a:stretch>
-            <a:fillRect/>
-          </a:stretch>
-        </p:blipFill>
-        <p:spPr bwMode="auto">
-          <a:xfrm>
-            <a:off x="10828265" y="5484776"/>
-            <a:ext cx="1289214" cy="1325418"/>
-          </a:xfrm>
-          <a:prstGeom prst="rect">
-            <a:avLst/>
-          </a:prstGeom>
-          <a:noFill/>
-          <a:extLst>
-            <a:ext uri="{909E8E84-426E-40DD-AFC4-6F175D3DCCD1}">
-              <a14:hiddenFill xmlns:a14="http://schemas.microsoft.com/office/drawing/2010/main">
-                <a:solidFill>
-                  <a:srgbClr val="FFFFFF"/>
-                </a:solidFill>
-              </a14:hiddenFill>
-            </a:ext>
-          </a:extLst>
-        </p:spPr>
-      </p:pic>
-      <p:sp>
-        <p:nvSpPr>
-          <p:cNvPr id="5" name="TextBox 4">
-            <a:extLst>
-              <a:ext uri="{FF2B5EF4-FFF2-40B4-BE49-F238E27FC236}">
-                <a16:creationId xmlns:a16="http://schemas.microsoft.com/office/drawing/2014/main" id="{04BC0F31-E205-48BE-9168-4E7864868447}"/>
-              </a:ext>
-            </a:extLst>
-          </p:cNvPr>
-          <p:cNvSpPr txBox="1"/>
-          <p:nvPr/>
+      <p:sp>
+        <p:nvSpPr>
+          <p:cNvPr id="2" name="Title 1"/>
+          <p:cNvSpPr>
+            <a:spLocks noGrp="1"/>
+          </p:cNvSpPr>
+          <p:nvPr>
+            <p:ph type="title"/>
+          </p:nvPr>
+        </p:nvSpPr>
+        <p:spPr/>
+        <p:txBody>
+          <a:bodyPr/>
+          <a:lstStyle/>
+          <a:p>
+            <a:r>
+              <a:rPr lang="en-GB" dirty="0">
+                <a:solidFill>
+                  <a:srgbClr val="0070C0"/>
+                </a:solidFill>
+              </a:rPr>
+              <a:t>FAIR in (bio) practice - </a:t>
+            </a:r>
+            <a:r>
+              <a:rPr lang="pl-PL" dirty="0">
+                <a:solidFill>
+                  <a:srgbClr val="0070C0"/>
+                </a:solidFill>
+              </a:rPr>
+              <a:t>workshop</a:t>
+            </a:r>
+            <a:endParaRPr lang="en-GB" dirty="0">
+              <a:solidFill>
+                <a:srgbClr val="0070C0"/>
+              </a:solidFill>
+            </a:endParaRPr>
+          </a:p>
+        </p:txBody>
+      </p:sp>
+      <p:sp>
+        <p:nvSpPr>
+          <p:cNvPr id="4" name="Content Placeholder 3"/>
+          <p:cNvSpPr>
+            <a:spLocks noGrp="1"/>
+          </p:cNvSpPr>
+          <p:nvPr>
+            <p:ph idx="1"/>
+          </p:nvPr>
         </p:nvSpPr>
         <p:spPr>
           <a:xfrm>
-            <a:off x="846306" y="5059431"/>
-            <a:ext cx="10651787" cy="369332"/>
+            <a:off x="838200" y="1825625"/>
+            <a:ext cx="4876800" cy="4351338"/>
           </a:xfrm>
-          <a:prstGeom prst="rect">
-            <a:avLst/>
-          </a:prstGeom>
-          <a:solidFill>
-            <a:schemeClr val="accent1">
-              <a:lumMod val="20000"/>
-              <a:lumOff val="80000"/>
-            </a:schemeClr>
-          </a:solidFill>
         </p:spPr>
         <p:txBody>
-          <a:bodyPr wrap="square">
-            <a:spAutoFit/>
-          </a:bodyPr>
+          <a:bodyPr/>
           <a:lstStyle/>
           <a:p>
-            <a:pPr algn="ctr"/>
-            <a:r>
-              <a:rPr lang="en-GB" dirty="0"/>
-              <a:t>A scientific paper is often written more than 1 year after the experiments were performed. </a:t>
-            </a:r>
-            <a:endParaRPr lang="en-GB" b="1" dirty="0"/>
-          </a:p>
-        </p:txBody>
-      </p:sp>
-      <p:sp>
-        <p:nvSpPr>
-          <p:cNvPr id="6" name="TextBox 5">
-            <a:extLst>
-              <a:ext uri="{FF2B5EF4-FFF2-40B4-BE49-F238E27FC236}">
-                <a16:creationId xmlns:a16="http://schemas.microsoft.com/office/drawing/2014/main" id="{A58BC19B-FDF6-4F92-952B-6DCB34A4E14E}"/>
-              </a:ext>
-            </a:extLst>
-          </p:cNvPr>
-          <p:cNvSpPr txBox="1"/>
+            <a:r>
+              <a:rPr lang="en-GB" dirty="0">
+                <a:solidFill>
+                  <a:srgbClr val="0070C0"/>
+                </a:solidFill>
+              </a:rPr>
+              <a:t>Introduction to Open Science and FAIR</a:t>
+            </a:r>
+          </a:p>
+          <a:p>
+            <a:r>
+              <a:rPr lang="en-GB" dirty="0">
+                <a:solidFill>
+                  <a:srgbClr val="0070C0"/>
+                </a:solidFill>
+              </a:rPr>
+              <a:t>IP, Licensing and Openness </a:t>
+            </a:r>
+          </a:p>
+          <a:p>
+            <a:r>
+              <a:rPr lang="en-GB" dirty="0">
+                <a:solidFill>
+                  <a:srgbClr val="0070C0"/>
+                </a:solidFill>
+              </a:rPr>
+              <a:t>Metadata </a:t>
+            </a:r>
+          </a:p>
+          <a:p>
+            <a:r>
+              <a:rPr lang="en-GB" dirty="0">
+                <a:solidFill>
+                  <a:srgbClr val="0070C0"/>
+                </a:solidFill>
+              </a:rPr>
+              <a:t>Ontologies</a:t>
+            </a:r>
+          </a:p>
+          <a:p>
+            <a:r>
+              <a:rPr lang="en-GB" dirty="0">
+                <a:solidFill>
+                  <a:srgbClr val="0070C0"/>
+                </a:solidFill>
+              </a:rPr>
+              <a:t>(Meta)data in Excel</a:t>
+            </a:r>
+          </a:p>
+          <a:p>
+            <a:r>
+              <a:rPr lang="en-GB" dirty="0">
+                <a:solidFill>
+                  <a:srgbClr val="0070C0"/>
+                </a:solidFill>
+              </a:rPr>
+              <a:t>Record keeping</a:t>
+            </a:r>
+          </a:p>
+          <a:p>
+            <a:r>
+              <a:rPr lang="en-GB" dirty="0">
+                <a:solidFill>
+                  <a:srgbClr val="0070C0"/>
+                </a:solidFill>
+              </a:rPr>
+              <a:t>Working with files</a:t>
+            </a:r>
+          </a:p>
+          <a:p>
+            <a:endParaRPr lang="en-GB" dirty="0"/>
+          </a:p>
+        </p:txBody>
+      </p:sp>
+      <p:sp>
+        <p:nvSpPr>
+          <p:cNvPr id="5" name="Content Placeholder 3"/>
+          <p:cNvSpPr txBox="1">
+            <a:spLocks/>
+          </p:cNvSpPr>
           <p:nvPr/>
         </p:nvSpPr>
         <p:spPr>
           <a:xfrm>
-            <a:off x="1183160" y="1198404"/>
-            <a:ext cx="5991363" cy="2554545"/>
-          </a:xfrm>
-          <a:prstGeom prst="rect">
-            <a:avLst/>
-          </a:prstGeom>
-          <a:noFill/>
-        </p:spPr>
-        <p:txBody>
-          <a:bodyPr wrap="square" rtlCol="0">
-            <a:spAutoFit/>
-          </a:bodyPr>
-          <a:lstStyle/>
-          <a:p>
-            <a:pPr marL="285750" indent="-285750">
-              <a:buFont typeface="Arial" panose="020B0604020202020204" pitchFamily="34" charset="0"/>
-              <a:buChar char="•"/>
-            </a:pPr>
-            <a:r>
-              <a:rPr lang="en-GB" sz="2000" dirty="0" smtClean="0"/>
-              <a:t>Data </a:t>
-            </a:r>
-            <a:r>
-              <a:rPr lang="en-GB" sz="2000" dirty="0"/>
-              <a:t>is the basis for research papers and </a:t>
-            </a:r>
-            <a:r>
-              <a:rPr lang="en-GB" sz="2000" dirty="0" smtClean="0"/>
-              <a:t>theses</a:t>
-            </a:r>
-            <a:r>
-              <a:rPr lang="en-GB" sz="2000" dirty="0"/>
-              <a:t>.</a:t>
-            </a:r>
-          </a:p>
-          <a:p>
-            <a:pPr marL="285750" indent="-285750">
-              <a:buFont typeface="Arial" panose="020B0604020202020204" pitchFamily="34" charset="0"/>
-              <a:buChar char="•"/>
-            </a:pPr>
-            <a:r>
-              <a:rPr lang="en-GB" sz="2000" dirty="0"/>
-              <a:t>Data is fragile and easily lost. </a:t>
-            </a:r>
-            <a:r>
-              <a:rPr lang="en-GB" sz="2000" dirty="0" smtClean="0"/>
-              <a:t>Data needs </a:t>
-            </a:r>
-            <a:r>
-              <a:rPr lang="en-GB" sz="2000" dirty="0"/>
-              <a:t>to </a:t>
-            </a:r>
-            <a:r>
-              <a:rPr lang="en-GB" sz="2000" dirty="0" smtClean="0"/>
-              <a:t>be backed up</a:t>
-            </a:r>
-            <a:endParaRPr lang="en-GB" sz="2000" dirty="0"/>
-          </a:p>
-          <a:p>
-            <a:pPr marL="285750" indent="-285750">
-              <a:buFont typeface="Arial" panose="020B0604020202020204" pitchFamily="34" charset="0"/>
-              <a:buChar char="•"/>
-            </a:pPr>
-            <a:r>
-              <a:rPr lang="en-GB" sz="2000" b="1" dirty="0"/>
-              <a:t>Growing data management demands by funders.</a:t>
-            </a:r>
-          </a:p>
-          <a:p>
-            <a:pPr marL="285750" indent="-285750">
-              <a:buFont typeface="Arial" panose="020B0604020202020204" pitchFamily="34" charset="0"/>
-              <a:buChar char="•"/>
-            </a:pPr>
-            <a:r>
-              <a:rPr lang="en-GB" sz="2000" dirty="0" smtClean="0"/>
-              <a:t>There are costs involved in data management</a:t>
-            </a:r>
-          </a:p>
-          <a:p>
-            <a:pPr marL="285750" indent="-285750">
-              <a:buFont typeface="Arial" panose="020B0604020202020204" pitchFamily="34" charset="0"/>
-              <a:buChar char="•"/>
-            </a:pPr>
-            <a:r>
-              <a:rPr lang="en-GB" sz="2000" dirty="0"/>
-              <a:t>It saves time and resources in the long run</a:t>
-            </a:r>
-          </a:p>
-          <a:p>
-            <a:pPr marL="285750" indent="-285750">
-              <a:buFont typeface="Arial" panose="020B0604020202020204" pitchFamily="34" charset="0"/>
-              <a:buChar char="•"/>
-            </a:pPr>
-            <a:endParaRPr lang="en-GB" sz="2000" dirty="0"/>
-          </a:p>
-          <a:p>
-            <a:pPr marL="285750" indent="-285750">
-              <a:buFont typeface="Arial" panose="020B0604020202020204" pitchFamily="34" charset="0"/>
-              <a:buChar char="•"/>
-            </a:pPr>
-            <a:endParaRPr lang="en-GB" sz="2000" dirty="0"/>
-          </a:p>
-        </p:txBody>
-      </p:sp>
-      <p:pic>
-        <p:nvPicPr>
-          <p:cNvPr id="7" name="Picture 6">
-            <a:extLst>
-              <a:ext uri="{FF2B5EF4-FFF2-40B4-BE49-F238E27FC236}">
-                <a16:creationId xmlns:a16="http://schemas.microsoft.com/office/drawing/2014/main" id="{EEFD60A1-3666-4CD6-8AC9-F4A8E3948752}"/>
-              </a:ext>
-            </a:extLst>
-          </p:cNvPr>
-          <p:cNvPicPr>
-            <a:picLocks noChangeAspect="1"/>
-          </p:cNvPicPr>
-          <p:nvPr/>
-        </p:nvPicPr>
-        <p:blipFill>
-          <a:blip r:embed="rId3"/>
-          <a:stretch>
-            <a:fillRect/>
-          </a:stretch>
-        </p:blipFill>
-        <p:spPr>
-          <a:xfrm>
-            <a:off x="7735282" y="795701"/>
-            <a:ext cx="3841525" cy="3563915"/>
+            <a:off x="6004560" y="1825625"/>
+            <a:ext cx="5364480" cy="4351338"/>
           </a:xfrm>
           <a:prstGeom prst="rect">
             <a:avLst/>
           </a:prstGeom>
         </p:spPr>
-      </p:pic>
-      <p:sp>
-        <p:nvSpPr>
-          <p:cNvPr id="8" name="TextBox 7">
-            <a:extLst>
-              <a:ext uri="{FF2B5EF4-FFF2-40B4-BE49-F238E27FC236}">
-                <a16:creationId xmlns:a16="http://schemas.microsoft.com/office/drawing/2014/main" id="{1D8EE843-1CA2-40D4-9C52-FDA820EB7CFB}"/>
-              </a:ext>
-            </a:extLst>
-          </p:cNvPr>
-          <p:cNvSpPr txBox="1"/>
-          <p:nvPr/>
-        </p:nvSpPr>
-        <p:spPr>
-          <a:xfrm>
-            <a:off x="191199" y="305852"/>
-            <a:ext cx="11385608" cy="584775"/>
-          </a:xfrm>
-          <a:prstGeom prst="rect">
-            <a:avLst/>
-          </a:prstGeom>
-          <a:noFill/>
-        </p:spPr>
-        <p:txBody>
-          <a:bodyPr wrap="square">
-            <a:spAutoFit/>
+        <p:txBody>
+          <a:bodyPr vert="horz" lIns="91440" tIns="45720" rIns="91440" bIns="45720" rtlCol="0">
+            <a:normAutofit/>
           </a:bodyPr>
-          <a:lstStyle/>
-          <a:p>
-            <a:r>
-              <a:rPr lang="en-GB" sz="3200" b="0" i="0" dirty="0">
+          <a:lstStyle>
+            <a:lvl1pPr marL="228600" indent="-228600" algn="l" defTabSz="914400" rtl="0" eaLnBrk="1" latinLnBrk="0" hangingPunct="1">
+              <a:lnSpc>
+                <a:spcPct val="90000"/>
+              </a:lnSpc>
+              <a:spcBef>
+                <a:spcPts val="1000"/>
+              </a:spcBef>
+              <a:buFont typeface="Arial" panose="020B0604020202020204" pitchFamily="34" charset="0"/>
+              <a:buChar char="•"/>
+              <a:defRPr sz="2800" kern="1200">
                 <a:solidFill>
                   <a:srgbClr val="0070C0"/>
                 </a:solidFill>
-                <a:effectLst/>
-                <a:latin typeface="Ubuntu"/>
-              </a:rPr>
-              <a:t>Why do we need Data Management Plans?</a:t>
-            </a:r>
+                <a:latin typeface="+mn-lt"/>
+                <a:ea typeface="+mn-ea"/>
+                <a:cs typeface="+mn-cs"/>
+              </a:defRPr>
+            </a:lvl1pPr>
+            <a:lvl2pPr marL="685800" indent="-228600" algn="l" defTabSz="914400" rtl="0" eaLnBrk="1" latinLnBrk="0" hangingPunct="1">
+              <a:lnSpc>
+                <a:spcPct val="90000"/>
+              </a:lnSpc>
+              <a:spcBef>
+                <a:spcPts val="500"/>
+              </a:spcBef>
+              <a:buFont typeface="Arial" panose="020B0604020202020204" pitchFamily="34" charset="0"/>
+              <a:buChar char="•"/>
+              <a:defRPr sz="2400" kern="1200">
+                <a:solidFill>
+                  <a:srgbClr val="0070C0"/>
+                </a:solidFill>
+                <a:latin typeface="+mn-lt"/>
+                <a:ea typeface="+mn-ea"/>
+                <a:cs typeface="+mn-cs"/>
+              </a:defRPr>
+            </a:lvl2pPr>
+            <a:lvl3pPr marL="1143000" indent="-228600" algn="l" defTabSz="914400" rtl="0" eaLnBrk="1" latinLnBrk="0" hangingPunct="1">
+              <a:lnSpc>
+                <a:spcPct val="90000"/>
+              </a:lnSpc>
+              <a:spcBef>
+                <a:spcPts val="500"/>
+              </a:spcBef>
+              <a:buFont typeface="Arial" panose="020B0604020202020204" pitchFamily="34" charset="0"/>
+              <a:buChar char="•"/>
+              <a:defRPr sz="2000" kern="1200">
+                <a:solidFill>
+                  <a:srgbClr val="0070C0"/>
+                </a:solidFill>
+                <a:latin typeface="+mn-lt"/>
+                <a:ea typeface="+mn-ea"/>
+                <a:cs typeface="+mn-cs"/>
+              </a:defRPr>
+            </a:lvl3pPr>
+            <a:lvl4pPr marL="1600200" indent="-228600" algn="l" defTabSz="914400" rtl="0" eaLnBrk="1" latinLnBrk="0" hangingPunct="1">
+              <a:lnSpc>
+                <a:spcPct val="90000"/>
+              </a:lnSpc>
+              <a:spcBef>
+                <a:spcPts val="500"/>
+              </a:spcBef>
+              <a:buFont typeface="Arial" panose="020B0604020202020204" pitchFamily="34" charset="0"/>
+              <a:buChar char="•"/>
+              <a:defRPr sz="1800" kern="1200">
+                <a:solidFill>
+                  <a:srgbClr val="0070C0"/>
+                </a:solidFill>
+                <a:latin typeface="+mn-lt"/>
+                <a:ea typeface="+mn-ea"/>
+                <a:cs typeface="+mn-cs"/>
+              </a:defRPr>
+            </a:lvl4pPr>
+            <a:lvl5pPr marL="2057400" indent="-228600" algn="l" defTabSz="914400" rtl="0" eaLnBrk="1" latinLnBrk="0" hangingPunct="1">
+              <a:lnSpc>
+                <a:spcPct val="90000"/>
+              </a:lnSpc>
+              <a:spcBef>
+                <a:spcPts val="500"/>
+              </a:spcBef>
+              <a:buFont typeface="Arial" panose="020B0604020202020204" pitchFamily="34" charset="0"/>
+              <a:buChar char="•"/>
+              <a:defRPr sz="1800" kern="1200">
+                <a:solidFill>
+                  <a:srgbClr val="0070C0"/>
+                </a:solidFill>
+                <a:latin typeface="+mn-lt"/>
+                <a:ea typeface="+mn-ea"/>
+                <a:cs typeface="+mn-cs"/>
+              </a:defRPr>
+            </a:lvl5pPr>
+            <a:lvl6pPr marL="2514600" indent="-228600" algn="l" defTabSz="914400" rtl="0" eaLnBrk="1" latinLnBrk="0" hangingPunct="1">
+              <a:lnSpc>
+                <a:spcPct val="90000"/>
+              </a:lnSpc>
+              <a:spcBef>
+                <a:spcPts val="500"/>
+              </a:spcBef>
+              <a:buFont typeface="Arial" panose="020B0604020202020204" pitchFamily="34" charset="0"/>
+              <a:buChar char="•"/>
+              <a:defRPr sz="1800" kern="1200">
+                <a:solidFill>
+                  <a:schemeClr val="tx1"/>
+                </a:solidFill>
+                <a:latin typeface="+mn-lt"/>
+                <a:ea typeface="+mn-ea"/>
+                <a:cs typeface="+mn-cs"/>
+              </a:defRPr>
+            </a:lvl6pPr>
+            <a:lvl7pPr marL="2971800" indent="-228600" algn="l" defTabSz="914400" rtl="0" eaLnBrk="1" latinLnBrk="0" hangingPunct="1">
+              <a:lnSpc>
+                <a:spcPct val="90000"/>
+              </a:lnSpc>
+              <a:spcBef>
+                <a:spcPts val="500"/>
+              </a:spcBef>
+              <a:buFont typeface="Arial" panose="020B0604020202020204" pitchFamily="34" charset="0"/>
+              <a:buChar char="•"/>
+              <a:defRPr sz="1800" kern="1200">
+                <a:solidFill>
+                  <a:schemeClr val="tx1"/>
+                </a:solidFill>
+                <a:latin typeface="+mn-lt"/>
+                <a:ea typeface="+mn-ea"/>
+                <a:cs typeface="+mn-cs"/>
+              </a:defRPr>
+            </a:lvl7pPr>
+            <a:lvl8pPr marL="3429000" indent="-228600" algn="l" defTabSz="914400" rtl="0" eaLnBrk="1" latinLnBrk="0" hangingPunct="1">
+              <a:lnSpc>
+                <a:spcPct val="90000"/>
+              </a:lnSpc>
+              <a:spcBef>
+                <a:spcPts val="500"/>
+              </a:spcBef>
+              <a:buFont typeface="Arial" panose="020B0604020202020204" pitchFamily="34" charset="0"/>
+              <a:buChar char="•"/>
+              <a:defRPr sz="1800" kern="1200">
+                <a:solidFill>
+                  <a:schemeClr val="tx1"/>
+                </a:solidFill>
+                <a:latin typeface="+mn-lt"/>
+                <a:ea typeface="+mn-ea"/>
+                <a:cs typeface="+mn-cs"/>
+              </a:defRPr>
+            </a:lvl8pPr>
+            <a:lvl9pPr marL="3886200" indent="-228600" algn="l" defTabSz="914400" rtl="0" eaLnBrk="1" latinLnBrk="0" hangingPunct="1">
+              <a:lnSpc>
+                <a:spcPct val="90000"/>
+              </a:lnSpc>
+              <a:spcBef>
+                <a:spcPts val="500"/>
+              </a:spcBef>
+              <a:buFont typeface="Arial" panose="020B0604020202020204" pitchFamily="34" charset="0"/>
+              <a:buChar char="•"/>
+              <a:defRPr sz="1800" kern="1200">
+                <a:solidFill>
+                  <a:schemeClr val="tx1"/>
+                </a:solidFill>
+                <a:latin typeface="+mn-lt"/>
+                <a:ea typeface="+mn-ea"/>
+                <a:cs typeface="+mn-cs"/>
+              </a:defRPr>
+            </a:lvl9pPr>
+          </a:lstStyle>
+          <a:p>
+            <a:r>
+              <a:rPr lang="en-GB" dirty="0"/>
+              <a:t>Reusable analysis - </a:t>
+            </a:r>
+            <a:r>
+              <a:rPr lang="en-GB" dirty="0" err="1"/>
+              <a:t>Jupyter</a:t>
+            </a:r>
+            <a:endParaRPr lang="en-GB" dirty="0"/>
+          </a:p>
+          <a:p>
+            <a:r>
+              <a:rPr lang="en-GB" dirty="0"/>
+              <a:t>Version control </a:t>
+            </a:r>
+          </a:p>
+          <a:p>
+            <a:r>
+              <a:rPr lang="en-GB" dirty="0"/>
+              <a:t>Templates  </a:t>
+            </a:r>
+          </a:p>
+          <a:p>
+            <a:r>
+              <a:rPr lang="en-GB" dirty="0"/>
+              <a:t>Public repositories</a:t>
+            </a:r>
+          </a:p>
+          <a:p>
+            <a:r>
+              <a:rPr lang="pl-PL" dirty="0"/>
+              <a:t>Writing </a:t>
+            </a:r>
+            <a:r>
+              <a:rPr lang="en-GB" dirty="0"/>
+              <a:t>Data Management Plan</a:t>
+            </a:r>
+            <a:r>
+              <a:rPr lang="pl-PL" dirty="0"/>
+              <a:t>s</a:t>
+            </a:r>
+            <a:endParaRPr lang="en-GB" dirty="0"/>
+          </a:p>
+          <a:p>
+            <a:endParaRPr lang="en-GB" dirty="0"/>
           </a:p>
         </p:txBody>
       </p:sp>
     </p:spTree>
     <p:extLst>
       <p:ext uri="{BB962C8B-B14F-4D97-AF65-F5344CB8AC3E}">
-        <p14:creationId xmlns:p14="http://schemas.microsoft.com/office/powerpoint/2010/main" val="3136614349"/>
+        <p14:creationId xmlns:p14="http://schemas.microsoft.com/office/powerpoint/2010/main" val="36609390"/>
       </p:ext>
     </p:extLst>
   </p:cSld>

--- a/instructors/06-Wrapping_up.pptx
+++ b/instructors/06-Wrapping_up.pptx
@@ -6103,7 +6103,7 @@
                 <a14:useLocalDpi xmlns:a14="http://schemas.microsoft.com/office/drawing/2010/main" val="0"/>
               </a:ext>
               <a:ext uri="{96DAC541-7B7A-43D3-8B79-37D633B846F1}">
-                <asvg:svgBlip xmlns="" xmlns:asvg="http://schemas.microsoft.com/office/drawing/2016/SVG/main" r:embed="rId4"/>
+                <asvg:svgBlip xmlns:asvg="http://schemas.microsoft.com/office/drawing/2016/SVG/main" xmlns="" r:embed="rId4"/>
               </a:ext>
             </a:extLst>
           </a:blip>
@@ -6209,15 +6209,7 @@
                   <a:srgbClr val="0070C0"/>
                 </a:solidFill>
               </a:rPr>
-              <a:t>Which practices to introduce </a:t>
-            </a:r>
-            <a:r>
-              <a:rPr lang="en-GB" sz="2800" dirty="0" smtClean="0">
-                <a:solidFill>
-                  <a:srgbClr val="0070C0"/>
-                </a:solidFill>
-              </a:rPr>
-              <a:t>first</a:t>
+              <a:t>Which practices to introduce first</a:t>
             </a:r>
             <a:endParaRPr lang="en-GB" sz="2800" dirty="0">
               <a:solidFill>
@@ -6478,7 +6470,15 @@
                   <a:srgbClr val="0070C0"/>
                 </a:solidFill>
               </a:rPr>
-              <a:t>experiments descriptions  (templates)</a:t>
+              <a:t>experiment </a:t>
+            </a:r>
+            <a:r>
+              <a:rPr lang="en-GB" dirty="0" smtClean="0">
+                <a:solidFill>
+                  <a:srgbClr val="0070C0"/>
+                </a:solidFill>
+              </a:rPr>
+              <a:t>descriptions  (templates)</a:t>
             </a:r>
             <a:endParaRPr lang="en-GB" dirty="0">
               <a:solidFill>
@@ -6843,7 +6843,39 @@
                   <a:srgbClr val="0070C0"/>
                 </a:solidFill>
               </a:rPr>
-              <a:t>Be the active users of the tools</a:t>
+              <a:t>Be </a:t>
+            </a:r>
+            <a:r>
+              <a:rPr lang="en-GB" dirty="0" smtClean="0">
+                <a:solidFill>
+                  <a:srgbClr val="0070C0"/>
+                </a:solidFill>
+              </a:rPr>
+              <a:t>an </a:t>
+            </a:r>
+            <a:r>
+              <a:rPr lang="en-GB" dirty="0" smtClean="0">
+                <a:solidFill>
+                  <a:srgbClr val="0070C0"/>
+                </a:solidFill>
+              </a:rPr>
+              <a:t>active </a:t>
+            </a:r>
+            <a:r>
+              <a:rPr lang="en-GB" dirty="0" smtClean="0">
+                <a:solidFill>
+                  <a:srgbClr val="0070C0"/>
+                </a:solidFill>
+              </a:rPr>
+              <a:t>user </a:t>
+            </a:r>
+            <a:r>
+              <a:rPr lang="en-GB" dirty="0" smtClean="0">
+                <a:solidFill>
+                  <a:srgbClr val="0070C0"/>
+                </a:solidFill>
+              </a:rPr>
+              <a:t>of the tools</a:t>
             </a:r>
             <a:endParaRPr lang="en-GB" dirty="0">
               <a:solidFill>
@@ -6865,7 +6897,31 @@
                   <a:srgbClr val="0070C0"/>
                 </a:solidFill>
               </a:rPr>
-              <a:t>Ask for links to resources not attachment</a:t>
+              <a:t>Ask for links to </a:t>
+            </a:r>
+            <a:r>
+              <a:rPr lang="en-GB" dirty="0" smtClean="0">
+                <a:solidFill>
+                  <a:srgbClr val="0070C0"/>
+                </a:solidFill>
+              </a:rPr>
+              <a:t>resources, </a:t>
+            </a:r>
+            <a:r>
+              <a:rPr lang="en-GB" dirty="0" smtClean="0">
+                <a:solidFill>
+                  <a:srgbClr val="0070C0"/>
+                </a:solidFill>
+              </a:rPr>
+              <a:t>not </a:t>
+            </a:r>
+            <a:r>
+              <a:rPr lang="en-GB" dirty="0" smtClean="0">
+                <a:solidFill>
+                  <a:srgbClr val="0070C0"/>
+                </a:solidFill>
+              </a:rPr>
+              <a:t>attachments</a:t>
             </a:r>
             <a:endParaRPr lang="en-GB" dirty="0">
               <a:solidFill>
@@ -6931,7 +6987,15 @@
                   <a:srgbClr val="0070C0"/>
                 </a:solidFill>
               </a:rPr>
-              <a:t>Data curation day</a:t>
+              <a:t>Data curation </a:t>
+            </a:r>
+            <a:r>
+              <a:rPr lang="en-GB" dirty="0" smtClean="0">
+                <a:solidFill>
+                  <a:srgbClr val="0070C0"/>
+                </a:solidFill>
+              </a:rPr>
+              <a:t>days</a:t>
             </a:r>
             <a:endParaRPr lang="en-GB" dirty="0">
               <a:solidFill>
@@ -7160,11 +7224,6 @@
               </a:rPr>
               <a:t>collaboration</a:t>
             </a:r>
-            <a:endParaRPr lang="en-GB" dirty="0" smtClean="0">
-              <a:solidFill>
-                <a:srgbClr val="0070C0"/>
-              </a:solidFill>
-            </a:endParaRPr>
           </a:p>
           <a:p>
             <a:pPr lvl="1"/>
@@ -7204,13 +7263,18 @@
           </a:p>
           <a:p>
             <a:r>
-              <a:rPr lang="en-GB" dirty="0">
+              <a:rPr lang="en-GB" dirty="0" smtClean="0">
                 <a:solidFill>
                   <a:srgbClr val="0070C0"/>
                 </a:solidFill>
               </a:rPr>
-              <a:t>Accountability </a:t>
-            </a:r>
+              <a:t>Accountability, “research integrity” </a:t>
+            </a:r>
+            <a:endParaRPr lang="en-GB" dirty="0">
+              <a:solidFill>
+                <a:srgbClr val="0070C0"/>
+              </a:solidFill>
+            </a:endParaRPr>
           </a:p>
           <a:p>
             <a:endParaRPr lang="en-GB" dirty="0" smtClean="0">
@@ -7329,7 +7393,7 @@
           <a:effectLst/>
           <a:extLst>
             <a:ext uri="{AF507438-7753-43e0-B8FC-AC1667EBCBE1}">
-              <a14:hiddenEffects xmlns:a14="http://schemas.microsoft.com/office/drawing/2010/main" xmlns="">
+              <a14:hiddenEffects xmlns="" xmlns:a14="http://schemas.microsoft.com/office/drawing/2010/main">
                 <a:effectLst>
                   <a:outerShdw dist="35921" dir="2700000" algn="ctr" rotWithShape="0">
                     <a:schemeClr val="bg2"/>
@@ -7660,7 +7724,7 @@
             <a:effectLst/>
             <a:extLst>
               <a:ext uri="{AF507438-7753-43e0-B8FC-AC1667EBCBE1}">
-                <a14:hiddenEffects xmlns:a14="http://schemas.microsoft.com/office/drawing/2010/main" xmlns="">
+                <a14:hiddenEffects xmlns="" xmlns:a14="http://schemas.microsoft.com/office/drawing/2010/main">
                   <a:effectLst>
                     <a:outerShdw dist="35921" dir="2700000" algn="ctr" rotWithShape="0">
                       <a:schemeClr val="bg2"/>
@@ -7722,7 +7786,7 @@
             <a:effectLst/>
             <a:extLst>
               <a:ext uri="{AF507438-7753-43e0-B8FC-AC1667EBCBE1}">
-                <a14:hiddenEffects xmlns:a14="http://schemas.microsoft.com/office/drawing/2010/main" xmlns="">
+                <a14:hiddenEffects xmlns="" xmlns:a14="http://schemas.microsoft.com/office/drawing/2010/main">
                   <a:effectLst>
                     <a:outerShdw dist="35921" dir="2700000" algn="ctr" rotWithShape="0">
                       <a:schemeClr val="bg2"/>
@@ -7799,7 +7863,7 @@
             <a:effectLst/>
             <a:extLst>
               <a:ext uri="{AF507438-7753-43e0-B8FC-AC1667EBCBE1}">
-                <a14:hiddenEffects xmlns:a14="http://schemas.microsoft.com/office/drawing/2010/main" xmlns="">
+                <a14:hiddenEffects xmlns="" xmlns:a14="http://schemas.microsoft.com/office/drawing/2010/main">
                   <a:effectLst>
                     <a:outerShdw dist="35921" dir="2700000" algn="ctr" rotWithShape="0">
                       <a:schemeClr val="bg2"/>
@@ -7861,7 +7925,7 @@
             <a:effectLst/>
             <a:extLst>
               <a:ext uri="{AF507438-7753-43e0-B8FC-AC1667EBCBE1}">
-                <a14:hiddenEffects xmlns:a14="http://schemas.microsoft.com/office/drawing/2010/main" xmlns="">
+                <a14:hiddenEffects xmlns="" xmlns:a14="http://schemas.microsoft.com/office/drawing/2010/main">
                   <a:effectLst>
                     <a:outerShdw dist="35921" dir="2700000" algn="ctr" rotWithShape="0">
                       <a:schemeClr val="bg2"/>
@@ -9094,7 +9158,7 @@
           <a:effectLst/>
           <a:extLst>
             <a:ext uri="{AF507438-7753-43e0-B8FC-AC1667EBCBE1}">
-              <a14:hiddenEffects xmlns:a14="http://schemas.microsoft.com/office/drawing/2010/main" xmlns="">
+              <a14:hiddenEffects xmlns="" xmlns:a14="http://schemas.microsoft.com/office/drawing/2010/main">
                 <a:effectLst>
                   <a:outerShdw dist="35921" dir="2700000" algn="ctr" rotWithShape="0">
                     <a:schemeClr val="bg2"/>
